--- a/slides/Introduction.pptx
+++ b/slides/Introduction.pptx
@@ -1,47 +1,52 @@
 
 <file path=ppt/presentation.xml><?xml version="1.0" encoding="utf-8"?>
-<p:presentation xmlns:a="http://schemas.openxmlformats.org/drawingml/2006/main" xmlns:r="http://schemas.openxmlformats.org/officeDocument/2006/relationships" xmlns:mc="http://schemas.openxmlformats.org/markup-compatibility/2006" xmlns:mv="urn:schemas-microsoft-com:mac:vml" xmlns:p="http://schemas.openxmlformats.org/presentationml/2006/main" xmlns:c="http://schemas.openxmlformats.org/drawingml/2006/chart" xmlns:dgm="http://schemas.openxmlformats.org/drawingml/2006/diagram" xmlns:o="urn:schemas-microsoft-com:office:office" xmlns:v="urn:schemas-microsoft-com:vml" xmlns:pvml="urn:schemas-microsoft-com:office:powerpoint" xmlns:com="http://schemas.openxmlformats.org/drawingml/2006/compatibility" xmlns:p14="http://schemas.microsoft.com/office/powerpoint/2010/main" xmlns:p15="http://schemas.microsoft.com/office/powerpoint/2012/main" xmlns:ahyp="http://schemas.microsoft.com/office/drawing/2018/hyperlinkcolor" autoCompressPictures="0" embedTrueTypeFonts="1" strictFirstAndLastChars="0" saveSubsetFonts="1">
+<p:presentation xmlns:a="http://schemas.openxmlformats.org/drawingml/2006/main" xmlns:r="http://schemas.openxmlformats.org/officeDocument/2006/relationships" xmlns:p="http://schemas.openxmlformats.org/presentationml/2006/main" strictFirstAndLastChars="0" embedTrueTypeFonts="1" saveSubsetFonts="1" autoCompressPictures="0">
   <p:sldMasterIdLst>
-    <p:sldMasterId id="2147483655" r:id="rId4"/>
+    <p:sldMasterId id="2147483655" r:id="rId1"/>
   </p:sldMasterIdLst>
   <p:notesMasterIdLst>
-    <p:notesMasterId r:id="rId5"/>
+    <p:notesMasterId r:id="rId20"/>
   </p:notesMasterIdLst>
   <p:sldIdLst>
-    <p:sldId id="256" r:id="rId6"/>
-    <p:sldId id="257" r:id="rId7"/>
-    <p:sldId id="258" r:id="rId8"/>
-    <p:sldId id="259" r:id="rId9"/>
-    <p:sldId id="260" r:id="rId10"/>
-    <p:sldId id="261" r:id="rId11"/>
-    <p:sldId id="262" r:id="rId12"/>
-    <p:sldId id="263" r:id="rId13"/>
-    <p:sldId id="264" r:id="rId14"/>
-    <p:sldId id="265" r:id="rId15"/>
-    <p:sldId id="266" r:id="rId16"/>
-    <p:sldId id="267" r:id="rId17"/>
-    <p:sldId id="268" r:id="rId18"/>
-    <p:sldId id="269" r:id="rId19"/>
-    <p:sldId id="270" r:id="rId20"/>
-    <p:sldId id="271" r:id="rId21"/>
-    <p:sldId id="272" r:id="rId22"/>
-    <p:sldId id="273" r:id="rId23"/>
-    <p:sldId id="274" r:id="rId24"/>
-    <p:sldId id="275" r:id="rId25"/>
+    <p:sldId id="256" r:id="rId2"/>
+    <p:sldId id="259" r:id="rId3"/>
+    <p:sldId id="260" r:id="rId4"/>
+    <p:sldId id="261" r:id="rId5"/>
+    <p:sldId id="262" r:id="rId6"/>
+    <p:sldId id="263" r:id="rId7"/>
+    <p:sldId id="264" r:id="rId8"/>
+    <p:sldId id="265" r:id="rId9"/>
+    <p:sldId id="266" r:id="rId10"/>
+    <p:sldId id="267" r:id="rId11"/>
+    <p:sldId id="268" r:id="rId12"/>
+    <p:sldId id="269" r:id="rId13"/>
+    <p:sldId id="270" r:id="rId14"/>
+    <p:sldId id="271" r:id="rId15"/>
+    <p:sldId id="272" r:id="rId16"/>
+    <p:sldId id="273" r:id="rId17"/>
+    <p:sldId id="274" r:id="rId18"/>
+    <p:sldId id="275" r:id="rId19"/>
   </p:sldIdLst>
-  <p:sldSz cy="5143500" cx="9144000"/>
+  <p:sldSz cx="9144000" cy="5143500" type="screen16x9"/>
   <p:notesSz cx="6858000" cy="9144000"/>
   <p:embeddedFontLst>
     <p:embeddedFont>
-      <p:font typeface="Helvetica Neue"/>
-      <p:regular r:id="rId26"/>
-      <p:bold r:id="rId27"/>
-      <p:italic r:id="rId28"/>
-      <p:boldItalic r:id="rId29"/>
+      <p:font typeface="Calibri" panose="020F0502020204030204" pitchFamily="34" charset="0"/>
+      <p:regular r:id="rId21"/>
+      <p:bold r:id="rId22"/>
+      <p:italic r:id="rId23"/>
+      <p:boldItalic r:id="rId24"/>
+    </p:embeddedFont>
+    <p:embeddedFont>
+      <p:font typeface="Helvetica Neue" panose="02000503000000020004" pitchFamily="2" charset="0"/>
+      <p:regular r:id="rId25"/>
+      <p:bold r:id="rId26"/>
+      <p:italic r:id="rId27"/>
+      <p:boldItalic r:id="rId28"/>
     </p:embeddedFont>
   </p:embeddedFontLst>
   <p:defaultTextStyle>
-    <a:defPPr lvl="0" marR="0" rtl="0" algn="l">
+    <a:defPPr marR="0" lvl="0" algn="l" rtl="0">
       <a:lnSpc>
         <a:spcPct val="100000"/>
       </a:lnSpc>
@@ -52,7 +57,7 @@
         <a:spcPts val="0"/>
       </a:spcAft>
     </a:defPPr>
-    <a:lvl1pPr lvl="0" marR="0" rtl="0" algn="l">
+    <a:lvl1pPr marR="0" lvl="0" algn="l" rtl="0">
       <a:lnSpc>
         <a:spcPct val="100000"/>
       </a:lnSpc>
@@ -66,7 +71,7 @@
         <a:srgbClr val="000000"/>
       </a:buClr>
       <a:buFont typeface="Arial"/>
-      <a:defRPr b="0" i="0" sz="1400" u="none" cap="none" strike="noStrike">
+      <a:defRPr sz="1400" b="0" i="0" u="none" strike="noStrike" cap="none">
         <a:solidFill>
           <a:srgbClr val="000000"/>
         </a:solidFill>
@@ -76,7 +81,7 @@
         <a:sym typeface="Arial"/>
       </a:defRPr>
     </a:lvl1pPr>
-    <a:lvl2pPr lvl="1" marR="0" rtl="0" algn="l">
+    <a:lvl2pPr marR="0" lvl="1" algn="l" rtl="0">
       <a:lnSpc>
         <a:spcPct val="100000"/>
       </a:lnSpc>
@@ -90,7 +95,7 @@
         <a:srgbClr val="000000"/>
       </a:buClr>
       <a:buFont typeface="Arial"/>
-      <a:defRPr b="0" i="0" sz="1400" u="none" cap="none" strike="noStrike">
+      <a:defRPr sz="1400" b="0" i="0" u="none" strike="noStrike" cap="none">
         <a:solidFill>
           <a:srgbClr val="000000"/>
         </a:solidFill>
@@ -100,7 +105,7 @@
         <a:sym typeface="Arial"/>
       </a:defRPr>
     </a:lvl2pPr>
-    <a:lvl3pPr lvl="2" marR="0" rtl="0" algn="l">
+    <a:lvl3pPr marR="0" lvl="2" algn="l" rtl="0">
       <a:lnSpc>
         <a:spcPct val="100000"/>
       </a:lnSpc>
@@ -114,7 +119,7 @@
         <a:srgbClr val="000000"/>
       </a:buClr>
       <a:buFont typeface="Arial"/>
-      <a:defRPr b="0" i="0" sz="1400" u="none" cap="none" strike="noStrike">
+      <a:defRPr sz="1400" b="0" i="0" u="none" strike="noStrike" cap="none">
         <a:solidFill>
           <a:srgbClr val="000000"/>
         </a:solidFill>
@@ -124,7 +129,7 @@
         <a:sym typeface="Arial"/>
       </a:defRPr>
     </a:lvl3pPr>
-    <a:lvl4pPr lvl="3" marR="0" rtl="0" algn="l">
+    <a:lvl4pPr marR="0" lvl="3" algn="l" rtl="0">
       <a:lnSpc>
         <a:spcPct val="100000"/>
       </a:lnSpc>
@@ -138,7 +143,7 @@
         <a:srgbClr val="000000"/>
       </a:buClr>
       <a:buFont typeface="Arial"/>
-      <a:defRPr b="0" i="0" sz="1400" u="none" cap="none" strike="noStrike">
+      <a:defRPr sz="1400" b="0" i="0" u="none" strike="noStrike" cap="none">
         <a:solidFill>
           <a:srgbClr val="000000"/>
         </a:solidFill>
@@ -148,7 +153,7 @@
         <a:sym typeface="Arial"/>
       </a:defRPr>
     </a:lvl4pPr>
-    <a:lvl5pPr lvl="4" marR="0" rtl="0" algn="l">
+    <a:lvl5pPr marR="0" lvl="4" algn="l" rtl="0">
       <a:lnSpc>
         <a:spcPct val="100000"/>
       </a:lnSpc>
@@ -162,7 +167,7 @@
         <a:srgbClr val="000000"/>
       </a:buClr>
       <a:buFont typeface="Arial"/>
-      <a:defRPr b="0" i="0" sz="1400" u="none" cap="none" strike="noStrike">
+      <a:defRPr sz="1400" b="0" i="0" u="none" strike="noStrike" cap="none">
         <a:solidFill>
           <a:srgbClr val="000000"/>
         </a:solidFill>
@@ -172,7 +177,7 @@
         <a:sym typeface="Arial"/>
       </a:defRPr>
     </a:lvl5pPr>
-    <a:lvl6pPr lvl="5" marR="0" rtl="0" algn="l">
+    <a:lvl6pPr marR="0" lvl="5" algn="l" rtl="0">
       <a:lnSpc>
         <a:spcPct val="100000"/>
       </a:lnSpc>
@@ -186,7 +191,7 @@
         <a:srgbClr val="000000"/>
       </a:buClr>
       <a:buFont typeface="Arial"/>
-      <a:defRPr b="0" i="0" sz="1400" u="none" cap="none" strike="noStrike">
+      <a:defRPr sz="1400" b="0" i="0" u="none" strike="noStrike" cap="none">
         <a:solidFill>
           <a:srgbClr val="000000"/>
         </a:solidFill>
@@ -196,7 +201,7 @@
         <a:sym typeface="Arial"/>
       </a:defRPr>
     </a:lvl6pPr>
-    <a:lvl7pPr lvl="6" marR="0" rtl="0" algn="l">
+    <a:lvl7pPr marR="0" lvl="6" algn="l" rtl="0">
       <a:lnSpc>
         <a:spcPct val="100000"/>
       </a:lnSpc>
@@ -210,7 +215,7 @@
         <a:srgbClr val="000000"/>
       </a:buClr>
       <a:buFont typeface="Arial"/>
-      <a:defRPr b="0" i="0" sz="1400" u="none" cap="none" strike="noStrike">
+      <a:defRPr sz="1400" b="0" i="0" u="none" strike="noStrike" cap="none">
         <a:solidFill>
           <a:srgbClr val="000000"/>
         </a:solidFill>
@@ -220,7 +225,7 @@
         <a:sym typeface="Arial"/>
       </a:defRPr>
     </a:lvl7pPr>
-    <a:lvl8pPr lvl="7" marR="0" rtl="0" algn="l">
+    <a:lvl8pPr marR="0" lvl="7" algn="l" rtl="0">
       <a:lnSpc>
         <a:spcPct val="100000"/>
       </a:lnSpc>
@@ -234,7 +239,7 @@
         <a:srgbClr val="000000"/>
       </a:buClr>
       <a:buFont typeface="Arial"/>
-      <a:defRPr b="0" i="0" sz="1400" u="none" cap="none" strike="noStrike">
+      <a:defRPr sz="1400" b="0" i="0" u="none" strike="noStrike" cap="none">
         <a:solidFill>
           <a:srgbClr val="000000"/>
         </a:solidFill>
@@ -244,7 +249,7 @@
         <a:sym typeface="Arial"/>
       </a:defRPr>
     </a:lvl8pPr>
-    <a:lvl9pPr lvl="8" marR="0" rtl="0" algn="l">
+    <a:lvl9pPr marR="0" lvl="8" algn="l" rtl="0">
       <a:lnSpc>
         <a:spcPct val="100000"/>
       </a:lnSpc>
@@ -258,7 +263,7 @@
         <a:srgbClr val="000000"/>
       </a:buClr>
       <a:buFont typeface="Arial"/>
-      <a:defRPr b="0" i="0" sz="1400" u="none" cap="none" strike="noStrike">
+      <a:defRPr sz="1400" b="0" i="0" u="none" strike="noStrike" cap="none">
         <a:solidFill>
           <a:srgbClr val="000000"/>
         </a:solidFill>
@@ -271,7 +276,7 @@
   </p:defaultTextStyle>
   <p:extLst>
     <p:ext uri="{EFAFB233-063F-42B5-8137-9DF3F51BA10A}">
-      <p15:sldGuideLst>
+      <p15:sldGuideLst xmlns:p15="http://schemas.microsoft.com/office/powerpoint/2012/main">
         <p15:guide id="1" orient="horz" pos="1620">
           <p15:clr>
             <a:srgbClr val="A4A3A4"/>
@@ -289,11 +294,16 @@
 </file>
 
 <file path=ppt/notesMasters/notesMaster1.xml><?xml version="1.0" encoding="utf-8"?>
-<p:notesMaster xmlns:a="http://schemas.openxmlformats.org/drawingml/2006/main" xmlns:r="http://schemas.openxmlformats.org/officeDocument/2006/relationships" xmlns:mc="http://schemas.openxmlformats.org/markup-compatibility/2006" xmlns:mv="urn:schemas-microsoft-com:mac:vml" xmlns:p="http://schemas.openxmlformats.org/presentationml/2006/main" xmlns:c="http://schemas.openxmlformats.org/drawingml/2006/chart" xmlns:dgm="http://schemas.openxmlformats.org/drawingml/2006/diagram" xmlns:o="urn:schemas-microsoft-com:office:office" xmlns:v="urn:schemas-microsoft-com:vml" xmlns:pvml="urn:schemas-microsoft-com:office:powerpoint" xmlns:com="http://schemas.openxmlformats.org/drawingml/2006/compatibility" xmlns:p14="http://schemas.microsoft.com/office/powerpoint/2010/main" xmlns:p15="http://schemas.microsoft.com/office/powerpoint/2012/main" xmlns:ahyp="http://schemas.microsoft.com/office/drawing/2018/hyperlinkcolor">
+<p:notesMaster xmlns:a="http://schemas.openxmlformats.org/drawingml/2006/main" xmlns:r="http://schemas.openxmlformats.org/officeDocument/2006/relationships" xmlns:p="http://schemas.openxmlformats.org/presentationml/2006/main">
   <p:cSld>
+    <p:bg>
+      <p:bgRef idx="1001">
+        <a:schemeClr val="bg1"/>
+      </p:bgRef>
+    </p:bg>
     <p:spTree>
       <p:nvGrpSpPr>
-        <p:cNvPr id="2" name="Shape 2"/>
+        <p:cNvPr id="1" name="Shape 2"/>
         <p:cNvGrpSpPr/>
         <p:nvPr/>
       </p:nvGrpSpPr>
@@ -308,9 +318,11 @@
       <p:sp>
         <p:nvSpPr>
           <p:cNvPr id="3" name="Google Shape;3;n"/>
-          <p:cNvSpPr/>
+          <p:cNvSpPr>
+            <a:spLocks noGrp="1" noRot="1" noChangeAspect="1"/>
+          </p:cNvSpPr>
           <p:nvPr>
-            <p:ph idx="2" type="sldImg"/>
+            <p:ph type="sldImg" idx="2"/>
           </p:nvPr>
         </p:nvSpPr>
         <p:spPr>
@@ -319,9 +331,13 @@
             <a:ext cx="6096075" cy="3429000"/>
           </a:xfrm>
           <a:custGeom>
-            <a:rect b="b" l="l" r="r" t="t"/>
+            <a:avLst/>
+            <a:gdLst/>
+            <a:ahLst/>
+            <a:cxnLst/>
+            <a:rect l="l" t="t" r="r" b="b"/>
             <a:pathLst>
-              <a:path extrusionOk="0" h="120000" w="120000">
+              <a:path w="120000" h="120000" extrusionOk="0">
                 <a:moveTo>
                   <a:pt x="0" y="0"/>
                 </a:moveTo>
@@ -339,23 +355,25 @@
             </a:pathLst>
           </a:custGeom>
           <a:noFill/>
-          <a:ln cap="flat" cmpd="sng" w="9525">
+          <a:ln w="9525" cap="flat" cmpd="sng">
             <a:solidFill>
               <a:srgbClr val="000000"/>
             </a:solidFill>
             <a:prstDash val="solid"/>
             <a:round/>
-            <a:headEnd len="sm" w="sm" type="none"/>
-            <a:tailEnd len="sm" w="sm" type="none"/>
+            <a:headEnd type="none" w="sm" len="sm"/>
+            <a:tailEnd type="none" w="sm" len="sm"/>
           </a:ln>
         </p:spPr>
       </p:sp>
       <p:sp>
         <p:nvSpPr>
           <p:cNvPr id="4" name="Google Shape;4;n"/>
-          <p:cNvSpPr txBox="1"/>
+          <p:cNvSpPr txBox="1">
+            <a:spLocks noGrp="1"/>
+          </p:cNvSpPr>
           <p:nvPr>
-            <p:ph idx="1" type="body"/>
+            <p:ph type="body" idx="1"/>
           </p:nvPr>
         </p:nvSpPr>
         <p:spPr>
@@ -372,11 +390,11 @@
           </a:ln>
         </p:spPr>
         <p:txBody>
-          <a:bodyPr anchorCtr="0" anchor="t" bIns="91425" lIns="91425" spcFirstLastPara="1" rIns="91425" wrap="square" tIns="91425">
+          <a:bodyPr spcFirstLastPara="1" wrap="square" lIns="91425" tIns="91425" rIns="91425" bIns="91425" anchor="t" anchorCtr="0">
             <a:noAutofit/>
           </a:bodyPr>
           <a:lstStyle>
-            <a:lvl1pPr indent="-298450" lvl="0" marL="457200">
+            <a:lvl1pPr marL="457200" lvl="0" indent="-298450">
               <a:spcBef>
                 <a:spcPts val="0"/>
               </a:spcBef>
@@ -387,7 +405,7 @@
               <a:buChar char="●"/>
               <a:defRPr sz="1100"/>
             </a:lvl1pPr>
-            <a:lvl2pPr indent="-298450" lvl="1" marL="914400">
+            <a:lvl2pPr marL="914400" lvl="1" indent="-298450">
               <a:spcBef>
                 <a:spcPts val="0"/>
               </a:spcBef>
@@ -398,7 +416,7 @@
               <a:buChar char="○"/>
               <a:defRPr sz="1100"/>
             </a:lvl2pPr>
-            <a:lvl3pPr indent="-298450" lvl="2" marL="1371600">
+            <a:lvl3pPr marL="1371600" lvl="2" indent="-298450">
               <a:spcBef>
                 <a:spcPts val="0"/>
               </a:spcBef>
@@ -409,7 +427,7 @@
               <a:buChar char="■"/>
               <a:defRPr sz="1100"/>
             </a:lvl3pPr>
-            <a:lvl4pPr indent="-298450" lvl="3" marL="1828800">
+            <a:lvl4pPr marL="1828800" lvl="3" indent="-298450">
               <a:spcBef>
                 <a:spcPts val="0"/>
               </a:spcBef>
@@ -420,7 +438,7 @@
               <a:buChar char="●"/>
               <a:defRPr sz="1100"/>
             </a:lvl4pPr>
-            <a:lvl5pPr indent="-298450" lvl="4" marL="2286000">
+            <a:lvl5pPr marL="2286000" lvl="4" indent="-298450">
               <a:spcBef>
                 <a:spcPts val="0"/>
               </a:spcBef>
@@ -431,7 +449,7 @@
               <a:buChar char="○"/>
               <a:defRPr sz="1100"/>
             </a:lvl5pPr>
-            <a:lvl6pPr indent="-298450" lvl="5" marL="2743200">
+            <a:lvl6pPr marL="2743200" lvl="5" indent="-298450">
               <a:spcBef>
                 <a:spcPts val="0"/>
               </a:spcBef>
@@ -442,7 +460,7 @@
               <a:buChar char="■"/>
               <a:defRPr sz="1100"/>
             </a:lvl6pPr>
-            <a:lvl7pPr indent="-298450" lvl="6" marL="3200400">
+            <a:lvl7pPr marL="3200400" lvl="6" indent="-298450">
               <a:spcBef>
                 <a:spcPts val="0"/>
               </a:spcBef>
@@ -453,7 +471,7 @@
               <a:buChar char="●"/>
               <a:defRPr sz="1100"/>
             </a:lvl7pPr>
-            <a:lvl8pPr indent="-298450" lvl="7" marL="3657600">
+            <a:lvl8pPr marL="3657600" lvl="7" indent="-298450">
               <a:spcBef>
                 <a:spcPts val="0"/>
               </a:spcBef>
@@ -464,7 +482,7 @@
               <a:buChar char="○"/>
               <a:defRPr sz="1100"/>
             </a:lvl8pPr>
-            <a:lvl9pPr indent="-298450" lvl="8" marL="4114800">
+            <a:lvl9pPr marL="4114800" lvl="8" indent="-298450">
               <a:spcBef>
                 <a:spcPts val="0"/>
               </a:spcBef>
@@ -476,14 +494,16 @@
               <a:defRPr sz="1100"/>
             </a:lvl9pPr>
           </a:lstStyle>
-          <a:p/>
+          <a:p>
+            <a:endParaRPr/>
+          </a:p>
         </p:txBody>
       </p:sp>
     </p:spTree>
   </p:cSld>
-  <p:clrMap accent1="accent1" accent2="accent2" accent3="accent3" accent4="accent4" accent5="accent5" accent6="accent6" bg1="lt1" bg2="dk2" tx1="dk1" tx2="lt2" folHlink="folHlink" hlink="hlink"/>
+  <p:clrMap bg1="lt1" tx1="dk1" bg2="dk2" tx2="lt2" accent1="accent1" accent2="accent2" accent3="accent3" accent4="accent4" accent5="accent5" accent6="accent6" hlink="hlink" folHlink="folHlink"/>
   <p:notesStyle>
-    <a:defPPr lvl="0" marR="0" rtl="0" algn="l">
+    <a:defPPr marR="0" lvl="0" algn="l" rtl="0">
       <a:lnSpc>
         <a:spcPct val="100000"/>
       </a:lnSpc>
@@ -494,7 +514,7 @@
         <a:spcPts val="0"/>
       </a:spcAft>
     </a:defPPr>
-    <a:lvl1pPr lvl="0" marR="0" rtl="0" algn="l">
+    <a:lvl1pPr marR="0" lvl="0" algn="l" rtl="0">
       <a:lnSpc>
         <a:spcPct val="100000"/>
       </a:lnSpc>
@@ -508,7 +528,7 @@
         <a:srgbClr val="000000"/>
       </a:buClr>
       <a:buFont typeface="Arial"/>
-      <a:defRPr b="0" i="0" sz="1400" u="none" cap="none" strike="noStrike">
+      <a:defRPr sz="1400" b="0" i="0" u="none" strike="noStrike" cap="none">
         <a:solidFill>
           <a:srgbClr val="000000"/>
         </a:solidFill>
@@ -518,7 +538,7 @@
         <a:sym typeface="Arial"/>
       </a:defRPr>
     </a:lvl1pPr>
-    <a:lvl2pPr lvl="1" marR="0" rtl="0" algn="l">
+    <a:lvl2pPr marR="0" lvl="1" algn="l" rtl="0">
       <a:lnSpc>
         <a:spcPct val="100000"/>
       </a:lnSpc>
@@ -532,7 +552,7 @@
         <a:srgbClr val="000000"/>
       </a:buClr>
       <a:buFont typeface="Arial"/>
-      <a:defRPr b="0" i="0" sz="1400" u="none" cap="none" strike="noStrike">
+      <a:defRPr sz="1400" b="0" i="0" u="none" strike="noStrike" cap="none">
         <a:solidFill>
           <a:srgbClr val="000000"/>
         </a:solidFill>
@@ -542,7 +562,7 @@
         <a:sym typeface="Arial"/>
       </a:defRPr>
     </a:lvl2pPr>
-    <a:lvl3pPr lvl="2" marR="0" rtl="0" algn="l">
+    <a:lvl3pPr marR="0" lvl="2" algn="l" rtl="0">
       <a:lnSpc>
         <a:spcPct val="100000"/>
       </a:lnSpc>
@@ -556,7 +576,7 @@
         <a:srgbClr val="000000"/>
       </a:buClr>
       <a:buFont typeface="Arial"/>
-      <a:defRPr b="0" i="0" sz="1400" u="none" cap="none" strike="noStrike">
+      <a:defRPr sz="1400" b="0" i="0" u="none" strike="noStrike" cap="none">
         <a:solidFill>
           <a:srgbClr val="000000"/>
         </a:solidFill>
@@ -566,7 +586,7 @@
         <a:sym typeface="Arial"/>
       </a:defRPr>
     </a:lvl3pPr>
-    <a:lvl4pPr lvl="3" marR="0" rtl="0" algn="l">
+    <a:lvl4pPr marR="0" lvl="3" algn="l" rtl="0">
       <a:lnSpc>
         <a:spcPct val="100000"/>
       </a:lnSpc>
@@ -580,7 +600,7 @@
         <a:srgbClr val="000000"/>
       </a:buClr>
       <a:buFont typeface="Arial"/>
-      <a:defRPr b="0" i="0" sz="1400" u="none" cap="none" strike="noStrike">
+      <a:defRPr sz="1400" b="0" i="0" u="none" strike="noStrike" cap="none">
         <a:solidFill>
           <a:srgbClr val="000000"/>
         </a:solidFill>
@@ -590,7 +610,7 @@
         <a:sym typeface="Arial"/>
       </a:defRPr>
     </a:lvl4pPr>
-    <a:lvl5pPr lvl="4" marR="0" rtl="0" algn="l">
+    <a:lvl5pPr marR="0" lvl="4" algn="l" rtl="0">
       <a:lnSpc>
         <a:spcPct val="100000"/>
       </a:lnSpc>
@@ -604,7 +624,7 @@
         <a:srgbClr val="000000"/>
       </a:buClr>
       <a:buFont typeface="Arial"/>
-      <a:defRPr b="0" i="0" sz="1400" u="none" cap="none" strike="noStrike">
+      <a:defRPr sz="1400" b="0" i="0" u="none" strike="noStrike" cap="none">
         <a:solidFill>
           <a:srgbClr val="000000"/>
         </a:solidFill>
@@ -614,7 +634,7 @@
         <a:sym typeface="Arial"/>
       </a:defRPr>
     </a:lvl5pPr>
-    <a:lvl6pPr lvl="5" marR="0" rtl="0" algn="l">
+    <a:lvl6pPr marR="0" lvl="5" algn="l" rtl="0">
       <a:lnSpc>
         <a:spcPct val="100000"/>
       </a:lnSpc>
@@ -628,7 +648,7 @@
         <a:srgbClr val="000000"/>
       </a:buClr>
       <a:buFont typeface="Arial"/>
-      <a:defRPr b="0" i="0" sz="1400" u="none" cap="none" strike="noStrike">
+      <a:defRPr sz="1400" b="0" i="0" u="none" strike="noStrike" cap="none">
         <a:solidFill>
           <a:srgbClr val="000000"/>
         </a:solidFill>
@@ -638,7 +658,7 @@
         <a:sym typeface="Arial"/>
       </a:defRPr>
     </a:lvl6pPr>
-    <a:lvl7pPr lvl="6" marR="0" rtl="0" algn="l">
+    <a:lvl7pPr marR="0" lvl="6" algn="l" rtl="0">
       <a:lnSpc>
         <a:spcPct val="100000"/>
       </a:lnSpc>
@@ -652,7 +672,7 @@
         <a:srgbClr val="000000"/>
       </a:buClr>
       <a:buFont typeface="Arial"/>
-      <a:defRPr b="0" i="0" sz="1400" u="none" cap="none" strike="noStrike">
+      <a:defRPr sz="1400" b="0" i="0" u="none" strike="noStrike" cap="none">
         <a:solidFill>
           <a:srgbClr val="000000"/>
         </a:solidFill>
@@ -662,7 +682,7 @@
         <a:sym typeface="Arial"/>
       </a:defRPr>
     </a:lvl7pPr>
-    <a:lvl8pPr lvl="7" marR="0" rtl="0" algn="l">
+    <a:lvl8pPr marR="0" lvl="7" algn="l" rtl="0">
       <a:lnSpc>
         <a:spcPct val="100000"/>
       </a:lnSpc>
@@ -676,7 +696,7 @@
         <a:srgbClr val="000000"/>
       </a:buClr>
       <a:buFont typeface="Arial"/>
-      <a:defRPr b="0" i="0" sz="1400" u="none" cap="none" strike="noStrike">
+      <a:defRPr sz="1400" b="0" i="0" u="none" strike="noStrike" cap="none">
         <a:solidFill>
           <a:srgbClr val="000000"/>
         </a:solidFill>
@@ -686,7 +706,7 @@
         <a:sym typeface="Arial"/>
       </a:defRPr>
     </a:lvl8pPr>
-    <a:lvl9pPr lvl="8" marR="0" rtl="0" algn="l">
+    <a:lvl9pPr marR="0" lvl="8" algn="l" rtl="0">
       <a:lnSpc>
         <a:spcPct val="100000"/>
       </a:lnSpc>
@@ -700,7 +720,7 @@
         <a:srgbClr val="000000"/>
       </a:buClr>
       <a:buFont typeface="Arial"/>
-      <a:defRPr b="0" i="0" sz="1400" u="none" cap="none" strike="noStrike">
+      <a:defRPr sz="1400" b="0" i="0" u="none" strike="noStrike" cap="none">
         <a:solidFill>
           <a:srgbClr val="000000"/>
         </a:solidFill>
@@ -715,11 +735,11 @@
 </file>
 
 <file path=ppt/notesSlides/notesSlide1.xml><?xml version="1.0" encoding="utf-8"?>
-<p:notes xmlns:a="http://schemas.openxmlformats.org/drawingml/2006/main" xmlns:r="http://schemas.openxmlformats.org/officeDocument/2006/relationships" xmlns:mc="http://schemas.openxmlformats.org/markup-compatibility/2006" xmlns:mv="urn:schemas-microsoft-com:mac:vml" xmlns:p="http://schemas.openxmlformats.org/presentationml/2006/main" xmlns:c="http://schemas.openxmlformats.org/drawingml/2006/chart" xmlns:dgm="http://schemas.openxmlformats.org/drawingml/2006/diagram" xmlns:o="urn:schemas-microsoft-com:office:office" xmlns:v="urn:schemas-microsoft-com:vml" xmlns:pvml="urn:schemas-microsoft-com:office:powerpoint" xmlns:com="http://schemas.openxmlformats.org/drawingml/2006/compatibility" xmlns:p14="http://schemas.microsoft.com/office/powerpoint/2010/main" xmlns:p15="http://schemas.microsoft.com/office/powerpoint/2012/main" xmlns:ahyp="http://schemas.microsoft.com/office/drawing/2018/hyperlinkcolor" showMasterPhAnim="0" showMasterSp="0">
+<p:notes xmlns:a="http://schemas.openxmlformats.org/drawingml/2006/main" xmlns:r="http://schemas.openxmlformats.org/officeDocument/2006/relationships" xmlns:p="http://schemas.openxmlformats.org/presentationml/2006/main" showMasterSp="0" showMasterPhAnim="0">
   <p:cSld>
     <p:spTree>
       <p:nvGrpSpPr>
-        <p:cNvPr id="38" name="Shape 38"/>
+        <p:cNvPr id="1" name="Shape 38"/>
         <p:cNvGrpSpPr/>
         <p:nvPr/>
       </p:nvGrpSpPr>
@@ -734,9 +754,11 @@
       <p:sp>
         <p:nvSpPr>
           <p:cNvPr id="39" name="Google Shape;39;p:notes"/>
-          <p:cNvSpPr/>
+          <p:cNvSpPr>
+            <a:spLocks noGrp="1" noRot="1" noChangeAspect="1"/>
+          </p:cNvSpPr>
           <p:nvPr>
-            <p:ph idx="2" type="sldImg"/>
+            <p:ph type="sldImg" idx="2"/>
           </p:nvPr>
         </p:nvSpPr>
         <p:spPr>
@@ -745,9 +767,13 @@
             <a:ext cx="6096075" cy="3429000"/>
           </a:xfrm>
           <a:custGeom>
-            <a:rect b="b" l="l" r="r" t="t"/>
+            <a:avLst/>
+            <a:gdLst/>
+            <a:ahLst/>
+            <a:cxnLst/>
+            <a:rect l="l" t="t" r="r" b="b"/>
             <a:pathLst>
-              <a:path extrusionOk="0" h="120000" w="120000">
+              <a:path w="120000" h="120000" extrusionOk="0">
                 <a:moveTo>
                   <a:pt x="0" y="0"/>
                 </a:moveTo>
@@ -769,9 +795,11 @@
       <p:sp>
         <p:nvSpPr>
           <p:cNvPr id="40" name="Google Shape;40;p:notes"/>
-          <p:cNvSpPr txBox="1"/>
+          <p:cNvSpPr txBox="1">
+            <a:spLocks noGrp="1"/>
+          </p:cNvSpPr>
           <p:nvPr>
-            <p:ph idx="1" type="body"/>
+            <p:ph type="body" idx="1"/>
           </p:nvPr>
         </p:nvSpPr>
         <p:spPr>
@@ -784,23 +812,20 @@
           </a:prstGeom>
         </p:spPr>
         <p:txBody>
-          <a:bodyPr anchorCtr="0" anchor="t" bIns="91425" lIns="91425" spcFirstLastPara="1" rIns="91425" wrap="square" tIns="91425">
+          <a:bodyPr spcFirstLastPara="1" wrap="square" lIns="91425" tIns="91425" rIns="91425" bIns="91425" anchor="t" anchorCtr="0">
             <a:noAutofit/>
           </a:bodyPr>
           <a:lstStyle/>
           <a:p>
-            <a:pPr indent="0" lvl="0" marL="0" rtl="0" algn="l">
-              <a:spcBef>
-                <a:spcPts val="0"/>
-              </a:spcBef>
-              <a:spcAft>
-                <a:spcPts val="0"/>
-              </a:spcAft>
-              <a:buNone/>
-            </a:pPr>
-            <a:r>
-              <a:t/>
-            </a:r>
+            <a:pPr marL="0" lvl="0" indent="0" algn="l" rtl="0">
+              <a:spcBef>
+                <a:spcPts val="0"/>
+              </a:spcBef>
+              <a:spcAft>
+                <a:spcPts val="0"/>
+              </a:spcAft>
+              <a:buNone/>
+            </a:pPr>
             <a:endParaRPr/>
           </a:p>
         </p:txBody>
@@ -814,11 +839,11 @@
 </file>
 
 <file path=ppt/notesSlides/notesSlide10.xml><?xml version="1.0" encoding="utf-8"?>
-<p:notes xmlns:a="http://schemas.openxmlformats.org/drawingml/2006/main" xmlns:r="http://schemas.openxmlformats.org/officeDocument/2006/relationships" xmlns:mc="http://schemas.openxmlformats.org/markup-compatibility/2006" xmlns:mv="urn:schemas-microsoft-com:mac:vml" xmlns:p="http://schemas.openxmlformats.org/presentationml/2006/main" xmlns:c="http://schemas.openxmlformats.org/drawingml/2006/chart" xmlns:dgm="http://schemas.openxmlformats.org/drawingml/2006/diagram" xmlns:o="urn:schemas-microsoft-com:office:office" xmlns:v="urn:schemas-microsoft-com:vml" xmlns:pvml="urn:schemas-microsoft-com:office:powerpoint" xmlns:com="http://schemas.openxmlformats.org/drawingml/2006/compatibility" xmlns:p14="http://schemas.microsoft.com/office/powerpoint/2010/main" xmlns:p15="http://schemas.microsoft.com/office/powerpoint/2012/main" xmlns:ahyp="http://schemas.microsoft.com/office/drawing/2018/hyperlinkcolor" showMasterPhAnim="0" showMasterSp="0">
+<p:notes xmlns:a="http://schemas.openxmlformats.org/drawingml/2006/main" xmlns:r="http://schemas.openxmlformats.org/officeDocument/2006/relationships" xmlns:p="http://schemas.openxmlformats.org/presentationml/2006/main" showMasterSp="0" showMasterPhAnim="0">
   <p:cSld>
     <p:spTree>
       <p:nvGrpSpPr>
-        <p:cNvPr id="101" name="Shape 101"/>
+        <p:cNvPr id="1" name="Shape 116"/>
         <p:cNvGrpSpPr/>
         <p:nvPr/>
       </p:nvGrpSpPr>
@@ -832,10 +857,12 @@
       </p:grpSpPr>
       <p:sp>
         <p:nvSpPr>
-          <p:cNvPr id="102" name="Google Shape;102;g4f1d3d1fcb_0_5:notes"/>
-          <p:cNvSpPr/>
+          <p:cNvPr id="117" name="Google Shape;117;g4f1d3d1fcb_0_39:notes"/>
+          <p:cNvSpPr>
+            <a:spLocks noGrp="1" noRot="1" noChangeAspect="1"/>
+          </p:cNvSpPr>
           <p:nvPr>
-            <p:ph idx="2" type="sldImg"/>
+            <p:ph type="sldImg" idx="2"/>
           </p:nvPr>
         </p:nvSpPr>
         <p:spPr>
@@ -844,9 +871,13 @@
             <a:ext cx="6096000" cy="3429000"/>
           </a:xfrm>
           <a:custGeom>
-            <a:rect b="b" l="l" r="r" t="t"/>
+            <a:avLst/>
+            <a:gdLst/>
+            <a:ahLst/>
+            <a:cxnLst/>
+            <a:rect l="l" t="t" r="r" b="b"/>
             <a:pathLst>
-              <a:path extrusionOk="0" h="120000" w="120000">
+              <a:path w="120000" h="120000" extrusionOk="0">
                 <a:moveTo>
                   <a:pt x="0" y="0"/>
                 </a:moveTo>
@@ -867,10 +898,12 @@
       </p:sp>
       <p:sp>
         <p:nvSpPr>
-          <p:cNvPr id="103" name="Google Shape;103;g4f1d3d1fcb_0_5:notes"/>
-          <p:cNvSpPr txBox="1"/>
+          <p:cNvPr id="118" name="Google Shape;118;g4f1d3d1fcb_0_39:notes"/>
+          <p:cNvSpPr txBox="1">
+            <a:spLocks noGrp="1"/>
+          </p:cNvSpPr>
           <p:nvPr>
-            <p:ph idx="1" type="body"/>
+            <p:ph type="body" idx="1"/>
           </p:nvPr>
         </p:nvSpPr>
         <p:spPr>
@@ -883,23 +916,20 @@
           </a:prstGeom>
         </p:spPr>
         <p:txBody>
-          <a:bodyPr anchorCtr="0" anchor="t" bIns="91425" lIns="91425" spcFirstLastPara="1" rIns="91425" wrap="square" tIns="91425">
+          <a:bodyPr spcFirstLastPara="1" wrap="square" lIns="91425" tIns="91425" rIns="91425" bIns="91425" anchor="t" anchorCtr="0">
             <a:noAutofit/>
           </a:bodyPr>
           <a:lstStyle/>
           <a:p>
-            <a:pPr indent="0" lvl="0" marL="0" rtl="0" algn="l">
-              <a:spcBef>
-                <a:spcPts val="0"/>
-              </a:spcBef>
-              <a:spcAft>
-                <a:spcPts val="0"/>
-              </a:spcAft>
-              <a:buNone/>
-            </a:pPr>
-            <a:r>
-              <a:t/>
-            </a:r>
+            <a:pPr marL="0" lvl="0" indent="0" algn="l" rtl="0">
+              <a:spcBef>
+                <a:spcPts val="0"/>
+              </a:spcBef>
+              <a:spcAft>
+                <a:spcPts val="0"/>
+              </a:spcAft>
+              <a:buNone/>
+            </a:pPr>
             <a:endParaRPr/>
           </a:p>
         </p:txBody>
@@ -913,11 +943,11 @@
 </file>
 
 <file path=ppt/notesSlides/notesSlide11.xml><?xml version="1.0" encoding="utf-8"?>
-<p:notes xmlns:a="http://schemas.openxmlformats.org/drawingml/2006/main" xmlns:r="http://schemas.openxmlformats.org/officeDocument/2006/relationships" xmlns:mc="http://schemas.openxmlformats.org/markup-compatibility/2006" xmlns:mv="urn:schemas-microsoft-com:mac:vml" xmlns:p="http://schemas.openxmlformats.org/presentationml/2006/main" xmlns:c="http://schemas.openxmlformats.org/drawingml/2006/chart" xmlns:dgm="http://schemas.openxmlformats.org/drawingml/2006/diagram" xmlns:o="urn:schemas-microsoft-com:office:office" xmlns:v="urn:schemas-microsoft-com:vml" xmlns:pvml="urn:schemas-microsoft-com:office:powerpoint" xmlns:com="http://schemas.openxmlformats.org/drawingml/2006/compatibility" xmlns:p14="http://schemas.microsoft.com/office/powerpoint/2010/main" xmlns:p15="http://schemas.microsoft.com/office/powerpoint/2012/main" xmlns:ahyp="http://schemas.microsoft.com/office/drawing/2018/hyperlinkcolor" showMasterPhAnim="0" showMasterSp="0">
+<p:notes xmlns:a="http://schemas.openxmlformats.org/drawingml/2006/main" xmlns:r="http://schemas.openxmlformats.org/officeDocument/2006/relationships" xmlns:p="http://schemas.openxmlformats.org/presentationml/2006/main" showMasterSp="0" showMasterPhAnim="0">
   <p:cSld>
     <p:spTree>
       <p:nvGrpSpPr>
-        <p:cNvPr id="107" name="Shape 107"/>
+        <p:cNvPr id="1" name="Shape 125"/>
         <p:cNvGrpSpPr/>
         <p:nvPr/>
       </p:nvGrpSpPr>
@@ -931,10 +961,12 @@
       </p:grpSpPr>
       <p:sp>
         <p:nvSpPr>
-          <p:cNvPr id="108" name="Google Shape;108;g4f1d3d1fcb_0_24:notes"/>
-          <p:cNvSpPr/>
+          <p:cNvPr id="126" name="Google Shape;126;g62c25cff39_2_0:notes"/>
+          <p:cNvSpPr>
+            <a:spLocks noGrp="1" noRot="1" noChangeAspect="1"/>
+          </p:cNvSpPr>
           <p:nvPr>
-            <p:ph idx="2" type="sldImg"/>
+            <p:ph type="sldImg" idx="2"/>
           </p:nvPr>
         </p:nvSpPr>
         <p:spPr>
@@ -943,9 +975,13 @@
             <a:ext cx="6096000" cy="3429000"/>
           </a:xfrm>
           <a:custGeom>
-            <a:rect b="b" l="l" r="r" t="t"/>
+            <a:avLst/>
+            <a:gdLst/>
+            <a:ahLst/>
+            <a:cxnLst/>
+            <a:rect l="l" t="t" r="r" b="b"/>
             <a:pathLst>
-              <a:path extrusionOk="0" h="120000" w="120000">
+              <a:path w="120000" h="120000" extrusionOk="0">
                 <a:moveTo>
                   <a:pt x="0" y="0"/>
                 </a:moveTo>
@@ -966,10 +1002,12 @@
       </p:sp>
       <p:sp>
         <p:nvSpPr>
-          <p:cNvPr id="109" name="Google Shape;109;g4f1d3d1fcb_0_24:notes"/>
-          <p:cNvSpPr txBox="1"/>
+          <p:cNvPr id="127" name="Google Shape;127;g62c25cff39_2_0:notes"/>
+          <p:cNvSpPr txBox="1">
+            <a:spLocks noGrp="1"/>
+          </p:cNvSpPr>
           <p:nvPr>
-            <p:ph idx="1" type="body"/>
+            <p:ph type="body" idx="1"/>
           </p:nvPr>
         </p:nvSpPr>
         <p:spPr>
@@ -982,23 +1020,20 @@
           </a:prstGeom>
         </p:spPr>
         <p:txBody>
-          <a:bodyPr anchorCtr="0" anchor="t" bIns="91425" lIns="91425" spcFirstLastPara="1" rIns="91425" wrap="square" tIns="91425">
+          <a:bodyPr spcFirstLastPara="1" wrap="square" lIns="91425" tIns="91425" rIns="91425" bIns="91425" anchor="t" anchorCtr="0">
             <a:noAutofit/>
           </a:bodyPr>
           <a:lstStyle/>
           <a:p>
-            <a:pPr indent="0" lvl="0" marL="0" rtl="0" algn="l">
-              <a:spcBef>
-                <a:spcPts val="0"/>
-              </a:spcBef>
-              <a:spcAft>
-                <a:spcPts val="0"/>
-              </a:spcAft>
-              <a:buNone/>
-            </a:pPr>
-            <a:r>
-              <a:t/>
-            </a:r>
+            <a:pPr marL="0" lvl="0" indent="0" algn="l" rtl="0">
+              <a:spcBef>
+                <a:spcPts val="0"/>
+              </a:spcBef>
+              <a:spcAft>
+                <a:spcPts val="0"/>
+              </a:spcAft>
+              <a:buNone/>
+            </a:pPr>
             <a:endParaRPr/>
           </a:p>
         </p:txBody>
@@ -1012,11 +1047,11 @@
 </file>
 
 <file path=ppt/notesSlides/notesSlide12.xml><?xml version="1.0" encoding="utf-8"?>
-<p:notes xmlns:a="http://schemas.openxmlformats.org/drawingml/2006/main" xmlns:r="http://schemas.openxmlformats.org/officeDocument/2006/relationships" xmlns:mc="http://schemas.openxmlformats.org/markup-compatibility/2006" xmlns:mv="urn:schemas-microsoft-com:mac:vml" xmlns:p="http://schemas.openxmlformats.org/presentationml/2006/main" xmlns:c="http://schemas.openxmlformats.org/drawingml/2006/chart" xmlns:dgm="http://schemas.openxmlformats.org/drawingml/2006/diagram" xmlns:o="urn:schemas-microsoft-com:office:office" xmlns:v="urn:schemas-microsoft-com:vml" xmlns:pvml="urn:schemas-microsoft-com:office:powerpoint" xmlns:com="http://schemas.openxmlformats.org/drawingml/2006/compatibility" xmlns:p14="http://schemas.microsoft.com/office/powerpoint/2010/main" xmlns:p15="http://schemas.microsoft.com/office/powerpoint/2012/main" xmlns:ahyp="http://schemas.microsoft.com/office/drawing/2018/hyperlinkcolor" showMasterPhAnim="0" showMasterSp="0">
+<p:notes xmlns:a="http://schemas.openxmlformats.org/drawingml/2006/main" xmlns:r="http://schemas.openxmlformats.org/officeDocument/2006/relationships" xmlns:p="http://schemas.openxmlformats.org/presentationml/2006/main" showMasterSp="0" showMasterPhAnim="0">
   <p:cSld>
     <p:spTree>
       <p:nvGrpSpPr>
-        <p:cNvPr id="116" name="Shape 116"/>
+        <p:cNvPr id="1" name="Shape 132"/>
         <p:cNvGrpSpPr/>
         <p:nvPr/>
       </p:nvGrpSpPr>
@@ -1030,10 +1065,12 @@
       </p:grpSpPr>
       <p:sp>
         <p:nvSpPr>
-          <p:cNvPr id="117" name="Google Shape;117;g4f1d3d1fcb_0_39:notes"/>
-          <p:cNvSpPr/>
+          <p:cNvPr id="133" name="Google Shape;133;g98a48c6e33_0_0:notes"/>
+          <p:cNvSpPr>
+            <a:spLocks noGrp="1" noRot="1" noChangeAspect="1"/>
+          </p:cNvSpPr>
           <p:nvPr>
-            <p:ph idx="2" type="sldImg"/>
+            <p:ph type="sldImg" idx="2"/>
           </p:nvPr>
         </p:nvSpPr>
         <p:spPr>
@@ -1042,9 +1079,13 @@
             <a:ext cx="6096000" cy="3429000"/>
           </a:xfrm>
           <a:custGeom>
-            <a:rect b="b" l="l" r="r" t="t"/>
+            <a:avLst/>
+            <a:gdLst/>
+            <a:ahLst/>
+            <a:cxnLst/>
+            <a:rect l="l" t="t" r="r" b="b"/>
             <a:pathLst>
-              <a:path extrusionOk="0" h="120000" w="120000">
+              <a:path w="120000" h="120000" extrusionOk="0">
                 <a:moveTo>
                   <a:pt x="0" y="0"/>
                 </a:moveTo>
@@ -1065,10 +1106,12 @@
       </p:sp>
       <p:sp>
         <p:nvSpPr>
-          <p:cNvPr id="118" name="Google Shape;118;g4f1d3d1fcb_0_39:notes"/>
-          <p:cNvSpPr txBox="1"/>
+          <p:cNvPr id="134" name="Google Shape;134;g98a48c6e33_0_0:notes"/>
+          <p:cNvSpPr txBox="1">
+            <a:spLocks noGrp="1"/>
+          </p:cNvSpPr>
           <p:nvPr>
-            <p:ph idx="1" type="body"/>
+            <p:ph type="body" idx="1"/>
           </p:nvPr>
         </p:nvSpPr>
         <p:spPr>
@@ -1081,23 +1124,20 @@
           </a:prstGeom>
         </p:spPr>
         <p:txBody>
-          <a:bodyPr anchorCtr="0" anchor="t" bIns="91425" lIns="91425" spcFirstLastPara="1" rIns="91425" wrap="square" tIns="91425">
+          <a:bodyPr spcFirstLastPara="1" wrap="square" lIns="91425" tIns="91425" rIns="91425" bIns="91425" anchor="t" anchorCtr="0">
             <a:noAutofit/>
           </a:bodyPr>
           <a:lstStyle/>
           <a:p>
-            <a:pPr indent="0" lvl="0" marL="0" rtl="0" algn="l">
-              <a:spcBef>
-                <a:spcPts val="0"/>
-              </a:spcBef>
-              <a:spcAft>
-                <a:spcPts val="0"/>
-              </a:spcAft>
-              <a:buNone/>
-            </a:pPr>
-            <a:r>
-              <a:t/>
-            </a:r>
+            <a:pPr marL="0" lvl="0" indent="0" algn="l" rtl="0">
+              <a:spcBef>
+                <a:spcPts val="0"/>
+              </a:spcBef>
+              <a:spcAft>
+                <a:spcPts val="0"/>
+              </a:spcAft>
+              <a:buNone/>
+            </a:pPr>
             <a:endParaRPr/>
           </a:p>
         </p:txBody>
@@ -1111,11 +1151,11 @@
 </file>
 
 <file path=ppt/notesSlides/notesSlide13.xml><?xml version="1.0" encoding="utf-8"?>
-<p:notes xmlns:a="http://schemas.openxmlformats.org/drawingml/2006/main" xmlns:r="http://schemas.openxmlformats.org/officeDocument/2006/relationships" xmlns:mc="http://schemas.openxmlformats.org/markup-compatibility/2006" xmlns:mv="urn:schemas-microsoft-com:mac:vml" xmlns:p="http://schemas.openxmlformats.org/presentationml/2006/main" xmlns:c="http://schemas.openxmlformats.org/drawingml/2006/chart" xmlns:dgm="http://schemas.openxmlformats.org/drawingml/2006/diagram" xmlns:o="urn:schemas-microsoft-com:office:office" xmlns:v="urn:schemas-microsoft-com:vml" xmlns:pvml="urn:schemas-microsoft-com:office:powerpoint" xmlns:com="http://schemas.openxmlformats.org/drawingml/2006/compatibility" xmlns:p14="http://schemas.microsoft.com/office/powerpoint/2010/main" xmlns:p15="http://schemas.microsoft.com/office/powerpoint/2012/main" xmlns:ahyp="http://schemas.microsoft.com/office/drawing/2018/hyperlinkcolor" showMasterPhAnim="0" showMasterSp="0">
+<p:notes xmlns:a="http://schemas.openxmlformats.org/drawingml/2006/main" xmlns:r="http://schemas.openxmlformats.org/officeDocument/2006/relationships" xmlns:p="http://schemas.openxmlformats.org/presentationml/2006/main" showMasterSp="0" showMasterPhAnim="0">
   <p:cSld>
     <p:spTree>
       <p:nvGrpSpPr>
-        <p:cNvPr id="125" name="Shape 125"/>
+        <p:cNvPr id="1" name="Shape 138"/>
         <p:cNvGrpSpPr/>
         <p:nvPr/>
       </p:nvGrpSpPr>
@@ -1129,10 +1169,12 @@
       </p:grpSpPr>
       <p:sp>
         <p:nvSpPr>
-          <p:cNvPr id="126" name="Google Shape;126;g62c25cff39_2_0:notes"/>
-          <p:cNvSpPr/>
+          <p:cNvPr id="139" name="Google Shape;139;g6161cf7529_0_0:notes"/>
+          <p:cNvSpPr>
+            <a:spLocks noGrp="1" noRot="1" noChangeAspect="1"/>
+          </p:cNvSpPr>
           <p:nvPr>
-            <p:ph idx="2" type="sldImg"/>
+            <p:ph type="sldImg" idx="2"/>
           </p:nvPr>
         </p:nvSpPr>
         <p:spPr>
@@ -1141,9 +1183,13 @@
             <a:ext cx="6096000" cy="3429000"/>
           </a:xfrm>
           <a:custGeom>
-            <a:rect b="b" l="l" r="r" t="t"/>
+            <a:avLst/>
+            <a:gdLst/>
+            <a:ahLst/>
+            <a:cxnLst/>
+            <a:rect l="l" t="t" r="r" b="b"/>
             <a:pathLst>
-              <a:path extrusionOk="0" h="120000" w="120000">
+              <a:path w="120000" h="120000" extrusionOk="0">
                 <a:moveTo>
                   <a:pt x="0" y="0"/>
                 </a:moveTo>
@@ -1164,10 +1210,12 @@
       </p:sp>
       <p:sp>
         <p:nvSpPr>
-          <p:cNvPr id="127" name="Google Shape;127;g62c25cff39_2_0:notes"/>
-          <p:cNvSpPr txBox="1"/>
+          <p:cNvPr id="140" name="Google Shape;140;g6161cf7529_0_0:notes"/>
+          <p:cNvSpPr txBox="1">
+            <a:spLocks noGrp="1"/>
+          </p:cNvSpPr>
           <p:nvPr>
-            <p:ph idx="1" type="body"/>
+            <p:ph type="body" idx="1"/>
           </p:nvPr>
         </p:nvSpPr>
         <p:spPr>
@@ -1180,23 +1228,20 @@
           </a:prstGeom>
         </p:spPr>
         <p:txBody>
-          <a:bodyPr anchorCtr="0" anchor="t" bIns="91425" lIns="91425" spcFirstLastPara="1" rIns="91425" wrap="square" tIns="91425">
+          <a:bodyPr spcFirstLastPara="1" wrap="square" lIns="91425" tIns="91425" rIns="91425" bIns="91425" anchor="t" anchorCtr="0">
             <a:noAutofit/>
           </a:bodyPr>
           <a:lstStyle/>
           <a:p>
-            <a:pPr indent="0" lvl="0" marL="0" rtl="0" algn="l">
-              <a:spcBef>
-                <a:spcPts val="0"/>
-              </a:spcBef>
-              <a:spcAft>
-                <a:spcPts val="0"/>
-              </a:spcAft>
-              <a:buNone/>
-            </a:pPr>
-            <a:r>
-              <a:t/>
-            </a:r>
+            <a:pPr marL="0" lvl="0" indent="0" algn="l" rtl="0">
+              <a:spcBef>
+                <a:spcPts val="0"/>
+              </a:spcBef>
+              <a:spcAft>
+                <a:spcPts val="0"/>
+              </a:spcAft>
+              <a:buNone/>
+            </a:pPr>
             <a:endParaRPr/>
           </a:p>
         </p:txBody>
@@ -1210,11 +1255,11 @@
 </file>
 
 <file path=ppt/notesSlides/notesSlide14.xml><?xml version="1.0" encoding="utf-8"?>
-<p:notes xmlns:a="http://schemas.openxmlformats.org/drawingml/2006/main" xmlns:r="http://schemas.openxmlformats.org/officeDocument/2006/relationships" xmlns:mc="http://schemas.openxmlformats.org/markup-compatibility/2006" xmlns:mv="urn:schemas-microsoft-com:mac:vml" xmlns:p="http://schemas.openxmlformats.org/presentationml/2006/main" xmlns:c="http://schemas.openxmlformats.org/drawingml/2006/chart" xmlns:dgm="http://schemas.openxmlformats.org/drawingml/2006/diagram" xmlns:o="urn:schemas-microsoft-com:office:office" xmlns:v="urn:schemas-microsoft-com:vml" xmlns:pvml="urn:schemas-microsoft-com:office:powerpoint" xmlns:com="http://schemas.openxmlformats.org/drawingml/2006/compatibility" xmlns:p14="http://schemas.microsoft.com/office/powerpoint/2010/main" xmlns:p15="http://schemas.microsoft.com/office/powerpoint/2012/main" xmlns:ahyp="http://schemas.microsoft.com/office/drawing/2018/hyperlinkcolor" showMasterPhAnim="0" showMasterSp="0">
+<p:notes xmlns:a="http://schemas.openxmlformats.org/drawingml/2006/main" xmlns:r="http://schemas.openxmlformats.org/officeDocument/2006/relationships" xmlns:p="http://schemas.openxmlformats.org/presentationml/2006/main" showMasterSp="0" showMasterPhAnim="0">
   <p:cSld>
     <p:spTree>
       <p:nvGrpSpPr>
-        <p:cNvPr id="132" name="Shape 132"/>
+        <p:cNvPr id="1" name="Shape 144"/>
         <p:cNvGrpSpPr/>
         <p:nvPr/>
       </p:nvGrpSpPr>
@@ -1228,10 +1273,12 @@
       </p:grpSpPr>
       <p:sp>
         <p:nvSpPr>
-          <p:cNvPr id="133" name="Google Shape;133;g98a48c6e33_0_0:notes"/>
-          <p:cNvSpPr/>
+          <p:cNvPr id="145" name="Google Shape;145;g4f1d3d1fcb_0_80:notes"/>
+          <p:cNvSpPr>
+            <a:spLocks noGrp="1" noRot="1" noChangeAspect="1"/>
+          </p:cNvSpPr>
           <p:nvPr>
-            <p:ph idx="2" type="sldImg"/>
+            <p:ph type="sldImg" idx="2"/>
           </p:nvPr>
         </p:nvSpPr>
         <p:spPr>
@@ -1240,9 +1287,13 @@
             <a:ext cx="6096000" cy="3429000"/>
           </a:xfrm>
           <a:custGeom>
-            <a:rect b="b" l="l" r="r" t="t"/>
+            <a:avLst/>
+            <a:gdLst/>
+            <a:ahLst/>
+            <a:cxnLst/>
+            <a:rect l="l" t="t" r="r" b="b"/>
             <a:pathLst>
-              <a:path extrusionOk="0" h="120000" w="120000">
+              <a:path w="120000" h="120000" extrusionOk="0">
                 <a:moveTo>
                   <a:pt x="0" y="0"/>
                 </a:moveTo>
@@ -1263,10 +1314,12 @@
       </p:sp>
       <p:sp>
         <p:nvSpPr>
-          <p:cNvPr id="134" name="Google Shape;134;g98a48c6e33_0_0:notes"/>
-          <p:cNvSpPr txBox="1"/>
+          <p:cNvPr id="146" name="Google Shape;146;g4f1d3d1fcb_0_80:notes"/>
+          <p:cNvSpPr txBox="1">
+            <a:spLocks noGrp="1"/>
+          </p:cNvSpPr>
           <p:nvPr>
-            <p:ph idx="1" type="body"/>
+            <p:ph type="body" idx="1"/>
           </p:nvPr>
         </p:nvSpPr>
         <p:spPr>
@@ -1279,23 +1332,20 @@
           </a:prstGeom>
         </p:spPr>
         <p:txBody>
-          <a:bodyPr anchorCtr="0" anchor="t" bIns="91425" lIns="91425" spcFirstLastPara="1" rIns="91425" wrap="square" tIns="91425">
+          <a:bodyPr spcFirstLastPara="1" wrap="square" lIns="91425" tIns="91425" rIns="91425" bIns="91425" anchor="t" anchorCtr="0">
             <a:noAutofit/>
           </a:bodyPr>
           <a:lstStyle/>
           <a:p>
-            <a:pPr indent="0" lvl="0" marL="0" rtl="0" algn="l">
-              <a:spcBef>
-                <a:spcPts val="0"/>
-              </a:spcBef>
-              <a:spcAft>
-                <a:spcPts val="0"/>
-              </a:spcAft>
-              <a:buNone/>
-            </a:pPr>
-            <a:r>
-              <a:t/>
-            </a:r>
+            <a:pPr marL="0" lvl="0" indent="0" algn="l" rtl="0">
+              <a:spcBef>
+                <a:spcPts val="0"/>
+              </a:spcBef>
+              <a:spcAft>
+                <a:spcPts val="0"/>
+              </a:spcAft>
+              <a:buNone/>
+            </a:pPr>
             <a:endParaRPr/>
           </a:p>
         </p:txBody>
@@ -1309,11 +1359,11 @@
 </file>
 
 <file path=ppt/notesSlides/notesSlide15.xml><?xml version="1.0" encoding="utf-8"?>
-<p:notes xmlns:a="http://schemas.openxmlformats.org/drawingml/2006/main" xmlns:r="http://schemas.openxmlformats.org/officeDocument/2006/relationships" xmlns:mc="http://schemas.openxmlformats.org/markup-compatibility/2006" xmlns:mv="urn:schemas-microsoft-com:mac:vml" xmlns:p="http://schemas.openxmlformats.org/presentationml/2006/main" xmlns:c="http://schemas.openxmlformats.org/drawingml/2006/chart" xmlns:dgm="http://schemas.openxmlformats.org/drawingml/2006/diagram" xmlns:o="urn:schemas-microsoft-com:office:office" xmlns:v="urn:schemas-microsoft-com:vml" xmlns:pvml="urn:schemas-microsoft-com:office:powerpoint" xmlns:com="http://schemas.openxmlformats.org/drawingml/2006/compatibility" xmlns:p14="http://schemas.microsoft.com/office/powerpoint/2010/main" xmlns:p15="http://schemas.microsoft.com/office/powerpoint/2012/main" xmlns:ahyp="http://schemas.microsoft.com/office/drawing/2018/hyperlinkcolor" showMasterPhAnim="0" showMasterSp="0">
+<p:notes xmlns:a="http://schemas.openxmlformats.org/drawingml/2006/main" xmlns:r="http://schemas.openxmlformats.org/officeDocument/2006/relationships" xmlns:p="http://schemas.openxmlformats.org/presentationml/2006/main" showMasterSp="0" showMasterPhAnim="0">
   <p:cSld>
     <p:spTree>
       <p:nvGrpSpPr>
-        <p:cNvPr id="138" name="Shape 138"/>
+        <p:cNvPr id="1" name="Shape 154"/>
         <p:cNvGrpSpPr/>
         <p:nvPr/>
       </p:nvGrpSpPr>
@@ -1327,10 +1377,12 @@
       </p:grpSpPr>
       <p:sp>
         <p:nvSpPr>
-          <p:cNvPr id="139" name="Google Shape;139;g6161cf7529_0_0:notes"/>
-          <p:cNvSpPr/>
+          <p:cNvPr id="155" name="Google Shape;155;g4fc5008d25_2_62:notes"/>
+          <p:cNvSpPr>
+            <a:spLocks noGrp="1" noRot="1" noChangeAspect="1"/>
+          </p:cNvSpPr>
           <p:nvPr>
-            <p:ph idx="2" type="sldImg"/>
+            <p:ph type="sldImg" idx="2"/>
           </p:nvPr>
         </p:nvSpPr>
         <p:spPr>
@@ -1339,9 +1391,13 @@
             <a:ext cx="6096000" cy="3429000"/>
           </a:xfrm>
           <a:custGeom>
-            <a:rect b="b" l="l" r="r" t="t"/>
+            <a:avLst/>
+            <a:gdLst/>
+            <a:ahLst/>
+            <a:cxnLst/>
+            <a:rect l="l" t="t" r="r" b="b"/>
             <a:pathLst>
-              <a:path extrusionOk="0" h="120000" w="120000">
+              <a:path w="120000" h="120000" extrusionOk="0">
                 <a:moveTo>
                   <a:pt x="0" y="0"/>
                 </a:moveTo>
@@ -1362,10 +1418,12 @@
       </p:sp>
       <p:sp>
         <p:nvSpPr>
-          <p:cNvPr id="140" name="Google Shape;140;g6161cf7529_0_0:notes"/>
-          <p:cNvSpPr txBox="1"/>
+          <p:cNvPr id="156" name="Google Shape;156;g4fc5008d25_2_62:notes"/>
+          <p:cNvSpPr txBox="1">
+            <a:spLocks noGrp="1"/>
+          </p:cNvSpPr>
           <p:nvPr>
-            <p:ph idx="1" type="body"/>
+            <p:ph type="body" idx="1"/>
           </p:nvPr>
         </p:nvSpPr>
         <p:spPr>
@@ -1378,23 +1436,20 @@
           </a:prstGeom>
         </p:spPr>
         <p:txBody>
-          <a:bodyPr anchorCtr="0" anchor="t" bIns="91425" lIns="91425" spcFirstLastPara="1" rIns="91425" wrap="square" tIns="91425">
+          <a:bodyPr spcFirstLastPara="1" wrap="square" lIns="91425" tIns="91425" rIns="91425" bIns="91425" anchor="t" anchorCtr="0">
             <a:noAutofit/>
           </a:bodyPr>
           <a:lstStyle/>
           <a:p>
-            <a:pPr indent="0" lvl="0" marL="0" rtl="0" algn="l">
-              <a:spcBef>
-                <a:spcPts val="0"/>
-              </a:spcBef>
-              <a:spcAft>
-                <a:spcPts val="0"/>
-              </a:spcAft>
-              <a:buNone/>
-            </a:pPr>
-            <a:r>
-              <a:t/>
-            </a:r>
+            <a:pPr marL="0" lvl="0" indent="0" algn="l" rtl="0">
+              <a:spcBef>
+                <a:spcPts val="0"/>
+              </a:spcBef>
+              <a:spcAft>
+                <a:spcPts val="0"/>
+              </a:spcAft>
+              <a:buNone/>
+            </a:pPr>
             <a:endParaRPr/>
           </a:p>
         </p:txBody>
@@ -1408,11 +1463,11 @@
 </file>
 
 <file path=ppt/notesSlides/notesSlide16.xml><?xml version="1.0" encoding="utf-8"?>
-<p:notes xmlns:a="http://schemas.openxmlformats.org/drawingml/2006/main" xmlns:r="http://schemas.openxmlformats.org/officeDocument/2006/relationships" xmlns:mc="http://schemas.openxmlformats.org/markup-compatibility/2006" xmlns:mv="urn:schemas-microsoft-com:mac:vml" xmlns:p="http://schemas.openxmlformats.org/presentationml/2006/main" xmlns:c="http://schemas.openxmlformats.org/drawingml/2006/chart" xmlns:dgm="http://schemas.openxmlformats.org/drawingml/2006/diagram" xmlns:o="urn:schemas-microsoft-com:office:office" xmlns:v="urn:schemas-microsoft-com:vml" xmlns:pvml="urn:schemas-microsoft-com:office:powerpoint" xmlns:com="http://schemas.openxmlformats.org/drawingml/2006/compatibility" xmlns:p14="http://schemas.microsoft.com/office/powerpoint/2010/main" xmlns:p15="http://schemas.microsoft.com/office/powerpoint/2012/main" xmlns:ahyp="http://schemas.microsoft.com/office/drawing/2018/hyperlinkcolor" showMasterPhAnim="0" showMasterSp="0">
+<p:notes xmlns:a="http://schemas.openxmlformats.org/drawingml/2006/main" xmlns:r="http://schemas.openxmlformats.org/officeDocument/2006/relationships" xmlns:p="http://schemas.openxmlformats.org/presentationml/2006/main" showMasterSp="0" showMasterPhAnim="0">
   <p:cSld>
     <p:spTree>
       <p:nvGrpSpPr>
-        <p:cNvPr id="144" name="Shape 144"/>
+        <p:cNvPr id="1" name="Shape 160"/>
         <p:cNvGrpSpPr/>
         <p:nvPr/>
       </p:nvGrpSpPr>
@@ -1426,21 +1481,27 @@
       </p:grpSpPr>
       <p:sp>
         <p:nvSpPr>
-          <p:cNvPr id="145" name="Google Shape;145;g4f1d3d1fcb_0_80:notes"/>
-          <p:cNvSpPr/>
+          <p:cNvPr id="161" name="Google Shape;161;g98a48c6e33_0_6:notes"/>
+          <p:cNvSpPr>
+            <a:spLocks noGrp="1" noRot="1" noChangeAspect="1"/>
+          </p:cNvSpPr>
           <p:nvPr>
-            <p:ph idx="2" type="sldImg"/>
+            <p:ph type="sldImg" idx="2"/>
           </p:nvPr>
         </p:nvSpPr>
         <p:spPr>
           <a:xfrm>
-            <a:off x="381300" y="685800"/>
+            <a:off x="381000" y="685800"/>
             <a:ext cx="6096000" cy="3429000"/>
           </a:xfrm>
           <a:custGeom>
-            <a:rect b="b" l="l" r="r" t="t"/>
+            <a:avLst/>
+            <a:gdLst/>
+            <a:ahLst/>
+            <a:cxnLst/>
+            <a:rect l="l" t="t" r="r" b="b"/>
             <a:pathLst>
-              <a:path extrusionOk="0" h="120000" w="120000">
+              <a:path w="120000" h="120000" extrusionOk="0">
                 <a:moveTo>
                   <a:pt x="0" y="0"/>
                 </a:moveTo>
@@ -1461,10 +1522,12 @@
       </p:sp>
       <p:sp>
         <p:nvSpPr>
-          <p:cNvPr id="146" name="Google Shape;146;g4f1d3d1fcb_0_80:notes"/>
-          <p:cNvSpPr txBox="1"/>
+          <p:cNvPr id="162" name="Google Shape;162;g98a48c6e33_0_6:notes"/>
+          <p:cNvSpPr txBox="1">
+            <a:spLocks noGrp="1"/>
+          </p:cNvSpPr>
           <p:nvPr>
-            <p:ph idx="1" type="body"/>
+            <p:ph type="body" idx="1"/>
           </p:nvPr>
         </p:nvSpPr>
         <p:spPr>
@@ -1477,23 +1540,20 @@
           </a:prstGeom>
         </p:spPr>
         <p:txBody>
-          <a:bodyPr anchorCtr="0" anchor="t" bIns="91425" lIns="91425" spcFirstLastPara="1" rIns="91425" wrap="square" tIns="91425">
+          <a:bodyPr spcFirstLastPara="1" wrap="square" lIns="91425" tIns="91425" rIns="91425" bIns="91425" anchor="t" anchorCtr="0">
             <a:noAutofit/>
           </a:bodyPr>
           <a:lstStyle/>
           <a:p>
-            <a:pPr indent="0" lvl="0" marL="0" rtl="0" algn="l">
-              <a:spcBef>
-                <a:spcPts val="0"/>
-              </a:spcBef>
-              <a:spcAft>
-                <a:spcPts val="0"/>
-              </a:spcAft>
-              <a:buNone/>
-            </a:pPr>
-            <a:r>
-              <a:t/>
-            </a:r>
+            <a:pPr marL="0" lvl="0" indent="0" algn="l" rtl="0">
+              <a:spcBef>
+                <a:spcPts val="0"/>
+              </a:spcBef>
+              <a:spcAft>
+                <a:spcPts val="0"/>
+              </a:spcAft>
+              <a:buNone/>
+            </a:pPr>
             <a:endParaRPr/>
           </a:p>
         </p:txBody>
@@ -1507,11 +1567,11 @@
 </file>
 
 <file path=ppt/notesSlides/notesSlide17.xml><?xml version="1.0" encoding="utf-8"?>
-<p:notes xmlns:a="http://schemas.openxmlformats.org/drawingml/2006/main" xmlns:r="http://schemas.openxmlformats.org/officeDocument/2006/relationships" xmlns:mc="http://schemas.openxmlformats.org/markup-compatibility/2006" xmlns:mv="urn:schemas-microsoft-com:mac:vml" xmlns:p="http://schemas.openxmlformats.org/presentationml/2006/main" xmlns:c="http://schemas.openxmlformats.org/drawingml/2006/chart" xmlns:dgm="http://schemas.openxmlformats.org/drawingml/2006/diagram" xmlns:o="urn:schemas-microsoft-com:office:office" xmlns:v="urn:schemas-microsoft-com:vml" xmlns:pvml="urn:schemas-microsoft-com:office:powerpoint" xmlns:com="http://schemas.openxmlformats.org/drawingml/2006/compatibility" xmlns:p14="http://schemas.microsoft.com/office/powerpoint/2010/main" xmlns:p15="http://schemas.microsoft.com/office/powerpoint/2012/main" xmlns:ahyp="http://schemas.microsoft.com/office/drawing/2018/hyperlinkcolor" showMasterPhAnim="0" showMasterSp="0">
+<p:notes xmlns:a="http://schemas.openxmlformats.org/drawingml/2006/main" xmlns:r="http://schemas.openxmlformats.org/officeDocument/2006/relationships" xmlns:p="http://schemas.openxmlformats.org/presentationml/2006/main" showMasterSp="0" showMasterPhAnim="0">
   <p:cSld>
     <p:spTree>
       <p:nvGrpSpPr>
-        <p:cNvPr id="154" name="Shape 154"/>
+        <p:cNvPr id="1" name="Shape 170"/>
         <p:cNvGrpSpPr/>
         <p:nvPr/>
       </p:nvGrpSpPr>
@@ -1525,10 +1585,12 @@
       </p:grpSpPr>
       <p:sp>
         <p:nvSpPr>
-          <p:cNvPr id="155" name="Google Shape;155;g4fc5008d25_2_62:notes"/>
-          <p:cNvSpPr/>
+          <p:cNvPr id="171" name="Google Shape;171;g98a48c6e33_0_20:notes"/>
+          <p:cNvSpPr>
+            <a:spLocks noGrp="1" noRot="1" noChangeAspect="1"/>
+          </p:cNvSpPr>
           <p:nvPr>
-            <p:ph idx="2" type="sldImg"/>
+            <p:ph type="sldImg" idx="2"/>
           </p:nvPr>
         </p:nvSpPr>
         <p:spPr>
@@ -1537,9 +1599,13 @@
             <a:ext cx="6096000" cy="3429000"/>
           </a:xfrm>
           <a:custGeom>
-            <a:rect b="b" l="l" r="r" t="t"/>
+            <a:avLst/>
+            <a:gdLst/>
+            <a:ahLst/>
+            <a:cxnLst/>
+            <a:rect l="l" t="t" r="r" b="b"/>
             <a:pathLst>
-              <a:path extrusionOk="0" h="120000" w="120000">
+              <a:path w="120000" h="120000" extrusionOk="0">
                 <a:moveTo>
                   <a:pt x="0" y="0"/>
                 </a:moveTo>
@@ -1560,10 +1626,12 @@
       </p:sp>
       <p:sp>
         <p:nvSpPr>
-          <p:cNvPr id="156" name="Google Shape;156;g4fc5008d25_2_62:notes"/>
-          <p:cNvSpPr txBox="1"/>
+          <p:cNvPr id="172" name="Google Shape;172;g98a48c6e33_0_20:notes"/>
+          <p:cNvSpPr txBox="1">
+            <a:spLocks noGrp="1"/>
+          </p:cNvSpPr>
           <p:nvPr>
-            <p:ph idx="1" type="body"/>
+            <p:ph type="body" idx="1"/>
           </p:nvPr>
         </p:nvSpPr>
         <p:spPr>
@@ -1576,23 +1644,20 @@
           </a:prstGeom>
         </p:spPr>
         <p:txBody>
-          <a:bodyPr anchorCtr="0" anchor="t" bIns="91425" lIns="91425" spcFirstLastPara="1" rIns="91425" wrap="square" tIns="91425">
+          <a:bodyPr spcFirstLastPara="1" wrap="square" lIns="91425" tIns="91425" rIns="91425" bIns="91425" anchor="t" anchorCtr="0">
             <a:noAutofit/>
           </a:bodyPr>
           <a:lstStyle/>
           <a:p>
-            <a:pPr indent="0" lvl="0" marL="0" rtl="0" algn="l">
-              <a:spcBef>
-                <a:spcPts val="0"/>
-              </a:spcBef>
-              <a:spcAft>
-                <a:spcPts val="0"/>
-              </a:spcAft>
-              <a:buNone/>
-            </a:pPr>
-            <a:r>
-              <a:t/>
-            </a:r>
+            <a:pPr marL="0" lvl="0" indent="0" algn="l" rtl="0">
+              <a:spcBef>
+                <a:spcPts val="0"/>
+              </a:spcBef>
+              <a:spcAft>
+                <a:spcPts val="0"/>
+              </a:spcAft>
+              <a:buNone/>
+            </a:pPr>
             <a:endParaRPr/>
           </a:p>
         </p:txBody>
@@ -1606,11 +1671,11 @@
 </file>
 
 <file path=ppt/notesSlides/notesSlide18.xml><?xml version="1.0" encoding="utf-8"?>
-<p:notes xmlns:a="http://schemas.openxmlformats.org/drawingml/2006/main" xmlns:r="http://schemas.openxmlformats.org/officeDocument/2006/relationships" xmlns:mc="http://schemas.openxmlformats.org/markup-compatibility/2006" xmlns:mv="urn:schemas-microsoft-com:mac:vml" xmlns:p="http://schemas.openxmlformats.org/presentationml/2006/main" xmlns:c="http://schemas.openxmlformats.org/drawingml/2006/chart" xmlns:dgm="http://schemas.openxmlformats.org/drawingml/2006/diagram" xmlns:o="urn:schemas-microsoft-com:office:office" xmlns:v="urn:schemas-microsoft-com:vml" xmlns:pvml="urn:schemas-microsoft-com:office:powerpoint" xmlns:com="http://schemas.openxmlformats.org/drawingml/2006/compatibility" xmlns:p14="http://schemas.microsoft.com/office/powerpoint/2010/main" xmlns:p15="http://schemas.microsoft.com/office/powerpoint/2012/main" xmlns:ahyp="http://schemas.microsoft.com/office/drawing/2018/hyperlinkcolor" showMasterPhAnim="0" showMasterSp="0">
+<p:notes xmlns:a="http://schemas.openxmlformats.org/drawingml/2006/main" xmlns:r="http://schemas.openxmlformats.org/officeDocument/2006/relationships" xmlns:p="http://schemas.openxmlformats.org/presentationml/2006/main" showMasterSp="0" showMasterPhAnim="0">
   <p:cSld>
     <p:spTree>
       <p:nvGrpSpPr>
-        <p:cNvPr id="160" name="Shape 160"/>
+        <p:cNvPr id="1" name="Shape 178"/>
         <p:cNvGrpSpPr/>
         <p:nvPr/>
       </p:nvGrpSpPr>
@@ -1624,21 +1689,27 @@
       </p:grpSpPr>
       <p:sp>
         <p:nvSpPr>
-          <p:cNvPr id="161" name="Google Shape;161;g98a48c6e33_0_6:notes"/>
-          <p:cNvSpPr/>
+          <p:cNvPr id="179" name="Google Shape;179;g98a48c6e33_0_27:notes"/>
+          <p:cNvSpPr>
+            <a:spLocks noGrp="1" noRot="1" noChangeAspect="1"/>
+          </p:cNvSpPr>
           <p:nvPr>
-            <p:ph idx="2" type="sldImg"/>
+            <p:ph type="sldImg" idx="2"/>
           </p:nvPr>
         </p:nvSpPr>
         <p:spPr>
           <a:xfrm>
-            <a:off x="381300" y="685800"/>
+            <a:off x="381000" y="685800"/>
             <a:ext cx="6096000" cy="3429000"/>
           </a:xfrm>
           <a:custGeom>
-            <a:rect b="b" l="l" r="r" t="t"/>
+            <a:avLst/>
+            <a:gdLst/>
+            <a:ahLst/>
+            <a:cxnLst/>
+            <a:rect l="l" t="t" r="r" b="b"/>
             <a:pathLst>
-              <a:path extrusionOk="0" h="120000" w="120000">
+              <a:path w="120000" h="120000" extrusionOk="0">
                 <a:moveTo>
                   <a:pt x="0" y="0"/>
                 </a:moveTo>
@@ -1659,10 +1730,12 @@
       </p:sp>
       <p:sp>
         <p:nvSpPr>
-          <p:cNvPr id="162" name="Google Shape;162;g98a48c6e33_0_6:notes"/>
-          <p:cNvSpPr txBox="1"/>
+          <p:cNvPr id="180" name="Google Shape;180;g98a48c6e33_0_27:notes"/>
+          <p:cNvSpPr txBox="1">
+            <a:spLocks noGrp="1"/>
+          </p:cNvSpPr>
           <p:nvPr>
-            <p:ph idx="1" type="body"/>
+            <p:ph type="body" idx="1"/>
           </p:nvPr>
         </p:nvSpPr>
         <p:spPr>
@@ -1675,23 +1748,20 @@
           </a:prstGeom>
         </p:spPr>
         <p:txBody>
-          <a:bodyPr anchorCtr="0" anchor="t" bIns="91425" lIns="91425" spcFirstLastPara="1" rIns="91425" wrap="square" tIns="91425">
+          <a:bodyPr spcFirstLastPara="1" wrap="square" lIns="91425" tIns="91425" rIns="91425" bIns="91425" anchor="t" anchorCtr="0">
             <a:noAutofit/>
           </a:bodyPr>
           <a:lstStyle/>
           <a:p>
-            <a:pPr indent="0" lvl="0" marL="0" rtl="0" algn="l">
-              <a:spcBef>
-                <a:spcPts val="0"/>
-              </a:spcBef>
-              <a:spcAft>
-                <a:spcPts val="0"/>
-              </a:spcAft>
-              <a:buNone/>
-            </a:pPr>
-            <a:r>
-              <a:t/>
-            </a:r>
+            <a:pPr marL="0" lvl="0" indent="0" algn="l" rtl="0">
+              <a:spcBef>
+                <a:spcPts val="0"/>
+              </a:spcBef>
+              <a:spcAft>
+                <a:spcPts val="0"/>
+              </a:spcAft>
+              <a:buNone/>
+            </a:pPr>
             <a:endParaRPr/>
           </a:p>
         </p:txBody>
@@ -1704,12 +1774,12 @@
 </p:notes>
 </file>
 
-<file path=ppt/notesSlides/notesSlide19.xml><?xml version="1.0" encoding="utf-8"?>
-<p:notes xmlns:a="http://schemas.openxmlformats.org/drawingml/2006/main" xmlns:r="http://schemas.openxmlformats.org/officeDocument/2006/relationships" xmlns:mc="http://schemas.openxmlformats.org/markup-compatibility/2006" xmlns:mv="urn:schemas-microsoft-com:mac:vml" xmlns:p="http://schemas.openxmlformats.org/presentationml/2006/main" xmlns:c="http://schemas.openxmlformats.org/drawingml/2006/chart" xmlns:dgm="http://schemas.openxmlformats.org/drawingml/2006/diagram" xmlns:o="urn:schemas-microsoft-com:office:office" xmlns:v="urn:schemas-microsoft-com:vml" xmlns:pvml="urn:schemas-microsoft-com:office:powerpoint" xmlns:com="http://schemas.openxmlformats.org/drawingml/2006/compatibility" xmlns:p14="http://schemas.microsoft.com/office/powerpoint/2010/main" xmlns:p15="http://schemas.microsoft.com/office/powerpoint/2012/main" xmlns:ahyp="http://schemas.microsoft.com/office/drawing/2018/hyperlinkcolor" showMasterPhAnim="0" showMasterSp="0">
+<file path=ppt/notesSlides/notesSlide2.xml><?xml version="1.0" encoding="utf-8"?>
+<p:notes xmlns:a="http://schemas.openxmlformats.org/drawingml/2006/main" xmlns:r="http://schemas.openxmlformats.org/officeDocument/2006/relationships" xmlns:p="http://schemas.openxmlformats.org/presentationml/2006/main" showMasterSp="0" showMasterPhAnim="0">
   <p:cSld>
     <p:spTree>
       <p:nvGrpSpPr>
-        <p:cNvPr id="170" name="Shape 170"/>
+        <p:cNvPr id="1" name="Shape 56"/>
         <p:cNvGrpSpPr/>
         <p:nvPr/>
       </p:nvGrpSpPr>
@@ -1723,10 +1793,12 @@
       </p:grpSpPr>
       <p:sp>
         <p:nvSpPr>
-          <p:cNvPr id="171" name="Google Shape;171;g98a48c6e33_0_20:notes"/>
-          <p:cNvSpPr/>
+          <p:cNvPr id="57" name="Google Shape;57;g62c25cff39_0_15:notes"/>
+          <p:cNvSpPr>
+            <a:spLocks noGrp="1" noRot="1" noChangeAspect="1"/>
+          </p:cNvSpPr>
           <p:nvPr>
-            <p:ph idx="2" type="sldImg"/>
+            <p:ph type="sldImg" idx="2"/>
           </p:nvPr>
         </p:nvSpPr>
         <p:spPr>
@@ -1735,9 +1807,13 @@
             <a:ext cx="6096000" cy="3429000"/>
           </a:xfrm>
           <a:custGeom>
-            <a:rect b="b" l="l" r="r" t="t"/>
+            <a:avLst/>
+            <a:gdLst/>
+            <a:ahLst/>
+            <a:cxnLst/>
+            <a:rect l="l" t="t" r="r" b="b"/>
             <a:pathLst>
-              <a:path extrusionOk="0" h="120000" w="120000">
+              <a:path w="120000" h="120000" extrusionOk="0">
                 <a:moveTo>
                   <a:pt x="0" y="0"/>
                 </a:moveTo>
@@ -1758,10 +1834,12 @@
       </p:sp>
       <p:sp>
         <p:nvSpPr>
-          <p:cNvPr id="172" name="Google Shape;172;g98a48c6e33_0_20:notes"/>
-          <p:cNvSpPr txBox="1"/>
+          <p:cNvPr id="58" name="Google Shape;58;g62c25cff39_0_15:notes"/>
+          <p:cNvSpPr txBox="1">
+            <a:spLocks noGrp="1"/>
+          </p:cNvSpPr>
           <p:nvPr>
-            <p:ph idx="1" type="body"/>
+            <p:ph type="body" idx="1"/>
           </p:nvPr>
         </p:nvSpPr>
         <p:spPr>
@@ -1774,23 +1852,20 @@
           </a:prstGeom>
         </p:spPr>
         <p:txBody>
-          <a:bodyPr anchorCtr="0" anchor="t" bIns="91425" lIns="91425" spcFirstLastPara="1" rIns="91425" wrap="square" tIns="91425">
+          <a:bodyPr spcFirstLastPara="1" wrap="square" lIns="91425" tIns="91425" rIns="91425" bIns="91425" anchor="t" anchorCtr="0">
             <a:noAutofit/>
           </a:bodyPr>
           <a:lstStyle/>
           <a:p>
-            <a:pPr indent="0" lvl="0" marL="0" rtl="0" algn="l">
-              <a:spcBef>
-                <a:spcPts val="0"/>
-              </a:spcBef>
-              <a:spcAft>
-                <a:spcPts val="0"/>
-              </a:spcAft>
-              <a:buNone/>
-            </a:pPr>
-            <a:r>
-              <a:t/>
-            </a:r>
+            <a:pPr marL="0" lvl="0" indent="0" algn="l" rtl="0">
+              <a:spcBef>
+                <a:spcPts val="0"/>
+              </a:spcBef>
+              <a:spcAft>
+                <a:spcPts val="0"/>
+              </a:spcAft>
+              <a:buNone/>
+            </a:pPr>
             <a:endParaRPr/>
           </a:p>
         </p:txBody>
@@ -1803,12 +1878,12 @@
 </p:notes>
 </file>
 
-<file path=ppt/notesSlides/notesSlide2.xml><?xml version="1.0" encoding="utf-8"?>
-<p:notes xmlns:a="http://schemas.openxmlformats.org/drawingml/2006/main" xmlns:r="http://schemas.openxmlformats.org/officeDocument/2006/relationships" xmlns:mc="http://schemas.openxmlformats.org/markup-compatibility/2006" xmlns:mv="urn:schemas-microsoft-com:mac:vml" xmlns:p="http://schemas.openxmlformats.org/presentationml/2006/main" xmlns:c="http://schemas.openxmlformats.org/drawingml/2006/chart" xmlns:dgm="http://schemas.openxmlformats.org/drawingml/2006/diagram" xmlns:o="urn:schemas-microsoft-com:office:office" xmlns:v="urn:schemas-microsoft-com:vml" xmlns:pvml="urn:schemas-microsoft-com:office:powerpoint" xmlns:com="http://schemas.openxmlformats.org/drawingml/2006/compatibility" xmlns:p14="http://schemas.microsoft.com/office/powerpoint/2010/main" xmlns:p15="http://schemas.microsoft.com/office/powerpoint/2012/main" xmlns:ahyp="http://schemas.microsoft.com/office/drawing/2018/hyperlinkcolor" showMasterPhAnim="0" showMasterSp="0">
+<file path=ppt/notesSlides/notesSlide3.xml><?xml version="1.0" encoding="utf-8"?>
+<p:notes xmlns:a="http://schemas.openxmlformats.org/drawingml/2006/main" xmlns:r="http://schemas.openxmlformats.org/officeDocument/2006/relationships" xmlns:p="http://schemas.openxmlformats.org/presentationml/2006/main" showMasterSp="0" showMasterPhAnim="0">
   <p:cSld>
     <p:spTree>
       <p:nvGrpSpPr>
-        <p:cNvPr id="44" name="Shape 44"/>
+        <p:cNvPr id="1" name="Shape 63"/>
         <p:cNvGrpSpPr/>
         <p:nvPr/>
       </p:nvGrpSpPr>
@@ -1822,10 +1897,12 @@
       </p:grpSpPr>
       <p:sp>
         <p:nvSpPr>
-          <p:cNvPr id="45" name="Google Shape;45;g62c25cff39_2_5:notes"/>
-          <p:cNvSpPr/>
+          <p:cNvPr id="64" name="Google Shape;64;g4f1d3d1fcb_0_15:notes"/>
+          <p:cNvSpPr>
+            <a:spLocks noGrp="1" noRot="1" noChangeAspect="1"/>
+          </p:cNvSpPr>
           <p:nvPr>
-            <p:ph idx="2" type="sldImg"/>
+            <p:ph type="sldImg" idx="2"/>
           </p:nvPr>
         </p:nvSpPr>
         <p:spPr>
@@ -1834,9 +1911,13 @@
             <a:ext cx="6096000" cy="3429000"/>
           </a:xfrm>
           <a:custGeom>
-            <a:rect b="b" l="l" r="r" t="t"/>
+            <a:avLst/>
+            <a:gdLst/>
+            <a:ahLst/>
+            <a:cxnLst/>
+            <a:rect l="l" t="t" r="r" b="b"/>
             <a:pathLst>
-              <a:path extrusionOk="0" h="120000" w="120000">
+              <a:path w="120000" h="120000" extrusionOk="0">
                 <a:moveTo>
                   <a:pt x="0" y="0"/>
                 </a:moveTo>
@@ -1857,10 +1938,12 @@
       </p:sp>
       <p:sp>
         <p:nvSpPr>
-          <p:cNvPr id="46" name="Google Shape;46;g62c25cff39_2_5:notes"/>
-          <p:cNvSpPr txBox="1"/>
+          <p:cNvPr id="65" name="Google Shape;65;g4f1d3d1fcb_0_15:notes"/>
+          <p:cNvSpPr txBox="1">
+            <a:spLocks noGrp="1"/>
+          </p:cNvSpPr>
           <p:nvPr>
-            <p:ph idx="1" type="body"/>
+            <p:ph type="body" idx="1"/>
           </p:nvPr>
         </p:nvSpPr>
         <p:spPr>
@@ -1873,23 +1956,20 @@
           </a:prstGeom>
         </p:spPr>
         <p:txBody>
-          <a:bodyPr anchorCtr="0" anchor="t" bIns="91425" lIns="91425" spcFirstLastPara="1" rIns="91425" wrap="square" tIns="91425">
+          <a:bodyPr spcFirstLastPara="1" wrap="square" lIns="91425" tIns="91425" rIns="91425" bIns="91425" anchor="t" anchorCtr="0">
             <a:noAutofit/>
           </a:bodyPr>
           <a:lstStyle/>
           <a:p>
-            <a:pPr indent="0" lvl="0" marL="0" rtl="0" algn="l">
-              <a:spcBef>
-                <a:spcPts val="0"/>
-              </a:spcBef>
-              <a:spcAft>
-                <a:spcPts val="0"/>
-              </a:spcAft>
-              <a:buNone/>
-            </a:pPr>
-            <a:r>
-              <a:t/>
-            </a:r>
+            <a:pPr marL="0" lvl="0" indent="0" algn="l" rtl="0">
+              <a:spcBef>
+                <a:spcPts val="0"/>
+              </a:spcBef>
+              <a:spcAft>
+                <a:spcPts val="0"/>
+              </a:spcAft>
+              <a:buNone/>
+            </a:pPr>
             <a:endParaRPr/>
           </a:p>
         </p:txBody>
@@ -1902,12 +1982,12 @@
 </p:notes>
 </file>
 
-<file path=ppt/notesSlides/notesSlide20.xml><?xml version="1.0" encoding="utf-8"?>
-<p:notes xmlns:a="http://schemas.openxmlformats.org/drawingml/2006/main" xmlns:r="http://schemas.openxmlformats.org/officeDocument/2006/relationships" xmlns:mc="http://schemas.openxmlformats.org/markup-compatibility/2006" xmlns:mv="urn:schemas-microsoft-com:mac:vml" xmlns:p="http://schemas.openxmlformats.org/presentationml/2006/main" xmlns:c="http://schemas.openxmlformats.org/drawingml/2006/chart" xmlns:dgm="http://schemas.openxmlformats.org/drawingml/2006/diagram" xmlns:o="urn:schemas-microsoft-com:office:office" xmlns:v="urn:schemas-microsoft-com:vml" xmlns:pvml="urn:schemas-microsoft-com:office:powerpoint" xmlns:com="http://schemas.openxmlformats.org/drawingml/2006/compatibility" xmlns:p14="http://schemas.microsoft.com/office/powerpoint/2010/main" xmlns:p15="http://schemas.microsoft.com/office/powerpoint/2012/main" xmlns:ahyp="http://schemas.microsoft.com/office/drawing/2018/hyperlinkcolor" showMasterPhAnim="0" showMasterSp="0">
+<file path=ppt/notesSlides/notesSlide4.xml><?xml version="1.0" encoding="utf-8"?>
+<p:notes xmlns:a="http://schemas.openxmlformats.org/drawingml/2006/main" xmlns:r="http://schemas.openxmlformats.org/officeDocument/2006/relationships" xmlns:p="http://schemas.openxmlformats.org/presentationml/2006/main" showMasterSp="0" showMasterPhAnim="0">
   <p:cSld>
     <p:spTree>
       <p:nvGrpSpPr>
-        <p:cNvPr id="178" name="Shape 178"/>
+        <p:cNvPr id="1" name="Shape 70"/>
         <p:cNvGrpSpPr/>
         <p:nvPr/>
       </p:nvGrpSpPr>
@@ -1921,10 +2001,12 @@
       </p:grpSpPr>
       <p:sp>
         <p:nvSpPr>
-          <p:cNvPr id="179" name="Google Shape;179;g98a48c6e33_0_27:notes"/>
-          <p:cNvSpPr/>
+          <p:cNvPr id="71" name="Google Shape;71;g62c25cff39_0_20:notes"/>
+          <p:cNvSpPr>
+            <a:spLocks noGrp="1" noRot="1" noChangeAspect="1"/>
+          </p:cNvSpPr>
           <p:nvPr>
-            <p:ph idx="2" type="sldImg"/>
+            <p:ph type="sldImg" idx="2"/>
           </p:nvPr>
         </p:nvSpPr>
         <p:spPr>
@@ -1933,9 +2015,13 @@
             <a:ext cx="6096000" cy="3429000"/>
           </a:xfrm>
           <a:custGeom>
-            <a:rect b="b" l="l" r="r" t="t"/>
+            <a:avLst/>
+            <a:gdLst/>
+            <a:ahLst/>
+            <a:cxnLst/>
+            <a:rect l="l" t="t" r="r" b="b"/>
             <a:pathLst>
-              <a:path extrusionOk="0" h="120000" w="120000">
+              <a:path w="120000" h="120000" extrusionOk="0">
                 <a:moveTo>
                   <a:pt x="0" y="0"/>
                 </a:moveTo>
@@ -1956,10 +2042,12 @@
       </p:sp>
       <p:sp>
         <p:nvSpPr>
-          <p:cNvPr id="180" name="Google Shape;180;g98a48c6e33_0_27:notes"/>
-          <p:cNvSpPr txBox="1"/>
+          <p:cNvPr id="72" name="Google Shape;72;g62c25cff39_0_20:notes"/>
+          <p:cNvSpPr txBox="1">
+            <a:spLocks noGrp="1"/>
+          </p:cNvSpPr>
           <p:nvPr>
-            <p:ph idx="1" type="body"/>
+            <p:ph type="body" idx="1"/>
           </p:nvPr>
         </p:nvSpPr>
         <p:spPr>
@@ -1972,23 +2060,20 @@
           </a:prstGeom>
         </p:spPr>
         <p:txBody>
-          <a:bodyPr anchorCtr="0" anchor="t" bIns="91425" lIns="91425" spcFirstLastPara="1" rIns="91425" wrap="square" tIns="91425">
+          <a:bodyPr spcFirstLastPara="1" wrap="square" lIns="91425" tIns="91425" rIns="91425" bIns="91425" anchor="t" anchorCtr="0">
             <a:noAutofit/>
           </a:bodyPr>
           <a:lstStyle/>
           <a:p>
-            <a:pPr indent="0" lvl="0" marL="0" rtl="0" algn="l">
-              <a:spcBef>
-                <a:spcPts val="0"/>
-              </a:spcBef>
-              <a:spcAft>
-                <a:spcPts val="0"/>
-              </a:spcAft>
-              <a:buNone/>
-            </a:pPr>
-            <a:r>
-              <a:t/>
-            </a:r>
+            <a:pPr marL="0" lvl="0" indent="0" algn="l" rtl="0">
+              <a:spcBef>
+                <a:spcPts val="0"/>
+              </a:spcBef>
+              <a:spcAft>
+                <a:spcPts val="0"/>
+              </a:spcAft>
+              <a:buNone/>
+            </a:pPr>
             <a:endParaRPr/>
           </a:p>
         </p:txBody>
@@ -2001,12 +2086,12 @@
 </p:notes>
 </file>
 
-<file path=ppt/notesSlides/notesSlide3.xml><?xml version="1.0" encoding="utf-8"?>
-<p:notes xmlns:a="http://schemas.openxmlformats.org/drawingml/2006/main" xmlns:r="http://schemas.openxmlformats.org/officeDocument/2006/relationships" xmlns:mc="http://schemas.openxmlformats.org/markup-compatibility/2006" xmlns:mv="urn:schemas-microsoft-com:mac:vml" xmlns:p="http://schemas.openxmlformats.org/presentationml/2006/main" xmlns:c="http://schemas.openxmlformats.org/drawingml/2006/chart" xmlns:dgm="http://schemas.openxmlformats.org/drawingml/2006/diagram" xmlns:o="urn:schemas-microsoft-com:office:office" xmlns:v="urn:schemas-microsoft-com:vml" xmlns:pvml="urn:schemas-microsoft-com:office:powerpoint" xmlns:com="http://schemas.openxmlformats.org/drawingml/2006/compatibility" xmlns:p14="http://schemas.microsoft.com/office/powerpoint/2010/main" xmlns:p15="http://schemas.microsoft.com/office/powerpoint/2012/main" xmlns:ahyp="http://schemas.microsoft.com/office/drawing/2018/hyperlinkcolor" showMasterPhAnim="0" showMasterSp="0">
+<file path=ppt/notesSlides/notesSlide5.xml><?xml version="1.0" encoding="utf-8"?>
+<p:notes xmlns:a="http://schemas.openxmlformats.org/drawingml/2006/main" xmlns:r="http://schemas.openxmlformats.org/officeDocument/2006/relationships" xmlns:p="http://schemas.openxmlformats.org/presentationml/2006/main" showMasterSp="0" showMasterPhAnim="0">
   <p:cSld>
     <p:spTree>
       <p:nvGrpSpPr>
-        <p:cNvPr id="50" name="Shape 50"/>
+        <p:cNvPr id="1" name="Shape 78"/>
         <p:cNvGrpSpPr/>
         <p:nvPr/>
       </p:nvGrpSpPr>
@@ -2020,10 +2105,12 @@
       </p:grpSpPr>
       <p:sp>
         <p:nvSpPr>
-          <p:cNvPr id="51" name="Google Shape;51;g638fe69364_0_14:notes"/>
-          <p:cNvSpPr/>
+          <p:cNvPr id="79" name="Google Shape;79;g62c25cff39_0_0:notes"/>
+          <p:cNvSpPr>
+            <a:spLocks noGrp="1" noRot="1" noChangeAspect="1"/>
+          </p:cNvSpPr>
           <p:nvPr>
-            <p:ph idx="2" type="sldImg"/>
+            <p:ph type="sldImg" idx="2"/>
           </p:nvPr>
         </p:nvSpPr>
         <p:spPr>
@@ -2032,9 +2119,13 @@
             <a:ext cx="6096000" cy="3429000"/>
           </a:xfrm>
           <a:custGeom>
-            <a:rect b="b" l="l" r="r" t="t"/>
+            <a:avLst/>
+            <a:gdLst/>
+            <a:ahLst/>
+            <a:cxnLst/>
+            <a:rect l="l" t="t" r="r" b="b"/>
             <a:pathLst>
-              <a:path extrusionOk="0" h="120000" w="120000">
+              <a:path w="120000" h="120000" extrusionOk="0">
                 <a:moveTo>
                   <a:pt x="0" y="0"/>
                 </a:moveTo>
@@ -2055,10 +2146,12 @@
       </p:sp>
       <p:sp>
         <p:nvSpPr>
-          <p:cNvPr id="52" name="Google Shape;52;g638fe69364_0_14:notes"/>
-          <p:cNvSpPr txBox="1"/>
+          <p:cNvPr id="80" name="Google Shape;80;g62c25cff39_0_0:notes"/>
+          <p:cNvSpPr txBox="1">
+            <a:spLocks noGrp="1"/>
+          </p:cNvSpPr>
           <p:nvPr>
-            <p:ph idx="1" type="body"/>
+            <p:ph type="body" idx="1"/>
           </p:nvPr>
         </p:nvSpPr>
         <p:spPr>
@@ -2071,23 +2164,20 @@
           </a:prstGeom>
         </p:spPr>
         <p:txBody>
-          <a:bodyPr anchorCtr="0" anchor="t" bIns="91425" lIns="91425" spcFirstLastPara="1" rIns="91425" wrap="square" tIns="91425">
+          <a:bodyPr spcFirstLastPara="1" wrap="square" lIns="91425" tIns="91425" rIns="91425" bIns="91425" anchor="t" anchorCtr="0">
             <a:noAutofit/>
           </a:bodyPr>
           <a:lstStyle/>
           <a:p>
-            <a:pPr indent="0" lvl="0" marL="0" rtl="0" algn="l">
-              <a:spcBef>
-                <a:spcPts val="0"/>
-              </a:spcBef>
-              <a:spcAft>
-                <a:spcPts val="0"/>
-              </a:spcAft>
-              <a:buNone/>
-            </a:pPr>
-            <a:r>
-              <a:t/>
-            </a:r>
+            <a:pPr marL="0" lvl="0" indent="0" algn="l" rtl="0">
+              <a:spcBef>
+                <a:spcPts val="0"/>
+              </a:spcBef>
+              <a:spcAft>
+                <a:spcPts val="0"/>
+              </a:spcAft>
+              <a:buNone/>
+            </a:pPr>
             <a:endParaRPr/>
           </a:p>
         </p:txBody>
@@ -2100,12 +2190,12 @@
 </p:notes>
 </file>
 
-<file path=ppt/notesSlides/notesSlide4.xml><?xml version="1.0" encoding="utf-8"?>
-<p:notes xmlns:a="http://schemas.openxmlformats.org/drawingml/2006/main" xmlns:r="http://schemas.openxmlformats.org/officeDocument/2006/relationships" xmlns:mc="http://schemas.openxmlformats.org/markup-compatibility/2006" xmlns:mv="urn:schemas-microsoft-com:mac:vml" xmlns:p="http://schemas.openxmlformats.org/presentationml/2006/main" xmlns:c="http://schemas.openxmlformats.org/drawingml/2006/chart" xmlns:dgm="http://schemas.openxmlformats.org/drawingml/2006/diagram" xmlns:o="urn:schemas-microsoft-com:office:office" xmlns:v="urn:schemas-microsoft-com:vml" xmlns:pvml="urn:schemas-microsoft-com:office:powerpoint" xmlns:com="http://schemas.openxmlformats.org/drawingml/2006/compatibility" xmlns:p14="http://schemas.microsoft.com/office/powerpoint/2010/main" xmlns:p15="http://schemas.microsoft.com/office/powerpoint/2012/main" xmlns:ahyp="http://schemas.microsoft.com/office/drawing/2018/hyperlinkcolor" showMasterPhAnim="0" showMasterSp="0">
+<file path=ppt/notesSlides/notesSlide6.xml><?xml version="1.0" encoding="utf-8"?>
+<p:notes xmlns:a="http://schemas.openxmlformats.org/drawingml/2006/main" xmlns:r="http://schemas.openxmlformats.org/officeDocument/2006/relationships" xmlns:p="http://schemas.openxmlformats.org/presentationml/2006/main" showMasterSp="0" showMasterPhAnim="0">
   <p:cSld>
     <p:spTree>
       <p:nvGrpSpPr>
-        <p:cNvPr id="56" name="Shape 56"/>
+        <p:cNvPr id="1" name="Shape 88"/>
         <p:cNvGrpSpPr/>
         <p:nvPr/>
       </p:nvGrpSpPr>
@@ -2119,10 +2209,12 @@
       </p:grpSpPr>
       <p:sp>
         <p:nvSpPr>
-          <p:cNvPr id="57" name="Google Shape;57;g62c25cff39_0_15:notes"/>
-          <p:cNvSpPr/>
+          <p:cNvPr id="89" name="Google Shape;89;g62c25cff39_0_34:notes"/>
+          <p:cNvSpPr>
+            <a:spLocks noGrp="1" noRot="1" noChangeAspect="1"/>
+          </p:cNvSpPr>
           <p:nvPr>
-            <p:ph idx="2" type="sldImg"/>
+            <p:ph type="sldImg" idx="2"/>
           </p:nvPr>
         </p:nvSpPr>
         <p:spPr>
@@ -2131,9 +2223,13 @@
             <a:ext cx="6096000" cy="3429000"/>
           </a:xfrm>
           <a:custGeom>
-            <a:rect b="b" l="l" r="r" t="t"/>
+            <a:avLst/>
+            <a:gdLst/>
+            <a:ahLst/>
+            <a:cxnLst/>
+            <a:rect l="l" t="t" r="r" b="b"/>
             <a:pathLst>
-              <a:path extrusionOk="0" h="120000" w="120000">
+              <a:path w="120000" h="120000" extrusionOk="0">
                 <a:moveTo>
                   <a:pt x="0" y="0"/>
                 </a:moveTo>
@@ -2154,10 +2250,12 @@
       </p:sp>
       <p:sp>
         <p:nvSpPr>
-          <p:cNvPr id="58" name="Google Shape;58;g62c25cff39_0_15:notes"/>
-          <p:cNvSpPr txBox="1"/>
+          <p:cNvPr id="90" name="Google Shape;90;g62c25cff39_0_34:notes"/>
+          <p:cNvSpPr txBox="1">
+            <a:spLocks noGrp="1"/>
+          </p:cNvSpPr>
           <p:nvPr>
-            <p:ph idx="1" type="body"/>
+            <p:ph type="body" idx="1"/>
           </p:nvPr>
         </p:nvSpPr>
         <p:spPr>
@@ -2170,23 +2268,20 @@
           </a:prstGeom>
         </p:spPr>
         <p:txBody>
-          <a:bodyPr anchorCtr="0" anchor="t" bIns="91425" lIns="91425" spcFirstLastPara="1" rIns="91425" wrap="square" tIns="91425">
+          <a:bodyPr spcFirstLastPara="1" wrap="square" lIns="91425" tIns="91425" rIns="91425" bIns="91425" anchor="t" anchorCtr="0">
             <a:noAutofit/>
           </a:bodyPr>
           <a:lstStyle/>
           <a:p>
-            <a:pPr indent="0" lvl="0" marL="0" rtl="0" algn="l">
-              <a:spcBef>
-                <a:spcPts val="0"/>
-              </a:spcBef>
-              <a:spcAft>
-                <a:spcPts val="0"/>
-              </a:spcAft>
-              <a:buNone/>
-            </a:pPr>
-            <a:r>
-              <a:t/>
-            </a:r>
+            <a:pPr marL="0" lvl="0" indent="0" algn="l" rtl="0">
+              <a:spcBef>
+                <a:spcPts val="0"/>
+              </a:spcBef>
+              <a:spcAft>
+                <a:spcPts val="0"/>
+              </a:spcAft>
+              <a:buNone/>
+            </a:pPr>
             <a:endParaRPr/>
           </a:p>
         </p:txBody>
@@ -2199,12 +2294,12 @@
 </p:notes>
 </file>
 
-<file path=ppt/notesSlides/notesSlide5.xml><?xml version="1.0" encoding="utf-8"?>
-<p:notes xmlns:a="http://schemas.openxmlformats.org/drawingml/2006/main" xmlns:r="http://schemas.openxmlformats.org/officeDocument/2006/relationships" xmlns:mc="http://schemas.openxmlformats.org/markup-compatibility/2006" xmlns:mv="urn:schemas-microsoft-com:mac:vml" xmlns:p="http://schemas.openxmlformats.org/presentationml/2006/main" xmlns:c="http://schemas.openxmlformats.org/drawingml/2006/chart" xmlns:dgm="http://schemas.openxmlformats.org/drawingml/2006/diagram" xmlns:o="urn:schemas-microsoft-com:office:office" xmlns:v="urn:schemas-microsoft-com:vml" xmlns:pvml="urn:schemas-microsoft-com:office:powerpoint" xmlns:com="http://schemas.openxmlformats.org/drawingml/2006/compatibility" xmlns:p14="http://schemas.microsoft.com/office/powerpoint/2010/main" xmlns:p15="http://schemas.microsoft.com/office/powerpoint/2012/main" xmlns:ahyp="http://schemas.microsoft.com/office/drawing/2018/hyperlinkcolor" showMasterPhAnim="0" showMasterSp="0">
+<file path=ppt/notesSlides/notesSlide7.xml><?xml version="1.0" encoding="utf-8"?>
+<p:notes xmlns:a="http://schemas.openxmlformats.org/drawingml/2006/main" xmlns:r="http://schemas.openxmlformats.org/officeDocument/2006/relationships" xmlns:p="http://schemas.openxmlformats.org/presentationml/2006/main" showMasterSp="0" showMasterPhAnim="0">
   <p:cSld>
     <p:spTree>
       <p:nvGrpSpPr>
-        <p:cNvPr id="63" name="Shape 63"/>
+        <p:cNvPr id="1" name="Shape 95"/>
         <p:cNvGrpSpPr/>
         <p:nvPr/>
       </p:nvGrpSpPr>
@@ -2218,10 +2313,12 @@
       </p:grpSpPr>
       <p:sp>
         <p:nvSpPr>
-          <p:cNvPr id="64" name="Google Shape;64;g4f1d3d1fcb_0_15:notes"/>
-          <p:cNvSpPr/>
+          <p:cNvPr id="96" name="Google Shape;96;g4f1d3d1fcb_0_0:notes"/>
+          <p:cNvSpPr>
+            <a:spLocks noGrp="1" noRot="1" noChangeAspect="1"/>
+          </p:cNvSpPr>
           <p:nvPr>
-            <p:ph idx="2" type="sldImg"/>
+            <p:ph type="sldImg" idx="2"/>
           </p:nvPr>
         </p:nvSpPr>
         <p:spPr>
@@ -2230,9 +2327,13 @@
             <a:ext cx="6096000" cy="3429000"/>
           </a:xfrm>
           <a:custGeom>
-            <a:rect b="b" l="l" r="r" t="t"/>
+            <a:avLst/>
+            <a:gdLst/>
+            <a:ahLst/>
+            <a:cxnLst/>
+            <a:rect l="l" t="t" r="r" b="b"/>
             <a:pathLst>
-              <a:path extrusionOk="0" h="120000" w="120000">
+              <a:path w="120000" h="120000" extrusionOk="0">
                 <a:moveTo>
                   <a:pt x="0" y="0"/>
                 </a:moveTo>
@@ -2253,10 +2354,12 @@
       </p:sp>
       <p:sp>
         <p:nvSpPr>
-          <p:cNvPr id="65" name="Google Shape;65;g4f1d3d1fcb_0_15:notes"/>
-          <p:cNvSpPr txBox="1"/>
+          <p:cNvPr id="97" name="Google Shape;97;g4f1d3d1fcb_0_0:notes"/>
+          <p:cNvSpPr txBox="1">
+            <a:spLocks noGrp="1"/>
+          </p:cNvSpPr>
           <p:nvPr>
-            <p:ph idx="1" type="body"/>
+            <p:ph type="body" idx="1"/>
           </p:nvPr>
         </p:nvSpPr>
         <p:spPr>
@@ -2269,23 +2372,20 @@
           </a:prstGeom>
         </p:spPr>
         <p:txBody>
-          <a:bodyPr anchorCtr="0" anchor="t" bIns="91425" lIns="91425" spcFirstLastPara="1" rIns="91425" wrap="square" tIns="91425">
+          <a:bodyPr spcFirstLastPara="1" wrap="square" lIns="91425" tIns="91425" rIns="91425" bIns="91425" anchor="t" anchorCtr="0">
             <a:noAutofit/>
           </a:bodyPr>
           <a:lstStyle/>
           <a:p>
-            <a:pPr indent="0" lvl="0" marL="0" rtl="0" algn="l">
-              <a:spcBef>
-                <a:spcPts val="0"/>
-              </a:spcBef>
-              <a:spcAft>
-                <a:spcPts val="0"/>
-              </a:spcAft>
-              <a:buNone/>
-            </a:pPr>
-            <a:r>
-              <a:t/>
-            </a:r>
+            <a:pPr marL="0" lvl="0" indent="0" algn="l" rtl="0">
+              <a:spcBef>
+                <a:spcPts val="0"/>
+              </a:spcBef>
+              <a:spcAft>
+                <a:spcPts val="0"/>
+              </a:spcAft>
+              <a:buNone/>
+            </a:pPr>
             <a:endParaRPr/>
           </a:p>
         </p:txBody>
@@ -2298,12 +2398,12 @@
 </p:notes>
 </file>
 
-<file path=ppt/notesSlides/notesSlide6.xml><?xml version="1.0" encoding="utf-8"?>
-<p:notes xmlns:a="http://schemas.openxmlformats.org/drawingml/2006/main" xmlns:r="http://schemas.openxmlformats.org/officeDocument/2006/relationships" xmlns:mc="http://schemas.openxmlformats.org/markup-compatibility/2006" xmlns:mv="urn:schemas-microsoft-com:mac:vml" xmlns:p="http://schemas.openxmlformats.org/presentationml/2006/main" xmlns:c="http://schemas.openxmlformats.org/drawingml/2006/chart" xmlns:dgm="http://schemas.openxmlformats.org/drawingml/2006/diagram" xmlns:o="urn:schemas-microsoft-com:office:office" xmlns:v="urn:schemas-microsoft-com:vml" xmlns:pvml="urn:schemas-microsoft-com:office:powerpoint" xmlns:com="http://schemas.openxmlformats.org/drawingml/2006/compatibility" xmlns:p14="http://schemas.microsoft.com/office/powerpoint/2010/main" xmlns:p15="http://schemas.microsoft.com/office/powerpoint/2012/main" xmlns:ahyp="http://schemas.microsoft.com/office/drawing/2018/hyperlinkcolor" showMasterPhAnim="0" showMasterSp="0">
+<file path=ppt/notesSlides/notesSlide8.xml><?xml version="1.0" encoding="utf-8"?>
+<p:notes xmlns:a="http://schemas.openxmlformats.org/drawingml/2006/main" xmlns:r="http://schemas.openxmlformats.org/officeDocument/2006/relationships" xmlns:p="http://schemas.openxmlformats.org/presentationml/2006/main" showMasterSp="0" showMasterPhAnim="0">
   <p:cSld>
     <p:spTree>
       <p:nvGrpSpPr>
-        <p:cNvPr id="70" name="Shape 70"/>
+        <p:cNvPr id="1" name="Shape 101"/>
         <p:cNvGrpSpPr/>
         <p:nvPr/>
       </p:nvGrpSpPr>
@@ -2317,10 +2417,12 @@
       </p:grpSpPr>
       <p:sp>
         <p:nvSpPr>
-          <p:cNvPr id="71" name="Google Shape;71;g62c25cff39_0_20:notes"/>
-          <p:cNvSpPr/>
+          <p:cNvPr id="102" name="Google Shape;102;g4f1d3d1fcb_0_5:notes"/>
+          <p:cNvSpPr>
+            <a:spLocks noGrp="1" noRot="1" noChangeAspect="1"/>
+          </p:cNvSpPr>
           <p:nvPr>
-            <p:ph idx="2" type="sldImg"/>
+            <p:ph type="sldImg" idx="2"/>
           </p:nvPr>
         </p:nvSpPr>
         <p:spPr>
@@ -2329,9 +2431,13 @@
             <a:ext cx="6096000" cy="3429000"/>
           </a:xfrm>
           <a:custGeom>
-            <a:rect b="b" l="l" r="r" t="t"/>
+            <a:avLst/>
+            <a:gdLst/>
+            <a:ahLst/>
+            <a:cxnLst/>
+            <a:rect l="l" t="t" r="r" b="b"/>
             <a:pathLst>
-              <a:path extrusionOk="0" h="120000" w="120000">
+              <a:path w="120000" h="120000" extrusionOk="0">
                 <a:moveTo>
                   <a:pt x="0" y="0"/>
                 </a:moveTo>
@@ -2352,10 +2458,12 @@
       </p:sp>
       <p:sp>
         <p:nvSpPr>
-          <p:cNvPr id="72" name="Google Shape;72;g62c25cff39_0_20:notes"/>
-          <p:cNvSpPr txBox="1"/>
+          <p:cNvPr id="103" name="Google Shape;103;g4f1d3d1fcb_0_5:notes"/>
+          <p:cNvSpPr txBox="1">
+            <a:spLocks noGrp="1"/>
+          </p:cNvSpPr>
           <p:nvPr>
-            <p:ph idx="1" type="body"/>
+            <p:ph type="body" idx="1"/>
           </p:nvPr>
         </p:nvSpPr>
         <p:spPr>
@@ -2368,23 +2476,20 @@
           </a:prstGeom>
         </p:spPr>
         <p:txBody>
-          <a:bodyPr anchorCtr="0" anchor="t" bIns="91425" lIns="91425" spcFirstLastPara="1" rIns="91425" wrap="square" tIns="91425">
+          <a:bodyPr spcFirstLastPara="1" wrap="square" lIns="91425" tIns="91425" rIns="91425" bIns="91425" anchor="t" anchorCtr="0">
             <a:noAutofit/>
           </a:bodyPr>
           <a:lstStyle/>
           <a:p>
-            <a:pPr indent="0" lvl="0" marL="0" rtl="0" algn="l">
-              <a:spcBef>
-                <a:spcPts val="0"/>
-              </a:spcBef>
-              <a:spcAft>
-                <a:spcPts val="0"/>
-              </a:spcAft>
-              <a:buNone/>
-            </a:pPr>
-            <a:r>
-              <a:t/>
-            </a:r>
+            <a:pPr marL="0" lvl="0" indent="0" algn="l" rtl="0">
+              <a:spcBef>
+                <a:spcPts val="0"/>
+              </a:spcBef>
+              <a:spcAft>
+                <a:spcPts val="0"/>
+              </a:spcAft>
+              <a:buNone/>
+            </a:pPr>
             <a:endParaRPr/>
           </a:p>
         </p:txBody>
@@ -2397,12 +2502,12 @@
 </p:notes>
 </file>
 
-<file path=ppt/notesSlides/notesSlide7.xml><?xml version="1.0" encoding="utf-8"?>
-<p:notes xmlns:a="http://schemas.openxmlformats.org/drawingml/2006/main" xmlns:r="http://schemas.openxmlformats.org/officeDocument/2006/relationships" xmlns:mc="http://schemas.openxmlformats.org/markup-compatibility/2006" xmlns:mv="urn:schemas-microsoft-com:mac:vml" xmlns:p="http://schemas.openxmlformats.org/presentationml/2006/main" xmlns:c="http://schemas.openxmlformats.org/drawingml/2006/chart" xmlns:dgm="http://schemas.openxmlformats.org/drawingml/2006/diagram" xmlns:o="urn:schemas-microsoft-com:office:office" xmlns:v="urn:schemas-microsoft-com:vml" xmlns:pvml="urn:schemas-microsoft-com:office:powerpoint" xmlns:com="http://schemas.openxmlformats.org/drawingml/2006/compatibility" xmlns:p14="http://schemas.microsoft.com/office/powerpoint/2010/main" xmlns:p15="http://schemas.microsoft.com/office/powerpoint/2012/main" xmlns:ahyp="http://schemas.microsoft.com/office/drawing/2018/hyperlinkcolor" showMasterPhAnim="0" showMasterSp="0">
+<file path=ppt/notesSlides/notesSlide9.xml><?xml version="1.0" encoding="utf-8"?>
+<p:notes xmlns:a="http://schemas.openxmlformats.org/drawingml/2006/main" xmlns:r="http://schemas.openxmlformats.org/officeDocument/2006/relationships" xmlns:p="http://schemas.openxmlformats.org/presentationml/2006/main" showMasterSp="0" showMasterPhAnim="0">
   <p:cSld>
     <p:spTree>
       <p:nvGrpSpPr>
-        <p:cNvPr id="78" name="Shape 78"/>
+        <p:cNvPr id="1" name="Shape 107"/>
         <p:cNvGrpSpPr/>
         <p:nvPr/>
       </p:nvGrpSpPr>
@@ -2416,10 +2521,12 @@
       </p:grpSpPr>
       <p:sp>
         <p:nvSpPr>
-          <p:cNvPr id="79" name="Google Shape;79;g62c25cff39_0_0:notes"/>
-          <p:cNvSpPr/>
+          <p:cNvPr id="108" name="Google Shape;108;g4f1d3d1fcb_0_24:notes"/>
+          <p:cNvSpPr>
+            <a:spLocks noGrp="1" noRot="1" noChangeAspect="1"/>
+          </p:cNvSpPr>
           <p:nvPr>
-            <p:ph idx="2" type="sldImg"/>
+            <p:ph type="sldImg" idx="2"/>
           </p:nvPr>
         </p:nvSpPr>
         <p:spPr>
@@ -2428,9 +2535,13 @@
             <a:ext cx="6096000" cy="3429000"/>
           </a:xfrm>
           <a:custGeom>
-            <a:rect b="b" l="l" r="r" t="t"/>
+            <a:avLst/>
+            <a:gdLst/>
+            <a:ahLst/>
+            <a:cxnLst/>
+            <a:rect l="l" t="t" r="r" b="b"/>
             <a:pathLst>
-              <a:path extrusionOk="0" h="120000" w="120000">
+              <a:path w="120000" h="120000" extrusionOk="0">
                 <a:moveTo>
                   <a:pt x="0" y="0"/>
                 </a:moveTo>
@@ -2451,10 +2562,12 @@
       </p:sp>
       <p:sp>
         <p:nvSpPr>
-          <p:cNvPr id="80" name="Google Shape;80;g62c25cff39_0_0:notes"/>
-          <p:cNvSpPr txBox="1"/>
+          <p:cNvPr id="109" name="Google Shape;109;g4f1d3d1fcb_0_24:notes"/>
+          <p:cNvSpPr txBox="1">
+            <a:spLocks noGrp="1"/>
+          </p:cNvSpPr>
           <p:nvPr>
-            <p:ph idx="1" type="body"/>
+            <p:ph type="body" idx="1"/>
           </p:nvPr>
         </p:nvSpPr>
         <p:spPr>
@@ -2467,221 +2580,20 @@
           </a:prstGeom>
         </p:spPr>
         <p:txBody>
-          <a:bodyPr anchorCtr="0" anchor="t" bIns="91425" lIns="91425" spcFirstLastPara="1" rIns="91425" wrap="square" tIns="91425">
+          <a:bodyPr spcFirstLastPara="1" wrap="square" lIns="91425" tIns="91425" rIns="91425" bIns="91425" anchor="t" anchorCtr="0">
             <a:noAutofit/>
           </a:bodyPr>
           <a:lstStyle/>
           <a:p>
-            <a:pPr indent="0" lvl="0" marL="0" rtl="0" algn="l">
-              <a:spcBef>
-                <a:spcPts val="0"/>
-              </a:spcBef>
-              <a:spcAft>
-                <a:spcPts val="0"/>
-              </a:spcAft>
-              <a:buNone/>
-            </a:pPr>
-            <a:r>
-              <a:t/>
-            </a:r>
-            <a:endParaRPr/>
-          </a:p>
-        </p:txBody>
-      </p:sp>
-    </p:spTree>
-  </p:cSld>
-  <p:clrMapOvr>
-    <a:masterClrMapping/>
-  </p:clrMapOvr>
-</p:notes>
-</file>
-
-<file path=ppt/notesSlides/notesSlide8.xml><?xml version="1.0" encoding="utf-8"?>
-<p:notes xmlns:a="http://schemas.openxmlformats.org/drawingml/2006/main" xmlns:r="http://schemas.openxmlformats.org/officeDocument/2006/relationships" xmlns:mc="http://schemas.openxmlformats.org/markup-compatibility/2006" xmlns:mv="urn:schemas-microsoft-com:mac:vml" xmlns:p="http://schemas.openxmlformats.org/presentationml/2006/main" xmlns:c="http://schemas.openxmlformats.org/drawingml/2006/chart" xmlns:dgm="http://schemas.openxmlformats.org/drawingml/2006/diagram" xmlns:o="urn:schemas-microsoft-com:office:office" xmlns:v="urn:schemas-microsoft-com:vml" xmlns:pvml="urn:schemas-microsoft-com:office:powerpoint" xmlns:com="http://schemas.openxmlformats.org/drawingml/2006/compatibility" xmlns:p14="http://schemas.microsoft.com/office/powerpoint/2010/main" xmlns:p15="http://schemas.microsoft.com/office/powerpoint/2012/main" xmlns:ahyp="http://schemas.microsoft.com/office/drawing/2018/hyperlinkcolor" showMasterPhAnim="0" showMasterSp="0">
-  <p:cSld>
-    <p:spTree>
-      <p:nvGrpSpPr>
-        <p:cNvPr id="88" name="Shape 88"/>
-        <p:cNvGrpSpPr/>
-        <p:nvPr/>
-      </p:nvGrpSpPr>
-      <p:grpSpPr>
-        <a:xfrm>
-          <a:off x="0" y="0"/>
-          <a:ext cx="0" cy="0"/>
-          <a:chOff x="0" y="0"/>
-          <a:chExt cx="0" cy="0"/>
-        </a:xfrm>
-      </p:grpSpPr>
-      <p:sp>
-        <p:nvSpPr>
-          <p:cNvPr id="89" name="Google Shape;89;g62c25cff39_0_34:notes"/>
-          <p:cNvSpPr/>
-          <p:nvPr>
-            <p:ph idx="2" type="sldImg"/>
-          </p:nvPr>
-        </p:nvSpPr>
-        <p:spPr>
-          <a:xfrm>
-            <a:off x="381300" y="685800"/>
-            <a:ext cx="6096000" cy="3429000"/>
-          </a:xfrm>
-          <a:custGeom>
-            <a:rect b="b" l="l" r="r" t="t"/>
-            <a:pathLst>
-              <a:path extrusionOk="0" h="120000" w="120000">
-                <a:moveTo>
-                  <a:pt x="0" y="0"/>
-                </a:moveTo>
-                <a:lnTo>
-                  <a:pt x="120000" y="0"/>
-                </a:lnTo>
-                <a:lnTo>
-                  <a:pt x="120000" y="120000"/>
-                </a:lnTo>
-                <a:lnTo>
-                  <a:pt x="0" y="120000"/>
-                </a:lnTo>
-                <a:close/>
-              </a:path>
-            </a:pathLst>
-          </a:custGeom>
-        </p:spPr>
-      </p:sp>
-      <p:sp>
-        <p:nvSpPr>
-          <p:cNvPr id="90" name="Google Shape;90;g62c25cff39_0_34:notes"/>
-          <p:cNvSpPr txBox="1"/>
-          <p:nvPr>
-            <p:ph idx="1" type="body"/>
-          </p:nvPr>
-        </p:nvSpPr>
-        <p:spPr>
-          <a:xfrm>
-            <a:off x="685800" y="4343400"/>
-            <a:ext cx="5486400" cy="4114800"/>
-          </a:xfrm>
-          <a:prstGeom prst="rect">
-            <a:avLst/>
-          </a:prstGeom>
-        </p:spPr>
-        <p:txBody>
-          <a:bodyPr anchorCtr="0" anchor="t" bIns="91425" lIns="91425" spcFirstLastPara="1" rIns="91425" wrap="square" tIns="91425">
-            <a:noAutofit/>
-          </a:bodyPr>
-          <a:lstStyle/>
-          <a:p>
-            <a:pPr indent="0" lvl="0" marL="0" rtl="0" algn="l">
-              <a:spcBef>
-                <a:spcPts val="0"/>
-              </a:spcBef>
-              <a:spcAft>
-                <a:spcPts val="0"/>
-              </a:spcAft>
-              <a:buNone/>
-            </a:pPr>
-            <a:r>
-              <a:t/>
-            </a:r>
-            <a:endParaRPr/>
-          </a:p>
-        </p:txBody>
-      </p:sp>
-    </p:spTree>
-  </p:cSld>
-  <p:clrMapOvr>
-    <a:masterClrMapping/>
-  </p:clrMapOvr>
-</p:notes>
-</file>
-
-<file path=ppt/notesSlides/notesSlide9.xml><?xml version="1.0" encoding="utf-8"?>
-<p:notes xmlns:a="http://schemas.openxmlformats.org/drawingml/2006/main" xmlns:r="http://schemas.openxmlformats.org/officeDocument/2006/relationships" xmlns:mc="http://schemas.openxmlformats.org/markup-compatibility/2006" xmlns:mv="urn:schemas-microsoft-com:mac:vml" xmlns:p="http://schemas.openxmlformats.org/presentationml/2006/main" xmlns:c="http://schemas.openxmlformats.org/drawingml/2006/chart" xmlns:dgm="http://schemas.openxmlformats.org/drawingml/2006/diagram" xmlns:o="urn:schemas-microsoft-com:office:office" xmlns:v="urn:schemas-microsoft-com:vml" xmlns:pvml="urn:schemas-microsoft-com:office:powerpoint" xmlns:com="http://schemas.openxmlformats.org/drawingml/2006/compatibility" xmlns:p14="http://schemas.microsoft.com/office/powerpoint/2010/main" xmlns:p15="http://schemas.microsoft.com/office/powerpoint/2012/main" xmlns:ahyp="http://schemas.microsoft.com/office/drawing/2018/hyperlinkcolor" showMasterPhAnim="0" showMasterSp="0">
-  <p:cSld>
-    <p:spTree>
-      <p:nvGrpSpPr>
-        <p:cNvPr id="95" name="Shape 95"/>
-        <p:cNvGrpSpPr/>
-        <p:nvPr/>
-      </p:nvGrpSpPr>
-      <p:grpSpPr>
-        <a:xfrm>
-          <a:off x="0" y="0"/>
-          <a:ext cx="0" cy="0"/>
-          <a:chOff x="0" y="0"/>
-          <a:chExt cx="0" cy="0"/>
-        </a:xfrm>
-      </p:grpSpPr>
-      <p:sp>
-        <p:nvSpPr>
-          <p:cNvPr id="96" name="Google Shape;96;g4f1d3d1fcb_0_0:notes"/>
-          <p:cNvSpPr/>
-          <p:nvPr>
-            <p:ph idx="2" type="sldImg"/>
-          </p:nvPr>
-        </p:nvSpPr>
-        <p:spPr>
-          <a:xfrm>
-            <a:off x="381300" y="685800"/>
-            <a:ext cx="6096000" cy="3429000"/>
-          </a:xfrm>
-          <a:custGeom>
-            <a:rect b="b" l="l" r="r" t="t"/>
-            <a:pathLst>
-              <a:path extrusionOk="0" h="120000" w="120000">
-                <a:moveTo>
-                  <a:pt x="0" y="0"/>
-                </a:moveTo>
-                <a:lnTo>
-                  <a:pt x="120000" y="0"/>
-                </a:lnTo>
-                <a:lnTo>
-                  <a:pt x="120000" y="120000"/>
-                </a:lnTo>
-                <a:lnTo>
-                  <a:pt x="0" y="120000"/>
-                </a:lnTo>
-                <a:close/>
-              </a:path>
-            </a:pathLst>
-          </a:custGeom>
-        </p:spPr>
-      </p:sp>
-      <p:sp>
-        <p:nvSpPr>
-          <p:cNvPr id="97" name="Google Shape;97;g4f1d3d1fcb_0_0:notes"/>
-          <p:cNvSpPr txBox="1"/>
-          <p:nvPr>
-            <p:ph idx="1" type="body"/>
-          </p:nvPr>
-        </p:nvSpPr>
-        <p:spPr>
-          <a:xfrm>
-            <a:off x="685800" y="4343400"/>
-            <a:ext cx="5486400" cy="4114800"/>
-          </a:xfrm>
-          <a:prstGeom prst="rect">
-            <a:avLst/>
-          </a:prstGeom>
-        </p:spPr>
-        <p:txBody>
-          <a:bodyPr anchorCtr="0" anchor="t" bIns="91425" lIns="91425" spcFirstLastPara="1" rIns="91425" wrap="square" tIns="91425">
-            <a:noAutofit/>
-          </a:bodyPr>
-          <a:lstStyle/>
-          <a:p>
-            <a:pPr indent="0" lvl="0" marL="0" rtl="0" algn="l">
-              <a:spcBef>
-                <a:spcPts val="0"/>
-              </a:spcBef>
-              <a:spcAft>
-                <a:spcPts val="0"/>
-              </a:spcAft>
-              <a:buNone/>
-            </a:pPr>
-            <a:r>
-              <a:t/>
-            </a:r>
+            <a:pPr marL="0" lvl="0" indent="0" algn="l" rtl="0">
+              <a:spcBef>
+                <a:spcPts val="0"/>
+              </a:spcBef>
+              <a:spcAft>
+                <a:spcPts val="0"/>
+              </a:spcAft>
+              <a:buNone/>
+            </a:pPr>
             <a:endParaRPr/>
           </a:p>
         </p:txBody>
@@ -2695,11 +2607,11 @@
 </file>
 
 <file path=ppt/slideLayouts/slideLayout1.xml><?xml version="1.0" encoding="utf-8"?>
-<p:sldLayout xmlns:a="http://schemas.openxmlformats.org/drawingml/2006/main" xmlns:r="http://schemas.openxmlformats.org/officeDocument/2006/relationships" xmlns:mc="http://schemas.openxmlformats.org/markup-compatibility/2006" xmlns:mv="urn:schemas-microsoft-com:mac:vml" xmlns:p="http://schemas.openxmlformats.org/presentationml/2006/main" xmlns:c="http://schemas.openxmlformats.org/drawingml/2006/chart" xmlns:dgm="http://schemas.openxmlformats.org/drawingml/2006/diagram" xmlns:o="urn:schemas-microsoft-com:office:office" xmlns:v="urn:schemas-microsoft-com:vml" xmlns:pvml="urn:schemas-microsoft-com:office:powerpoint" xmlns:com="http://schemas.openxmlformats.org/drawingml/2006/compatibility" xmlns:p14="http://schemas.microsoft.com/office/powerpoint/2010/main" xmlns:p15="http://schemas.microsoft.com/office/powerpoint/2012/main" xmlns:ahyp="http://schemas.microsoft.com/office/drawing/2018/hyperlinkcolor" matchingName="Title Slide" type="title">
+<p:sldLayout xmlns:a="http://schemas.openxmlformats.org/drawingml/2006/main" xmlns:r="http://schemas.openxmlformats.org/officeDocument/2006/relationships" xmlns:p="http://schemas.openxmlformats.org/presentationml/2006/main" matchingName="Title Slide" type="title">
   <p:cSld name="TITLE">
     <p:spTree>
       <p:nvGrpSpPr>
-        <p:cNvPr id="9" name="Shape 9"/>
+        <p:cNvPr id="1" name="Shape 9"/>
         <p:cNvGrpSpPr/>
         <p:nvPr/>
       </p:nvGrpSpPr>
@@ -2714,7 +2626,9 @@
       <p:sp>
         <p:nvSpPr>
           <p:cNvPr id="10" name="Google Shape;10;p2"/>
-          <p:cNvSpPr txBox="1"/>
+          <p:cNvSpPr txBox="1">
+            <a:spLocks noGrp="1"/>
+          </p:cNvSpPr>
           <p:nvPr>
             <p:ph type="ctrTitle"/>
           </p:nvPr>
@@ -2733,11 +2647,11 @@
           </a:ln>
         </p:spPr>
         <p:txBody>
-          <a:bodyPr anchorCtr="0" anchor="ctr" bIns="45700" lIns="91425" spcFirstLastPara="1" rIns="91425" wrap="square" tIns="45700">
+          <a:bodyPr spcFirstLastPara="1" wrap="square" lIns="91425" tIns="45700" rIns="91425" bIns="45700" anchor="ctr" anchorCtr="0">
             <a:noAutofit/>
           </a:bodyPr>
           <a:lstStyle>
-            <a:lvl1pPr lvl="0" marR="0" rtl="0" algn="l">
+            <a:lvl1pPr marR="0" lvl="0" algn="l" rtl="0">
               <a:spcBef>
                 <a:spcPts val="0"/>
               </a:spcBef>
@@ -2750,7 +2664,7 @@
               <a:buSzPts val="4800"/>
               <a:buFont typeface="Helvetica Neue"/>
               <a:buNone/>
-              <a:defRPr b="0" i="0" sz="4800" u="none" cap="none" strike="noStrike">
+              <a:defRPr sz="4800" b="0" i="0" u="none" strike="noStrike" cap="none">
                 <a:solidFill>
                   <a:srgbClr val="FFFFFF"/>
                 </a:solidFill>
@@ -2849,15 +2763,19 @@
               <a:defRPr sz="1800"/>
             </a:lvl9pPr>
           </a:lstStyle>
-          <a:p/>
+          <a:p>
+            <a:endParaRPr/>
+          </a:p>
         </p:txBody>
       </p:sp>
       <p:sp>
         <p:nvSpPr>
           <p:cNvPr id="11" name="Google Shape;11;p2"/>
-          <p:cNvSpPr txBox="1"/>
+          <p:cNvSpPr txBox="1">
+            <a:spLocks noGrp="1"/>
+          </p:cNvSpPr>
           <p:nvPr>
-            <p:ph idx="1" type="subTitle"/>
+            <p:ph type="subTitle" idx="1"/>
           </p:nvPr>
         </p:nvSpPr>
         <p:spPr>
@@ -2874,11 +2792,11 @@
           </a:ln>
         </p:spPr>
         <p:txBody>
-          <a:bodyPr anchorCtr="0" anchor="t" bIns="45700" lIns="91425" spcFirstLastPara="1" rIns="91425" wrap="square" tIns="45700">
+          <a:bodyPr spcFirstLastPara="1" wrap="square" lIns="91425" tIns="45700" rIns="91425" bIns="45700" anchor="t" anchorCtr="0">
             <a:noAutofit/>
           </a:bodyPr>
           <a:lstStyle>
-            <a:lvl1pPr lvl="0" marR="0" rtl="0" algn="l">
+            <a:lvl1pPr marR="0" lvl="0" algn="l" rtl="0">
               <a:spcBef>
                 <a:spcPts val="640"/>
               </a:spcBef>
@@ -2891,7 +2809,7 @@
               <a:buSzPts val="3200"/>
               <a:buFont typeface="Helvetica Neue"/>
               <a:buNone/>
-              <a:defRPr b="0" i="0" sz="3200" u="none" cap="none" strike="noStrike">
+              <a:defRPr sz="3200" b="0" i="0" u="none" strike="noStrike" cap="none">
                 <a:solidFill>
                   <a:srgbClr val="FFFFFF"/>
                 </a:solidFill>
@@ -2901,7 +2819,7 @@
                 <a:sym typeface="Helvetica Neue"/>
               </a:defRPr>
             </a:lvl1pPr>
-            <a:lvl2pPr lvl="1" marR="0" rtl="0" algn="ctr">
+            <a:lvl2pPr marR="0" lvl="1" algn="ctr" rtl="0">
               <a:spcBef>
                 <a:spcPts val="560"/>
               </a:spcBef>
@@ -2914,7 +2832,7 @@
               <a:buSzPts val="2800"/>
               <a:buFont typeface="Helvetica Neue"/>
               <a:buNone/>
-              <a:defRPr b="0" i="0" sz="2800" u="none" cap="none" strike="noStrike">
+              <a:defRPr sz="2800" b="0" i="0" u="none" strike="noStrike" cap="none">
                 <a:solidFill>
                   <a:srgbClr val="88A78D"/>
                 </a:solidFill>
@@ -2924,7 +2842,7 @@
                 <a:sym typeface="Helvetica Neue"/>
               </a:defRPr>
             </a:lvl2pPr>
-            <a:lvl3pPr lvl="2" marR="0" rtl="0" algn="ctr">
+            <a:lvl3pPr marR="0" lvl="2" algn="ctr" rtl="0">
               <a:spcBef>
                 <a:spcPts val="480"/>
               </a:spcBef>
@@ -2937,7 +2855,7 @@
               <a:buSzPts val="2400"/>
               <a:buFont typeface="Helvetica Neue"/>
               <a:buNone/>
-              <a:defRPr b="0" i="0" sz="2400" u="none" cap="none" strike="noStrike">
+              <a:defRPr sz="2400" b="0" i="0" u="none" strike="noStrike" cap="none">
                 <a:solidFill>
                   <a:srgbClr val="88A78D"/>
                 </a:solidFill>
@@ -2947,7 +2865,7 @@
                 <a:sym typeface="Helvetica Neue"/>
               </a:defRPr>
             </a:lvl3pPr>
-            <a:lvl4pPr lvl="3" marR="0" rtl="0" algn="ctr">
+            <a:lvl4pPr marR="0" lvl="3" algn="ctr" rtl="0">
               <a:spcBef>
                 <a:spcPts val="400"/>
               </a:spcBef>
@@ -2960,7 +2878,7 @@
               <a:buSzPts val="2000"/>
               <a:buFont typeface="Helvetica Neue"/>
               <a:buNone/>
-              <a:defRPr b="0" i="0" sz="2000" u="none" cap="none" strike="noStrike">
+              <a:defRPr sz="2000" b="0" i="0" u="none" strike="noStrike" cap="none">
                 <a:solidFill>
                   <a:srgbClr val="88A78D"/>
                 </a:solidFill>
@@ -2970,7 +2888,7 @@
                 <a:sym typeface="Helvetica Neue"/>
               </a:defRPr>
             </a:lvl4pPr>
-            <a:lvl5pPr lvl="4" marR="0" rtl="0" algn="ctr">
+            <a:lvl5pPr marR="0" lvl="4" algn="ctr" rtl="0">
               <a:spcBef>
                 <a:spcPts val="400"/>
               </a:spcBef>
@@ -2983,7 +2901,7 @@
               <a:buSzPts val="2000"/>
               <a:buFont typeface="Helvetica Neue"/>
               <a:buNone/>
-              <a:defRPr b="0" i="0" sz="2000" u="none" cap="none" strike="noStrike">
+              <a:defRPr sz="2000" b="0" i="0" u="none" strike="noStrike" cap="none">
                 <a:solidFill>
                   <a:srgbClr val="88A78D"/>
                 </a:solidFill>
@@ -2993,7 +2911,7 @@
                 <a:sym typeface="Helvetica Neue"/>
               </a:defRPr>
             </a:lvl5pPr>
-            <a:lvl6pPr lvl="5" marR="0" rtl="0" algn="ctr">
+            <a:lvl6pPr marR="0" lvl="5" algn="ctr" rtl="0">
               <a:spcBef>
                 <a:spcPts val="400"/>
               </a:spcBef>
@@ -3006,7 +2924,7 @@
               <a:buSzPts val="2000"/>
               <a:buFont typeface="Arial"/>
               <a:buNone/>
-              <a:defRPr b="0" i="0" sz="2000" u="none" cap="none" strike="noStrike">
+              <a:defRPr sz="2000" b="0" i="0" u="none" strike="noStrike" cap="none">
                 <a:solidFill>
                   <a:srgbClr val="88A78D"/>
                 </a:solidFill>
@@ -3016,7 +2934,7 @@
                 <a:sym typeface="Calibri"/>
               </a:defRPr>
             </a:lvl6pPr>
-            <a:lvl7pPr lvl="6" marR="0" rtl="0" algn="ctr">
+            <a:lvl7pPr marR="0" lvl="6" algn="ctr" rtl="0">
               <a:spcBef>
                 <a:spcPts val="400"/>
               </a:spcBef>
@@ -3029,7 +2947,7 @@
               <a:buSzPts val="2000"/>
               <a:buFont typeface="Arial"/>
               <a:buNone/>
-              <a:defRPr b="0" i="0" sz="2000" u="none" cap="none" strike="noStrike">
+              <a:defRPr sz="2000" b="0" i="0" u="none" strike="noStrike" cap="none">
                 <a:solidFill>
                   <a:srgbClr val="88A78D"/>
                 </a:solidFill>
@@ -3039,7 +2957,7 @@
                 <a:sym typeface="Calibri"/>
               </a:defRPr>
             </a:lvl7pPr>
-            <a:lvl8pPr lvl="7" marR="0" rtl="0" algn="ctr">
+            <a:lvl8pPr marR="0" lvl="7" algn="ctr" rtl="0">
               <a:spcBef>
                 <a:spcPts val="400"/>
               </a:spcBef>
@@ -3052,7 +2970,7 @@
               <a:buSzPts val="2000"/>
               <a:buFont typeface="Arial"/>
               <a:buNone/>
-              <a:defRPr b="0" i="0" sz="2000" u="none" cap="none" strike="noStrike">
+              <a:defRPr sz="2000" b="0" i="0" u="none" strike="noStrike" cap="none">
                 <a:solidFill>
                   <a:srgbClr val="88A78D"/>
                 </a:solidFill>
@@ -3062,7 +2980,7 @@
                 <a:sym typeface="Calibri"/>
               </a:defRPr>
             </a:lvl8pPr>
-            <a:lvl9pPr lvl="8" marR="0" rtl="0" algn="ctr">
+            <a:lvl9pPr marR="0" lvl="8" algn="ctr" rtl="0">
               <a:spcBef>
                 <a:spcPts val="400"/>
               </a:spcBef>
@@ -3075,7 +2993,7 @@
               <a:buSzPts val="2000"/>
               <a:buFont typeface="Arial"/>
               <a:buNone/>
-              <a:defRPr b="0" i="0" sz="2000" u="none" cap="none" strike="noStrike">
+              <a:defRPr sz="2000" b="0" i="0" u="none" strike="noStrike" cap="none">
                 <a:solidFill>
                   <a:srgbClr val="88A78D"/>
                 </a:solidFill>
@@ -3086,7 +3004,9 @@
               </a:defRPr>
             </a:lvl9pPr>
           </a:lstStyle>
-          <a:p/>
+          <a:p>
+            <a:endParaRPr/>
+          </a:p>
         </p:txBody>
       </p:sp>
       <p:cxnSp>
@@ -3104,20 +3024,20 @@
             <a:avLst/>
           </a:prstGeom>
           <a:noFill/>
-          <a:ln cap="flat" cmpd="sng" w="19050">
+          <a:ln w="19050" cap="flat" cmpd="sng">
             <a:solidFill>
               <a:schemeClr val="lt2"/>
             </a:solidFill>
             <a:prstDash val="solid"/>
             <a:round/>
-            <a:headEnd len="med" w="med" type="oval"/>
-            <a:tailEnd len="med" w="med" type="oval"/>
+            <a:headEnd type="oval" w="med" len="med"/>
+            <a:tailEnd type="oval" w="med" len="med"/>
           </a:ln>
         </p:spPr>
       </p:cxnSp>
       <p:pic>
         <p:nvPicPr>
-          <p:cNvPr descr="UOSignature-107-WHT-4C.eps" id="13" name="Google Shape;13;p2"/>
+          <p:cNvPr id="13" name="Google Shape;13;p2" descr="UOSignature-107-WHT-4C.eps"/>
           <p:cNvPicPr preferRelativeResize="0"/>
           <p:nvPr/>
         </p:nvPicPr>
@@ -3125,7 +3045,7 @@
           <a:blip r:embed="rId2">
             <a:alphaModFix/>
           </a:blip>
-          <a:srcRect b="0" l="0" r="0" t="0"/>
+          <a:srcRect/>
           <a:stretch/>
         </p:blipFill>
         <p:spPr>
@@ -3151,11 +3071,11 @@
 </file>
 
 <file path=ppt/slideLayouts/slideLayout2.xml><?xml version="1.0" encoding="utf-8"?>
-<p:sldLayout xmlns:a="http://schemas.openxmlformats.org/drawingml/2006/main" xmlns:r="http://schemas.openxmlformats.org/officeDocument/2006/relationships" xmlns:mc="http://schemas.openxmlformats.org/markup-compatibility/2006" xmlns:mv="urn:schemas-microsoft-com:mac:vml" xmlns:p="http://schemas.openxmlformats.org/presentationml/2006/main" xmlns:c="http://schemas.openxmlformats.org/drawingml/2006/chart" xmlns:dgm="http://schemas.openxmlformats.org/drawingml/2006/diagram" xmlns:o="urn:schemas-microsoft-com:office:office" xmlns:v="urn:schemas-microsoft-com:vml" xmlns:pvml="urn:schemas-microsoft-com:office:powerpoint" xmlns:com="http://schemas.openxmlformats.org/drawingml/2006/compatibility" xmlns:p14="http://schemas.microsoft.com/office/powerpoint/2010/main" xmlns:p15="http://schemas.microsoft.com/office/powerpoint/2012/main" xmlns:ahyp="http://schemas.microsoft.com/office/drawing/2018/hyperlinkcolor" matchingName="Title and Content" type="obj">
+<p:sldLayout xmlns:a="http://schemas.openxmlformats.org/drawingml/2006/main" xmlns:r="http://schemas.openxmlformats.org/officeDocument/2006/relationships" xmlns:p="http://schemas.openxmlformats.org/presentationml/2006/main" matchingName="Title and Content" type="obj">
   <p:cSld name="OBJECT">
     <p:spTree>
       <p:nvGrpSpPr>
-        <p:cNvPr id="14" name="Shape 14"/>
+        <p:cNvPr id="1" name="Shape 14"/>
         <p:cNvGrpSpPr/>
         <p:nvPr/>
       </p:nvGrpSpPr>
@@ -3170,7 +3090,9 @@
       <p:sp>
         <p:nvSpPr>
           <p:cNvPr id="15" name="Google Shape;15;p3"/>
-          <p:cNvSpPr txBox="1"/>
+          <p:cNvSpPr txBox="1">
+            <a:spLocks noGrp="1"/>
+          </p:cNvSpPr>
           <p:nvPr>
             <p:ph type="title"/>
           </p:nvPr>
@@ -3189,11 +3111,11 @@
           </a:ln>
         </p:spPr>
         <p:txBody>
-          <a:bodyPr anchorCtr="0" anchor="ctr" bIns="45700" lIns="91425" spcFirstLastPara="1" rIns="91425" wrap="square" tIns="45700">
+          <a:bodyPr spcFirstLastPara="1" wrap="square" lIns="91425" tIns="45700" rIns="91425" bIns="45700" anchor="ctr" anchorCtr="0">
             <a:noAutofit/>
           </a:bodyPr>
           <a:lstStyle>
-            <a:lvl1pPr lvl="0" marR="0" rtl="0" algn="l">
+            <a:lvl1pPr marR="0" lvl="0" algn="l" rtl="0">
               <a:spcBef>
                 <a:spcPts val="0"/>
               </a:spcBef>
@@ -3206,7 +3128,7 @@
               <a:buSzPts val="4800"/>
               <a:buFont typeface="Helvetica Neue"/>
               <a:buNone/>
-              <a:defRPr b="0" i="0" sz="4800" u="none" cap="none" strike="noStrike">
+              <a:defRPr sz="4800" b="0" i="0" u="none" strike="noStrike" cap="none">
                 <a:solidFill>
                   <a:srgbClr val="FFFFFF"/>
                 </a:solidFill>
@@ -3305,15 +3227,19 @@
               <a:defRPr sz="1800"/>
             </a:lvl9pPr>
           </a:lstStyle>
-          <a:p/>
+          <a:p>
+            <a:endParaRPr/>
+          </a:p>
         </p:txBody>
       </p:sp>
       <p:sp>
         <p:nvSpPr>
           <p:cNvPr id="16" name="Google Shape;16;p3"/>
-          <p:cNvSpPr txBox="1"/>
+          <p:cNvSpPr txBox="1">
+            <a:spLocks noGrp="1"/>
+          </p:cNvSpPr>
           <p:nvPr>
-            <p:ph idx="1" type="body"/>
+            <p:ph type="body" idx="1"/>
           </p:nvPr>
         </p:nvSpPr>
         <p:spPr>
@@ -3330,11 +3256,11 @@
           </a:ln>
         </p:spPr>
         <p:txBody>
-          <a:bodyPr anchorCtr="0" anchor="t" bIns="45700" lIns="91425" spcFirstLastPara="1" rIns="91425" wrap="square" tIns="45700">
+          <a:bodyPr spcFirstLastPara="1" wrap="square" lIns="91425" tIns="45700" rIns="91425" bIns="45700" anchor="t" anchorCtr="0">
             <a:noAutofit/>
           </a:bodyPr>
           <a:lstStyle>
-            <a:lvl1pPr indent="-228600" lvl="0" marL="457200" marR="0" rtl="0" algn="l">
+            <a:lvl1pPr marL="457200" marR="0" lvl="0" indent="-228600" algn="l" rtl="0">
               <a:spcBef>
                 <a:spcPts val="640"/>
               </a:spcBef>
@@ -3347,7 +3273,7 @@
               <a:buSzPts val="3200"/>
               <a:buFont typeface="Helvetica Neue"/>
               <a:buNone/>
-              <a:defRPr b="0" i="0" sz="3200" u="none" cap="none" strike="noStrike">
+              <a:defRPr sz="3200" b="0" i="0" u="none" strike="noStrike" cap="none">
                 <a:solidFill>
                   <a:srgbClr val="FFFFFF"/>
                 </a:solidFill>
@@ -3357,7 +3283,7 @@
                 <a:sym typeface="Helvetica Neue"/>
               </a:defRPr>
             </a:lvl1pPr>
-            <a:lvl2pPr indent="-406400" lvl="1" marL="914400" marR="0" rtl="0" algn="l">
+            <a:lvl2pPr marL="914400" marR="0" lvl="1" indent="-406400" algn="l" rtl="0">
               <a:spcBef>
                 <a:spcPts val="560"/>
               </a:spcBef>
@@ -3370,7 +3296,7 @@
               <a:buSzPts val="2800"/>
               <a:buFont typeface="Helvetica Neue"/>
               <a:buChar char="•"/>
-              <a:defRPr b="0" i="0" sz="2800" u="none" cap="none" strike="noStrike">
+              <a:defRPr sz="2800" b="0" i="0" u="none" strike="noStrike" cap="none">
                 <a:solidFill>
                   <a:srgbClr val="FFFFFF"/>
                 </a:solidFill>
@@ -3380,7 +3306,7 @@
                 <a:sym typeface="Helvetica Neue"/>
               </a:defRPr>
             </a:lvl2pPr>
-            <a:lvl3pPr indent="-381000" lvl="2" marL="1371600" marR="0" rtl="0" algn="l">
+            <a:lvl3pPr marL="1371600" marR="0" lvl="2" indent="-381000" algn="l" rtl="0">
               <a:spcBef>
                 <a:spcPts val="480"/>
               </a:spcBef>
@@ -3393,7 +3319,7 @@
               <a:buSzPts val="2400"/>
               <a:buFont typeface="Helvetica Neue"/>
               <a:buChar char="•"/>
-              <a:defRPr b="0" i="0" sz="2400" u="none" cap="none" strike="noStrike">
+              <a:defRPr sz="2400" b="0" i="0" u="none" strike="noStrike" cap="none">
                 <a:solidFill>
                   <a:srgbClr val="FFFFFF"/>
                 </a:solidFill>
@@ -3403,7 +3329,7 @@
                 <a:sym typeface="Helvetica Neue"/>
               </a:defRPr>
             </a:lvl3pPr>
-            <a:lvl4pPr indent="-355600" lvl="3" marL="1828800" marR="0" rtl="0" algn="l">
+            <a:lvl4pPr marL="1828800" marR="0" lvl="3" indent="-355600" algn="l" rtl="0">
               <a:spcBef>
                 <a:spcPts val="400"/>
               </a:spcBef>
@@ -3416,7 +3342,7 @@
               <a:buSzPts val="2000"/>
               <a:buFont typeface="Helvetica Neue"/>
               <a:buChar char="•"/>
-              <a:defRPr b="0" i="0" sz="2000" u="none" cap="none" strike="noStrike">
+              <a:defRPr sz="2000" b="0" i="0" u="none" strike="noStrike" cap="none">
                 <a:solidFill>
                   <a:srgbClr val="FFFFFF"/>
                 </a:solidFill>
@@ -3426,7 +3352,7 @@
                 <a:sym typeface="Helvetica Neue"/>
               </a:defRPr>
             </a:lvl4pPr>
-            <a:lvl5pPr indent="-355600" lvl="4" marL="2286000" marR="0" rtl="0" algn="l">
+            <a:lvl5pPr marL="2286000" marR="0" lvl="4" indent="-355600" algn="l" rtl="0">
               <a:spcBef>
                 <a:spcPts val="400"/>
               </a:spcBef>
@@ -3439,7 +3365,7 @@
               <a:buSzPts val="2000"/>
               <a:buFont typeface="Helvetica Neue"/>
               <a:buChar char="•"/>
-              <a:defRPr b="0" i="0" sz="2000" u="none" cap="none" strike="noStrike">
+              <a:defRPr sz="2000" b="0" i="0" u="none" strike="noStrike" cap="none">
                 <a:solidFill>
                   <a:srgbClr val="FFFFFF"/>
                 </a:solidFill>
@@ -3449,7 +3375,7 @@
                 <a:sym typeface="Helvetica Neue"/>
               </a:defRPr>
             </a:lvl5pPr>
-            <a:lvl6pPr indent="-355600" lvl="5" marL="2743200" marR="0" rtl="0" algn="l">
+            <a:lvl6pPr marL="2743200" marR="0" lvl="5" indent="-355600" algn="l" rtl="0">
               <a:spcBef>
                 <a:spcPts val="400"/>
               </a:spcBef>
@@ -3462,7 +3388,7 @@
               <a:buSzPts val="2000"/>
               <a:buFont typeface="Arial"/>
               <a:buChar char="•"/>
-              <a:defRPr b="0" i="0" sz="2000" u="none" cap="none" strike="noStrike">
+              <a:defRPr sz="2000" b="0" i="0" u="none" strike="noStrike" cap="none">
                 <a:solidFill>
                   <a:schemeClr val="dk1"/>
                 </a:solidFill>
@@ -3472,7 +3398,7 @@
                 <a:sym typeface="Calibri"/>
               </a:defRPr>
             </a:lvl6pPr>
-            <a:lvl7pPr indent="-355600" lvl="6" marL="3200400" marR="0" rtl="0" algn="l">
+            <a:lvl7pPr marL="3200400" marR="0" lvl="6" indent="-355600" algn="l" rtl="0">
               <a:spcBef>
                 <a:spcPts val="400"/>
               </a:spcBef>
@@ -3485,7 +3411,7 @@
               <a:buSzPts val="2000"/>
               <a:buFont typeface="Arial"/>
               <a:buChar char="•"/>
-              <a:defRPr b="0" i="0" sz="2000" u="none" cap="none" strike="noStrike">
+              <a:defRPr sz="2000" b="0" i="0" u="none" strike="noStrike" cap="none">
                 <a:solidFill>
                   <a:schemeClr val="dk1"/>
                 </a:solidFill>
@@ -3495,7 +3421,7 @@
                 <a:sym typeface="Calibri"/>
               </a:defRPr>
             </a:lvl7pPr>
-            <a:lvl8pPr indent="-355600" lvl="7" marL="3657600" marR="0" rtl="0" algn="l">
+            <a:lvl8pPr marL="3657600" marR="0" lvl="7" indent="-355600" algn="l" rtl="0">
               <a:spcBef>
                 <a:spcPts val="400"/>
               </a:spcBef>
@@ -3508,7 +3434,7 @@
               <a:buSzPts val="2000"/>
               <a:buFont typeface="Arial"/>
               <a:buChar char="•"/>
-              <a:defRPr b="0" i="0" sz="2000" u="none" cap="none" strike="noStrike">
+              <a:defRPr sz="2000" b="0" i="0" u="none" strike="noStrike" cap="none">
                 <a:solidFill>
                   <a:schemeClr val="dk1"/>
                 </a:solidFill>
@@ -3518,7 +3444,7 @@
                 <a:sym typeface="Calibri"/>
               </a:defRPr>
             </a:lvl8pPr>
-            <a:lvl9pPr indent="-355600" lvl="8" marL="4114800" marR="0" rtl="0" algn="l">
+            <a:lvl9pPr marL="4114800" marR="0" lvl="8" indent="-355600" algn="l" rtl="0">
               <a:spcBef>
                 <a:spcPts val="400"/>
               </a:spcBef>
@@ -3531,7 +3457,7 @@
               <a:buSzPts val="2000"/>
               <a:buFont typeface="Arial"/>
               <a:buChar char="•"/>
-              <a:defRPr b="0" i="0" sz="2000" u="none" cap="none" strike="noStrike">
+              <a:defRPr sz="2000" b="0" i="0" u="none" strike="noStrike" cap="none">
                 <a:solidFill>
                   <a:schemeClr val="dk1"/>
                 </a:solidFill>
@@ -3542,12 +3468,14 @@
               </a:defRPr>
             </a:lvl9pPr>
           </a:lstStyle>
-          <a:p/>
+          <a:p>
+            <a:endParaRPr/>
+          </a:p>
         </p:txBody>
       </p:sp>
       <p:pic>
         <p:nvPicPr>
-          <p:cNvPr descr="UO-Logo-107.eps" id="17" name="Google Shape;17;p3"/>
+          <p:cNvPr id="17" name="Google Shape;17;p3" descr="UO-Logo-107.eps"/>
           <p:cNvPicPr preferRelativeResize="0"/>
           <p:nvPr/>
         </p:nvPicPr>
@@ -3555,7 +3483,7 @@
           <a:blip r:embed="rId2">
             <a:alphaModFix/>
           </a:blip>
-          <a:srcRect b="0" l="0" r="0" t="0"/>
+          <a:srcRect/>
           <a:stretch/>
         </p:blipFill>
         <p:spPr>
@@ -3587,14 +3515,14 @@
             <a:avLst/>
           </a:prstGeom>
           <a:noFill/>
-          <a:ln cap="flat" cmpd="sng" w="19050">
+          <a:ln w="19050" cap="flat" cmpd="sng">
             <a:solidFill>
               <a:schemeClr val="lt2"/>
             </a:solidFill>
             <a:prstDash val="solid"/>
             <a:round/>
-            <a:headEnd len="med" w="med" type="oval"/>
-            <a:tailEnd len="med" w="med" type="oval"/>
+            <a:headEnd type="oval" w="med" len="med"/>
+            <a:tailEnd type="oval" w="med" len="med"/>
           </a:ln>
         </p:spPr>
       </p:cxnSp>
@@ -3607,11 +3535,11 @@
 </file>
 
 <file path=ppt/slideLayouts/slideLayout3.xml><?xml version="1.0" encoding="utf-8"?>
-<p:sldLayout xmlns:a="http://schemas.openxmlformats.org/drawingml/2006/main" xmlns:r="http://schemas.openxmlformats.org/officeDocument/2006/relationships" xmlns:mc="http://schemas.openxmlformats.org/markup-compatibility/2006" xmlns:mv="urn:schemas-microsoft-com:mac:vml" xmlns:p="http://schemas.openxmlformats.org/presentationml/2006/main" xmlns:c="http://schemas.openxmlformats.org/drawingml/2006/chart" xmlns:dgm="http://schemas.openxmlformats.org/drawingml/2006/diagram" xmlns:o="urn:schemas-microsoft-com:office:office" xmlns:v="urn:schemas-microsoft-com:vml" xmlns:pvml="urn:schemas-microsoft-com:office:powerpoint" xmlns:com="http://schemas.openxmlformats.org/drawingml/2006/compatibility" xmlns:p14="http://schemas.microsoft.com/office/powerpoint/2010/main" xmlns:p15="http://schemas.microsoft.com/office/powerpoint/2012/main" xmlns:ahyp="http://schemas.microsoft.com/office/drawing/2018/hyperlinkcolor" matchingName="Two Content" type="twoObj">
+<p:sldLayout xmlns:a="http://schemas.openxmlformats.org/drawingml/2006/main" xmlns:r="http://schemas.openxmlformats.org/officeDocument/2006/relationships" xmlns:p="http://schemas.openxmlformats.org/presentationml/2006/main" matchingName="Two Content" type="twoObj">
   <p:cSld name="TWO_OBJECTS">
     <p:spTree>
       <p:nvGrpSpPr>
-        <p:cNvPr id="19" name="Shape 19"/>
+        <p:cNvPr id="1" name="Shape 19"/>
         <p:cNvGrpSpPr/>
         <p:nvPr/>
       </p:nvGrpSpPr>
@@ -3626,7 +3554,9 @@
       <p:sp>
         <p:nvSpPr>
           <p:cNvPr id="20" name="Google Shape;20;p4"/>
-          <p:cNvSpPr txBox="1"/>
+          <p:cNvSpPr txBox="1">
+            <a:spLocks noGrp="1"/>
+          </p:cNvSpPr>
           <p:nvPr>
             <p:ph type="title"/>
           </p:nvPr>
@@ -3645,11 +3575,11 @@
           </a:ln>
         </p:spPr>
         <p:txBody>
-          <a:bodyPr anchorCtr="0" anchor="ctr" bIns="45700" lIns="91425" spcFirstLastPara="1" rIns="91425" wrap="square" tIns="45700">
+          <a:bodyPr spcFirstLastPara="1" wrap="square" lIns="91425" tIns="45700" rIns="91425" bIns="45700" anchor="ctr" anchorCtr="0">
             <a:noAutofit/>
           </a:bodyPr>
           <a:lstStyle>
-            <a:lvl1pPr lvl="0" marR="0" rtl="0" algn="l">
+            <a:lvl1pPr marR="0" lvl="0" algn="l" rtl="0">
               <a:spcBef>
                 <a:spcPts val="0"/>
               </a:spcBef>
@@ -3662,7 +3592,7 @@
               <a:buSzPts val="4800"/>
               <a:buFont typeface="Helvetica Neue"/>
               <a:buNone/>
-              <a:defRPr b="0" i="0" sz="4800" u="none" cap="none" strike="noStrike">
+              <a:defRPr sz="4800" b="0" i="0" u="none" strike="noStrike" cap="none">
                 <a:solidFill>
                   <a:srgbClr val="FFFFFF"/>
                 </a:solidFill>
@@ -3761,15 +3691,19 @@
               <a:defRPr sz="1800"/>
             </a:lvl9pPr>
           </a:lstStyle>
-          <a:p/>
+          <a:p>
+            <a:endParaRPr/>
+          </a:p>
         </p:txBody>
       </p:sp>
       <p:sp>
         <p:nvSpPr>
           <p:cNvPr id="21" name="Google Shape;21;p4"/>
-          <p:cNvSpPr txBox="1"/>
+          <p:cNvSpPr txBox="1">
+            <a:spLocks noGrp="1"/>
+          </p:cNvSpPr>
           <p:nvPr>
-            <p:ph idx="1" type="body"/>
+            <p:ph type="body" idx="1"/>
           </p:nvPr>
         </p:nvSpPr>
         <p:spPr>
@@ -3786,11 +3720,11 @@
           </a:ln>
         </p:spPr>
         <p:txBody>
-          <a:bodyPr anchorCtr="0" anchor="t" bIns="45700" lIns="91425" spcFirstLastPara="1" rIns="91425" wrap="square" tIns="45700">
+          <a:bodyPr spcFirstLastPara="1" wrap="square" lIns="91425" tIns="45700" rIns="91425" bIns="45700" anchor="t" anchorCtr="0">
             <a:noAutofit/>
           </a:bodyPr>
           <a:lstStyle>
-            <a:lvl1pPr indent="-406400" lvl="0" marL="457200" marR="0" rtl="0" algn="l">
+            <a:lvl1pPr marL="457200" marR="0" lvl="0" indent="-406400" algn="l" rtl="0">
               <a:spcBef>
                 <a:spcPts val="560"/>
               </a:spcBef>
@@ -3803,7 +3737,7 @@
               <a:buSzPts val="2800"/>
               <a:buFont typeface="Helvetica Neue"/>
               <a:buChar char="•"/>
-              <a:defRPr b="0" i="0" sz="2800" u="none" cap="none" strike="noStrike">
+              <a:defRPr sz="2800" b="0" i="0" u="none" strike="noStrike" cap="none">
                 <a:solidFill>
                   <a:srgbClr val="FFFFFF"/>
                 </a:solidFill>
@@ -3813,7 +3747,7 @@
                 <a:sym typeface="Helvetica Neue"/>
               </a:defRPr>
             </a:lvl1pPr>
-            <a:lvl2pPr indent="-381000" lvl="1" marL="914400" marR="0" rtl="0" algn="l">
+            <a:lvl2pPr marL="914400" marR="0" lvl="1" indent="-381000" algn="l" rtl="0">
               <a:spcBef>
                 <a:spcPts val="480"/>
               </a:spcBef>
@@ -3826,7 +3760,7 @@
               <a:buSzPts val="2400"/>
               <a:buFont typeface="Helvetica Neue"/>
               <a:buChar char="•"/>
-              <a:defRPr b="0" i="0" sz="2400" u="none" cap="none" strike="noStrike">
+              <a:defRPr sz="2400" b="0" i="0" u="none" strike="noStrike" cap="none">
                 <a:solidFill>
                   <a:srgbClr val="FFFFFF"/>
                 </a:solidFill>
@@ -3836,7 +3770,7 @@
                 <a:sym typeface="Helvetica Neue"/>
               </a:defRPr>
             </a:lvl2pPr>
-            <a:lvl3pPr indent="-355600" lvl="2" marL="1371600" marR="0" rtl="0" algn="l">
+            <a:lvl3pPr marL="1371600" marR="0" lvl="2" indent="-355600" algn="l" rtl="0">
               <a:spcBef>
                 <a:spcPts val="400"/>
               </a:spcBef>
@@ -3849,7 +3783,7 @@
               <a:buSzPts val="2000"/>
               <a:buFont typeface="Helvetica Neue"/>
               <a:buChar char="•"/>
-              <a:defRPr b="0" i="0" sz="2000" u="none" cap="none" strike="noStrike">
+              <a:defRPr sz="2000" b="0" i="0" u="none" strike="noStrike" cap="none">
                 <a:solidFill>
                   <a:srgbClr val="FFFFFF"/>
                 </a:solidFill>
@@ -3859,7 +3793,7 @@
                 <a:sym typeface="Helvetica Neue"/>
               </a:defRPr>
             </a:lvl3pPr>
-            <a:lvl4pPr indent="-342900" lvl="3" marL="1828800" marR="0" rtl="0" algn="l">
+            <a:lvl4pPr marL="1828800" marR="0" lvl="3" indent="-342900" algn="l" rtl="0">
               <a:spcBef>
                 <a:spcPts val="360"/>
               </a:spcBef>
@@ -3872,7 +3806,7 @@
               <a:buSzPts val="1800"/>
               <a:buFont typeface="Helvetica Neue"/>
               <a:buChar char="•"/>
-              <a:defRPr b="0" i="0" sz="1800" u="none" cap="none" strike="noStrike">
+              <a:defRPr sz="1800" b="0" i="0" u="none" strike="noStrike" cap="none">
                 <a:solidFill>
                   <a:srgbClr val="FFFFFF"/>
                 </a:solidFill>
@@ -3882,7 +3816,7 @@
                 <a:sym typeface="Helvetica Neue"/>
               </a:defRPr>
             </a:lvl4pPr>
-            <a:lvl5pPr indent="-342900" lvl="4" marL="2286000" marR="0" rtl="0" algn="l">
+            <a:lvl5pPr marL="2286000" marR="0" lvl="4" indent="-342900" algn="l" rtl="0">
               <a:spcBef>
                 <a:spcPts val="360"/>
               </a:spcBef>
@@ -3895,7 +3829,7 @@
               <a:buSzPts val="1800"/>
               <a:buFont typeface="Helvetica Neue"/>
               <a:buChar char="•"/>
-              <a:defRPr b="0" i="0" sz="1800" u="none" cap="none" strike="noStrike">
+              <a:defRPr sz="1800" b="0" i="0" u="none" strike="noStrike" cap="none">
                 <a:solidFill>
                   <a:srgbClr val="FFFFFF"/>
                 </a:solidFill>
@@ -3905,7 +3839,7 @@
                 <a:sym typeface="Helvetica Neue"/>
               </a:defRPr>
             </a:lvl5pPr>
-            <a:lvl6pPr indent="-342900" lvl="5" marL="2743200" marR="0" rtl="0" algn="l">
+            <a:lvl6pPr marL="2743200" marR="0" lvl="5" indent="-342900" algn="l" rtl="0">
               <a:spcBef>
                 <a:spcPts val="360"/>
               </a:spcBef>
@@ -3918,7 +3852,7 @@
               <a:buSzPts val="1800"/>
               <a:buFont typeface="Arial"/>
               <a:buChar char="•"/>
-              <a:defRPr b="0" i="0" sz="1800" u="none" cap="none" strike="noStrike">
+              <a:defRPr sz="1800" b="0" i="0" u="none" strike="noStrike" cap="none">
                 <a:solidFill>
                   <a:schemeClr val="dk1"/>
                 </a:solidFill>
@@ -3928,7 +3862,7 @@
                 <a:sym typeface="Calibri"/>
               </a:defRPr>
             </a:lvl6pPr>
-            <a:lvl7pPr indent="-342900" lvl="6" marL="3200400" marR="0" rtl="0" algn="l">
+            <a:lvl7pPr marL="3200400" marR="0" lvl="6" indent="-342900" algn="l" rtl="0">
               <a:spcBef>
                 <a:spcPts val="360"/>
               </a:spcBef>
@@ -3941,7 +3875,7 @@
               <a:buSzPts val="1800"/>
               <a:buFont typeface="Arial"/>
               <a:buChar char="•"/>
-              <a:defRPr b="0" i="0" sz="1800" u="none" cap="none" strike="noStrike">
+              <a:defRPr sz="1800" b="0" i="0" u="none" strike="noStrike" cap="none">
                 <a:solidFill>
                   <a:schemeClr val="dk1"/>
                 </a:solidFill>
@@ -3951,7 +3885,7 @@
                 <a:sym typeface="Calibri"/>
               </a:defRPr>
             </a:lvl7pPr>
-            <a:lvl8pPr indent="-342900" lvl="7" marL="3657600" marR="0" rtl="0" algn="l">
+            <a:lvl8pPr marL="3657600" marR="0" lvl="7" indent="-342900" algn="l" rtl="0">
               <a:spcBef>
                 <a:spcPts val="360"/>
               </a:spcBef>
@@ -3964,7 +3898,7 @@
               <a:buSzPts val="1800"/>
               <a:buFont typeface="Arial"/>
               <a:buChar char="•"/>
-              <a:defRPr b="0" i="0" sz="1800" u="none" cap="none" strike="noStrike">
+              <a:defRPr sz="1800" b="0" i="0" u="none" strike="noStrike" cap="none">
                 <a:solidFill>
                   <a:schemeClr val="dk1"/>
                 </a:solidFill>
@@ -3974,7 +3908,7 @@
                 <a:sym typeface="Calibri"/>
               </a:defRPr>
             </a:lvl8pPr>
-            <a:lvl9pPr indent="-342900" lvl="8" marL="4114800" marR="0" rtl="0" algn="l">
+            <a:lvl9pPr marL="4114800" marR="0" lvl="8" indent="-342900" algn="l" rtl="0">
               <a:spcBef>
                 <a:spcPts val="360"/>
               </a:spcBef>
@@ -3987,7 +3921,7 @@
               <a:buSzPts val="1800"/>
               <a:buFont typeface="Arial"/>
               <a:buChar char="•"/>
-              <a:defRPr b="0" i="0" sz="1800" u="none" cap="none" strike="noStrike">
+              <a:defRPr sz="1800" b="0" i="0" u="none" strike="noStrike" cap="none">
                 <a:solidFill>
                   <a:schemeClr val="dk1"/>
                 </a:solidFill>
@@ -3998,15 +3932,19 @@
               </a:defRPr>
             </a:lvl9pPr>
           </a:lstStyle>
-          <a:p/>
+          <a:p>
+            <a:endParaRPr/>
+          </a:p>
         </p:txBody>
       </p:sp>
       <p:sp>
         <p:nvSpPr>
           <p:cNvPr id="22" name="Google Shape;22;p4"/>
-          <p:cNvSpPr txBox="1"/>
+          <p:cNvSpPr txBox="1">
+            <a:spLocks noGrp="1"/>
+          </p:cNvSpPr>
           <p:nvPr>
-            <p:ph idx="2" type="body"/>
+            <p:ph type="body" idx="2"/>
           </p:nvPr>
         </p:nvSpPr>
         <p:spPr>
@@ -4023,11 +3961,11 @@
           </a:ln>
         </p:spPr>
         <p:txBody>
-          <a:bodyPr anchorCtr="0" anchor="t" bIns="45700" lIns="91425" spcFirstLastPara="1" rIns="91425" wrap="square" tIns="45700">
+          <a:bodyPr spcFirstLastPara="1" wrap="square" lIns="91425" tIns="45700" rIns="91425" bIns="45700" anchor="t" anchorCtr="0">
             <a:noAutofit/>
           </a:bodyPr>
           <a:lstStyle>
-            <a:lvl1pPr indent="-406400" lvl="0" marL="457200" marR="0" rtl="0" algn="l">
+            <a:lvl1pPr marL="457200" marR="0" lvl="0" indent="-406400" algn="l" rtl="0">
               <a:spcBef>
                 <a:spcPts val="560"/>
               </a:spcBef>
@@ -4040,7 +3978,7 @@
               <a:buSzPts val="2800"/>
               <a:buFont typeface="Helvetica Neue"/>
               <a:buChar char="•"/>
-              <a:defRPr b="0" i="0" sz="2800" u="none" cap="none" strike="noStrike">
+              <a:defRPr sz="2800" b="0" i="0" u="none" strike="noStrike" cap="none">
                 <a:solidFill>
                   <a:schemeClr val="lt1"/>
                 </a:solidFill>
@@ -4050,7 +3988,7 @@
                 <a:sym typeface="Helvetica Neue"/>
               </a:defRPr>
             </a:lvl1pPr>
-            <a:lvl2pPr indent="-381000" lvl="1" marL="914400" marR="0" rtl="0" algn="l">
+            <a:lvl2pPr marL="914400" marR="0" lvl="1" indent="-381000" algn="l" rtl="0">
               <a:spcBef>
                 <a:spcPts val="480"/>
               </a:spcBef>
@@ -4063,7 +4001,7 @@
               <a:buSzPts val="2400"/>
               <a:buFont typeface="Helvetica Neue"/>
               <a:buChar char="•"/>
-              <a:defRPr b="0" i="0" sz="2400" u="none" cap="none" strike="noStrike">
+              <a:defRPr sz="2400" b="0" i="0" u="none" strike="noStrike" cap="none">
                 <a:solidFill>
                   <a:schemeClr val="lt1"/>
                 </a:solidFill>
@@ -4073,7 +4011,7 @@
                 <a:sym typeface="Helvetica Neue"/>
               </a:defRPr>
             </a:lvl2pPr>
-            <a:lvl3pPr indent="-355600" lvl="2" marL="1371600" marR="0" rtl="0" algn="l">
+            <a:lvl3pPr marL="1371600" marR="0" lvl="2" indent="-355600" algn="l" rtl="0">
               <a:spcBef>
                 <a:spcPts val="400"/>
               </a:spcBef>
@@ -4086,7 +4024,7 @@
               <a:buSzPts val="2000"/>
               <a:buFont typeface="Helvetica Neue"/>
               <a:buChar char="•"/>
-              <a:defRPr b="0" i="0" sz="2000" u="none" cap="none" strike="noStrike">
+              <a:defRPr sz="2000" b="0" i="0" u="none" strike="noStrike" cap="none">
                 <a:solidFill>
                   <a:schemeClr val="lt1"/>
                 </a:solidFill>
@@ -4096,7 +4034,7 @@
                 <a:sym typeface="Helvetica Neue"/>
               </a:defRPr>
             </a:lvl3pPr>
-            <a:lvl4pPr indent="-342900" lvl="3" marL="1828800" marR="0" rtl="0" algn="l">
+            <a:lvl4pPr marL="1828800" marR="0" lvl="3" indent="-342900" algn="l" rtl="0">
               <a:spcBef>
                 <a:spcPts val="360"/>
               </a:spcBef>
@@ -4109,7 +4047,7 @@
               <a:buSzPts val="1800"/>
               <a:buFont typeface="Helvetica Neue"/>
               <a:buChar char="•"/>
-              <a:defRPr b="0" i="0" sz="1800" u="none" cap="none" strike="noStrike">
+              <a:defRPr sz="1800" b="0" i="0" u="none" strike="noStrike" cap="none">
                 <a:solidFill>
                   <a:schemeClr val="lt1"/>
                 </a:solidFill>
@@ -4119,7 +4057,7 @@
                 <a:sym typeface="Helvetica Neue"/>
               </a:defRPr>
             </a:lvl4pPr>
-            <a:lvl5pPr indent="-342900" lvl="4" marL="2286000" marR="0" rtl="0" algn="l">
+            <a:lvl5pPr marL="2286000" marR="0" lvl="4" indent="-342900" algn="l" rtl="0">
               <a:spcBef>
                 <a:spcPts val="360"/>
               </a:spcBef>
@@ -4132,7 +4070,7 @@
               <a:buSzPts val="1800"/>
               <a:buFont typeface="Helvetica Neue"/>
               <a:buChar char="•"/>
-              <a:defRPr b="0" i="0" sz="1800" u="none" cap="none" strike="noStrike">
+              <a:defRPr sz="1800" b="0" i="0" u="none" strike="noStrike" cap="none">
                 <a:solidFill>
                   <a:schemeClr val="lt1"/>
                 </a:solidFill>
@@ -4142,7 +4080,7 @@
                 <a:sym typeface="Helvetica Neue"/>
               </a:defRPr>
             </a:lvl5pPr>
-            <a:lvl6pPr indent="-342900" lvl="5" marL="2743200" marR="0" rtl="0" algn="l">
+            <a:lvl6pPr marL="2743200" marR="0" lvl="5" indent="-342900" algn="l" rtl="0">
               <a:spcBef>
                 <a:spcPts val="360"/>
               </a:spcBef>
@@ -4155,7 +4093,7 @@
               <a:buSzPts val="1800"/>
               <a:buFont typeface="Arial"/>
               <a:buChar char="•"/>
-              <a:defRPr b="0" i="0" sz="1800" u="none" cap="none" strike="noStrike">
+              <a:defRPr sz="1800" b="0" i="0" u="none" strike="noStrike" cap="none">
                 <a:solidFill>
                   <a:schemeClr val="dk1"/>
                 </a:solidFill>
@@ -4165,7 +4103,7 @@
                 <a:sym typeface="Calibri"/>
               </a:defRPr>
             </a:lvl6pPr>
-            <a:lvl7pPr indent="-342900" lvl="6" marL="3200400" marR="0" rtl="0" algn="l">
+            <a:lvl7pPr marL="3200400" marR="0" lvl="6" indent="-342900" algn="l" rtl="0">
               <a:spcBef>
                 <a:spcPts val="360"/>
               </a:spcBef>
@@ -4178,7 +4116,7 @@
               <a:buSzPts val="1800"/>
               <a:buFont typeface="Arial"/>
               <a:buChar char="•"/>
-              <a:defRPr b="0" i="0" sz="1800" u="none" cap="none" strike="noStrike">
+              <a:defRPr sz="1800" b="0" i="0" u="none" strike="noStrike" cap="none">
                 <a:solidFill>
                   <a:schemeClr val="dk1"/>
                 </a:solidFill>
@@ -4188,7 +4126,7 @@
                 <a:sym typeface="Calibri"/>
               </a:defRPr>
             </a:lvl7pPr>
-            <a:lvl8pPr indent="-342900" lvl="7" marL="3657600" marR="0" rtl="0" algn="l">
+            <a:lvl8pPr marL="3657600" marR="0" lvl="7" indent="-342900" algn="l" rtl="0">
               <a:spcBef>
                 <a:spcPts val="360"/>
               </a:spcBef>
@@ -4201,7 +4139,7 @@
               <a:buSzPts val="1800"/>
               <a:buFont typeface="Arial"/>
               <a:buChar char="•"/>
-              <a:defRPr b="0" i="0" sz="1800" u="none" cap="none" strike="noStrike">
+              <a:defRPr sz="1800" b="0" i="0" u="none" strike="noStrike" cap="none">
                 <a:solidFill>
                   <a:schemeClr val="dk1"/>
                 </a:solidFill>
@@ -4211,7 +4149,7 @@
                 <a:sym typeface="Calibri"/>
               </a:defRPr>
             </a:lvl8pPr>
-            <a:lvl9pPr indent="-342900" lvl="8" marL="4114800" marR="0" rtl="0" algn="l">
+            <a:lvl9pPr marL="4114800" marR="0" lvl="8" indent="-342900" algn="l" rtl="0">
               <a:spcBef>
                 <a:spcPts val="360"/>
               </a:spcBef>
@@ -4224,7 +4162,7 @@
               <a:buSzPts val="1800"/>
               <a:buFont typeface="Arial"/>
               <a:buChar char="•"/>
-              <a:defRPr b="0" i="0" sz="1800" u="none" cap="none" strike="noStrike">
+              <a:defRPr sz="1800" b="0" i="0" u="none" strike="noStrike" cap="none">
                 <a:solidFill>
                   <a:schemeClr val="dk1"/>
                 </a:solidFill>
@@ -4235,7 +4173,9 @@
               </a:defRPr>
             </a:lvl9pPr>
           </a:lstStyle>
-          <a:p/>
+          <a:p>
+            <a:endParaRPr/>
+          </a:p>
         </p:txBody>
       </p:sp>
       <p:cxnSp>
@@ -4253,20 +4193,20 @@
             <a:avLst/>
           </a:prstGeom>
           <a:noFill/>
-          <a:ln cap="flat" cmpd="sng" w="19050">
+          <a:ln w="19050" cap="flat" cmpd="sng">
             <a:solidFill>
               <a:schemeClr val="lt2"/>
             </a:solidFill>
             <a:prstDash val="solid"/>
             <a:round/>
-            <a:headEnd len="med" w="med" type="oval"/>
-            <a:tailEnd len="med" w="med" type="oval"/>
+            <a:headEnd type="oval" w="med" len="med"/>
+            <a:tailEnd type="oval" w="med" len="med"/>
           </a:ln>
         </p:spPr>
       </p:cxnSp>
       <p:pic>
         <p:nvPicPr>
-          <p:cNvPr descr="UO-Logo-107.eps" id="24" name="Google Shape;24;p4"/>
+          <p:cNvPr id="24" name="Google Shape;24;p4" descr="UO-Logo-107.eps"/>
           <p:cNvPicPr preferRelativeResize="0"/>
           <p:nvPr/>
         </p:nvPicPr>
@@ -4274,7 +4214,7 @@
           <a:blip r:embed="rId2">
             <a:alphaModFix/>
           </a:blip>
-          <a:srcRect b="0" l="0" r="0" t="0"/>
+          <a:srcRect/>
           <a:stretch/>
         </p:blipFill>
         <p:spPr>
@@ -4300,11 +4240,11 @@
 </file>
 
 <file path=ppt/slideLayouts/slideLayout4.xml><?xml version="1.0" encoding="utf-8"?>
-<p:sldLayout xmlns:a="http://schemas.openxmlformats.org/drawingml/2006/main" xmlns:r="http://schemas.openxmlformats.org/officeDocument/2006/relationships" xmlns:mc="http://schemas.openxmlformats.org/markup-compatibility/2006" xmlns:mv="urn:schemas-microsoft-com:mac:vml" xmlns:p="http://schemas.openxmlformats.org/presentationml/2006/main" xmlns:c="http://schemas.openxmlformats.org/drawingml/2006/chart" xmlns:dgm="http://schemas.openxmlformats.org/drawingml/2006/diagram" xmlns:o="urn:schemas-microsoft-com:office:office" xmlns:v="urn:schemas-microsoft-com:vml" xmlns:pvml="urn:schemas-microsoft-com:office:powerpoint" xmlns:com="http://schemas.openxmlformats.org/drawingml/2006/compatibility" xmlns:p14="http://schemas.microsoft.com/office/powerpoint/2010/main" xmlns:p15="http://schemas.microsoft.com/office/powerpoint/2012/main" xmlns:ahyp="http://schemas.microsoft.com/office/drawing/2018/hyperlinkcolor" matchingName="1_Two Content">
+<p:sldLayout xmlns:a="http://schemas.openxmlformats.org/drawingml/2006/main" xmlns:r="http://schemas.openxmlformats.org/officeDocument/2006/relationships" xmlns:p="http://schemas.openxmlformats.org/presentationml/2006/main" matchingName="1_Two Content">
   <p:cSld name="1_Two Content">
     <p:spTree>
       <p:nvGrpSpPr>
-        <p:cNvPr id="25" name="Shape 25"/>
+        <p:cNvPr id="1" name="Shape 25"/>
         <p:cNvGrpSpPr/>
         <p:nvPr/>
       </p:nvGrpSpPr>
@@ -4319,9 +4259,11 @@
       <p:sp>
         <p:nvSpPr>
           <p:cNvPr id="26" name="Google Shape;26;p5"/>
-          <p:cNvSpPr txBox="1"/>
+          <p:cNvSpPr txBox="1">
+            <a:spLocks noGrp="1"/>
+          </p:cNvSpPr>
           <p:nvPr>
-            <p:ph idx="1" type="body"/>
+            <p:ph type="body" idx="1"/>
           </p:nvPr>
         </p:nvSpPr>
         <p:spPr>
@@ -4338,11 +4280,11 @@
           </a:ln>
         </p:spPr>
         <p:txBody>
-          <a:bodyPr anchorCtr="0" anchor="t" bIns="45700" lIns="91425" spcFirstLastPara="1" rIns="91425" wrap="square" tIns="45700">
+          <a:bodyPr spcFirstLastPara="1" wrap="square" lIns="91425" tIns="45700" rIns="91425" bIns="45700" anchor="t" anchorCtr="0">
             <a:noAutofit/>
           </a:bodyPr>
           <a:lstStyle>
-            <a:lvl1pPr indent="-406400" lvl="0" marL="457200" marR="0" rtl="0" algn="l">
+            <a:lvl1pPr marL="457200" marR="0" lvl="0" indent="-406400" algn="l" rtl="0">
               <a:spcBef>
                 <a:spcPts val="560"/>
               </a:spcBef>
@@ -4355,7 +4297,7 @@
               <a:buSzPts val="2800"/>
               <a:buFont typeface="Helvetica Neue"/>
               <a:buChar char="•"/>
-              <a:defRPr b="0" i="0" sz="2800" u="none" cap="none" strike="noStrike">
+              <a:defRPr sz="2800" b="0" i="0" u="none" strike="noStrike" cap="none">
                 <a:solidFill>
                   <a:srgbClr val="FFFFFF"/>
                 </a:solidFill>
@@ -4365,7 +4307,7 @@
                 <a:sym typeface="Helvetica Neue"/>
               </a:defRPr>
             </a:lvl1pPr>
-            <a:lvl2pPr indent="-381000" lvl="1" marL="914400" marR="0" rtl="0" algn="l">
+            <a:lvl2pPr marL="914400" marR="0" lvl="1" indent="-381000" algn="l" rtl="0">
               <a:spcBef>
                 <a:spcPts val="480"/>
               </a:spcBef>
@@ -4378,7 +4320,7 @@
               <a:buSzPts val="2400"/>
               <a:buFont typeface="Helvetica Neue"/>
               <a:buChar char="•"/>
-              <a:defRPr b="0" i="0" sz="2400" u="none" cap="none" strike="noStrike">
+              <a:defRPr sz="2400" b="0" i="0" u="none" strike="noStrike" cap="none">
                 <a:solidFill>
                   <a:srgbClr val="FFFFFF"/>
                 </a:solidFill>
@@ -4388,7 +4330,7 @@
                 <a:sym typeface="Helvetica Neue"/>
               </a:defRPr>
             </a:lvl2pPr>
-            <a:lvl3pPr indent="-355600" lvl="2" marL="1371600" marR="0" rtl="0" algn="l">
+            <a:lvl3pPr marL="1371600" marR="0" lvl="2" indent="-355600" algn="l" rtl="0">
               <a:spcBef>
                 <a:spcPts val="400"/>
               </a:spcBef>
@@ -4401,7 +4343,7 @@
               <a:buSzPts val="2000"/>
               <a:buFont typeface="Helvetica Neue"/>
               <a:buChar char="•"/>
-              <a:defRPr b="0" i="0" sz="2000" u="none" cap="none" strike="noStrike">
+              <a:defRPr sz="2000" b="0" i="0" u="none" strike="noStrike" cap="none">
                 <a:solidFill>
                   <a:srgbClr val="FFFFFF"/>
                 </a:solidFill>
@@ -4411,7 +4353,7 @@
                 <a:sym typeface="Helvetica Neue"/>
               </a:defRPr>
             </a:lvl3pPr>
-            <a:lvl4pPr indent="-342900" lvl="3" marL="1828800" marR="0" rtl="0" algn="l">
+            <a:lvl4pPr marL="1828800" marR="0" lvl="3" indent="-342900" algn="l" rtl="0">
               <a:spcBef>
                 <a:spcPts val="360"/>
               </a:spcBef>
@@ -4424,7 +4366,7 @@
               <a:buSzPts val="1800"/>
               <a:buFont typeface="Helvetica Neue"/>
               <a:buChar char="•"/>
-              <a:defRPr b="0" i="0" sz="1800" u="none" cap="none" strike="noStrike">
+              <a:defRPr sz="1800" b="0" i="0" u="none" strike="noStrike" cap="none">
                 <a:solidFill>
                   <a:srgbClr val="FFFFFF"/>
                 </a:solidFill>
@@ -4434,7 +4376,7 @@
                 <a:sym typeface="Helvetica Neue"/>
               </a:defRPr>
             </a:lvl4pPr>
-            <a:lvl5pPr indent="-342900" lvl="4" marL="2286000" marR="0" rtl="0" algn="l">
+            <a:lvl5pPr marL="2286000" marR="0" lvl="4" indent="-342900" algn="l" rtl="0">
               <a:spcBef>
                 <a:spcPts val="360"/>
               </a:spcBef>
@@ -4447,7 +4389,7 @@
               <a:buSzPts val="1800"/>
               <a:buFont typeface="Helvetica Neue"/>
               <a:buChar char="•"/>
-              <a:defRPr b="0" i="0" sz="1800" u="none" cap="none" strike="noStrike">
+              <a:defRPr sz="1800" b="0" i="0" u="none" strike="noStrike" cap="none">
                 <a:solidFill>
                   <a:srgbClr val="FFFFFF"/>
                 </a:solidFill>
@@ -4457,7 +4399,7 @@
                 <a:sym typeface="Helvetica Neue"/>
               </a:defRPr>
             </a:lvl5pPr>
-            <a:lvl6pPr indent="-342900" lvl="5" marL="2743200" marR="0" rtl="0" algn="l">
+            <a:lvl6pPr marL="2743200" marR="0" lvl="5" indent="-342900" algn="l" rtl="0">
               <a:spcBef>
                 <a:spcPts val="360"/>
               </a:spcBef>
@@ -4470,7 +4412,7 @@
               <a:buSzPts val="1800"/>
               <a:buFont typeface="Arial"/>
               <a:buChar char="•"/>
-              <a:defRPr b="0" i="0" sz="1800" u="none" cap="none" strike="noStrike">
+              <a:defRPr sz="1800" b="0" i="0" u="none" strike="noStrike" cap="none">
                 <a:solidFill>
                   <a:schemeClr val="dk1"/>
                 </a:solidFill>
@@ -4480,7 +4422,7 @@
                 <a:sym typeface="Calibri"/>
               </a:defRPr>
             </a:lvl6pPr>
-            <a:lvl7pPr indent="-342900" lvl="6" marL="3200400" marR="0" rtl="0" algn="l">
+            <a:lvl7pPr marL="3200400" marR="0" lvl="6" indent="-342900" algn="l" rtl="0">
               <a:spcBef>
                 <a:spcPts val="360"/>
               </a:spcBef>
@@ -4493,7 +4435,7 @@
               <a:buSzPts val="1800"/>
               <a:buFont typeface="Arial"/>
               <a:buChar char="•"/>
-              <a:defRPr b="0" i="0" sz="1800" u="none" cap="none" strike="noStrike">
+              <a:defRPr sz="1800" b="0" i="0" u="none" strike="noStrike" cap="none">
                 <a:solidFill>
                   <a:schemeClr val="dk1"/>
                 </a:solidFill>
@@ -4503,7 +4445,7 @@
                 <a:sym typeface="Calibri"/>
               </a:defRPr>
             </a:lvl7pPr>
-            <a:lvl8pPr indent="-342900" lvl="7" marL="3657600" marR="0" rtl="0" algn="l">
+            <a:lvl8pPr marL="3657600" marR="0" lvl="7" indent="-342900" algn="l" rtl="0">
               <a:spcBef>
                 <a:spcPts val="360"/>
               </a:spcBef>
@@ -4516,7 +4458,7 @@
               <a:buSzPts val="1800"/>
               <a:buFont typeface="Arial"/>
               <a:buChar char="•"/>
-              <a:defRPr b="0" i="0" sz="1800" u="none" cap="none" strike="noStrike">
+              <a:defRPr sz="1800" b="0" i="0" u="none" strike="noStrike" cap="none">
                 <a:solidFill>
                   <a:schemeClr val="dk1"/>
                 </a:solidFill>
@@ -4526,7 +4468,7 @@
                 <a:sym typeface="Calibri"/>
               </a:defRPr>
             </a:lvl8pPr>
-            <a:lvl9pPr indent="-342900" lvl="8" marL="4114800" marR="0" rtl="0" algn="l">
+            <a:lvl9pPr marL="4114800" marR="0" lvl="8" indent="-342900" algn="l" rtl="0">
               <a:spcBef>
                 <a:spcPts val="360"/>
               </a:spcBef>
@@ -4539,7 +4481,7 @@
               <a:buSzPts val="1800"/>
               <a:buFont typeface="Arial"/>
               <a:buChar char="•"/>
-              <a:defRPr b="0" i="0" sz="1800" u="none" cap="none" strike="noStrike">
+              <a:defRPr sz="1800" b="0" i="0" u="none" strike="noStrike" cap="none">
                 <a:solidFill>
                   <a:schemeClr val="dk1"/>
                 </a:solidFill>
@@ -4550,15 +4492,19 @@
               </a:defRPr>
             </a:lvl9pPr>
           </a:lstStyle>
-          <a:p/>
+          <a:p>
+            <a:endParaRPr/>
+          </a:p>
         </p:txBody>
       </p:sp>
       <p:sp>
         <p:nvSpPr>
           <p:cNvPr id="27" name="Google Shape;27;p5"/>
-          <p:cNvSpPr txBox="1"/>
+          <p:cNvSpPr txBox="1">
+            <a:spLocks noGrp="1"/>
+          </p:cNvSpPr>
           <p:nvPr>
-            <p:ph idx="2" type="body"/>
+            <p:ph type="body" idx="2"/>
           </p:nvPr>
         </p:nvSpPr>
         <p:spPr>
@@ -4575,11 +4521,11 @@
           </a:ln>
         </p:spPr>
         <p:txBody>
-          <a:bodyPr anchorCtr="0" anchor="t" bIns="45700" lIns="91425" spcFirstLastPara="1" rIns="91425" wrap="square" tIns="45700">
+          <a:bodyPr spcFirstLastPara="1" wrap="square" lIns="91425" tIns="45700" rIns="91425" bIns="45700" anchor="t" anchorCtr="0">
             <a:noAutofit/>
           </a:bodyPr>
           <a:lstStyle>
-            <a:lvl1pPr indent="-406400" lvl="0" marL="457200" marR="0" rtl="0" algn="l">
+            <a:lvl1pPr marL="457200" marR="0" lvl="0" indent="-406400" algn="l" rtl="0">
               <a:spcBef>
                 <a:spcPts val="560"/>
               </a:spcBef>
@@ -4592,7 +4538,7 @@
               <a:buSzPts val="2800"/>
               <a:buFont typeface="Helvetica Neue"/>
               <a:buChar char="•"/>
-              <a:defRPr b="0" i="0" sz="2800" u="none" cap="none" strike="noStrike">
+              <a:defRPr sz="2800" b="0" i="0" u="none" strike="noStrike" cap="none">
                 <a:solidFill>
                   <a:srgbClr val="FFFFFF"/>
                 </a:solidFill>
@@ -4602,7 +4548,7 @@
                 <a:sym typeface="Helvetica Neue"/>
               </a:defRPr>
             </a:lvl1pPr>
-            <a:lvl2pPr indent="-381000" lvl="1" marL="914400" marR="0" rtl="0" algn="l">
+            <a:lvl2pPr marL="914400" marR="0" lvl="1" indent="-381000" algn="l" rtl="0">
               <a:spcBef>
                 <a:spcPts val="480"/>
               </a:spcBef>
@@ -4615,7 +4561,7 @@
               <a:buSzPts val="2400"/>
               <a:buFont typeface="Helvetica Neue"/>
               <a:buChar char="•"/>
-              <a:defRPr b="0" i="0" sz="2400" u="none" cap="none" strike="noStrike">
+              <a:defRPr sz="2400" b="0" i="0" u="none" strike="noStrike" cap="none">
                 <a:solidFill>
                   <a:srgbClr val="FFFFFF"/>
                 </a:solidFill>
@@ -4625,7 +4571,7 @@
                 <a:sym typeface="Helvetica Neue"/>
               </a:defRPr>
             </a:lvl2pPr>
-            <a:lvl3pPr indent="-355600" lvl="2" marL="1371600" marR="0" rtl="0" algn="l">
+            <a:lvl3pPr marL="1371600" marR="0" lvl="2" indent="-355600" algn="l" rtl="0">
               <a:spcBef>
                 <a:spcPts val="400"/>
               </a:spcBef>
@@ -4638,7 +4584,7 @@
               <a:buSzPts val="2000"/>
               <a:buFont typeface="Helvetica Neue"/>
               <a:buChar char="•"/>
-              <a:defRPr b="0" i="0" sz="2000" u="none" cap="none" strike="noStrike">
+              <a:defRPr sz="2000" b="0" i="0" u="none" strike="noStrike" cap="none">
                 <a:solidFill>
                   <a:srgbClr val="FFFFFF"/>
                 </a:solidFill>
@@ -4648,7 +4594,7 @@
                 <a:sym typeface="Helvetica Neue"/>
               </a:defRPr>
             </a:lvl3pPr>
-            <a:lvl4pPr indent="-342900" lvl="3" marL="1828800" marR="0" rtl="0" algn="l">
+            <a:lvl4pPr marL="1828800" marR="0" lvl="3" indent="-342900" algn="l" rtl="0">
               <a:spcBef>
                 <a:spcPts val="360"/>
               </a:spcBef>
@@ -4661,7 +4607,7 @@
               <a:buSzPts val="1800"/>
               <a:buFont typeface="Helvetica Neue"/>
               <a:buChar char="•"/>
-              <a:defRPr b="0" i="0" sz="1800" u="none" cap="none" strike="noStrike">
+              <a:defRPr sz="1800" b="0" i="0" u="none" strike="noStrike" cap="none">
                 <a:solidFill>
                   <a:srgbClr val="FFFFFF"/>
                 </a:solidFill>
@@ -4671,7 +4617,7 @@
                 <a:sym typeface="Helvetica Neue"/>
               </a:defRPr>
             </a:lvl4pPr>
-            <a:lvl5pPr indent="-342900" lvl="4" marL="2286000" marR="0" rtl="0" algn="l">
+            <a:lvl5pPr marL="2286000" marR="0" lvl="4" indent="-342900" algn="l" rtl="0">
               <a:spcBef>
                 <a:spcPts val="360"/>
               </a:spcBef>
@@ -4684,7 +4630,7 @@
               <a:buSzPts val="1800"/>
               <a:buFont typeface="Helvetica Neue"/>
               <a:buChar char="•"/>
-              <a:defRPr b="0" i="0" sz="1800" u="none" cap="none" strike="noStrike">
+              <a:defRPr sz="1800" b="0" i="0" u="none" strike="noStrike" cap="none">
                 <a:solidFill>
                   <a:srgbClr val="FFFFFF"/>
                 </a:solidFill>
@@ -4694,7 +4640,7 @@
                 <a:sym typeface="Helvetica Neue"/>
               </a:defRPr>
             </a:lvl5pPr>
-            <a:lvl6pPr indent="-342900" lvl="5" marL="2743200" marR="0" rtl="0" algn="l">
+            <a:lvl6pPr marL="2743200" marR="0" lvl="5" indent="-342900" algn="l" rtl="0">
               <a:spcBef>
                 <a:spcPts val="360"/>
               </a:spcBef>
@@ -4707,7 +4653,7 @@
               <a:buSzPts val="1800"/>
               <a:buFont typeface="Arial"/>
               <a:buChar char="•"/>
-              <a:defRPr b="0" i="0" sz="1800" u="none" cap="none" strike="noStrike">
+              <a:defRPr sz="1800" b="0" i="0" u="none" strike="noStrike" cap="none">
                 <a:solidFill>
                   <a:schemeClr val="dk1"/>
                 </a:solidFill>
@@ -4717,7 +4663,7 @@
                 <a:sym typeface="Calibri"/>
               </a:defRPr>
             </a:lvl6pPr>
-            <a:lvl7pPr indent="-342900" lvl="6" marL="3200400" marR="0" rtl="0" algn="l">
+            <a:lvl7pPr marL="3200400" marR="0" lvl="6" indent="-342900" algn="l" rtl="0">
               <a:spcBef>
                 <a:spcPts val="360"/>
               </a:spcBef>
@@ -4730,7 +4676,7 @@
               <a:buSzPts val="1800"/>
               <a:buFont typeface="Arial"/>
               <a:buChar char="•"/>
-              <a:defRPr b="0" i="0" sz="1800" u="none" cap="none" strike="noStrike">
+              <a:defRPr sz="1800" b="0" i="0" u="none" strike="noStrike" cap="none">
                 <a:solidFill>
                   <a:schemeClr val="dk1"/>
                 </a:solidFill>
@@ -4740,7 +4686,7 @@
                 <a:sym typeface="Calibri"/>
               </a:defRPr>
             </a:lvl7pPr>
-            <a:lvl8pPr indent="-342900" lvl="7" marL="3657600" marR="0" rtl="0" algn="l">
+            <a:lvl8pPr marL="3657600" marR="0" lvl="7" indent="-342900" algn="l" rtl="0">
               <a:spcBef>
                 <a:spcPts val="360"/>
               </a:spcBef>
@@ -4753,7 +4699,7 @@
               <a:buSzPts val="1800"/>
               <a:buFont typeface="Arial"/>
               <a:buChar char="•"/>
-              <a:defRPr b="0" i="0" sz="1800" u="none" cap="none" strike="noStrike">
+              <a:defRPr sz="1800" b="0" i="0" u="none" strike="noStrike" cap="none">
                 <a:solidFill>
                   <a:schemeClr val="dk1"/>
                 </a:solidFill>
@@ -4763,7 +4709,7 @@
                 <a:sym typeface="Calibri"/>
               </a:defRPr>
             </a:lvl8pPr>
-            <a:lvl9pPr indent="-342900" lvl="8" marL="4114800" marR="0" rtl="0" algn="l">
+            <a:lvl9pPr marL="4114800" marR="0" lvl="8" indent="-342900" algn="l" rtl="0">
               <a:spcBef>
                 <a:spcPts val="360"/>
               </a:spcBef>
@@ -4776,7 +4722,7 @@
               <a:buSzPts val="1800"/>
               <a:buFont typeface="Arial"/>
               <a:buChar char="•"/>
-              <a:defRPr b="0" i="0" sz="1800" u="none" cap="none" strike="noStrike">
+              <a:defRPr sz="1800" b="0" i="0" u="none" strike="noStrike" cap="none">
                 <a:solidFill>
                   <a:schemeClr val="dk1"/>
                 </a:solidFill>
@@ -4787,12 +4733,14 @@
               </a:defRPr>
             </a:lvl9pPr>
           </a:lstStyle>
-          <a:p/>
+          <a:p>
+            <a:endParaRPr/>
+          </a:p>
         </p:txBody>
       </p:sp>
       <p:pic>
         <p:nvPicPr>
-          <p:cNvPr descr="UO-Logo-107.eps" id="28" name="Google Shape;28;p5"/>
+          <p:cNvPr id="28" name="Google Shape;28;p5" descr="UO-Logo-107.eps"/>
           <p:cNvPicPr preferRelativeResize="0"/>
           <p:nvPr/>
         </p:nvPicPr>
@@ -4800,7 +4748,7 @@
           <a:blip r:embed="rId2">
             <a:alphaModFix/>
           </a:blip>
-          <a:srcRect b="0" l="0" r="0" t="0"/>
+          <a:srcRect/>
           <a:stretch/>
         </p:blipFill>
         <p:spPr>
@@ -4826,11 +4774,11 @@
 </file>
 
 <file path=ppt/slideLayouts/slideLayout5.xml><?xml version="1.0" encoding="utf-8"?>
-<p:sldLayout xmlns:a="http://schemas.openxmlformats.org/drawingml/2006/main" xmlns:r="http://schemas.openxmlformats.org/officeDocument/2006/relationships" xmlns:mc="http://schemas.openxmlformats.org/markup-compatibility/2006" xmlns:mv="urn:schemas-microsoft-com:mac:vml" xmlns:p="http://schemas.openxmlformats.org/presentationml/2006/main" xmlns:c="http://schemas.openxmlformats.org/drawingml/2006/chart" xmlns:dgm="http://schemas.openxmlformats.org/drawingml/2006/diagram" xmlns:o="urn:schemas-microsoft-com:office:office" xmlns:v="urn:schemas-microsoft-com:vml" xmlns:pvml="urn:schemas-microsoft-com:office:powerpoint" xmlns:com="http://schemas.openxmlformats.org/drawingml/2006/compatibility" xmlns:p14="http://schemas.microsoft.com/office/powerpoint/2010/main" xmlns:p15="http://schemas.microsoft.com/office/powerpoint/2012/main" xmlns:ahyp="http://schemas.microsoft.com/office/drawing/2018/hyperlinkcolor" matchingName="Title Only" type="titleOnly">
+<p:sldLayout xmlns:a="http://schemas.openxmlformats.org/drawingml/2006/main" xmlns:r="http://schemas.openxmlformats.org/officeDocument/2006/relationships" xmlns:p="http://schemas.openxmlformats.org/presentationml/2006/main" matchingName="Title Only" type="titleOnly">
   <p:cSld name="TITLE_ONLY">
     <p:spTree>
       <p:nvGrpSpPr>
-        <p:cNvPr id="29" name="Shape 29"/>
+        <p:cNvPr id="1" name="Shape 29"/>
         <p:cNvGrpSpPr/>
         <p:nvPr/>
       </p:nvGrpSpPr>
@@ -4845,7 +4793,9 @@
       <p:sp>
         <p:nvSpPr>
           <p:cNvPr id="30" name="Google Shape;30;p6"/>
-          <p:cNvSpPr txBox="1"/>
+          <p:cNvSpPr txBox="1">
+            <a:spLocks noGrp="1"/>
+          </p:cNvSpPr>
           <p:nvPr>
             <p:ph type="title"/>
           </p:nvPr>
@@ -4864,11 +4814,11 @@
           </a:ln>
         </p:spPr>
         <p:txBody>
-          <a:bodyPr anchorCtr="0" anchor="ctr" bIns="45700" lIns="91425" spcFirstLastPara="1" rIns="91425" wrap="square" tIns="45700">
+          <a:bodyPr spcFirstLastPara="1" wrap="square" lIns="91425" tIns="45700" rIns="91425" bIns="45700" anchor="ctr" anchorCtr="0">
             <a:noAutofit/>
           </a:bodyPr>
           <a:lstStyle>
-            <a:lvl1pPr lvl="0" marR="0" rtl="0" algn="l">
+            <a:lvl1pPr marR="0" lvl="0" algn="l" rtl="0">
               <a:spcBef>
                 <a:spcPts val="0"/>
               </a:spcBef>
@@ -4881,7 +4831,7 @@
               <a:buSzPts val="4800"/>
               <a:buFont typeface="Helvetica Neue"/>
               <a:buNone/>
-              <a:defRPr b="0" i="0" sz="4800" u="none" cap="none" strike="noStrike">
+              <a:defRPr sz="4800" b="0" i="0" u="none" strike="noStrike" cap="none">
                 <a:solidFill>
                   <a:srgbClr val="FFFFFF"/>
                 </a:solidFill>
@@ -4980,7 +4930,9 @@
               <a:defRPr sz="1800"/>
             </a:lvl9pPr>
           </a:lstStyle>
-          <a:p/>
+          <a:p>
+            <a:endParaRPr/>
+          </a:p>
         </p:txBody>
       </p:sp>
       <p:cxnSp>
@@ -4998,20 +4950,20 @@
             <a:avLst/>
           </a:prstGeom>
           <a:noFill/>
-          <a:ln cap="flat" cmpd="sng" w="19050">
+          <a:ln w="19050" cap="flat" cmpd="sng">
             <a:solidFill>
               <a:schemeClr val="lt2"/>
             </a:solidFill>
             <a:prstDash val="solid"/>
             <a:round/>
-            <a:headEnd len="med" w="med" type="oval"/>
-            <a:tailEnd len="med" w="med" type="oval"/>
+            <a:headEnd type="oval" w="med" len="med"/>
+            <a:tailEnd type="oval" w="med" len="med"/>
           </a:ln>
         </p:spPr>
       </p:cxnSp>
       <p:pic>
         <p:nvPicPr>
-          <p:cNvPr descr="UO-Logo-107.eps" id="32" name="Google Shape;32;p6"/>
+          <p:cNvPr id="32" name="Google Shape;32;p6" descr="UO-Logo-107.eps"/>
           <p:cNvPicPr preferRelativeResize="0"/>
           <p:nvPr/>
         </p:nvPicPr>
@@ -5019,7 +4971,7 @@
           <a:blip r:embed="rId2">
             <a:alphaModFix/>
           </a:blip>
-          <a:srcRect b="0" l="0" r="0" t="0"/>
+          <a:srcRect/>
           <a:stretch/>
         </p:blipFill>
         <p:spPr>
@@ -5045,11 +4997,11 @@
 </file>
 
 <file path=ppt/slideLayouts/slideLayout6.xml><?xml version="1.0" encoding="utf-8"?>
-<p:sldLayout xmlns:a="http://schemas.openxmlformats.org/drawingml/2006/main" xmlns:r="http://schemas.openxmlformats.org/officeDocument/2006/relationships" xmlns:mc="http://schemas.openxmlformats.org/markup-compatibility/2006" xmlns:mv="urn:schemas-microsoft-com:mac:vml" xmlns:p="http://schemas.openxmlformats.org/presentationml/2006/main" xmlns:c="http://schemas.openxmlformats.org/drawingml/2006/chart" xmlns:dgm="http://schemas.openxmlformats.org/drawingml/2006/diagram" xmlns:o="urn:schemas-microsoft-com:office:office" xmlns:v="urn:schemas-microsoft-com:vml" xmlns:pvml="urn:schemas-microsoft-com:office:powerpoint" xmlns:com="http://schemas.openxmlformats.org/drawingml/2006/compatibility" xmlns:p14="http://schemas.microsoft.com/office/powerpoint/2010/main" xmlns:p15="http://schemas.microsoft.com/office/powerpoint/2012/main" xmlns:ahyp="http://schemas.microsoft.com/office/drawing/2018/hyperlinkcolor" matchingName="Custom Layout">
+<p:sldLayout xmlns:a="http://schemas.openxmlformats.org/drawingml/2006/main" xmlns:r="http://schemas.openxmlformats.org/officeDocument/2006/relationships" xmlns:p="http://schemas.openxmlformats.org/presentationml/2006/main" matchingName="Custom Layout">
   <p:cSld name="Custom Layout">
     <p:spTree>
       <p:nvGrpSpPr>
-        <p:cNvPr id="33" name="Shape 33"/>
+        <p:cNvPr id="1" name="Shape 33"/>
         <p:cNvGrpSpPr/>
         <p:nvPr/>
       </p:nvGrpSpPr>
@@ -5070,11 +5022,11 @@
 </file>
 
 <file path=ppt/slideLayouts/slideLayout7.xml><?xml version="1.0" encoding="utf-8"?>
-<p:sldLayout xmlns:a="http://schemas.openxmlformats.org/drawingml/2006/main" xmlns:r="http://schemas.openxmlformats.org/officeDocument/2006/relationships" xmlns:mc="http://schemas.openxmlformats.org/markup-compatibility/2006" xmlns:mv="urn:schemas-microsoft-com:mac:vml" xmlns:p="http://schemas.openxmlformats.org/presentationml/2006/main" xmlns:c="http://schemas.openxmlformats.org/drawingml/2006/chart" xmlns:dgm="http://schemas.openxmlformats.org/drawingml/2006/diagram" xmlns:o="urn:schemas-microsoft-com:office:office" xmlns:v="urn:schemas-microsoft-com:vml" xmlns:pvml="urn:schemas-microsoft-com:office:powerpoint" xmlns:com="http://schemas.openxmlformats.org/drawingml/2006/compatibility" xmlns:p14="http://schemas.microsoft.com/office/powerpoint/2010/main" xmlns:p15="http://schemas.microsoft.com/office/powerpoint/2012/main" xmlns:ahyp="http://schemas.microsoft.com/office/drawing/2018/hyperlinkcolor" matchingName="Title and body" type="tx">
+<p:sldLayout xmlns:a="http://schemas.openxmlformats.org/drawingml/2006/main" xmlns:r="http://schemas.openxmlformats.org/officeDocument/2006/relationships" xmlns:p="http://schemas.openxmlformats.org/presentationml/2006/main" matchingName="Title and body" type="tx">
   <p:cSld name="TITLE_AND_BODY">
     <p:spTree>
       <p:nvGrpSpPr>
-        <p:cNvPr id="34" name="Shape 34"/>
+        <p:cNvPr id="1" name="Shape 34"/>
         <p:cNvGrpSpPr/>
         <p:nvPr/>
       </p:nvGrpSpPr>
@@ -5089,7 +5041,9 @@
       <p:sp>
         <p:nvSpPr>
           <p:cNvPr id="35" name="Google Shape;35;p8"/>
-          <p:cNvSpPr txBox="1"/>
+          <p:cNvSpPr txBox="1">
+            <a:spLocks noGrp="1"/>
+          </p:cNvSpPr>
           <p:nvPr>
             <p:ph type="title"/>
           </p:nvPr>
@@ -5104,7 +5058,7 @@
           </a:prstGeom>
         </p:spPr>
         <p:txBody>
-          <a:bodyPr anchorCtr="0" anchor="ctr" bIns="45700" lIns="91425" spcFirstLastPara="1" rIns="91425" wrap="square" tIns="45700">
+          <a:bodyPr spcFirstLastPara="1" wrap="square" lIns="91425" tIns="45700" rIns="91425" bIns="45700" anchor="ctr" anchorCtr="0">
             <a:noAutofit/>
           </a:bodyPr>
           <a:lstStyle>
@@ -5208,15 +5162,19 @@
               <a:defRPr/>
             </a:lvl9pPr>
           </a:lstStyle>
-          <a:p/>
+          <a:p>
+            <a:endParaRPr/>
+          </a:p>
         </p:txBody>
       </p:sp>
       <p:sp>
         <p:nvSpPr>
           <p:cNvPr id="36" name="Google Shape;36;p8"/>
-          <p:cNvSpPr txBox="1"/>
+          <p:cNvSpPr txBox="1">
+            <a:spLocks noGrp="1"/>
+          </p:cNvSpPr>
           <p:nvPr>
-            <p:ph idx="1" type="body"/>
+            <p:ph type="body" idx="1"/>
           </p:nvPr>
         </p:nvSpPr>
         <p:spPr>
@@ -5229,11 +5187,11 @@
           </a:prstGeom>
         </p:spPr>
         <p:txBody>
-          <a:bodyPr anchorCtr="0" anchor="t" bIns="45700" lIns="91425" spcFirstLastPara="1" rIns="91425" wrap="square" tIns="45700">
+          <a:bodyPr spcFirstLastPara="1" wrap="square" lIns="91425" tIns="45700" rIns="91425" bIns="45700" anchor="t" anchorCtr="0">
             <a:noAutofit/>
           </a:bodyPr>
           <a:lstStyle>
-            <a:lvl1pPr indent="-431800" lvl="0" marL="457200" rtl="0">
+            <a:lvl1pPr marL="457200" lvl="0" indent="-431800" rtl="0">
               <a:spcBef>
                 <a:spcPts val="640"/>
               </a:spcBef>
@@ -5244,7 +5202,7 @@
               <a:buChar char="•"/>
               <a:defRPr/>
             </a:lvl1pPr>
-            <a:lvl2pPr indent="-406400" lvl="1" marL="914400" rtl="0">
+            <a:lvl2pPr marL="914400" lvl="1" indent="-406400" rtl="0">
               <a:spcBef>
                 <a:spcPts val="560"/>
               </a:spcBef>
@@ -5255,7 +5213,7 @@
               <a:buChar char="•"/>
               <a:defRPr/>
             </a:lvl2pPr>
-            <a:lvl3pPr indent="-381000" lvl="2" marL="1371600" rtl="0">
+            <a:lvl3pPr marL="1371600" lvl="2" indent="-381000" rtl="0">
               <a:spcBef>
                 <a:spcPts val="480"/>
               </a:spcBef>
@@ -5266,7 +5224,7 @@
               <a:buChar char="•"/>
               <a:defRPr/>
             </a:lvl3pPr>
-            <a:lvl4pPr indent="-355600" lvl="3" marL="1828800" rtl="0">
+            <a:lvl4pPr marL="1828800" lvl="3" indent="-355600" rtl="0">
               <a:spcBef>
                 <a:spcPts val="400"/>
               </a:spcBef>
@@ -5277,7 +5235,7 @@
               <a:buChar char="•"/>
               <a:defRPr/>
             </a:lvl4pPr>
-            <a:lvl5pPr indent="-355600" lvl="4" marL="2286000" rtl="0">
+            <a:lvl5pPr marL="2286000" lvl="4" indent="-355600" rtl="0">
               <a:spcBef>
                 <a:spcPts val="400"/>
               </a:spcBef>
@@ -5288,7 +5246,7 @@
               <a:buChar char="•"/>
               <a:defRPr/>
             </a:lvl5pPr>
-            <a:lvl6pPr indent="-355600" lvl="5" marL="2743200" rtl="0">
+            <a:lvl6pPr marL="2743200" lvl="5" indent="-355600" rtl="0">
               <a:spcBef>
                 <a:spcPts val="400"/>
               </a:spcBef>
@@ -5299,7 +5257,7 @@
               <a:buChar char="•"/>
               <a:defRPr/>
             </a:lvl6pPr>
-            <a:lvl7pPr indent="-355600" lvl="6" marL="3200400" rtl="0">
+            <a:lvl7pPr marL="3200400" lvl="6" indent="-355600" rtl="0">
               <a:spcBef>
                 <a:spcPts val="400"/>
               </a:spcBef>
@@ -5310,7 +5268,7 @@
               <a:buChar char="•"/>
               <a:defRPr/>
             </a:lvl7pPr>
-            <a:lvl8pPr indent="-355600" lvl="7" marL="3657600" rtl="0">
+            <a:lvl8pPr marL="3657600" lvl="7" indent="-355600" rtl="0">
               <a:spcBef>
                 <a:spcPts val="400"/>
               </a:spcBef>
@@ -5321,7 +5279,7 @@
               <a:buChar char="•"/>
               <a:defRPr/>
             </a:lvl8pPr>
-            <a:lvl9pPr indent="-355600" lvl="8" marL="4114800" rtl="0">
+            <a:lvl9pPr marL="4114800" lvl="8" indent="-355600" rtl="0">
               <a:spcBef>
                 <a:spcPts val="400"/>
               </a:spcBef>
@@ -5333,15 +5291,19 @@
               <a:defRPr/>
             </a:lvl9pPr>
           </a:lstStyle>
-          <a:p/>
+          <a:p>
+            <a:endParaRPr/>
+          </a:p>
         </p:txBody>
       </p:sp>
       <p:sp>
         <p:nvSpPr>
           <p:cNvPr id="37" name="Google Shape;37;p8"/>
-          <p:cNvSpPr txBox="1"/>
+          <p:cNvSpPr txBox="1">
+            <a:spLocks noGrp="1"/>
+          </p:cNvSpPr>
           <p:nvPr>
-            <p:ph idx="12" type="sldNum"/>
+            <p:ph type="sldNum" idx="12"/>
           </p:nvPr>
         </p:nvSpPr>
         <p:spPr>
@@ -5358,7 +5320,7 @@
           </a:ln>
         </p:spPr>
         <p:txBody>
-          <a:bodyPr anchorCtr="0" anchor="ctr" bIns="91425" lIns="91425" spcFirstLastPara="1" rIns="91425" wrap="square" tIns="91425">
+          <a:bodyPr spcFirstLastPara="1" wrap="square" lIns="91425" tIns="91425" rIns="91425" bIns="91425" anchor="ctr" anchorCtr="0">
             <a:noAutofit/>
           </a:bodyPr>
           <a:lstStyle>
@@ -5400,7 +5362,7 @@
             </a:lvl9pPr>
           </a:lstStyle>
           <a:p>
-            <a:pPr indent="0" lvl="0" marL="0" rtl="0" algn="l">
+            <a:pPr marL="0" lvl="0" indent="0" algn="l" rtl="0">
               <a:spcBef>
                 <a:spcPts val="0"/>
               </a:spcBef>
@@ -5426,18 +5388,19 @@
 </file>
 
 <file path=ppt/slideMasters/slideMaster1.xml><?xml version="1.0" encoding="utf-8"?>
-<p:sldMaster xmlns:a="http://schemas.openxmlformats.org/drawingml/2006/main" xmlns:r="http://schemas.openxmlformats.org/officeDocument/2006/relationships" xmlns:mc="http://schemas.openxmlformats.org/markup-compatibility/2006" xmlns:mv="urn:schemas-microsoft-com:mac:vml" xmlns:p="http://schemas.openxmlformats.org/presentationml/2006/main" xmlns:c="http://schemas.openxmlformats.org/drawingml/2006/chart" xmlns:dgm="http://schemas.openxmlformats.org/drawingml/2006/diagram" xmlns:o="urn:schemas-microsoft-com:office:office" xmlns:v="urn:schemas-microsoft-com:vml" xmlns:pvml="urn:schemas-microsoft-com:office:powerpoint" xmlns:com="http://schemas.openxmlformats.org/drawingml/2006/compatibility" xmlns:p14="http://schemas.microsoft.com/office/powerpoint/2010/main" xmlns:p15="http://schemas.microsoft.com/office/powerpoint/2012/main" xmlns:ahyp="http://schemas.microsoft.com/office/drawing/2018/hyperlinkcolor">
+<p:sldMaster xmlns:a="http://schemas.openxmlformats.org/drawingml/2006/main" xmlns:r="http://schemas.openxmlformats.org/officeDocument/2006/relationships" xmlns:p="http://schemas.openxmlformats.org/presentationml/2006/main">
   <p:cSld>
     <p:bg>
       <p:bgPr>
         <a:solidFill>
           <a:schemeClr val="dk2"/>
         </a:solidFill>
+        <a:effectLst/>
       </p:bgPr>
     </p:bg>
     <p:spTree>
       <p:nvGrpSpPr>
-        <p:cNvPr id="5" name="Shape 5"/>
+        <p:cNvPr id="1" name="Shape 5"/>
         <p:cNvGrpSpPr/>
         <p:nvPr/>
       </p:nvGrpSpPr>
@@ -5452,7 +5415,9 @@
       <p:sp>
         <p:nvSpPr>
           <p:cNvPr id="6" name="Google Shape;6;p1"/>
-          <p:cNvSpPr txBox="1"/>
+          <p:cNvSpPr txBox="1">
+            <a:spLocks noGrp="1"/>
+          </p:cNvSpPr>
           <p:nvPr>
             <p:ph type="title"/>
           </p:nvPr>
@@ -5471,11 +5436,11 @@
           </a:ln>
         </p:spPr>
         <p:txBody>
-          <a:bodyPr anchorCtr="0" anchor="ctr" bIns="45700" lIns="91425" spcFirstLastPara="1" rIns="91425" wrap="square" tIns="45700">
+          <a:bodyPr spcFirstLastPara="1" wrap="square" lIns="91425" tIns="45700" rIns="91425" bIns="45700" anchor="ctr" anchorCtr="0">
             <a:noAutofit/>
           </a:bodyPr>
           <a:lstStyle>
-            <a:lvl1pPr lvl="0" marR="0" rtl="0" algn="l">
+            <a:lvl1pPr marR="0" lvl="0" algn="l" rtl="0">
               <a:spcBef>
                 <a:spcPts val="0"/>
               </a:spcBef>
@@ -5488,7 +5453,7 @@
               <a:buSzPts val="4800"/>
               <a:buFont typeface="Helvetica Neue"/>
               <a:buNone/>
-              <a:defRPr b="0" i="0" sz="4800" u="none" cap="none" strike="noStrike">
+              <a:defRPr sz="4800" b="0" i="0" u="none" strike="noStrike" cap="none">
                 <a:solidFill>
                   <a:srgbClr val="FFFFFF"/>
                 </a:solidFill>
@@ -5587,15 +5552,19 @@
               <a:defRPr sz="1800"/>
             </a:lvl9pPr>
           </a:lstStyle>
-          <a:p/>
+          <a:p>
+            <a:endParaRPr/>
+          </a:p>
         </p:txBody>
       </p:sp>
       <p:sp>
         <p:nvSpPr>
           <p:cNvPr id="7" name="Google Shape;7;p1"/>
-          <p:cNvSpPr txBox="1"/>
+          <p:cNvSpPr txBox="1">
+            <a:spLocks noGrp="1"/>
+          </p:cNvSpPr>
           <p:nvPr>
-            <p:ph idx="1" type="body"/>
+            <p:ph type="body" idx="1"/>
           </p:nvPr>
         </p:nvSpPr>
         <p:spPr>
@@ -5612,11 +5581,11 @@
           </a:ln>
         </p:spPr>
         <p:txBody>
-          <a:bodyPr anchorCtr="0" anchor="t" bIns="45700" lIns="91425" spcFirstLastPara="1" rIns="91425" wrap="square" tIns="45700">
+          <a:bodyPr spcFirstLastPara="1" wrap="square" lIns="91425" tIns="45700" rIns="91425" bIns="45700" anchor="t" anchorCtr="0">
             <a:noAutofit/>
           </a:bodyPr>
           <a:lstStyle>
-            <a:lvl1pPr indent="-431800" lvl="0" marL="457200" marR="0" rtl="0" algn="l">
+            <a:lvl1pPr marL="457200" marR="0" lvl="0" indent="-431800" algn="l" rtl="0">
               <a:spcBef>
                 <a:spcPts val="640"/>
               </a:spcBef>
@@ -5629,7 +5598,7 @@
               <a:buSzPts val="3200"/>
               <a:buFont typeface="Helvetica Neue"/>
               <a:buChar char="•"/>
-              <a:defRPr b="0" i="0" sz="3200" u="none" cap="none" strike="noStrike">
+              <a:defRPr sz="3200" b="0" i="0" u="none" strike="noStrike" cap="none">
                 <a:solidFill>
                   <a:srgbClr val="FFFFFF"/>
                 </a:solidFill>
@@ -5639,7 +5608,7 @@
                 <a:sym typeface="Helvetica Neue"/>
               </a:defRPr>
             </a:lvl1pPr>
-            <a:lvl2pPr indent="-406400" lvl="1" marL="914400" marR="0" rtl="0" algn="l">
+            <a:lvl2pPr marL="914400" marR="0" lvl="1" indent="-406400" algn="l" rtl="0">
               <a:spcBef>
                 <a:spcPts val="560"/>
               </a:spcBef>
@@ -5652,7 +5621,7 @@
               <a:buSzPts val="2800"/>
               <a:buFont typeface="Helvetica Neue"/>
               <a:buChar char="•"/>
-              <a:defRPr b="0" i="0" sz="2800" u="none" cap="none" strike="noStrike">
+              <a:defRPr sz="2800" b="0" i="0" u="none" strike="noStrike" cap="none">
                 <a:solidFill>
                   <a:srgbClr val="FFFFFF"/>
                 </a:solidFill>
@@ -5662,7 +5631,7 @@
                 <a:sym typeface="Helvetica Neue"/>
               </a:defRPr>
             </a:lvl2pPr>
-            <a:lvl3pPr indent="-381000" lvl="2" marL="1371600" marR="0" rtl="0" algn="l">
+            <a:lvl3pPr marL="1371600" marR="0" lvl="2" indent="-381000" algn="l" rtl="0">
               <a:spcBef>
                 <a:spcPts val="480"/>
               </a:spcBef>
@@ -5675,7 +5644,7 @@
               <a:buSzPts val="2400"/>
               <a:buFont typeface="Helvetica Neue"/>
               <a:buChar char="•"/>
-              <a:defRPr b="0" i="0" sz="2400" u="none" cap="none" strike="noStrike">
+              <a:defRPr sz="2400" b="0" i="0" u="none" strike="noStrike" cap="none">
                 <a:solidFill>
                   <a:srgbClr val="FFFFFF"/>
                 </a:solidFill>
@@ -5685,7 +5654,7 @@
                 <a:sym typeface="Helvetica Neue"/>
               </a:defRPr>
             </a:lvl3pPr>
-            <a:lvl4pPr indent="-355600" lvl="3" marL="1828800" marR="0" rtl="0" algn="l">
+            <a:lvl4pPr marL="1828800" marR="0" lvl="3" indent="-355600" algn="l" rtl="0">
               <a:spcBef>
                 <a:spcPts val="400"/>
               </a:spcBef>
@@ -5698,7 +5667,7 @@
               <a:buSzPts val="2000"/>
               <a:buFont typeface="Helvetica Neue"/>
               <a:buChar char="•"/>
-              <a:defRPr b="0" i="0" sz="2000" u="none" cap="none" strike="noStrike">
+              <a:defRPr sz="2000" b="0" i="0" u="none" strike="noStrike" cap="none">
                 <a:solidFill>
                   <a:srgbClr val="FFFFFF"/>
                 </a:solidFill>
@@ -5708,7 +5677,7 @@
                 <a:sym typeface="Helvetica Neue"/>
               </a:defRPr>
             </a:lvl4pPr>
-            <a:lvl5pPr indent="-355600" lvl="4" marL="2286000" marR="0" rtl="0" algn="l">
+            <a:lvl5pPr marL="2286000" marR="0" lvl="4" indent="-355600" algn="l" rtl="0">
               <a:spcBef>
                 <a:spcPts val="400"/>
               </a:spcBef>
@@ -5721,7 +5690,7 @@
               <a:buSzPts val="2000"/>
               <a:buFont typeface="Helvetica Neue"/>
               <a:buChar char="•"/>
-              <a:defRPr b="0" i="0" sz="2000" u="none" cap="none" strike="noStrike">
+              <a:defRPr sz="2000" b="0" i="0" u="none" strike="noStrike" cap="none">
                 <a:solidFill>
                   <a:srgbClr val="FFFFFF"/>
                 </a:solidFill>
@@ -5731,7 +5700,7 @@
                 <a:sym typeface="Helvetica Neue"/>
               </a:defRPr>
             </a:lvl5pPr>
-            <a:lvl6pPr indent="-355600" lvl="5" marL="2743200" marR="0" rtl="0" algn="l">
+            <a:lvl6pPr marL="2743200" marR="0" lvl="5" indent="-355600" algn="l" rtl="0">
               <a:spcBef>
                 <a:spcPts val="400"/>
               </a:spcBef>
@@ -5744,7 +5713,7 @@
               <a:buSzPts val="2000"/>
               <a:buFont typeface="Arial"/>
               <a:buChar char="•"/>
-              <a:defRPr b="0" i="0" sz="2000" u="none" cap="none" strike="noStrike">
+              <a:defRPr sz="2000" b="0" i="0" u="none" strike="noStrike" cap="none">
                 <a:solidFill>
                   <a:schemeClr val="dk1"/>
                 </a:solidFill>
@@ -5754,7 +5723,7 @@
                 <a:sym typeface="Calibri"/>
               </a:defRPr>
             </a:lvl6pPr>
-            <a:lvl7pPr indent="-355600" lvl="6" marL="3200400" marR="0" rtl="0" algn="l">
+            <a:lvl7pPr marL="3200400" marR="0" lvl="6" indent="-355600" algn="l" rtl="0">
               <a:spcBef>
                 <a:spcPts val="400"/>
               </a:spcBef>
@@ -5767,7 +5736,7 @@
               <a:buSzPts val="2000"/>
               <a:buFont typeface="Arial"/>
               <a:buChar char="•"/>
-              <a:defRPr b="0" i="0" sz="2000" u="none" cap="none" strike="noStrike">
+              <a:defRPr sz="2000" b="0" i="0" u="none" strike="noStrike" cap="none">
                 <a:solidFill>
                   <a:schemeClr val="dk1"/>
                 </a:solidFill>
@@ -5777,7 +5746,7 @@
                 <a:sym typeface="Calibri"/>
               </a:defRPr>
             </a:lvl7pPr>
-            <a:lvl8pPr indent="-355600" lvl="7" marL="3657600" marR="0" rtl="0" algn="l">
+            <a:lvl8pPr marL="3657600" marR="0" lvl="7" indent="-355600" algn="l" rtl="0">
               <a:spcBef>
                 <a:spcPts val="400"/>
               </a:spcBef>
@@ -5790,7 +5759,7 @@
               <a:buSzPts val="2000"/>
               <a:buFont typeface="Arial"/>
               <a:buChar char="•"/>
-              <a:defRPr b="0" i="0" sz="2000" u="none" cap="none" strike="noStrike">
+              <a:defRPr sz="2000" b="0" i="0" u="none" strike="noStrike" cap="none">
                 <a:solidFill>
                   <a:schemeClr val="dk1"/>
                 </a:solidFill>
@@ -5800,7 +5769,7 @@
                 <a:sym typeface="Calibri"/>
               </a:defRPr>
             </a:lvl8pPr>
-            <a:lvl9pPr indent="-355600" lvl="8" marL="4114800" marR="0" rtl="0" algn="l">
+            <a:lvl9pPr marL="4114800" marR="0" lvl="8" indent="-355600" algn="l" rtl="0">
               <a:spcBef>
                 <a:spcPts val="400"/>
               </a:spcBef>
@@ -5813,7 +5782,7 @@
               <a:buSzPts val="2000"/>
               <a:buFont typeface="Arial"/>
               <a:buChar char="•"/>
-              <a:defRPr b="0" i="0" sz="2000" u="none" cap="none" strike="noStrike">
+              <a:defRPr sz="2000" b="0" i="0" u="none" strike="noStrike" cap="none">
                 <a:solidFill>
                   <a:schemeClr val="dk1"/>
                 </a:solidFill>
@@ -5824,20 +5793,22 @@
               </a:defRPr>
             </a:lvl9pPr>
           </a:lstStyle>
-          <a:p/>
+          <a:p>
+            <a:endParaRPr/>
+          </a:p>
         </p:txBody>
       </p:sp>
       <p:pic>
         <p:nvPicPr>
-          <p:cNvPr descr="mesh.png" id="8" name="Google Shape;8;p1"/>
+          <p:cNvPr id="8" name="Google Shape;8;p1" descr="mesh.png"/>
           <p:cNvPicPr preferRelativeResize="0"/>
           <p:nvPr/>
         </p:nvPicPr>
         <p:blipFill rotWithShape="1">
-          <a:blip r:embed="rId1">
+          <a:blip r:embed="rId9">
             <a:alphaModFix amt="41000"/>
           </a:blip>
-          <a:srcRect b="67183" l="11324" r="6484" t="0"/>
+          <a:srcRect l="11324" r="6484" b="67183"/>
           <a:stretch/>
         </p:blipFill>
         <p:spPr>
@@ -5856,20 +5827,20 @@
       </p:pic>
     </p:spTree>
   </p:cSld>
-  <p:clrMap accent1="accent1" accent2="accent2" accent3="accent3" accent4="accent4" accent5="accent5" accent6="accent6" bg1="lt1" bg2="dk2" tx1="dk1" tx2="lt2" folHlink="folHlink" hlink="hlink"/>
+  <p:clrMap bg1="lt1" tx1="dk1" bg2="dk2" tx2="lt2" accent1="accent1" accent2="accent2" accent3="accent3" accent4="accent4" accent5="accent5" accent6="accent6" hlink="hlink" folHlink="folHlink"/>
   <p:sldLayoutIdLst>
-    <p:sldLayoutId id="2147483648" r:id="rId2"/>
-    <p:sldLayoutId id="2147483649" r:id="rId3"/>
-    <p:sldLayoutId id="2147483650" r:id="rId4"/>
-    <p:sldLayoutId id="2147483651" r:id="rId5"/>
-    <p:sldLayoutId id="2147483652" r:id="rId6"/>
-    <p:sldLayoutId id="2147483653" r:id="rId7"/>
-    <p:sldLayoutId id="2147483654" r:id="rId8"/>
+    <p:sldLayoutId id="2147483648" r:id="rId1"/>
+    <p:sldLayoutId id="2147483649" r:id="rId2"/>
+    <p:sldLayoutId id="2147483650" r:id="rId3"/>
+    <p:sldLayoutId id="2147483651" r:id="rId4"/>
+    <p:sldLayoutId id="2147483652" r:id="rId5"/>
+    <p:sldLayoutId id="2147483653" r:id="rId6"/>
+    <p:sldLayoutId id="2147483654" r:id="rId7"/>
   </p:sldLayoutIdLst>
-  <p:hf dt="0" ftr="0" hdr="0" sldNum="0"/>
+  <p:hf sldNum="0" hdr="0" ftr="0" dt="0"/>
   <p:txStyles>
     <p:titleStyle>
-      <a:defPPr lvl="0" marR="0" rtl="0" algn="l">
+      <a:defPPr marR="0" lvl="0" algn="l" rtl="0">
         <a:lnSpc>
           <a:spcPct val="100000"/>
         </a:lnSpc>
@@ -5880,7 +5851,7 @@
           <a:spcPts val="0"/>
         </a:spcAft>
       </a:defPPr>
-      <a:lvl1pPr lvl="0" marR="0" rtl="0" algn="l">
+      <a:lvl1pPr marR="0" lvl="0" algn="l" rtl="0">
         <a:lnSpc>
           <a:spcPct val="100000"/>
         </a:lnSpc>
@@ -5894,7 +5865,7 @@
           <a:srgbClr val="000000"/>
         </a:buClr>
         <a:buFont typeface="Arial"/>
-        <a:defRPr b="0" i="0" sz="1400" u="none" cap="none" strike="noStrike">
+        <a:defRPr sz="1400" b="0" i="0" u="none" strike="noStrike" cap="none">
           <a:solidFill>
             <a:srgbClr val="000000"/>
           </a:solidFill>
@@ -5904,7 +5875,7 @@
           <a:sym typeface="Arial"/>
         </a:defRPr>
       </a:lvl1pPr>
-      <a:lvl2pPr lvl="1" marR="0" rtl="0" algn="l">
+      <a:lvl2pPr marR="0" lvl="1" algn="l" rtl="0">
         <a:lnSpc>
           <a:spcPct val="100000"/>
         </a:lnSpc>
@@ -5918,7 +5889,7 @@
           <a:srgbClr val="000000"/>
         </a:buClr>
         <a:buFont typeface="Arial"/>
-        <a:defRPr b="0" i="0" sz="1400" u="none" cap="none" strike="noStrike">
+        <a:defRPr sz="1400" b="0" i="0" u="none" strike="noStrike" cap="none">
           <a:solidFill>
             <a:srgbClr val="000000"/>
           </a:solidFill>
@@ -5928,7 +5899,7 @@
           <a:sym typeface="Arial"/>
         </a:defRPr>
       </a:lvl2pPr>
-      <a:lvl3pPr lvl="2" marR="0" rtl="0" algn="l">
+      <a:lvl3pPr marR="0" lvl="2" algn="l" rtl="0">
         <a:lnSpc>
           <a:spcPct val="100000"/>
         </a:lnSpc>
@@ -5942,7 +5913,7 @@
           <a:srgbClr val="000000"/>
         </a:buClr>
         <a:buFont typeface="Arial"/>
-        <a:defRPr b="0" i="0" sz="1400" u="none" cap="none" strike="noStrike">
+        <a:defRPr sz="1400" b="0" i="0" u="none" strike="noStrike" cap="none">
           <a:solidFill>
             <a:srgbClr val="000000"/>
           </a:solidFill>
@@ -5952,7 +5923,7 @@
           <a:sym typeface="Arial"/>
         </a:defRPr>
       </a:lvl3pPr>
-      <a:lvl4pPr lvl="3" marR="0" rtl="0" algn="l">
+      <a:lvl4pPr marR="0" lvl="3" algn="l" rtl="0">
         <a:lnSpc>
           <a:spcPct val="100000"/>
         </a:lnSpc>
@@ -5966,7 +5937,7 @@
           <a:srgbClr val="000000"/>
         </a:buClr>
         <a:buFont typeface="Arial"/>
-        <a:defRPr b="0" i="0" sz="1400" u="none" cap="none" strike="noStrike">
+        <a:defRPr sz="1400" b="0" i="0" u="none" strike="noStrike" cap="none">
           <a:solidFill>
             <a:srgbClr val="000000"/>
           </a:solidFill>
@@ -5976,7 +5947,7 @@
           <a:sym typeface="Arial"/>
         </a:defRPr>
       </a:lvl4pPr>
-      <a:lvl5pPr lvl="4" marR="0" rtl="0" algn="l">
+      <a:lvl5pPr marR="0" lvl="4" algn="l" rtl="0">
         <a:lnSpc>
           <a:spcPct val="100000"/>
         </a:lnSpc>
@@ -5990,7 +5961,7 @@
           <a:srgbClr val="000000"/>
         </a:buClr>
         <a:buFont typeface="Arial"/>
-        <a:defRPr b="0" i="0" sz="1400" u="none" cap="none" strike="noStrike">
+        <a:defRPr sz="1400" b="0" i="0" u="none" strike="noStrike" cap="none">
           <a:solidFill>
             <a:srgbClr val="000000"/>
           </a:solidFill>
@@ -6000,7 +5971,7 @@
           <a:sym typeface="Arial"/>
         </a:defRPr>
       </a:lvl5pPr>
-      <a:lvl6pPr lvl="5" marR="0" rtl="0" algn="l">
+      <a:lvl6pPr marR="0" lvl="5" algn="l" rtl="0">
         <a:lnSpc>
           <a:spcPct val="100000"/>
         </a:lnSpc>
@@ -6014,7 +5985,7 @@
           <a:srgbClr val="000000"/>
         </a:buClr>
         <a:buFont typeface="Arial"/>
-        <a:defRPr b="0" i="0" sz="1400" u="none" cap="none" strike="noStrike">
+        <a:defRPr sz="1400" b="0" i="0" u="none" strike="noStrike" cap="none">
           <a:solidFill>
             <a:srgbClr val="000000"/>
           </a:solidFill>
@@ -6024,7 +5995,7 @@
           <a:sym typeface="Arial"/>
         </a:defRPr>
       </a:lvl6pPr>
-      <a:lvl7pPr lvl="6" marR="0" rtl="0" algn="l">
+      <a:lvl7pPr marR="0" lvl="6" algn="l" rtl="0">
         <a:lnSpc>
           <a:spcPct val="100000"/>
         </a:lnSpc>
@@ -6038,7 +6009,7 @@
           <a:srgbClr val="000000"/>
         </a:buClr>
         <a:buFont typeface="Arial"/>
-        <a:defRPr b="0" i="0" sz="1400" u="none" cap="none" strike="noStrike">
+        <a:defRPr sz="1400" b="0" i="0" u="none" strike="noStrike" cap="none">
           <a:solidFill>
             <a:srgbClr val="000000"/>
           </a:solidFill>
@@ -6048,7 +6019,7 @@
           <a:sym typeface="Arial"/>
         </a:defRPr>
       </a:lvl7pPr>
-      <a:lvl8pPr lvl="7" marR="0" rtl="0" algn="l">
+      <a:lvl8pPr marR="0" lvl="7" algn="l" rtl="0">
         <a:lnSpc>
           <a:spcPct val="100000"/>
         </a:lnSpc>
@@ -6062,7 +6033,7 @@
           <a:srgbClr val="000000"/>
         </a:buClr>
         <a:buFont typeface="Arial"/>
-        <a:defRPr b="0" i="0" sz="1400" u="none" cap="none" strike="noStrike">
+        <a:defRPr sz="1400" b="0" i="0" u="none" strike="noStrike" cap="none">
           <a:solidFill>
             <a:srgbClr val="000000"/>
           </a:solidFill>
@@ -6072,7 +6043,7 @@
           <a:sym typeface="Arial"/>
         </a:defRPr>
       </a:lvl8pPr>
-      <a:lvl9pPr lvl="8" marR="0" rtl="0" algn="l">
+      <a:lvl9pPr marR="0" lvl="8" algn="l" rtl="0">
         <a:lnSpc>
           <a:spcPct val="100000"/>
         </a:lnSpc>
@@ -6086,7 +6057,7 @@
           <a:srgbClr val="000000"/>
         </a:buClr>
         <a:buFont typeface="Arial"/>
-        <a:defRPr b="0" i="0" sz="1400" u="none" cap="none" strike="noStrike">
+        <a:defRPr sz="1400" b="0" i="0" u="none" strike="noStrike" cap="none">
           <a:solidFill>
             <a:srgbClr val="000000"/>
           </a:solidFill>
@@ -6098,7 +6069,7 @@
       </a:lvl9pPr>
     </p:titleStyle>
     <p:bodyStyle>
-      <a:defPPr lvl="0" marR="0" rtl="0" algn="l">
+      <a:defPPr marR="0" lvl="0" algn="l" rtl="0">
         <a:lnSpc>
           <a:spcPct val="100000"/>
         </a:lnSpc>
@@ -6109,7 +6080,7 @@
           <a:spcPts val="0"/>
         </a:spcAft>
       </a:defPPr>
-      <a:lvl1pPr lvl="0" marR="0" rtl="0" algn="l">
+      <a:lvl1pPr marR="0" lvl="0" algn="l" rtl="0">
         <a:lnSpc>
           <a:spcPct val="100000"/>
         </a:lnSpc>
@@ -6123,7 +6094,7 @@
           <a:srgbClr val="000000"/>
         </a:buClr>
         <a:buFont typeface="Arial"/>
-        <a:defRPr b="0" i="0" sz="1400" u="none" cap="none" strike="noStrike">
+        <a:defRPr sz="1400" b="0" i="0" u="none" strike="noStrike" cap="none">
           <a:solidFill>
             <a:srgbClr val="000000"/>
           </a:solidFill>
@@ -6133,7 +6104,7 @@
           <a:sym typeface="Arial"/>
         </a:defRPr>
       </a:lvl1pPr>
-      <a:lvl2pPr lvl="1" marR="0" rtl="0" algn="l">
+      <a:lvl2pPr marR="0" lvl="1" algn="l" rtl="0">
         <a:lnSpc>
           <a:spcPct val="100000"/>
         </a:lnSpc>
@@ -6147,7 +6118,7 @@
           <a:srgbClr val="000000"/>
         </a:buClr>
         <a:buFont typeface="Arial"/>
-        <a:defRPr b="0" i="0" sz="1400" u="none" cap="none" strike="noStrike">
+        <a:defRPr sz="1400" b="0" i="0" u="none" strike="noStrike" cap="none">
           <a:solidFill>
             <a:srgbClr val="000000"/>
           </a:solidFill>
@@ -6157,7 +6128,7 @@
           <a:sym typeface="Arial"/>
         </a:defRPr>
       </a:lvl2pPr>
-      <a:lvl3pPr lvl="2" marR="0" rtl="0" algn="l">
+      <a:lvl3pPr marR="0" lvl="2" algn="l" rtl="0">
         <a:lnSpc>
           <a:spcPct val="100000"/>
         </a:lnSpc>
@@ -6171,7 +6142,7 @@
           <a:srgbClr val="000000"/>
         </a:buClr>
         <a:buFont typeface="Arial"/>
-        <a:defRPr b="0" i="0" sz="1400" u="none" cap="none" strike="noStrike">
+        <a:defRPr sz="1400" b="0" i="0" u="none" strike="noStrike" cap="none">
           <a:solidFill>
             <a:srgbClr val="000000"/>
           </a:solidFill>
@@ -6181,7 +6152,7 @@
           <a:sym typeface="Arial"/>
         </a:defRPr>
       </a:lvl3pPr>
-      <a:lvl4pPr lvl="3" marR="0" rtl="0" algn="l">
+      <a:lvl4pPr marR="0" lvl="3" algn="l" rtl="0">
         <a:lnSpc>
           <a:spcPct val="100000"/>
         </a:lnSpc>
@@ -6195,7 +6166,7 @@
           <a:srgbClr val="000000"/>
         </a:buClr>
         <a:buFont typeface="Arial"/>
-        <a:defRPr b="0" i="0" sz="1400" u="none" cap="none" strike="noStrike">
+        <a:defRPr sz="1400" b="0" i="0" u="none" strike="noStrike" cap="none">
           <a:solidFill>
             <a:srgbClr val="000000"/>
           </a:solidFill>
@@ -6205,7 +6176,7 @@
           <a:sym typeface="Arial"/>
         </a:defRPr>
       </a:lvl4pPr>
-      <a:lvl5pPr lvl="4" marR="0" rtl="0" algn="l">
+      <a:lvl5pPr marR="0" lvl="4" algn="l" rtl="0">
         <a:lnSpc>
           <a:spcPct val="100000"/>
         </a:lnSpc>
@@ -6219,7 +6190,7 @@
           <a:srgbClr val="000000"/>
         </a:buClr>
         <a:buFont typeface="Arial"/>
-        <a:defRPr b="0" i="0" sz="1400" u="none" cap="none" strike="noStrike">
+        <a:defRPr sz="1400" b="0" i="0" u="none" strike="noStrike" cap="none">
           <a:solidFill>
             <a:srgbClr val="000000"/>
           </a:solidFill>
@@ -6229,7 +6200,7 @@
           <a:sym typeface="Arial"/>
         </a:defRPr>
       </a:lvl5pPr>
-      <a:lvl6pPr lvl="5" marR="0" rtl="0" algn="l">
+      <a:lvl6pPr marR="0" lvl="5" algn="l" rtl="0">
         <a:lnSpc>
           <a:spcPct val="100000"/>
         </a:lnSpc>
@@ -6243,7 +6214,7 @@
           <a:srgbClr val="000000"/>
         </a:buClr>
         <a:buFont typeface="Arial"/>
-        <a:defRPr b="0" i="0" sz="1400" u="none" cap="none" strike="noStrike">
+        <a:defRPr sz="1400" b="0" i="0" u="none" strike="noStrike" cap="none">
           <a:solidFill>
             <a:srgbClr val="000000"/>
           </a:solidFill>
@@ -6253,7 +6224,7 @@
           <a:sym typeface="Arial"/>
         </a:defRPr>
       </a:lvl6pPr>
-      <a:lvl7pPr lvl="6" marR="0" rtl="0" algn="l">
+      <a:lvl7pPr marR="0" lvl="6" algn="l" rtl="0">
         <a:lnSpc>
           <a:spcPct val="100000"/>
         </a:lnSpc>
@@ -6267,7 +6238,7 @@
           <a:srgbClr val="000000"/>
         </a:buClr>
         <a:buFont typeface="Arial"/>
-        <a:defRPr b="0" i="0" sz="1400" u="none" cap="none" strike="noStrike">
+        <a:defRPr sz="1400" b="0" i="0" u="none" strike="noStrike" cap="none">
           <a:solidFill>
             <a:srgbClr val="000000"/>
           </a:solidFill>
@@ -6277,7 +6248,7 @@
           <a:sym typeface="Arial"/>
         </a:defRPr>
       </a:lvl7pPr>
-      <a:lvl8pPr lvl="7" marR="0" rtl="0" algn="l">
+      <a:lvl8pPr marR="0" lvl="7" algn="l" rtl="0">
         <a:lnSpc>
           <a:spcPct val="100000"/>
         </a:lnSpc>
@@ -6291,7 +6262,7 @@
           <a:srgbClr val="000000"/>
         </a:buClr>
         <a:buFont typeface="Arial"/>
-        <a:defRPr b="0" i="0" sz="1400" u="none" cap="none" strike="noStrike">
+        <a:defRPr sz="1400" b="0" i="0" u="none" strike="noStrike" cap="none">
           <a:solidFill>
             <a:srgbClr val="000000"/>
           </a:solidFill>
@@ -6301,7 +6272,7 @@
           <a:sym typeface="Arial"/>
         </a:defRPr>
       </a:lvl8pPr>
-      <a:lvl9pPr lvl="8" marR="0" rtl="0" algn="l">
+      <a:lvl9pPr marR="0" lvl="8" algn="l" rtl="0">
         <a:lnSpc>
           <a:spcPct val="100000"/>
         </a:lnSpc>
@@ -6315,7 +6286,7 @@
           <a:srgbClr val="000000"/>
         </a:buClr>
         <a:buFont typeface="Arial"/>
-        <a:defRPr b="0" i="0" sz="1400" u="none" cap="none" strike="noStrike">
+        <a:defRPr sz="1400" b="0" i="0" u="none" strike="noStrike" cap="none">
           <a:solidFill>
             <a:srgbClr val="000000"/>
           </a:solidFill>
@@ -6327,7 +6298,7 @@
       </a:lvl9pPr>
     </p:bodyStyle>
     <p:otherStyle>
-      <a:defPPr lvl="0" marR="0" rtl="0" algn="l">
+      <a:defPPr marR="0" lvl="0" algn="l" rtl="0">
         <a:lnSpc>
           <a:spcPct val="100000"/>
         </a:lnSpc>
@@ -6338,7 +6309,7 @@
           <a:spcPts val="0"/>
         </a:spcAft>
       </a:defPPr>
-      <a:lvl1pPr lvl="0" marR="0" rtl="0" algn="l">
+      <a:lvl1pPr marR="0" lvl="0" algn="l" rtl="0">
         <a:lnSpc>
           <a:spcPct val="100000"/>
         </a:lnSpc>
@@ -6352,7 +6323,7 @@
           <a:srgbClr val="000000"/>
         </a:buClr>
         <a:buFont typeface="Arial"/>
-        <a:defRPr b="0" i="0" sz="1400" u="none" cap="none" strike="noStrike">
+        <a:defRPr sz="1400" b="0" i="0" u="none" strike="noStrike" cap="none">
           <a:solidFill>
             <a:srgbClr val="000000"/>
           </a:solidFill>
@@ -6362,7 +6333,7 @@
           <a:sym typeface="Arial"/>
         </a:defRPr>
       </a:lvl1pPr>
-      <a:lvl2pPr lvl="1" marR="0" rtl="0" algn="l">
+      <a:lvl2pPr marR="0" lvl="1" algn="l" rtl="0">
         <a:lnSpc>
           <a:spcPct val="100000"/>
         </a:lnSpc>
@@ -6376,7 +6347,7 @@
           <a:srgbClr val="000000"/>
         </a:buClr>
         <a:buFont typeface="Arial"/>
-        <a:defRPr b="0" i="0" sz="1400" u="none" cap="none" strike="noStrike">
+        <a:defRPr sz="1400" b="0" i="0" u="none" strike="noStrike" cap="none">
           <a:solidFill>
             <a:srgbClr val="000000"/>
           </a:solidFill>
@@ -6386,7 +6357,7 @@
           <a:sym typeface="Arial"/>
         </a:defRPr>
       </a:lvl2pPr>
-      <a:lvl3pPr lvl="2" marR="0" rtl="0" algn="l">
+      <a:lvl3pPr marR="0" lvl="2" algn="l" rtl="0">
         <a:lnSpc>
           <a:spcPct val="100000"/>
         </a:lnSpc>
@@ -6400,7 +6371,7 @@
           <a:srgbClr val="000000"/>
         </a:buClr>
         <a:buFont typeface="Arial"/>
-        <a:defRPr b="0" i="0" sz="1400" u="none" cap="none" strike="noStrike">
+        <a:defRPr sz="1400" b="0" i="0" u="none" strike="noStrike" cap="none">
           <a:solidFill>
             <a:srgbClr val="000000"/>
           </a:solidFill>
@@ -6410,7 +6381,7 @@
           <a:sym typeface="Arial"/>
         </a:defRPr>
       </a:lvl3pPr>
-      <a:lvl4pPr lvl="3" marR="0" rtl="0" algn="l">
+      <a:lvl4pPr marR="0" lvl="3" algn="l" rtl="0">
         <a:lnSpc>
           <a:spcPct val="100000"/>
         </a:lnSpc>
@@ -6424,7 +6395,7 @@
           <a:srgbClr val="000000"/>
         </a:buClr>
         <a:buFont typeface="Arial"/>
-        <a:defRPr b="0" i="0" sz="1400" u="none" cap="none" strike="noStrike">
+        <a:defRPr sz="1400" b="0" i="0" u="none" strike="noStrike" cap="none">
           <a:solidFill>
             <a:srgbClr val="000000"/>
           </a:solidFill>
@@ -6434,7 +6405,7 @@
           <a:sym typeface="Arial"/>
         </a:defRPr>
       </a:lvl4pPr>
-      <a:lvl5pPr lvl="4" marR="0" rtl="0" algn="l">
+      <a:lvl5pPr marR="0" lvl="4" algn="l" rtl="0">
         <a:lnSpc>
           <a:spcPct val="100000"/>
         </a:lnSpc>
@@ -6448,7 +6419,7 @@
           <a:srgbClr val="000000"/>
         </a:buClr>
         <a:buFont typeface="Arial"/>
-        <a:defRPr b="0" i="0" sz="1400" u="none" cap="none" strike="noStrike">
+        <a:defRPr sz="1400" b="0" i="0" u="none" strike="noStrike" cap="none">
           <a:solidFill>
             <a:srgbClr val="000000"/>
           </a:solidFill>
@@ -6458,7 +6429,7 @@
           <a:sym typeface="Arial"/>
         </a:defRPr>
       </a:lvl5pPr>
-      <a:lvl6pPr lvl="5" marR="0" rtl="0" algn="l">
+      <a:lvl6pPr marR="0" lvl="5" algn="l" rtl="0">
         <a:lnSpc>
           <a:spcPct val="100000"/>
         </a:lnSpc>
@@ -6472,7 +6443,7 @@
           <a:srgbClr val="000000"/>
         </a:buClr>
         <a:buFont typeface="Arial"/>
-        <a:defRPr b="0" i="0" sz="1400" u="none" cap="none" strike="noStrike">
+        <a:defRPr sz="1400" b="0" i="0" u="none" strike="noStrike" cap="none">
           <a:solidFill>
             <a:srgbClr val="000000"/>
           </a:solidFill>
@@ -6482,7 +6453,7 @@
           <a:sym typeface="Arial"/>
         </a:defRPr>
       </a:lvl6pPr>
-      <a:lvl7pPr lvl="6" marR="0" rtl="0" algn="l">
+      <a:lvl7pPr marR="0" lvl="6" algn="l" rtl="0">
         <a:lnSpc>
           <a:spcPct val="100000"/>
         </a:lnSpc>
@@ -6496,7 +6467,7 @@
           <a:srgbClr val="000000"/>
         </a:buClr>
         <a:buFont typeface="Arial"/>
-        <a:defRPr b="0" i="0" sz="1400" u="none" cap="none" strike="noStrike">
+        <a:defRPr sz="1400" b="0" i="0" u="none" strike="noStrike" cap="none">
           <a:solidFill>
             <a:srgbClr val="000000"/>
           </a:solidFill>
@@ -6506,7 +6477,7 @@
           <a:sym typeface="Arial"/>
         </a:defRPr>
       </a:lvl7pPr>
-      <a:lvl8pPr lvl="7" marR="0" rtl="0" algn="l">
+      <a:lvl8pPr marR="0" lvl="7" algn="l" rtl="0">
         <a:lnSpc>
           <a:spcPct val="100000"/>
         </a:lnSpc>
@@ -6520,7 +6491,7 @@
           <a:srgbClr val="000000"/>
         </a:buClr>
         <a:buFont typeface="Arial"/>
-        <a:defRPr b="0" i="0" sz="1400" u="none" cap="none" strike="noStrike">
+        <a:defRPr sz="1400" b="0" i="0" u="none" strike="noStrike" cap="none">
           <a:solidFill>
             <a:srgbClr val="000000"/>
           </a:solidFill>
@@ -6530,7 +6501,7 @@
           <a:sym typeface="Arial"/>
         </a:defRPr>
       </a:lvl8pPr>
-      <a:lvl9pPr lvl="8" marR="0" rtl="0" algn="l">
+      <a:lvl9pPr marR="0" lvl="8" algn="l" rtl="0">
         <a:lnSpc>
           <a:spcPct val="100000"/>
         </a:lnSpc>
@@ -6544,7 +6515,7 @@
           <a:srgbClr val="000000"/>
         </a:buClr>
         <a:buFont typeface="Arial"/>
-        <a:defRPr b="0" i="0" sz="1400" u="none" cap="none" strike="noStrike">
+        <a:defRPr sz="1400" b="0" i="0" u="none" strike="noStrike" cap="none">
           <a:solidFill>
             <a:srgbClr val="000000"/>
           </a:solidFill>
@@ -6560,11 +6531,11 @@
 </file>
 
 <file path=ppt/slides/slide1.xml><?xml version="1.0" encoding="utf-8"?>
-<p:sld xmlns:a="http://schemas.openxmlformats.org/drawingml/2006/main" xmlns:r="http://schemas.openxmlformats.org/officeDocument/2006/relationships" xmlns:mc="http://schemas.openxmlformats.org/markup-compatibility/2006" xmlns:mv="urn:schemas-microsoft-com:mac:vml" xmlns:p="http://schemas.openxmlformats.org/presentationml/2006/main" xmlns:c="http://schemas.openxmlformats.org/drawingml/2006/chart" xmlns:dgm="http://schemas.openxmlformats.org/drawingml/2006/diagram" xmlns:o="urn:schemas-microsoft-com:office:office" xmlns:v="urn:schemas-microsoft-com:vml" xmlns:pvml="urn:schemas-microsoft-com:office:powerpoint" xmlns:com="http://schemas.openxmlformats.org/drawingml/2006/compatibility" xmlns:p14="http://schemas.microsoft.com/office/powerpoint/2010/main" xmlns:p15="http://schemas.microsoft.com/office/powerpoint/2012/main" xmlns:ahyp="http://schemas.microsoft.com/office/drawing/2018/hyperlinkcolor">
+<p:sld xmlns:a="http://schemas.openxmlformats.org/drawingml/2006/main" xmlns:r="http://schemas.openxmlformats.org/officeDocument/2006/relationships" xmlns:p="http://schemas.openxmlformats.org/presentationml/2006/main">
   <p:cSld>
     <p:spTree>
       <p:nvGrpSpPr>
-        <p:cNvPr id="41" name="Shape 41"/>
+        <p:cNvPr id="1" name="Shape 41"/>
         <p:cNvGrpSpPr/>
         <p:nvPr/>
       </p:nvGrpSpPr>
@@ -6579,7 +6550,9 @@
       <p:sp>
         <p:nvSpPr>
           <p:cNvPr id="42" name="Google Shape;42;p9"/>
-          <p:cNvSpPr txBox="1"/>
+          <p:cNvSpPr txBox="1">
+            <a:spLocks noGrp="1"/>
+          </p:cNvSpPr>
           <p:nvPr>
             <p:ph type="ctrTitle"/>
           </p:nvPr>
@@ -6594,12 +6567,12 @@
           </a:prstGeom>
         </p:spPr>
         <p:txBody>
-          <a:bodyPr anchorCtr="0" anchor="ctr" bIns="45700" lIns="91425" spcFirstLastPara="1" rIns="91425" wrap="square" tIns="45700">
+          <a:bodyPr spcFirstLastPara="1" wrap="square" lIns="91425" tIns="45700" rIns="91425" bIns="45700" anchor="ctr" anchorCtr="0">
             <a:noAutofit/>
           </a:bodyPr>
           <a:lstStyle/>
           <a:p>
-            <a:pPr indent="0" lvl="0" marL="0" rtl="0" algn="ctr">
+            <a:pPr marL="0" lvl="0" indent="0" algn="ctr" rtl="0">
               <a:spcBef>
                 <a:spcPts val="0"/>
               </a:spcBef>
@@ -6619,9 +6592,11 @@
       <p:sp>
         <p:nvSpPr>
           <p:cNvPr id="43" name="Google Shape;43;p9"/>
-          <p:cNvSpPr txBox="1"/>
+          <p:cNvSpPr txBox="1">
+            <a:spLocks noGrp="1"/>
+          </p:cNvSpPr>
           <p:nvPr>
-            <p:ph idx="1" type="subTitle"/>
+            <p:ph type="subTitle" idx="1"/>
           </p:nvPr>
         </p:nvSpPr>
         <p:spPr>
@@ -6634,12 +6609,12 @@
           </a:prstGeom>
         </p:spPr>
         <p:txBody>
-          <a:bodyPr anchorCtr="0" anchor="t" bIns="45700" lIns="91425" spcFirstLastPara="1" rIns="91425" wrap="square" tIns="45700">
+          <a:bodyPr spcFirstLastPara="1" wrap="square" lIns="91425" tIns="45700" rIns="91425" bIns="45700" anchor="t" anchorCtr="0">
             <a:noAutofit/>
           </a:bodyPr>
           <a:lstStyle/>
           <a:p>
-            <a:pPr indent="0" lvl="0" marL="0" rtl="0" algn="l">
+            <a:pPr marL="0" lvl="0" indent="0" algn="l" rtl="0">
               <a:spcBef>
                 <a:spcPts val="640"/>
               </a:spcBef>
@@ -6655,7 +6630,7 @@
             <a:endParaRPr/>
           </a:p>
           <a:p>
-            <a:pPr indent="0" lvl="0" marL="0" rtl="0" algn="l">
+            <a:pPr marL="0" lvl="0" indent="0" algn="l" rtl="0">
               <a:spcBef>
                 <a:spcPts val="640"/>
               </a:spcBef>
@@ -6681,496 +6656,11 @@
 </file>
 
 <file path=ppt/slides/slide10.xml><?xml version="1.0" encoding="utf-8"?>
-<p:sld xmlns:a="http://schemas.openxmlformats.org/drawingml/2006/main" xmlns:r="http://schemas.openxmlformats.org/officeDocument/2006/relationships" xmlns:mc="http://schemas.openxmlformats.org/markup-compatibility/2006" xmlns:mv="urn:schemas-microsoft-com:mac:vml" xmlns:p="http://schemas.openxmlformats.org/presentationml/2006/main" xmlns:c="http://schemas.openxmlformats.org/drawingml/2006/chart" xmlns:dgm="http://schemas.openxmlformats.org/drawingml/2006/diagram" xmlns:o="urn:schemas-microsoft-com:office:office" xmlns:v="urn:schemas-microsoft-com:vml" xmlns:pvml="urn:schemas-microsoft-com:office:powerpoint" xmlns:com="http://schemas.openxmlformats.org/drawingml/2006/compatibility" xmlns:p14="http://schemas.microsoft.com/office/powerpoint/2010/main" xmlns:p15="http://schemas.microsoft.com/office/powerpoint/2012/main" xmlns:ahyp="http://schemas.microsoft.com/office/drawing/2018/hyperlinkcolor">
+<p:sld xmlns:a="http://schemas.openxmlformats.org/drawingml/2006/main" xmlns:r="http://schemas.openxmlformats.org/officeDocument/2006/relationships" xmlns:p="http://schemas.openxmlformats.org/presentationml/2006/main">
   <p:cSld>
     <p:spTree>
       <p:nvGrpSpPr>
-        <p:cNvPr id="104" name="Shape 104"/>
-        <p:cNvGrpSpPr/>
-        <p:nvPr/>
-      </p:nvGrpSpPr>
-      <p:grpSpPr>
-        <a:xfrm>
-          <a:off x="0" y="0"/>
-          <a:ext cx="0" cy="0"/>
-          <a:chOff x="0" y="0"/>
-          <a:chExt cx="0" cy="0"/>
-        </a:xfrm>
-      </p:grpSpPr>
-      <p:sp>
-        <p:nvSpPr>
-          <p:cNvPr id="105" name="Google Shape;105;p18"/>
-          <p:cNvSpPr txBox="1"/>
-          <p:nvPr>
-            <p:ph type="title"/>
-          </p:nvPr>
-        </p:nvSpPr>
-        <p:spPr>
-          <a:xfrm>
-            <a:off x="457200" y="205978"/>
-            <a:ext cx="8229600" cy="857400"/>
-          </a:xfrm>
-          <a:prstGeom prst="rect">
-            <a:avLst/>
-          </a:prstGeom>
-        </p:spPr>
-        <p:txBody>
-          <a:bodyPr anchorCtr="0" anchor="ctr" bIns="45700" lIns="91425" spcFirstLastPara="1" rIns="91425" wrap="square" tIns="45700">
-            <a:noAutofit/>
-          </a:bodyPr>
-          <a:lstStyle/>
-          <a:p>
-            <a:pPr indent="0" lvl="0" marL="0" rtl="0" algn="l">
-              <a:spcBef>
-                <a:spcPts val="0"/>
-              </a:spcBef>
-              <a:spcAft>
-                <a:spcPts val="0"/>
-              </a:spcAft>
-              <a:buNone/>
-            </a:pPr>
-            <a:r>
-              <a:rPr lang="en"/>
-              <a:t>Machine Learning</a:t>
-            </a:r>
-            <a:endParaRPr/>
-          </a:p>
-        </p:txBody>
-      </p:sp>
-      <p:sp>
-        <p:nvSpPr>
-          <p:cNvPr id="106" name="Google Shape;106;p18"/>
-          <p:cNvSpPr txBox="1"/>
-          <p:nvPr>
-            <p:ph idx="1" type="body"/>
-          </p:nvPr>
-        </p:nvSpPr>
-        <p:spPr>
-          <a:xfrm>
-            <a:off x="271075" y="1123950"/>
-            <a:ext cx="8792700" cy="3817200"/>
-          </a:xfrm>
-          <a:prstGeom prst="rect">
-            <a:avLst/>
-          </a:prstGeom>
-        </p:spPr>
-        <p:txBody>
-          <a:bodyPr anchorCtr="0" anchor="t" bIns="45700" lIns="91425" spcFirstLastPara="1" rIns="91425" wrap="square" tIns="45700">
-            <a:noAutofit/>
-          </a:bodyPr>
-          <a:lstStyle/>
-          <a:p>
-            <a:pPr indent="-381000" lvl="0" marL="457200" rtl="0" algn="l">
-              <a:spcBef>
-                <a:spcPts val="640"/>
-              </a:spcBef>
-              <a:spcAft>
-                <a:spcPts val="0"/>
-              </a:spcAft>
-              <a:buSzPts val="2400"/>
-              <a:buChar char="●"/>
-            </a:pPr>
-            <a:r>
-              <a:rPr lang="en" sz="2400"/>
-              <a:t>In different works ML models try to</a:t>
-            </a:r>
-            <a:endParaRPr sz="2400"/>
-          </a:p>
-          <a:p>
-            <a:pPr indent="-381000" lvl="1" marL="914400" rtl="0" algn="l">
-              <a:spcBef>
-                <a:spcPts val="0"/>
-              </a:spcBef>
-              <a:spcAft>
-                <a:spcPts val="0"/>
-              </a:spcAft>
-              <a:buSzPts val="2400"/>
-              <a:buChar char="○"/>
-            </a:pPr>
-            <a:r>
-              <a:rPr lang="en" sz="2400"/>
-              <a:t>Find f(x) such that f(x) best approximates y</a:t>
-            </a:r>
-            <a:endParaRPr sz="2400"/>
-          </a:p>
-          <a:p>
-            <a:pPr indent="0" lvl="0" marL="457200" rtl="0" algn="l">
-              <a:spcBef>
-                <a:spcPts val="640"/>
-              </a:spcBef>
-              <a:spcAft>
-                <a:spcPts val="0"/>
-              </a:spcAft>
-              <a:buNone/>
-            </a:pPr>
-            <a:r>
-              <a:t/>
-            </a:r>
-            <a:endParaRPr sz="2400"/>
-          </a:p>
-          <a:p>
-            <a:pPr indent="-381000" lvl="0" marL="457200" rtl="0" algn="l">
-              <a:spcBef>
-                <a:spcPts val="640"/>
-              </a:spcBef>
-              <a:spcAft>
-                <a:spcPts val="0"/>
-              </a:spcAft>
-              <a:buSzPts val="2400"/>
-              <a:buChar char="●"/>
-            </a:pPr>
-            <a:r>
-              <a:rPr lang="en" sz="2400"/>
-              <a:t>Examples:</a:t>
-            </a:r>
-            <a:endParaRPr sz="2400"/>
-          </a:p>
-          <a:p>
-            <a:pPr indent="-381000" lvl="1" marL="914400" rtl="0" algn="l">
-              <a:spcBef>
-                <a:spcPts val="0"/>
-              </a:spcBef>
-              <a:spcAft>
-                <a:spcPts val="0"/>
-              </a:spcAft>
-              <a:buSzPts val="2400"/>
-              <a:buChar char="○"/>
-            </a:pPr>
-            <a:r>
-              <a:rPr lang="en" sz="2400"/>
-              <a:t>Given some pixels (x) tell me the probability it’s a cat (y)</a:t>
-            </a:r>
-            <a:endParaRPr sz="2400"/>
-          </a:p>
-          <a:p>
-            <a:pPr indent="-381000" lvl="1" marL="914400" rtl="0" algn="l">
-              <a:spcBef>
-                <a:spcPts val="0"/>
-              </a:spcBef>
-              <a:spcAft>
-                <a:spcPts val="0"/>
-              </a:spcAft>
-              <a:buSzPts val="2400"/>
-              <a:buChar char="○"/>
-            </a:pPr>
-            <a:r>
-              <a:rPr lang="en" sz="2400"/>
-              <a:t>Given news articles (x) tell me a stocks value (y)</a:t>
-            </a:r>
-            <a:endParaRPr sz="2400"/>
-          </a:p>
-          <a:p>
-            <a:pPr indent="0" lvl="0" marL="914400" rtl="0" algn="l">
-              <a:spcBef>
-                <a:spcPts val="640"/>
-              </a:spcBef>
-              <a:spcAft>
-                <a:spcPts val="0"/>
-              </a:spcAft>
-              <a:buNone/>
-            </a:pPr>
-            <a:r>
-              <a:t/>
-            </a:r>
-            <a:endParaRPr sz="2400"/>
-          </a:p>
-          <a:p>
-            <a:pPr indent="-381000" lvl="0" marL="457200" rtl="0" algn="l">
-              <a:spcBef>
-                <a:spcPts val="640"/>
-              </a:spcBef>
-              <a:spcAft>
-                <a:spcPts val="0"/>
-              </a:spcAft>
-              <a:buSzPts val="2400"/>
-              <a:buChar char="●"/>
-            </a:pPr>
-            <a:r>
-              <a:rPr lang="en" sz="2400"/>
-              <a:t>Important Note: No prediction of causality </a:t>
-            </a:r>
-            <a:endParaRPr sz="2400"/>
-          </a:p>
-          <a:p>
-            <a:pPr indent="-381000" lvl="0" marL="457200" rtl="0" algn="l">
-              <a:spcBef>
-                <a:spcPts val="0"/>
-              </a:spcBef>
-              <a:spcAft>
-                <a:spcPts val="0"/>
-              </a:spcAft>
-              <a:buSzPts val="2400"/>
-              <a:buChar char="●"/>
-            </a:pPr>
-            <a:r>
-              <a:rPr lang="en" sz="2400"/>
-              <a:t>Function outputs can be stochastic </a:t>
-            </a:r>
-            <a:endParaRPr sz="2400"/>
-          </a:p>
-        </p:txBody>
-      </p:sp>
-    </p:spTree>
-  </p:cSld>
-  <p:clrMapOvr>
-    <a:masterClrMapping/>
-  </p:clrMapOvr>
-</p:sld>
-</file>
-
-<file path=ppt/slides/slide11.xml><?xml version="1.0" encoding="utf-8"?>
-<p:sld xmlns:a="http://schemas.openxmlformats.org/drawingml/2006/main" xmlns:r="http://schemas.openxmlformats.org/officeDocument/2006/relationships" xmlns:mc="http://schemas.openxmlformats.org/markup-compatibility/2006" xmlns:mv="urn:schemas-microsoft-com:mac:vml" xmlns:p="http://schemas.openxmlformats.org/presentationml/2006/main" xmlns:c="http://schemas.openxmlformats.org/drawingml/2006/chart" xmlns:dgm="http://schemas.openxmlformats.org/drawingml/2006/diagram" xmlns:o="urn:schemas-microsoft-com:office:office" xmlns:v="urn:schemas-microsoft-com:vml" xmlns:pvml="urn:schemas-microsoft-com:office:powerpoint" xmlns:com="http://schemas.openxmlformats.org/drawingml/2006/compatibility" xmlns:p14="http://schemas.microsoft.com/office/powerpoint/2010/main" xmlns:p15="http://schemas.microsoft.com/office/powerpoint/2012/main" xmlns:ahyp="http://schemas.microsoft.com/office/drawing/2018/hyperlinkcolor">
-  <p:cSld>
-    <p:spTree>
-      <p:nvGrpSpPr>
-        <p:cNvPr id="110" name="Shape 110"/>
-        <p:cNvGrpSpPr/>
-        <p:nvPr/>
-      </p:nvGrpSpPr>
-      <p:grpSpPr>
-        <a:xfrm>
-          <a:off x="0" y="0"/>
-          <a:ext cx="0" cy="0"/>
-          <a:chOff x="0" y="0"/>
-          <a:chExt cx="0" cy="0"/>
-        </a:xfrm>
-      </p:grpSpPr>
-      <p:sp>
-        <p:nvSpPr>
-          <p:cNvPr id="111" name="Google Shape;111;p19"/>
-          <p:cNvSpPr txBox="1"/>
-          <p:nvPr>
-            <p:ph type="title"/>
-          </p:nvPr>
-        </p:nvSpPr>
-        <p:spPr>
-          <a:xfrm>
-            <a:off x="457200" y="205978"/>
-            <a:ext cx="8229600" cy="857400"/>
-          </a:xfrm>
-          <a:prstGeom prst="rect">
-            <a:avLst/>
-          </a:prstGeom>
-        </p:spPr>
-        <p:txBody>
-          <a:bodyPr anchorCtr="0" anchor="ctr" bIns="45700" lIns="91425" spcFirstLastPara="1" rIns="91425" wrap="square" tIns="45700">
-            <a:noAutofit/>
-          </a:bodyPr>
-          <a:lstStyle/>
-          <a:p>
-            <a:pPr indent="0" lvl="0" marL="0" rtl="0" algn="l">
-              <a:spcBef>
-                <a:spcPts val="0"/>
-              </a:spcBef>
-              <a:spcAft>
-                <a:spcPts val="0"/>
-              </a:spcAft>
-              <a:buNone/>
-            </a:pPr>
-            <a:r>
-              <a:rPr lang="en"/>
-              <a:t>Deep Learning</a:t>
-            </a:r>
-            <a:endParaRPr/>
-          </a:p>
-        </p:txBody>
-      </p:sp>
-      <p:sp>
-        <p:nvSpPr>
-          <p:cNvPr id="112" name="Google Shape;112;p19"/>
-          <p:cNvSpPr txBox="1"/>
-          <p:nvPr>
-            <p:ph idx="1" type="body"/>
-          </p:nvPr>
-        </p:nvSpPr>
-        <p:spPr>
-          <a:xfrm>
-            <a:off x="113250" y="1127151"/>
-            <a:ext cx="5214300" cy="2365800"/>
-          </a:xfrm>
-          <a:prstGeom prst="rect">
-            <a:avLst/>
-          </a:prstGeom>
-        </p:spPr>
-        <p:txBody>
-          <a:bodyPr anchorCtr="0" anchor="t" bIns="45700" lIns="91425" spcFirstLastPara="1" rIns="91425" wrap="square" tIns="45700">
-            <a:noAutofit/>
-          </a:bodyPr>
-          <a:lstStyle/>
-          <a:p>
-            <a:pPr indent="-381000" lvl="0" marL="457200" rtl="0" algn="l">
-              <a:spcBef>
-                <a:spcPts val="640"/>
-              </a:spcBef>
-              <a:spcAft>
-                <a:spcPts val="0"/>
-              </a:spcAft>
-              <a:buSzPts val="2400"/>
-              <a:buChar char="●"/>
-            </a:pPr>
-            <a:r>
-              <a:rPr lang="en" sz="2400"/>
-              <a:t>Very powerful method used for a host image analysis problems</a:t>
-            </a:r>
-            <a:endParaRPr sz="2400"/>
-          </a:p>
-          <a:p>
-            <a:pPr indent="-381000" lvl="0" marL="457200" rtl="0" algn="l">
-              <a:spcBef>
-                <a:spcPts val="0"/>
-              </a:spcBef>
-              <a:spcAft>
-                <a:spcPts val="0"/>
-              </a:spcAft>
-              <a:buSzPts val="2400"/>
-              <a:buChar char="●"/>
-            </a:pPr>
-            <a:r>
-              <a:rPr lang="en" sz="2400"/>
-              <a:t>Many layers often of </a:t>
-            </a:r>
-            <a:r>
-              <a:rPr lang="en" sz="2400"/>
-              <a:t>different</a:t>
-            </a:r>
-            <a:r>
-              <a:rPr lang="en" sz="2400"/>
-              <a:t> types</a:t>
-            </a:r>
-            <a:endParaRPr sz="2400"/>
-          </a:p>
-          <a:p>
-            <a:pPr indent="-381000" lvl="0" marL="457200" rtl="0" algn="l">
-              <a:spcBef>
-                <a:spcPts val="0"/>
-              </a:spcBef>
-              <a:spcAft>
-                <a:spcPts val="0"/>
-              </a:spcAft>
-              <a:buSzPts val="2400"/>
-              <a:buChar char="●"/>
-            </a:pPr>
-            <a:r>
-              <a:rPr lang="en" sz="2400"/>
-              <a:t>Dense, Convolutional, Dropout</a:t>
-            </a:r>
-            <a:endParaRPr sz="2400"/>
-          </a:p>
-          <a:p>
-            <a:pPr indent="0" lvl="0" marL="0" rtl="0" algn="l">
-              <a:spcBef>
-                <a:spcPts val="640"/>
-              </a:spcBef>
-              <a:spcAft>
-                <a:spcPts val="0"/>
-              </a:spcAft>
-              <a:buNone/>
-            </a:pPr>
-            <a:r>
-              <a:t/>
-            </a:r>
-            <a:endParaRPr sz="2400"/>
-          </a:p>
-        </p:txBody>
-      </p:sp>
-      <p:pic>
-        <p:nvPicPr>
-          <p:cNvPr descr="Image result for artificial neural network" id="113" name="Google Shape;113;p19"/>
-          <p:cNvPicPr preferRelativeResize="0"/>
-          <p:nvPr/>
-        </p:nvPicPr>
-        <p:blipFill>
-          <a:blip r:embed="rId3">
-            <a:alphaModFix/>
-          </a:blip>
-          <a:stretch>
-            <a:fillRect/>
-          </a:stretch>
-        </p:blipFill>
-        <p:spPr>
-          <a:xfrm>
-            <a:off x="5558350" y="205975"/>
-            <a:ext cx="3585650" cy="1758825"/>
-          </a:xfrm>
-          <a:prstGeom prst="rect">
-            <a:avLst/>
-          </a:prstGeom>
-          <a:noFill/>
-          <a:ln>
-            <a:noFill/>
-          </a:ln>
-        </p:spPr>
-      </p:pic>
-      <p:pic>
-        <p:nvPicPr>
-          <p:cNvPr descr="Image result for cnn artificial neural network" id="114" name="Google Shape;114;p19"/>
-          <p:cNvPicPr preferRelativeResize="0"/>
-          <p:nvPr/>
-        </p:nvPicPr>
-        <p:blipFill>
-          <a:blip r:embed="rId4">
-            <a:alphaModFix/>
-          </a:blip>
-          <a:stretch>
-            <a:fillRect/>
-          </a:stretch>
-        </p:blipFill>
-        <p:spPr>
-          <a:xfrm>
-            <a:off x="564150" y="3194300"/>
-            <a:ext cx="5548250" cy="1913300"/>
-          </a:xfrm>
-          <a:prstGeom prst="rect">
-            <a:avLst/>
-          </a:prstGeom>
-          <a:noFill/>
-          <a:ln>
-            <a:noFill/>
-          </a:ln>
-        </p:spPr>
-      </p:pic>
-      <p:pic>
-        <p:nvPicPr>
-          <p:cNvPr id="115" name="Google Shape;115;p19"/>
-          <p:cNvPicPr preferRelativeResize="0"/>
-          <p:nvPr/>
-        </p:nvPicPr>
-        <p:blipFill>
-          <a:blip r:embed="rId5">
-            <a:alphaModFix/>
-          </a:blip>
-          <a:stretch>
-            <a:fillRect/>
-          </a:stretch>
-        </p:blipFill>
-        <p:spPr>
-          <a:xfrm>
-            <a:off x="5558338" y="1964788"/>
-            <a:ext cx="2064137" cy="666375"/>
-          </a:xfrm>
-          <a:prstGeom prst="rect">
-            <a:avLst/>
-          </a:prstGeom>
-          <a:noFill/>
-          <a:ln>
-            <a:noFill/>
-          </a:ln>
-        </p:spPr>
-      </p:pic>
-    </p:spTree>
-  </p:cSld>
-  <p:clrMapOvr>
-    <a:masterClrMapping/>
-  </p:clrMapOvr>
-</p:sld>
-</file>
-
-<file path=ppt/slides/slide12.xml><?xml version="1.0" encoding="utf-8"?>
-<p:sld xmlns:a="http://schemas.openxmlformats.org/drawingml/2006/main" xmlns:r="http://schemas.openxmlformats.org/officeDocument/2006/relationships" xmlns:mc="http://schemas.openxmlformats.org/markup-compatibility/2006" xmlns:mv="urn:schemas-microsoft-com:mac:vml" xmlns:p="http://schemas.openxmlformats.org/presentationml/2006/main" xmlns:c="http://schemas.openxmlformats.org/drawingml/2006/chart" xmlns:dgm="http://schemas.openxmlformats.org/drawingml/2006/diagram" xmlns:o="urn:schemas-microsoft-com:office:office" xmlns:v="urn:schemas-microsoft-com:vml" xmlns:pvml="urn:schemas-microsoft-com:office:powerpoint" xmlns:com="http://schemas.openxmlformats.org/drawingml/2006/compatibility" xmlns:p14="http://schemas.microsoft.com/office/powerpoint/2010/main" xmlns:p15="http://schemas.microsoft.com/office/powerpoint/2012/main" xmlns:ahyp="http://schemas.microsoft.com/office/drawing/2018/hyperlinkcolor">
-  <p:cSld>
-    <p:spTree>
-      <p:nvGrpSpPr>
-        <p:cNvPr id="119" name="Shape 119"/>
+        <p:cNvPr id="1" name="Shape 119"/>
         <p:cNvGrpSpPr/>
         <p:nvPr/>
       </p:nvGrpSpPr>
@@ -7213,7 +6703,9 @@
       <p:sp>
         <p:nvSpPr>
           <p:cNvPr id="121" name="Google Shape;121;p20"/>
-          <p:cNvSpPr txBox="1"/>
+          <p:cNvSpPr txBox="1">
+            <a:spLocks noGrp="1"/>
+          </p:cNvSpPr>
           <p:nvPr>
             <p:ph type="title"/>
           </p:nvPr>
@@ -7228,12 +6720,12 @@
           </a:prstGeom>
         </p:spPr>
         <p:txBody>
-          <a:bodyPr anchorCtr="0" anchor="ctr" bIns="45700" lIns="91425" spcFirstLastPara="1" rIns="91425" wrap="square" tIns="45700">
+          <a:bodyPr spcFirstLastPara="1" wrap="square" lIns="91425" tIns="45700" rIns="91425" bIns="45700" anchor="ctr" anchorCtr="0">
             <a:noAutofit/>
           </a:bodyPr>
           <a:lstStyle/>
           <a:p>
-            <a:pPr indent="0" lvl="0" marL="0" rtl="0" algn="l">
+            <a:pPr marL="0" lvl="0" indent="0" algn="l" rtl="0">
               <a:spcBef>
                 <a:spcPts val="0"/>
               </a:spcBef>
@@ -7253,9 +6745,11 @@
       <p:sp>
         <p:nvSpPr>
           <p:cNvPr id="122" name="Google Shape;122;p20"/>
-          <p:cNvSpPr txBox="1"/>
+          <p:cNvSpPr txBox="1">
+            <a:spLocks noGrp="1"/>
+          </p:cNvSpPr>
           <p:nvPr>
-            <p:ph idx="1" type="body"/>
+            <p:ph type="body" idx="1"/>
           </p:nvPr>
         </p:nvSpPr>
         <p:spPr>
@@ -7268,12 +6762,12 @@
           </a:prstGeom>
         </p:spPr>
         <p:txBody>
-          <a:bodyPr anchorCtr="0" anchor="t" bIns="45700" lIns="91425" spcFirstLastPara="1" rIns="91425" wrap="square" tIns="45700">
+          <a:bodyPr spcFirstLastPara="1" wrap="square" lIns="91425" tIns="45700" rIns="91425" bIns="45700" anchor="t" anchorCtr="0">
             <a:noAutofit/>
           </a:bodyPr>
           <a:lstStyle/>
           <a:p>
-            <a:pPr indent="0" lvl="0" marL="0" rtl="0" algn="l">
+            <a:pPr marL="0" lvl="0" indent="0" algn="l" rtl="0">
               <a:spcBef>
                 <a:spcPts val="640"/>
               </a:spcBef>
@@ -7319,12 +6813,12 @@
           </a:ln>
         </p:spPr>
         <p:txBody>
-          <a:bodyPr anchorCtr="0" anchor="t" bIns="91425" lIns="91425" spcFirstLastPara="1" rIns="91425" wrap="square" tIns="91425">
+          <a:bodyPr spcFirstLastPara="1" wrap="square" lIns="91425" tIns="91425" rIns="91425" bIns="91425" anchor="t" anchorCtr="0">
             <a:noAutofit/>
           </a:bodyPr>
           <a:lstStyle/>
           <a:p>
-            <a:pPr indent="-342900" lvl="0" marL="457200" rtl="0" algn="l">
+            <a:pPr marL="457200" lvl="0" indent="-342900" algn="l" rtl="0">
               <a:spcBef>
                 <a:spcPts val="0"/>
               </a:spcBef>
@@ -7348,19 +6842,7 @@
                 <a:cs typeface="Helvetica Neue"/>
                 <a:sym typeface="Helvetica Neue"/>
               </a:rPr>
-              <a:t>Often can lead to better results than human crafted </a:t>
-            </a:r>
-            <a:r>
-              <a:rPr lang="en" sz="1800">
-                <a:solidFill>
-                  <a:srgbClr val="FFFFFF"/>
-                </a:solidFill>
-                <a:latin typeface="Helvetica Neue"/>
-                <a:ea typeface="Helvetica Neue"/>
-                <a:cs typeface="Helvetica Neue"/>
-                <a:sym typeface="Helvetica Neue"/>
-              </a:rPr>
-              <a:t>algorithms</a:t>
+              <a:t>Often can lead to better results than human crafted algorithms</a:t>
             </a:r>
             <a:endParaRPr sz="1800">
               <a:solidFill>
@@ -7373,7 +6855,7 @@
             </a:endParaRPr>
           </a:p>
           <a:p>
-            <a:pPr indent="-317500" lvl="1" marL="914400" rtl="0" algn="l">
+            <a:pPr marL="914400" lvl="1" indent="-317500" algn="l" rtl="0">
               <a:spcBef>
                 <a:spcPts val="0"/>
               </a:spcBef>
@@ -7397,19 +6879,7 @@
                 <a:cs typeface="Helvetica Neue"/>
                 <a:sym typeface="Helvetica Neue"/>
               </a:rPr>
-              <a:t>Provided the data is </a:t>
-            </a:r>
-            <a:r>
-              <a:rPr lang="en">
-                <a:solidFill>
-                  <a:srgbClr val="FFFFFF"/>
-                </a:solidFill>
-                <a:latin typeface="Helvetica Neue"/>
-                <a:ea typeface="Helvetica Neue"/>
-                <a:cs typeface="Helvetica Neue"/>
-                <a:sym typeface="Helvetica Neue"/>
-              </a:rPr>
-              <a:t>sufficient</a:t>
+              <a:t>Provided the data is sufficient</a:t>
             </a:r>
             <a:br>
               <a:rPr lang="en">
@@ -7433,7 +6903,7 @@
             </a:endParaRPr>
           </a:p>
           <a:p>
-            <a:pPr indent="-342900" lvl="0" marL="457200" rtl="0" algn="l">
+            <a:pPr marL="457200" lvl="0" indent="-342900" algn="l" rtl="0">
               <a:spcBef>
                 <a:spcPts val="0"/>
               </a:spcBef>
@@ -7470,7 +6940,7 @@
             </a:endParaRPr>
           </a:p>
           <a:p>
-            <a:pPr indent="-317500" lvl="1" marL="914400" rtl="0" algn="l">
+            <a:pPr marL="914400" lvl="1" indent="-317500" algn="l" rtl="0">
               <a:spcBef>
                 <a:spcPts val="0"/>
               </a:spcBef>
@@ -7507,7 +6977,7 @@
             </a:endParaRPr>
           </a:p>
           <a:p>
-            <a:pPr indent="-317500" lvl="1" marL="914400" rtl="0" algn="l">
+            <a:pPr marL="914400" lvl="1" indent="-317500" algn="l" rtl="0">
               <a:spcBef>
                 <a:spcPts val="0"/>
               </a:spcBef>
@@ -7544,7 +7014,7 @@
             </a:endParaRPr>
           </a:p>
           <a:p>
-            <a:pPr indent="-317500" lvl="1" marL="914400" rtl="0" algn="l">
+            <a:pPr marL="914400" lvl="1" indent="-317500" algn="l" rtl="0">
               <a:spcBef>
                 <a:spcPts val="0"/>
               </a:spcBef>
@@ -7581,7 +7051,7 @@
             </a:endParaRPr>
           </a:p>
           <a:p>
-            <a:pPr indent="-317500" lvl="1" marL="914400" rtl="0" algn="l">
+            <a:pPr marL="914400" lvl="1" indent="-317500" algn="l" rtl="0">
               <a:spcBef>
                 <a:spcPts val="0"/>
               </a:spcBef>
@@ -7605,19 +7075,7 @@
                 <a:cs typeface="Helvetica Neue"/>
                 <a:sym typeface="Helvetica Neue"/>
               </a:rPr>
-              <a:t>etc.</a:t>
-            </a:r>
-            <a:r>
-              <a:rPr lang="en">
-                <a:solidFill>
-                  <a:srgbClr val="FFFFFF"/>
-                </a:solidFill>
-                <a:latin typeface="Helvetica Neue"/>
-                <a:ea typeface="Helvetica Neue"/>
-                <a:cs typeface="Helvetica Neue"/>
-                <a:sym typeface="Helvetica Neue"/>
-              </a:rPr>
-              <a:t> </a:t>
+              <a:t>etc. </a:t>
             </a:r>
             <a:endParaRPr>
               <a:solidFill>
@@ -7630,18 +7088,15 @@
             </a:endParaRPr>
           </a:p>
           <a:p>
-            <a:pPr indent="0" lvl="0" marL="914400" rtl="0" algn="l">
-              <a:spcBef>
-                <a:spcPts val="0"/>
-              </a:spcBef>
-              <a:spcAft>
-                <a:spcPts val="0"/>
-              </a:spcAft>
-              <a:buNone/>
-            </a:pPr>
-            <a:r>
-              <a:t/>
-            </a:r>
+            <a:pPr marL="914400" lvl="0" indent="0" algn="l" rtl="0">
+              <a:spcBef>
+                <a:spcPts val="0"/>
+              </a:spcBef>
+              <a:spcAft>
+                <a:spcPts val="0"/>
+              </a:spcAft>
+              <a:buNone/>
+            </a:pPr>
             <a:endParaRPr>
               <a:solidFill>
                 <a:srgbClr val="FFFFFF"/>
@@ -7653,7 +7108,7 @@
             </a:endParaRPr>
           </a:p>
           <a:p>
-            <a:pPr indent="-342900" lvl="0" marL="457200" rtl="0" algn="l">
+            <a:pPr marL="457200" lvl="0" indent="-342900" algn="l" rtl="0">
               <a:spcBef>
                 <a:spcPts val="0"/>
               </a:spcBef>
@@ -7677,31 +7132,7 @@
                 <a:cs typeface="Helvetica Neue"/>
                 <a:sym typeface="Helvetica Neue"/>
               </a:rPr>
-              <a:t>Can estimate </a:t>
-            </a:r>
-            <a:r>
-              <a:rPr lang="en" sz="1800">
-                <a:solidFill>
-                  <a:srgbClr val="FFFFFF"/>
-                </a:solidFill>
-                <a:latin typeface="Helvetica Neue"/>
-                <a:ea typeface="Helvetica Neue"/>
-                <a:cs typeface="Helvetica Neue"/>
-                <a:sym typeface="Helvetica Neue"/>
-              </a:rPr>
-              <a:t>uncertainties</a:t>
-            </a:r>
-            <a:r>
-              <a:rPr lang="en" sz="1800">
-                <a:solidFill>
-                  <a:srgbClr val="FFFFFF"/>
-                </a:solidFill>
-                <a:latin typeface="Helvetica Neue"/>
-                <a:ea typeface="Helvetica Neue"/>
-                <a:cs typeface="Helvetica Neue"/>
-                <a:sym typeface="Helvetica Neue"/>
-              </a:rPr>
-              <a:t> on fits without assumptions on functional forms</a:t>
+              <a:t>Can estimate uncertainties on fits without assumptions on functional forms</a:t>
             </a:r>
             <a:endParaRPr sz="1800">
               <a:solidFill>
@@ -7714,7 +7145,7 @@
             </a:endParaRPr>
           </a:p>
           <a:p>
-            <a:pPr indent="-317500" lvl="1" marL="914400" rtl="0" algn="l">
+            <a:pPr marL="914400" lvl="1" indent="-317500" algn="l" rtl="0">
               <a:spcBef>
                 <a:spcPts val="0"/>
               </a:spcBef>
@@ -7754,7 +7185,7 @@
       </p:sp>
       <p:pic>
         <p:nvPicPr>
-          <p:cNvPr descr="Fit of the gluon distribution at Q^2 = 2 GeV^2 in the NNPDF2.3 NNLO fit. Each green line is the best fit for one of the 100 NNPDF Monte Carlo replica. The average is given by the red line, the 1-sigma contour is given by the solid blue line." id="124" name="Google Shape;124;p20"/>
+          <p:cNvPr id="124" name="Google Shape;124;p20" descr="Fit of the gluon distribution at Q^2 = 2 GeV^2 in the NNPDF2.3 NNLO fit. Each green line is the best fit for one of the 100 NNPDF Monte Carlo replica. The average is given by the red line, the 1-sigma contour is given by the solid blue line."/>
           <p:cNvPicPr preferRelativeResize="0"/>
           <p:nvPr/>
         </p:nvPicPr>
@@ -7788,12 +7219,12 @@
 </p:sld>
 </file>
 
-<file path=ppt/slides/slide13.xml><?xml version="1.0" encoding="utf-8"?>
-<p:sld xmlns:a="http://schemas.openxmlformats.org/drawingml/2006/main" xmlns:r="http://schemas.openxmlformats.org/officeDocument/2006/relationships" xmlns:mc="http://schemas.openxmlformats.org/markup-compatibility/2006" xmlns:mv="urn:schemas-microsoft-com:mac:vml" xmlns:p="http://schemas.openxmlformats.org/presentationml/2006/main" xmlns:c="http://schemas.openxmlformats.org/drawingml/2006/chart" xmlns:dgm="http://schemas.openxmlformats.org/drawingml/2006/diagram" xmlns:o="urn:schemas-microsoft-com:office:office" xmlns:v="urn:schemas-microsoft-com:vml" xmlns:pvml="urn:schemas-microsoft-com:office:powerpoint" xmlns:com="http://schemas.openxmlformats.org/drawingml/2006/compatibility" xmlns:p14="http://schemas.microsoft.com/office/powerpoint/2010/main" xmlns:p15="http://schemas.microsoft.com/office/powerpoint/2012/main" xmlns:ahyp="http://schemas.microsoft.com/office/drawing/2018/hyperlinkcolor">
+<file path=ppt/slides/slide11.xml><?xml version="1.0" encoding="utf-8"?>
+<p:sld xmlns:a="http://schemas.openxmlformats.org/drawingml/2006/main" xmlns:r="http://schemas.openxmlformats.org/officeDocument/2006/relationships" xmlns:p="http://schemas.openxmlformats.org/presentationml/2006/main">
   <p:cSld>
     <p:spTree>
       <p:nvGrpSpPr>
-        <p:cNvPr id="128" name="Shape 128"/>
+        <p:cNvPr id="1" name="Shape 128"/>
         <p:cNvGrpSpPr/>
         <p:nvPr/>
       </p:nvGrpSpPr>
@@ -7808,7 +7239,9 @@
       <p:sp>
         <p:nvSpPr>
           <p:cNvPr id="129" name="Google Shape;129;p21"/>
-          <p:cNvSpPr txBox="1"/>
+          <p:cNvSpPr txBox="1">
+            <a:spLocks noGrp="1"/>
+          </p:cNvSpPr>
           <p:nvPr>
             <p:ph type="title"/>
           </p:nvPr>
@@ -7823,12 +7256,12 @@
           </a:prstGeom>
         </p:spPr>
         <p:txBody>
-          <a:bodyPr anchorCtr="0" anchor="ctr" bIns="45700" lIns="91425" spcFirstLastPara="1" rIns="91425" wrap="square" tIns="45700">
+          <a:bodyPr spcFirstLastPara="1" wrap="square" lIns="91425" tIns="45700" rIns="91425" bIns="45700" anchor="ctr" anchorCtr="0">
             <a:noAutofit/>
           </a:bodyPr>
           <a:lstStyle/>
           <a:p>
-            <a:pPr indent="0" lvl="0" marL="0" rtl="0" algn="l">
+            <a:pPr marL="0" lvl="0" indent="0" algn="l" rtl="0">
               <a:spcBef>
                 <a:spcPts val="0"/>
               </a:spcBef>
@@ -7848,9 +7281,11 @@
       <p:sp>
         <p:nvSpPr>
           <p:cNvPr id="130" name="Google Shape;130;p21"/>
-          <p:cNvSpPr txBox="1"/>
+          <p:cNvSpPr txBox="1">
+            <a:spLocks noGrp="1"/>
+          </p:cNvSpPr>
           <p:nvPr>
-            <p:ph idx="1" type="body"/>
+            <p:ph type="body" idx="1"/>
           </p:nvPr>
         </p:nvSpPr>
         <p:spPr>
@@ -7863,12 +7298,12 @@
           </a:prstGeom>
         </p:spPr>
         <p:txBody>
-          <a:bodyPr anchorCtr="0" anchor="t" bIns="45700" lIns="91425" spcFirstLastPara="1" rIns="91425" wrap="square" tIns="45700">
+          <a:bodyPr spcFirstLastPara="1" wrap="square" lIns="91425" tIns="45700" rIns="91425" bIns="45700" anchor="t" anchorCtr="0">
             <a:noAutofit/>
           </a:bodyPr>
           <a:lstStyle/>
           <a:p>
-            <a:pPr indent="-431800" lvl="0" marL="457200" rtl="0" algn="l">
+            <a:pPr marL="457200" lvl="0" indent="-431800" algn="l" rtl="0">
               <a:spcBef>
                 <a:spcPts val="640"/>
               </a:spcBef>
@@ -7880,20 +7315,12 @@
             </a:pPr>
             <a:r>
               <a:rPr lang="en"/>
-              <a:t>Deep Neural Networks are </a:t>
-            </a:r>
-            <a:r>
-              <a:rPr lang="en"/>
-              <a:t>usually</a:t>
-            </a:r>
-            <a:r>
-              <a:rPr lang="en"/>
-              <a:t> a stack of layers that learn how to transform input data into something useful </a:t>
+              <a:t>Deep Neural Networks are usually a stack of layers that learn how to transform input data into something useful </a:t>
             </a:r>
             <a:endParaRPr/>
           </a:p>
           <a:p>
-            <a:pPr indent="0" lvl="0" marL="914400" rtl="0" algn="l">
+            <a:pPr marL="914400" lvl="0" indent="0" algn="l" rtl="0">
               <a:spcBef>
                 <a:spcPts val="640"/>
               </a:spcBef>
@@ -7902,13 +7329,10 @@
               </a:spcAft>
               <a:buNone/>
             </a:pPr>
-            <a:r>
-              <a:t/>
-            </a:r>
             <a:endParaRPr/>
           </a:p>
           <a:p>
-            <a:pPr indent="0" lvl="0" marL="914400" rtl="0" algn="l">
+            <a:pPr marL="914400" lvl="0" indent="0" algn="l" rtl="0">
               <a:spcBef>
                 <a:spcPts val="640"/>
               </a:spcBef>
@@ -7917,13 +7341,10 @@
               </a:spcAft>
               <a:buNone/>
             </a:pPr>
-            <a:r>
-              <a:t/>
-            </a:r>
             <a:endParaRPr/>
           </a:p>
           <a:p>
-            <a:pPr indent="0" lvl="0" marL="457200" rtl="0" algn="l">
+            <a:pPr marL="457200" lvl="0" indent="0" algn="l" rtl="0">
               <a:spcBef>
                 <a:spcPts val="640"/>
               </a:spcBef>
@@ -7932,13 +7353,10 @@
               </a:spcAft>
               <a:buNone/>
             </a:pPr>
-            <a:r>
-              <a:t/>
-            </a:r>
             <a:endParaRPr/>
           </a:p>
           <a:p>
-            <a:pPr indent="0" lvl="0" marL="914400" rtl="0" algn="l">
+            <a:pPr marL="914400" lvl="0" indent="0" algn="l" rtl="0">
               <a:spcBef>
                 <a:spcPts val="640"/>
               </a:spcBef>
@@ -7947,16 +7365,13 @@
               </a:spcAft>
               <a:buNone/>
             </a:pPr>
-            <a:r>
-              <a:t/>
-            </a:r>
             <a:endParaRPr/>
           </a:p>
         </p:txBody>
       </p:sp>
       <p:pic>
         <p:nvPicPr>
-          <p:cNvPr descr="Image result for cnn artificial neural network" id="131" name="Google Shape;131;p21"/>
+          <p:cNvPr id="131" name="Google Shape;131;p21" descr="Image result for cnn artificial neural network"/>
           <p:cNvPicPr preferRelativeResize="0"/>
           <p:nvPr/>
         </p:nvPicPr>
@@ -7990,12 +7405,12 @@
 </p:sld>
 </file>
 
-<file path=ppt/slides/slide14.xml><?xml version="1.0" encoding="utf-8"?>
-<p:sld xmlns:a="http://schemas.openxmlformats.org/drawingml/2006/main" xmlns:r="http://schemas.openxmlformats.org/officeDocument/2006/relationships" xmlns:mc="http://schemas.openxmlformats.org/markup-compatibility/2006" xmlns:mv="urn:schemas-microsoft-com:mac:vml" xmlns:p="http://schemas.openxmlformats.org/presentationml/2006/main" xmlns:c="http://schemas.openxmlformats.org/drawingml/2006/chart" xmlns:dgm="http://schemas.openxmlformats.org/drawingml/2006/diagram" xmlns:o="urn:schemas-microsoft-com:office:office" xmlns:v="urn:schemas-microsoft-com:vml" xmlns:pvml="urn:schemas-microsoft-com:office:powerpoint" xmlns:com="http://schemas.openxmlformats.org/drawingml/2006/compatibility" xmlns:p14="http://schemas.microsoft.com/office/powerpoint/2010/main" xmlns:p15="http://schemas.microsoft.com/office/powerpoint/2012/main" xmlns:ahyp="http://schemas.microsoft.com/office/drawing/2018/hyperlinkcolor">
+<file path=ppt/slides/slide12.xml><?xml version="1.0" encoding="utf-8"?>
+<p:sld xmlns:a="http://schemas.openxmlformats.org/drawingml/2006/main" xmlns:r="http://schemas.openxmlformats.org/officeDocument/2006/relationships" xmlns:p="http://schemas.openxmlformats.org/presentationml/2006/main">
   <p:cSld>
     <p:spTree>
       <p:nvGrpSpPr>
-        <p:cNvPr id="135" name="Shape 135"/>
+        <p:cNvPr id="1" name="Shape 135"/>
         <p:cNvGrpSpPr/>
         <p:nvPr/>
       </p:nvGrpSpPr>
@@ -8010,7 +7425,9 @@
       <p:sp>
         <p:nvSpPr>
           <p:cNvPr id="136" name="Google Shape;136;p22"/>
-          <p:cNvSpPr txBox="1"/>
+          <p:cNvSpPr txBox="1">
+            <a:spLocks noGrp="1"/>
+          </p:cNvSpPr>
           <p:nvPr>
             <p:ph type="title"/>
           </p:nvPr>
@@ -8025,12 +7442,12 @@
           </a:prstGeom>
         </p:spPr>
         <p:txBody>
-          <a:bodyPr anchorCtr="0" anchor="ctr" bIns="45700" lIns="91425" spcFirstLastPara="1" rIns="91425" wrap="square" tIns="45700">
+          <a:bodyPr spcFirstLastPara="1" wrap="square" lIns="91425" tIns="45700" rIns="91425" bIns="45700" anchor="ctr" anchorCtr="0">
             <a:noAutofit/>
           </a:bodyPr>
           <a:lstStyle/>
           <a:p>
-            <a:pPr indent="0" lvl="0" marL="0" rtl="0" algn="l">
+            <a:pPr marL="0" lvl="0" indent="0" algn="l" rtl="0">
               <a:spcBef>
                 <a:spcPts val="0"/>
               </a:spcBef>
@@ -8050,9 +7467,11 @@
       <p:sp>
         <p:nvSpPr>
           <p:cNvPr id="137" name="Google Shape;137;p22"/>
-          <p:cNvSpPr txBox="1"/>
+          <p:cNvSpPr txBox="1">
+            <a:spLocks noGrp="1"/>
+          </p:cNvSpPr>
           <p:nvPr>
-            <p:ph idx="4294967295" type="body"/>
+            <p:ph type="body" idx="4294967295"/>
           </p:nvPr>
         </p:nvSpPr>
         <p:spPr>
@@ -8065,12 +7484,12 @@
           </a:prstGeom>
         </p:spPr>
         <p:txBody>
-          <a:bodyPr anchorCtr="0" anchor="t" bIns="45700" lIns="91425" spcFirstLastPara="1" rIns="91425" wrap="square" tIns="45700">
+          <a:bodyPr spcFirstLastPara="1" wrap="square" lIns="91425" tIns="45700" rIns="91425" bIns="45700" anchor="t" anchorCtr="0">
             <a:noAutofit/>
           </a:bodyPr>
           <a:lstStyle/>
           <a:p>
-            <a:pPr indent="0" lvl="0" marL="0" rtl="0" algn="l">
+            <a:pPr marL="0" lvl="0" indent="0" algn="l" rtl="0">
               <a:spcBef>
                 <a:spcPts val="640"/>
               </a:spcBef>
@@ -8086,7 +7505,7 @@
             <a:endParaRPr/>
           </a:p>
           <a:p>
-            <a:pPr indent="-431800" lvl="0" marL="914400" rtl="0" algn="l">
+            <a:pPr marL="914400" lvl="0" indent="-431800" algn="l" rtl="0">
               <a:spcBef>
                 <a:spcPts val="640"/>
               </a:spcBef>
@@ -8103,7 +7522,7 @@
             <a:endParaRPr/>
           </a:p>
           <a:p>
-            <a:pPr indent="-406400" lvl="1" marL="1828800" rtl="0" algn="l">
+            <a:pPr marL="1828800" lvl="1" indent="-406400" algn="l" rtl="0">
               <a:spcBef>
                 <a:spcPts val="0"/>
               </a:spcBef>
@@ -8120,7 +7539,7 @@
             <a:endParaRPr/>
           </a:p>
           <a:p>
-            <a:pPr indent="-431800" lvl="0" marL="914400" rtl="0" algn="l">
+            <a:pPr marL="914400" lvl="0" indent="-431800" algn="l" rtl="0">
               <a:spcBef>
                 <a:spcPts val="0"/>
               </a:spcBef>
@@ -8137,7 +7556,7 @@
             <a:endParaRPr/>
           </a:p>
           <a:p>
-            <a:pPr indent="-406400" lvl="1" marL="1828800" rtl="0" algn="l">
+            <a:pPr marL="1828800" lvl="1" indent="-406400" algn="l" rtl="0">
               <a:spcBef>
                 <a:spcPts val="0"/>
               </a:spcBef>
@@ -8154,7 +7573,7 @@
             <a:endParaRPr/>
           </a:p>
           <a:p>
-            <a:pPr indent="0" lvl="0" marL="457200" rtl="0" algn="l">
+            <a:pPr marL="457200" lvl="0" indent="0" algn="l" rtl="0">
               <a:spcBef>
                 <a:spcPts val="640"/>
               </a:spcBef>
@@ -8163,9 +7582,6 @@
               </a:spcAft>
               <a:buNone/>
             </a:pPr>
-            <a:r>
-              <a:t/>
-            </a:r>
             <a:endParaRPr/>
           </a:p>
         </p:txBody>
@@ -8178,12 +7594,12 @@
 </p:sld>
 </file>
 
-<file path=ppt/slides/slide15.xml><?xml version="1.0" encoding="utf-8"?>
-<p:sld xmlns:a="http://schemas.openxmlformats.org/drawingml/2006/main" xmlns:r="http://schemas.openxmlformats.org/officeDocument/2006/relationships" xmlns:mc="http://schemas.openxmlformats.org/markup-compatibility/2006" xmlns:mv="urn:schemas-microsoft-com:mac:vml" xmlns:p="http://schemas.openxmlformats.org/presentationml/2006/main" xmlns:c="http://schemas.openxmlformats.org/drawingml/2006/chart" xmlns:dgm="http://schemas.openxmlformats.org/drawingml/2006/diagram" xmlns:o="urn:schemas-microsoft-com:office:office" xmlns:v="urn:schemas-microsoft-com:vml" xmlns:pvml="urn:schemas-microsoft-com:office:powerpoint" xmlns:com="http://schemas.openxmlformats.org/drawingml/2006/compatibility" xmlns:p14="http://schemas.microsoft.com/office/powerpoint/2010/main" xmlns:p15="http://schemas.microsoft.com/office/powerpoint/2012/main" xmlns:ahyp="http://schemas.microsoft.com/office/drawing/2018/hyperlinkcolor">
+<file path=ppt/slides/slide13.xml><?xml version="1.0" encoding="utf-8"?>
+<p:sld xmlns:a="http://schemas.openxmlformats.org/drawingml/2006/main" xmlns:r="http://schemas.openxmlformats.org/officeDocument/2006/relationships" xmlns:p="http://schemas.openxmlformats.org/presentationml/2006/main">
   <p:cSld>
     <p:spTree>
       <p:nvGrpSpPr>
-        <p:cNvPr id="141" name="Shape 141"/>
+        <p:cNvPr id="1" name="Shape 141"/>
         <p:cNvGrpSpPr/>
         <p:nvPr/>
       </p:nvGrpSpPr>
@@ -8198,7 +7614,9 @@
       <p:sp>
         <p:nvSpPr>
           <p:cNvPr id="142" name="Google Shape;142;p23"/>
-          <p:cNvSpPr txBox="1"/>
+          <p:cNvSpPr txBox="1">
+            <a:spLocks noGrp="1"/>
+          </p:cNvSpPr>
           <p:nvPr>
             <p:ph type="title"/>
           </p:nvPr>
@@ -8213,12 +7631,12 @@
           </a:prstGeom>
         </p:spPr>
         <p:txBody>
-          <a:bodyPr anchorCtr="0" anchor="ctr" bIns="45700" lIns="91425" spcFirstLastPara="1" rIns="91425" wrap="square" tIns="45700">
+          <a:bodyPr spcFirstLastPara="1" wrap="square" lIns="91425" tIns="45700" rIns="91425" bIns="45700" anchor="ctr" anchorCtr="0">
             <a:noAutofit/>
           </a:bodyPr>
           <a:lstStyle/>
           <a:p>
-            <a:pPr indent="0" lvl="0" marL="0" rtl="0" algn="l">
+            <a:pPr marL="0" lvl="0" indent="0" algn="l" rtl="0">
               <a:spcBef>
                 <a:spcPts val="0"/>
               </a:spcBef>
@@ -8271,12 +7689,12 @@
 </p:sld>
 </file>
 
-<file path=ppt/slides/slide16.xml><?xml version="1.0" encoding="utf-8"?>
-<p:sld xmlns:a="http://schemas.openxmlformats.org/drawingml/2006/main" xmlns:r="http://schemas.openxmlformats.org/officeDocument/2006/relationships" xmlns:mc="http://schemas.openxmlformats.org/markup-compatibility/2006" xmlns:mv="urn:schemas-microsoft-com:mac:vml" xmlns:p="http://schemas.openxmlformats.org/presentationml/2006/main" xmlns:c="http://schemas.openxmlformats.org/drawingml/2006/chart" xmlns:dgm="http://schemas.openxmlformats.org/drawingml/2006/diagram" xmlns:o="urn:schemas-microsoft-com:office:office" xmlns:v="urn:schemas-microsoft-com:vml" xmlns:pvml="urn:schemas-microsoft-com:office:powerpoint" xmlns:com="http://schemas.openxmlformats.org/drawingml/2006/compatibility" xmlns:p14="http://schemas.microsoft.com/office/powerpoint/2010/main" xmlns:p15="http://schemas.microsoft.com/office/powerpoint/2012/main" xmlns:ahyp="http://schemas.microsoft.com/office/drawing/2018/hyperlinkcolor">
+<file path=ppt/slides/slide14.xml><?xml version="1.0" encoding="utf-8"?>
+<p:sld xmlns:a="http://schemas.openxmlformats.org/drawingml/2006/main" xmlns:r="http://schemas.openxmlformats.org/officeDocument/2006/relationships" xmlns:p="http://schemas.openxmlformats.org/presentationml/2006/main">
   <p:cSld>
     <p:spTree>
       <p:nvGrpSpPr>
-        <p:cNvPr id="147" name="Shape 147"/>
+        <p:cNvPr id="1" name="Shape 147"/>
         <p:cNvGrpSpPr/>
         <p:nvPr/>
       </p:nvGrpSpPr>
@@ -8319,7 +7737,9 @@
       <p:sp>
         <p:nvSpPr>
           <p:cNvPr id="149" name="Google Shape;149;p24"/>
-          <p:cNvSpPr txBox="1"/>
+          <p:cNvSpPr txBox="1">
+            <a:spLocks noGrp="1"/>
+          </p:cNvSpPr>
           <p:nvPr>
             <p:ph type="title"/>
           </p:nvPr>
@@ -8334,12 +7754,12 @@
           </a:prstGeom>
         </p:spPr>
         <p:txBody>
-          <a:bodyPr anchorCtr="0" anchor="ctr" bIns="45700" lIns="91425" spcFirstLastPara="1" rIns="91425" wrap="square" tIns="45700">
+          <a:bodyPr spcFirstLastPara="1" wrap="square" lIns="91425" tIns="45700" rIns="91425" bIns="45700" anchor="ctr" anchorCtr="0">
             <a:noAutofit/>
           </a:bodyPr>
           <a:lstStyle/>
           <a:p>
-            <a:pPr indent="0" lvl="0" marL="0" rtl="0" algn="l">
+            <a:pPr marL="0" lvl="0" indent="0" algn="l" rtl="0">
               <a:spcBef>
                 <a:spcPts val="0"/>
               </a:spcBef>
@@ -8376,12 +7796,12 @@
           </a:ln>
         </p:spPr>
         <p:txBody>
-          <a:bodyPr anchorCtr="0" anchor="t" bIns="91425" lIns="91425" spcFirstLastPara="1" rIns="91425" wrap="square" tIns="91425">
+          <a:bodyPr spcFirstLastPara="1" wrap="square" lIns="91425" tIns="91425" rIns="91425" bIns="91425" anchor="t" anchorCtr="0">
             <a:noAutofit/>
           </a:bodyPr>
           <a:lstStyle/>
           <a:p>
-            <a:pPr indent="0" lvl="0" marL="0" rtl="0" algn="l">
+            <a:pPr marL="0" lvl="0" indent="0" algn="l" rtl="0">
               <a:spcBef>
                 <a:spcPts val="0"/>
               </a:spcBef>
@@ -8428,12 +7848,12 @@
           </a:ln>
         </p:spPr>
         <p:txBody>
-          <a:bodyPr anchorCtr="0" anchor="t" bIns="91425" lIns="91425" spcFirstLastPara="1" rIns="91425" wrap="square" tIns="91425">
+          <a:bodyPr spcFirstLastPara="1" wrap="square" lIns="91425" tIns="91425" rIns="91425" bIns="91425" anchor="t" anchorCtr="0">
             <a:noAutofit/>
           </a:bodyPr>
           <a:lstStyle/>
           <a:p>
-            <a:pPr indent="-342900" lvl="0" marL="457200" rtl="0" algn="l">
+            <a:pPr marL="457200" lvl="0" indent="-342900" algn="l" rtl="0">
               <a:spcBef>
                 <a:spcPts val="0"/>
               </a:spcBef>
@@ -8457,31 +7877,7 @@
                 <a:cs typeface="Helvetica Neue"/>
                 <a:sym typeface="Helvetica Neue"/>
               </a:rPr>
-              <a:t>Tons of </a:t>
-            </a:r>
-            <a:r>
-              <a:rPr lang="en" sz="1800">
-                <a:solidFill>
-                  <a:srgbClr val="FFFFFF"/>
-                </a:solidFill>
-                <a:latin typeface="Helvetica Neue"/>
-                <a:ea typeface="Helvetica Neue"/>
-                <a:cs typeface="Helvetica Neue"/>
-                <a:sym typeface="Helvetica Neue"/>
-              </a:rPr>
-              <a:t>implementations</a:t>
-            </a:r>
-            <a:r>
-              <a:rPr lang="en" sz="1800">
-                <a:solidFill>
-                  <a:srgbClr val="FFFFFF"/>
-                </a:solidFill>
-                <a:latin typeface="Helvetica Neue"/>
-                <a:ea typeface="Helvetica Neue"/>
-                <a:cs typeface="Helvetica Neue"/>
-                <a:sym typeface="Helvetica Neue"/>
-              </a:rPr>
-              <a:t> of basic ML tools</a:t>
+              <a:t>Tons of implementations of basic ML tools</a:t>
             </a:r>
             <a:endParaRPr sz="1800">
               <a:solidFill>
@@ -8494,7 +7890,7 @@
             </a:endParaRPr>
           </a:p>
           <a:p>
-            <a:pPr indent="-342900" lvl="1" marL="914400" rtl="0" algn="l">
+            <a:pPr marL="914400" lvl="1" indent="-342900" algn="l" rtl="0">
               <a:spcBef>
                 <a:spcPts val="0"/>
               </a:spcBef>
@@ -8531,7 +7927,7 @@
             </a:endParaRPr>
           </a:p>
           <a:p>
-            <a:pPr indent="-342900" lvl="1" marL="914400" rtl="0" algn="l">
+            <a:pPr marL="914400" lvl="1" indent="-342900" algn="l" rtl="0">
               <a:spcBef>
                 <a:spcPts val="0"/>
               </a:spcBef>
@@ -8568,7 +7964,7 @@
             </a:endParaRPr>
           </a:p>
           <a:p>
-            <a:pPr indent="-342900" lvl="1" marL="914400" rtl="0" algn="l">
+            <a:pPr marL="914400" lvl="1" indent="-342900" algn="l" rtl="0">
               <a:spcBef>
                 <a:spcPts val="0"/>
               </a:spcBef>
@@ -8605,7 +8001,7 @@
             </a:endParaRPr>
           </a:p>
           <a:p>
-            <a:pPr indent="-342900" lvl="1" marL="914400" rtl="0" algn="l">
+            <a:pPr marL="914400" lvl="1" indent="-342900" algn="l" rtl="0">
               <a:spcBef>
                 <a:spcPts val="0"/>
               </a:spcBef>
@@ -8642,7 +8038,7 @@
             </a:endParaRPr>
           </a:p>
           <a:p>
-            <a:pPr indent="-342900" lvl="0" marL="457200" rtl="0" algn="l">
+            <a:pPr marL="457200" lvl="0" indent="-342900" algn="l" rtl="0">
               <a:spcBef>
                 <a:spcPts val="0"/>
               </a:spcBef>
@@ -8679,7 +8075,7 @@
             </a:endParaRPr>
           </a:p>
           <a:p>
-            <a:pPr indent="-342900" lvl="1" marL="914400" rtl="0" algn="l">
+            <a:pPr marL="914400" lvl="1" indent="-342900" algn="l" rtl="0">
               <a:spcBef>
                 <a:spcPts val="0"/>
               </a:spcBef>
@@ -8694,7 +8090,7 @@
               <a:buChar char="○"/>
             </a:pPr>
             <a:r>
-              <a:rPr b="1" lang="en" sz="1800">
+              <a:rPr lang="en" sz="1800" b="1">
                 <a:solidFill>
                   <a:srgbClr val="FFFFFF"/>
                 </a:solidFill>
@@ -8705,7 +8101,7 @@
               </a:rPr>
               <a:t>Tensorflow</a:t>
             </a:r>
-            <a:endParaRPr b="1" sz="1800">
+            <a:endParaRPr sz="1800" b="1">
               <a:solidFill>
                 <a:srgbClr val="FFFFFF"/>
               </a:solidFill>
@@ -8716,7 +8112,7 @@
             </a:endParaRPr>
           </a:p>
           <a:p>
-            <a:pPr indent="-342900" lvl="1" marL="914400" rtl="0" algn="l">
+            <a:pPr marL="914400" lvl="1" indent="-342900" algn="l" rtl="0">
               <a:spcBef>
                 <a:spcPts val="0"/>
               </a:spcBef>
@@ -8753,7 +8149,7 @@
             </a:endParaRPr>
           </a:p>
           <a:p>
-            <a:pPr indent="-342900" lvl="0" marL="457200" rtl="0" algn="l">
+            <a:pPr marL="457200" lvl="0" indent="-342900" algn="l" rtl="0">
               <a:spcBef>
                 <a:spcPts val="0"/>
               </a:spcBef>
@@ -8793,7 +8189,7 @@
       </p:sp>
       <p:pic>
         <p:nvPicPr>
-          <p:cNvPr descr="python™" id="152" name="Google Shape;152;p24"/>
+          <p:cNvPr id="152" name="Google Shape;152;p24" descr="python™"/>
           <p:cNvPicPr preferRelativeResize="0"/>
           <p:nvPr/>
         </p:nvPicPr>
@@ -8821,7 +8217,7 @@
       </p:pic>
       <p:pic>
         <p:nvPicPr>
-          <p:cNvPr descr="Image result for pytorch" id="153" name="Google Shape;153;p24" title="https://commons.wikimedia.org/wiki/File:Pytorch_logo.png"/>
+          <p:cNvPr id="153" name="Google Shape;153;p24" descr="Image result for pytorch" title="https://commons.wikimedia.org/wiki/File:Pytorch_logo.png"/>
           <p:cNvPicPr preferRelativeResize="0"/>
           <p:nvPr/>
         </p:nvPicPr>
@@ -8855,12 +8251,12 @@
 </p:sld>
 </file>
 
-<file path=ppt/slides/slide17.xml><?xml version="1.0" encoding="utf-8"?>
-<p:sld xmlns:a="http://schemas.openxmlformats.org/drawingml/2006/main" xmlns:r="http://schemas.openxmlformats.org/officeDocument/2006/relationships" xmlns:mc="http://schemas.openxmlformats.org/markup-compatibility/2006" xmlns:mv="urn:schemas-microsoft-com:mac:vml" xmlns:p="http://schemas.openxmlformats.org/presentationml/2006/main" xmlns:c="http://schemas.openxmlformats.org/drawingml/2006/chart" xmlns:dgm="http://schemas.openxmlformats.org/drawingml/2006/diagram" xmlns:o="urn:schemas-microsoft-com:office:office" xmlns:v="urn:schemas-microsoft-com:vml" xmlns:pvml="urn:schemas-microsoft-com:office:powerpoint" xmlns:com="http://schemas.openxmlformats.org/drawingml/2006/compatibility" xmlns:p14="http://schemas.microsoft.com/office/powerpoint/2010/main" xmlns:p15="http://schemas.microsoft.com/office/powerpoint/2012/main" xmlns:ahyp="http://schemas.microsoft.com/office/drawing/2018/hyperlinkcolor">
+<file path=ppt/slides/slide15.xml><?xml version="1.0" encoding="utf-8"?>
+<p:sld xmlns:a="http://schemas.openxmlformats.org/drawingml/2006/main" xmlns:r="http://schemas.openxmlformats.org/officeDocument/2006/relationships" xmlns:p="http://schemas.openxmlformats.org/presentationml/2006/main">
   <p:cSld>
     <p:spTree>
       <p:nvGrpSpPr>
-        <p:cNvPr id="157" name="Shape 157"/>
+        <p:cNvPr id="1" name="Shape 157"/>
         <p:cNvGrpSpPr/>
         <p:nvPr/>
       </p:nvGrpSpPr>
@@ -8875,7 +8271,9 @@
       <p:sp>
         <p:nvSpPr>
           <p:cNvPr id="158" name="Google Shape;158;p25"/>
-          <p:cNvSpPr txBox="1"/>
+          <p:cNvSpPr txBox="1">
+            <a:spLocks noGrp="1"/>
+          </p:cNvSpPr>
           <p:nvPr>
             <p:ph type="title"/>
           </p:nvPr>
@@ -8890,12 +8288,12 @@
           </a:prstGeom>
         </p:spPr>
         <p:txBody>
-          <a:bodyPr anchorCtr="0" anchor="ctr" bIns="45700" lIns="91425" spcFirstLastPara="1" rIns="91425" wrap="square" tIns="45700">
+          <a:bodyPr spcFirstLastPara="1" wrap="square" lIns="91425" tIns="45700" rIns="91425" bIns="45700" anchor="ctr" anchorCtr="0">
             <a:noAutofit/>
           </a:bodyPr>
           <a:lstStyle/>
           <a:p>
-            <a:pPr indent="0" lvl="0" marL="0" rtl="0" algn="l">
+            <a:pPr marL="0" lvl="0" indent="0" algn="l" rtl="0">
               <a:spcBef>
                 <a:spcPts val="0"/>
               </a:spcBef>
@@ -8932,12 +8330,12 @@
           </a:ln>
         </p:spPr>
         <p:txBody>
-          <a:bodyPr anchorCtr="0" anchor="t" bIns="91425" lIns="91425" spcFirstLastPara="1" rIns="91425" wrap="square" tIns="91425">
+          <a:bodyPr spcFirstLastPara="1" wrap="square" lIns="91425" tIns="91425" rIns="91425" bIns="91425" anchor="t" anchorCtr="0">
             <a:noAutofit/>
           </a:bodyPr>
           <a:lstStyle/>
           <a:p>
-            <a:pPr indent="-317500" lvl="0" marL="457200" rtl="0" algn="l">
+            <a:pPr marL="457200" lvl="0" indent="-317500" algn="l" rtl="0">
               <a:spcBef>
                 <a:spcPts val="0"/>
               </a:spcBef>
@@ -8952,7 +8350,7 @@
               <a:buChar char="●"/>
             </a:pPr>
             <a:r>
-              <a:rPr b="1" lang="en">
+              <a:rPr lang="en" b="1">
                 <a:solidFill>
                   <a:srgbClr val="FFFFFF"/>
                 </a:solidFill>
@@ -8974,7 +8372,7 @@
             </a:endParaRPr>
           </a:p>
           <a:p>
-            <a:pPr indent="-317500" lvl="1" marL="914400" rtl="0" algn="l">
+            <a:pPr marL="914400" lvl="1" indent="-317500" algn="l" rtl="0">
               <a:spcBef>
                 <a:spcPts val="0"/>
               </a:spcBef>
@@ -9011,7 +8409,7 @@
             </a:endParaRPr>
           </a:p>
           <a:p>
-            <a:pPr indent="-317500" lvl="2" marL="1371600" rtl="0" algn="l">
+            <a:pPr marL="1371600" lvl="2" indent="-317500" algn="l" rtl="0">
               <a:spcBef>
                 <a:spcPts val="0"/>
               </a:spcBef>
@@ -9048,7 +8446,7 @@
             </a:endParaRPr>
           </a:p>
           <a:p>
-            <a:pPr indent="-317500" lvl="0" marL="457200" rtl="0" algn="l">
+            <a:pPr marL="457200" lvl="0" indent="-317500" algn="l" rtl="0">
               <a:spcBef>
                 <a:spcPts val="0"/>
               </a:spcBef>
@@ -9063,7 +8461,7 @@
               <a:buChar char="●"/>
             </a:pPr>
             <a:r>
-              <a:rPr b="1" lang="en">
+              <a:rPr lang="en" b="1">
                 <a:solidFill>
                   <a:srgbClr val="FFFFFF"/>
                 </a:solidFill>
@@ -9085,7 +8483,7 @@
             </a:endParaRPr>
           </a:p>
           <a:p>
-            <a:pPr indent="-317500" lvl="1" marL="914400" rtl="0" algn="l">
+            <a:pPr marL="914400" lvl="1" indent="-317500" algn="l" rtl="0">
               <a:spcBef>
                 <a:spcPts val="0"/>
               </a:spcBef>
@@ -9122,7 +8520,7 @@
             </a:endParaRPr>
           </a:p>
           <a:p>
-            <a:pPr indent="-317500" lvl="0" marL="457200" rtl="0" algn="l">
+            <a:pPr marL="457200" lvl="0" indent="-317500" algn="l" rtl="0">
               <a:spcBef>
                 <a:spcPts val="0"/>
               </a:spcBef>
@@ -9159,7 +8557,7 @@
             </a:endParaRPr>
           </a:p>
           <a:p>
-            <a:pPr indent="-317500" lvl="1" marL="914400" rtl="0" algn="l">
+            <a:pPr marL="914400" lvl="1" indent="-317500" algn="l" rtl="0">
               <a:spcBef>
                 <a:spcPts val="0"/>
               </a:spcBef>
@@ -9196,7 +8594,7 @@
             </a:endParaRPr>
           </a:p>
           <a:p>
-            <a:pPr indent="-317500" lvl="2" marL="1371600" rtl="0" algn="l">
+            <a:pPr marL="1371600" lvl="2" indent="-317500" algn="l" rtl="0">
               <a:spcBef>
                 <a:spcPts val="0"/>
               </a:spcBef>
@@ -9233,7 +8631,7 @@
             </a:endParaRPr>
           </a:p>
           <a:p>
-            <a:pPr indent="-317500" lvl="2" marL="1371600" rtl="0" algn="l">
+            <a:pPr marL="1371600" lvl="2" indent="-317500" algn="l" rtl="0">
               <a:spcBef>
                 <a:spcPts val="0"/>
               </a:spcBef>
@@ -9270,7 +8668,7 @@
             </a:endParaRPr>
           </a:p>
           <a:p>
-            <a:pPr indent="-317500" lvl="3" marL="1828800" rtl="0" algn="l">
+            <a:pPr marL="1828800" lvl="3" indent="-317500" algn="l" rtl="0">
               <a:spcBef>
                 <a:spcPts val="0"/>
               </a:spcBef>
@@ -9307,7 +8705,7 @@
             </a:endParaRPr>
           </a:p>
           <a:p>
-            <a:pPr indent="-317500" lvl="0" marL="457200" rtl="0" algn="l">
+            <a:pPr marL="457200" lvl="0" indent="-317500" algn="l" rtl="0">
               <a:spcBef>
                 <a:spcPts val="0"/>
               </a:spcBef>
@@ -9344,7 +8742,7 @@
             </a:endParaRPr>
           </a:p>
           <a:p>
-            <a:pPr indent="-317500" lvl="1" marL="914400" rtl="0" algn="l">
+            <a:pPr marL="914400" lvl="1" indent="-317500" algn="l" rtl="0">
               <a:spcBef>
                 <a:spcPts val="0"/>
               </a:spcBef>
@@ -9381,7 +8779,7 @@
             </a:endParaRPr>
           </a:p>
           <a:p>
-            <a:pPr indent="-317500" lvl="1" marL="914400" rtl="0" algn="l">
+            <a:pPr marL="914400" lvl="1" indent="-317500" algn="l" rtl="0">
               <a:spcBef>
                 <a:spcPts val="0"/>
               </a:spcBef>
@@ -9418,7 +8816,7 @@
             </a:endParaRPr>
           </a:p>
           <a:p>
-            <a:pPr indent="-317500" lvl="0" marL="457200" rtl="0" algn="l">
+            <a:pPr marL="457200" lvl="0" indent="-317500" algn="l" rtl="0">
               <a:spcBef>
                 <a:spcPts val="0"/>
               </a:spcBef>
@@ -9455,7 +8853,7 @@
             </a:endParaRPr>
           </a:p>
           <a:p>
-            <a:pPr indent="0" lvl="0" marL="457200" rtl="0" algn="l">
+            <a:pPr marL="457200" lvl="0" indent="0" algn="l" rtl="0">
               <a:spcBef>
                 <a:spcPts val="0"/>
               </a:spcBef>
@@ -9496,12 +8894,12 @@
 </p:sld>
 </file>
 
-<file path=ppt/slides/slide18.xml><?xml version="1.0" encoding="utf-8"?>
-<p:sld xmlns:a="http://schemas.openxmlformats.org/drawingml/2006/main" xmlns:r="http://schemas.openxmlformats.org/officeDocument/2006/relationships" xmlns:mc="http://schemas.openxmlformats.org/markup-compatibility/2006" xmlns:mv="urn:schemas-microsoft-com:mac:vml" xmlns:p="http://schemas.openxmlformats.org/presentationml/2006/main" xmlns:c="http://schemas.openxmlformats.org/drawingml/2006/chart" xmlns:dgm="http://schemas.openxmlformats.org/drawingml/2006/diagram" xmlns:o="urn:schemas-microsoft-com:office:office" xmlns:v="urn:schemas-microsoft-com:vml" xmlns:pvml="urn:schemas-microsoft-com:office:powerpoint" xmlns:com="http://schemas.openxmlformats.org/drawingml/2006/compatibility" xmlns:p14="http://schemas.microsoft.com/office/powerpoint/2010/main" xmlns:p15="http://schemas.microsoft.com/office/powerpoint/2012/main" xmlns:ahyp="http://schemas.microsoft.com/office/drawing/2018/hyperlinkcolor">
+<file path=ppt/slides/slide16.xml><?xml version="1.0" encoding="utf-8"?>
+<p:sld xmlns:a="http://schemas.openxmlformats.org/drawingml/2006/main" xmlns:r="http://schemas.openxmlformats.org/officeDocument/2006/relationships" xmlns:p="http://schemas.openxmlformats.org/presentationml/2006/main">
   <p:cSld>
     <p:spTree>
       <p:nvGrpSpPr>
-        <p:cNvPr id="163" name="Shape 163"/>
+        <p:cNvPr id="1" name="Shape 163"/>
         <p:cNvGrpSpPr/>
         <p:nvPr/>
       </p:nvGrpSpPr>
@@ -9516,7 +8914,9 @@
       <p:sp>
         <p:nvSpPr>
           <p:cNvPr id="164" name="Google Shape;164;p26"/>
-          <p:cNvSpPr txBox="1"/>
+          <p:cNvSpPr txBox="1">
+            <a:spLocks noGrp="1"/>
+          </p:cNvSpPr>
           <p:nvPr>
             <p:ph type="title"/>
           </p:nvPr>
@@ -9531,12 +8931,12 @@
           </a:prstGeom>
         </p:spPr>
         <p:txBody>
-          <a:bodyPr anchorCtr="0" anchor="ctr" bIns="45700" lIns="91425" spcFirstLastPara="1" rIns="91425" wrap="square" tIns="45700">
+          <a:bodyPr spcFirstLastPara="1" wrap="square" lIns="91425" tIns="45700" rIns="91425" bIns="45700" anchor="ctr" anchorCtr="0">
             <a:noAutofit/>
           </a:bodyPr>
           <a:lstStyle/>
           <a:p>
-            <a:pPr indent="0" lvl="0" marL="0" rtl="0" algn="l">
+            <a:pPr marL="0" lvl="0" indent="0" algn="l" rtl="0">
               <a:spcBef>
                 <a:spcPts val="0"/>
               </a:spcBef>
@@ -9547,11 +8947,7 @@
             </a:pPr>
             <a:r>
               <a:rPr lang="en"/>
-              <a:t>Engineering</a:t>
-            </a:r>
-            <a:r>
-              <a:rPr lang="en"/>
-              <a:t> </a:t>
+              <a:t>Engineering </a:t>
             </a:r>
             <a:endParaRPr/>
           </a:p>
@@ -9560,9 +8956,11 @@
       <p:sp>
         <p:nvSpPr>
           <p:cNvPr id="165" name="Google Shape;165;p26"/>
-          <p:cNvSpPr txBox="1"/>
+          <p:cNvSpPr txBox="1">
+            <a:spLocks noGrp="1"/>
+          </p:cNvSpPr>
           <p:nvPr>
-            <p:ph idx="1" type="body"/>
+            <p:ph type="body" idx="1"/>
           </p:nvPr>
         </p:nvSpPr>
         <p:spPr>
@@ -9575,12 +8973,12 @@
           </a:prstGeom>
         </p:spPr>
         <p:txBody>
-          <a:bodyPr anchorCtr="0" anchor="t" bIns="45700" lIns="91425" spcFirstLastPara="1" rIns="91425" wrap="square" tIns="45700">
+          <a:bodyPr spcFirstLastPara="1" wrap="square" lIns="91425" tIns="45700" rIns="91425" bIns="45700" anchor="t" anchorCtr="0">
             <a:noAutofit/>
           </a:bodyPr>
           <a:lstStyle/>
           <a:p>
-            <a:pPr indent="0" lvl="0" marL="0" rtl="0" algn="l">
+            <a:pPr marL="0" lvl="0" indent="0" algn="l" rtl="0">
               <a:spcBef>
                 <a:spcPts val="640"/>
               </a:spcBef>
@@ -9596,7 +8994,7 @@
             <a:endParaRPr/>
           </a:p>
           <a:p>
-            <a:pPr indent="-431800" lvl="0" marL="457200" rtl="0" algn="l">
+            <a:pPr marL="457200" lvl="0" indent="-431800" algn="l" rtl="0">
               <a:spcBef>
                 <a:spcPts val="640"/>
               </a:spcBef>
@@ -9613,7 +9011,7 @@
             <a:endParaRPr/>
           </a:p>
           <a:p>
-            <a:pPr indent="-431800" lvl="0" marL="457200" rtl="0" algn="l">
+            <a:pPr marL="457200" lvl="0" indent="-431800" algn="l" rtl="0">
               <a:spcBef>
                 <a:spcPts val="0"/>
               </a:spcBef>
@@ -9630,7 +9028,7 @@
             <a:endParaRPr/>
           </a:p>
           <a:p>
-            <a:pPr indent="-431800" lvl="0" marL="457200" rtl="0" algn="l">
+            <a:pPr marL="457200" lvl="0" indent="-431800" algn="l" rtl="0">
               <a:spcBef>
                 <a:spcPts val="0"/>
               </a:spcBef>
@@ -9647,7 +9045,7 @@
             <a:endParaRPr/>
           </a:p>
           <a:p>
-            <a:pPr indent="-431800" lvl="0" marL="457200" rtl="0" algn="l">
+            <a:pPr marL="457200" lvl="0" indent="-431800" algn="l" rtl="0">
               <a:spcBef>
                 <a:spcPts val="0"/>
               </a:spcBef>
@@ -9658,17 +9056,13 @@
               <a:buChar char="●"/>
             </a:pPr>
             <a:r>
-              <a:rPr b="1" lang="en"/>
-              <a:t>When </a:t>
-            </a:r>
-            <a:r>
-              <a:rPr b="1" lang="en"/>
-              <a:t>getting started focus on what works</a:t>
+              <a:rPr lang="en" b="1"/>
+              <a:t>When getting started focus on what works</a:t>
             </a:r>
             <a:endParaRPr b="1"/>
           </a:p>
           <a:p>
-            <a:pPr indent="0" lvl="0" marL="457200" rtl="0" algn="l">
+            <a:pPr marL="457200" lvl="0" indent="0" algn="l" rtl="0">
               <a:spcBef>
                 <a:spcPts val="640"/>
               </a:spcBef>
@@ -9677,9 +9071,6 @@
               </a:spcAft>
               <a:buNone/>
             </a:pPr>
-            <a:r>
-              <a:t/>
-            </a:r>
             <a:endParaRPr/>
           </a:p>
         </p:txBody>
@@ -9760,12 +9151,12 @@
           </a:ln>
         </p:spPr>
         <p:txBody>
-          <a:bodyPr anchorCtr="0" anchor="t" bIns="91425" lIns="91425" spcFirstLastPara="1" rIns="91425" wrap="square" tIns="91425">
+          <a:bodyPr spcFirstLastPara="1" wrap="square" lIns="91425" tIns="91425" rIns="91425" bIns="91425" anchor="t" anchorCtr="0">
             <a:noAutofit/>
           </a:bodyPr>
           <a:lstStyle/>
           <a:p>
-            <a:pPr indent="0" lvl="0" marL="0" rtl="0" algn="l">
+            <a:pPr marL="0" lvl="0" indent="0" algn="l" rtl="0">
               <a:spcBef>
                 <a:spcPts val="0"/>
               </a:spcBef>
@@ -9775,7 +9166,7 @@
               <a:buNone/>
             </a:pPr>
             <a:r>
-              <a:rPr lang="en">
+              <a:rPr lang="en" dirty="0">
                 <a:solidFill>
                   <a:srgbClr val="FFFFFF"/>
                 </a:solidFill>
@@ -9784,9 +9175,9 @@
                 <a:cs typeface="Helvetica Neue"/>
                 <a:sym typeface="Helvetica Neue"/>
               </a:rPr>
-              <a:t>Not a Good a Car Tire</a:t>
+              <a:t>Not a Good Car Tire</a:t>
             </a:r>
-            <a:endParaRPr>
+            <a:endParaRPr dirty="0">
               <a:solidFill>
                 <a:srgbClr val="FFFFFF"/>
               </a:solidFill>
@@ -9818,12 +9209,12 @@
           </a:ln>
         </p:spPr>
         <p:txBody>
-          <a:bodyPr anchorCtr="0" anchor="t" bIns="91425" lIns="91425" spcFirstLastPara="1" rIns="91425" wrap="square" tIns="91425">
+          <a:bodyPr spcFirstLastPara="1" wrap="square" lIns="91425" tIns="91425" rIns="91425" bIns="91425" anchor="t" anchorCtr="0">
             <a:noAutofit/>
           </a:bodyPr>
           <a:lstStyle/>
           <a:p>
-            <a:pPr indent="0" lvl="0" marL="0" rtl="0" algn="l">
+            <a:pPr marL="0" lvl="0" indent="0" algn="l" rtl="0">
               <a:spcBef>
                 <a:spcPts val="0"/>
               </a:spcBef>
@@ -9864,12 +9255,12 @@
 </p:sld>
 </file>
 
-<file path=ppt/slides/slide19.xml><?xml version="1.0" encoding="utf-8"?>
-<p:sld xmlns:a="http://schemas.openxmlformats.org/drawingml/2006/main" xmlns:r="http://schemas.openxmlformats.org/officeDocument/2006/relationships" xmlns:mc="http://schemas.openxmlformats.org/markup-compatibility/2006" xmlns:mv="urn:schemas-microsoft-com:mac:vml" xmlns:p="http://schemas.openxmlformats.org/presentationml/2006/main" xmlns:c="http://schemas.openxmlformats.org/drawingml/2006/chart" xmlns:dgm="http://schemas.openxmlformats.org/drawingml/2006/diagram" xmlns:o="urn:schemas-microsoft-com:office:office" xmlns:v="urn:schemas-microsoft-com:vml" xmlns:pvml="urn:schemas-microsoft-com:office:powerpoint" xmlns:com="http://schemas.openxmlformats.org/drawingml/2006/compatibility" xmlns:p14="http://schemas.microsoft.com/office/powerpoint/2010/main" xmlns:p15="http://schemas.microsoft.com/office/powerpoint/2012/main" xmlns:ahyp="http://schemas.microsoft.com/office/drawing/2018/hyperlinkcolor">
+<file path=ppt/slides/slide17.xml><?xml version="1.0" encoding="utf-8"?>
+<p:sld xmlns:a="http://schemas.openxmlformats.org/drawingml/2006/main" xmlns:r="http://schemas.openxmlformats.org/officeDocument/2006/relationships" xmlns:p="http://schemas.openxmlformats.org/presentationml/2006/main">
   <p:cSld>
     <p:spTree>
       <p:nvGrpSpPr>
-        <p:cNvPr id="173" name="Shape 173"/>
+        <p:cNvPr id="1" name="Shape 173"/>
         <p:cNvGrpSpPr/>
         <p:nvPr/>
       </p:nvGrpSpPr>
@@ -9884,7 +9275,9 @@
       <p:sp>
         <p:nvSpPr>
           <p:cNvPr id="174" name="Google Shape;174;p27"/>
-          <p:cNvSpPr txBox="1"/>
+          <p:cNvSpPr txBox="1">
+            <a:spLocks noGrp="1"/>
+          </p:cNvSpPr>
           <p:nvPr>
             <p:ph type="title"/>
           </p:nvPr>
@@ -9899,12 +9292,12 @@
           </a:prstGeom>
         </p:spPr>
         <p:txBody>
-          <a:bodyPr anchorCtr="0" anchor="ctr" bIns="45700" lIns="91425" spcFirstLastPara="1" rIns="91425" wrap="square" tIns="45700">
+          <a:bodyPr spcFirstLastPara="1" wrap="square" lIns="91425" tIns="45700" rIns="91425" bIns="45700" anchor="ctr" anchorCtr="0">
             <a:noAutofit/>
           </a:bodyPr>
           <a:lstStyle/>
           <a:p>
-            <a:pPr indent="0" lvl="0" marL="0" rtl="0" algn="l">
+            <a:pPr marL="0" lvl="0" indent="0" algn="l" rtl="0">
               <a:spcBef>
                 <a:spcPts val="0"/>
               </a:spcBef>
@@ -9924,9 +9317,11 @@
       <p:sp>
         <p:nvSpPr>
           <p:cNvPr id="175" name="Google Shape;175;p27"/>
-          <p:cNvSpPr txBox="1"/>
+          <p:cNvSpPr txBox="1">
+            <a:spLocks noGrp="1"/>
+          </p:cNvSpPr>
           <p:nvPr>
-            <p:ph idx="1" type="body"/>
+            <p:ph type="body" idx="1"/>
           </p:nvPr>
         </p:nvSpPr>
         <p:spPr>
@@ -9939,12 +9334,12 @@
           </a:prstGeom>
         </p:spPr>
         <p:txBody>
-          <a:bodyPr anchorCtr="0" anchor="t" bIns="45700" lIns="91425" spcFirstLastPara="1" rIns="91425" wrap="square" tIns="45700">
+          <a:bodyPr spcFirstLastPara="1" wrap="square" lIns="91425" tIns="45700" rIns="91425" bIns="45700" anchor="t" anchorCtr="0">
             <a:noAutofit/>
           </a:bodyPr>
           <a:lstStyle/>
           <a:p>
-            <a:pPr indent="-431800" lvl="0" marL="457200" rtl="0" algn="l">
+            <a:pPr marL="457200" lvl="0" indent="-431800" algn="l" rtl="0">
               <a:spcBef>
                 <a:spcPts val="640"/>
               </a:spcBef>
@@ -9961,7 +9356,7 @@
             <a:endParaRPr/>
           </a:p>
           <a:p>
-            <a:pPr indent="-431800" lvl="0" marL="457200" rtl="0" algn="l">
+            <a:pPr marL="457200" lvl="0" indent="-431800" algn="l" rtl="0">
               <a:spcBef>
                 <a:spcPts val="0"/>
               </a:spcBef>
@@ -9978,7 +9373,7 @@
             <a:endParaRPr/>
           </a:p>
           <a:p>
-            <a:pPr indent="-431800" lvl="0" marL="457200" rtl="0" algn="l">
+            <a:pPr marL="457200" lvl="0" indent="-431800" algn="l" rtl="0">
               <a:spcBef>
                 <a:spcPts val="0"/>
               </a:spcBef>
@@ -9995,7 +9390,7 @@
             <a:endParaRPr/>
           </a:p>
           <a:p>
-            <a:pPr indent="-431800" lvl="0" marL="457200" rtl="0" algn="l">
+            <a:pPr marL="457200" lvl="0" indent="-431800" algn="l" rtl="0">
               <a:spcBef>
                 <a:spcPts val="0"/>
               </a:spcBef>
@@ -10012,7 +9407,7 @@
             <a:endParaRPr/>
           </a:p>
           <a:p>
-            <a:pPr indent="-431800" lvl="0" marL="457200" rtl="0" algn="l">
+            <a:pPr marL="457200" lvl="0" indent="-431800" algn="l" rtl="0">
               <a:spcBef>
                 <a:spcPts val="0"/>
               </a:spcBef>
@@ -10029,7 +9424,7 @@
             <a:endParaRPr/>
           </a:p>
           <a:p>
-            <a:pPr indent="0" lvl="0" marL="457200" rtl="0" algn="l">
+            <a:pPr marL="457200" lvl="0" indent="0" algn="l" rtl="0">
               <a:spcBef>
                 <a:spcPts val="640"/>
               </a:spcBef>
@@ -10045,7 +9440,7 @@
             <a:endParaRPr/>
           </a:p>
           <a:p>
-            <a:pPr indent="0" lvl="0" marL="457200" rtl="0" algn="l">
+            <a:pPr marL="457200" lvl="0" indent="0" algn="l" rtl="0">
               <a:spcBef>
                 <a:spcPts val="640"/>
               </a:spcBef>
@@ -10075,18 +9470,18 @@
           </a:xfrm>
           <a:prstGeom prst="bentConnector3">
             <a:avLst>
-              <a:gd fmla="val 50000" name="adj1"/>
+              <a:gd name="adj1" fmla="val 50000"/>
             </a:avLst>
           </a:prstGeom>
           <a:noFill/>
-          <a:ln cap="flat" cmpd="sng" w="9525">
+          <a:ln w="9525" cap="flat" cmpd="sng">
             <a:solidFill>
               <a:schemeClr val="dk2"/>
             </a:solidFill>
             <a:prstDash val="solid"/>
             <a:round/>
-            <a:headEnd len="med" w="med" type="none"/>
-            <a:tailEnd len="med" w="med" type="none"/>
+            <a:headEnd type="none" w="med" len="med"/>
+            <a:tailEnd type="none" w="med" len="med"/>
           </a:ln>
         </p:spPr>
       </p:cxnSp>
@@ -10103,18 +9498,18 @@
           </a:xfrm>
           <a:prstGeom prst="bentConnector3">
             <a:avLst>
-              <a:gd fmla="val 50000" name="adj1"/>
+              <a:gd name="adj1" fmla="val 50000"/>
             </a:avLst>
           </a:prstGeom>
           <a:noFill/>
-          <a:ln cap="flat" cmpd="sng" w="9525">
+          <a:ln w="9525" cap="flat" cmpd="sng">
             <a:solidFill>
               <a:schemeClr val="dk2"/>
             </a:solidFill>
             <a:prstDash val="solid"/>
             <a:round/>
-            <a:headEnd len="med" w="med" type="none"/>
-            <a:tailEnd len="med" w="med" type="none"/>
+            <a:headEnd type="none" w="med" len="med"/>
+            <a:tailEnd type="none" w="med" len="med"/>
           </a:ln>
         </p:spPr>
       </p:cxnSp>
@@ -10126,127 +9521,12 @@
 </p:sld>
 </file>
 
-<file path=ppt/slides/slide2.xml><?xml version="1.0" encoding="utf-8"?>
-<p:sld xmlns:a="http://schemas.openxmlformats.org/drawingml/2006/main" xmlns:r="http://schemas.openxmlformats.org/officeDocument/2006/relationships" xmlns:mc="http://schemas.openxmlformats.org/markup-compatibility/2006" xmlns:mv="urn:schemas-microsoft-com:mac:vml" xmlns:p="http://schemas.openxmlformats.org/presentationml/2006/main" xmlns:c="http://schemas.openxmlformats.org/drawingml/2006/chart" xmlns:dgm="http://schemas.openxmlformats.org/drawingml/2006/diagram" xmlns:o="urn:schemas-microsoft-com:office:office" xmlns:v="urn:schemas-microsoft-com:vml" xmlns:pvml="urn:schemas-microsoft-com:office:powerpoint" xmlns:com="http://schemas.openxmlformats.org/drawingml/2006/compatibility" xmlns:p14="http://schemas.microsoft.com/office/powerpoint/2010/main" xmlns:p15="http://schemas.microsoft.com/office/powerpoint/2012/main" xmlns:ahyp="http://schemas.microsoft.com/office/drawing/2018/hyperlinkcolor">
+<file path=ppt/slides/slide18.xml><?xml version="1.0" encoding="utf-8"?>
+<p:sld xmlns:a="http://schemas.openxmlformats.org/drawingml/2006/main" xmlns:r="http://schemas.openxmlformats.org/officeDocument/2006/relationships" xmlns:p="http://schemas.openxmlformats.org/presentationml/2006/main">
   <p:cSld>
     <p:spTree>
       <p:nvGrpSpPr>
-        <p:cNvPr id="47" name="Shape 47"/>
-        <p:cNvGrpSpPr/>
-        <p:nvPr/>
-      </p:nvGrpSpPr>
-      <p:grpSpPr>
-        <a:xfrm>
-          <a:off x="0" y="0"/>
-          <a:ext cx="0" cy="0"/>
-          <a:chOff x="0" y="0"/>
-          <a:chExt cx="0" cy="0"/>
-        </a:xfrm>
-      </p:grpSpPr>
-      <p:sp>
-        <p:nvSpPr>
-          <p:cNvPr id="48" name="Google Shape;48;p10"/>
-          <p:cNvSpPr txBox="1"/>
-          <p:nvPr>
-            <p:ph type="ctrTitle"/>
-          </p:nvPr>
-        </p:nvSpPr>
-        <p:spPr>
-          <a:xfrm>
-            <a:off x="332000" y="258200"/>
-            <a:ext cx="8635800" cy="1024200"/>
-          </a:xfrm>
-          <a:prstGeom prst="rect">
-            <a:avLst/>
-          </a:prstGeom>
-        </p:spPr>
-        <p:txBody>
-          <a:bodyPr anchorCtr="0" anchor="ctr" bIns="45700" lIns="91425" spcFirstLastPara="1" rIns="91425" wrap="square" tIns="45700">
-            <a:noAutofit/>
-          </a:bodyPr>
-          <a:lstStyle/>
-          <a:p>
-            <a:pPr indent="0" lvl="0" marL="0" rtl="0" algn="l">
-              <a:spcBef>
-                <a:spcPts val="0"/>
-              </a:spcBef>
-              <a:spcAft>
-                <a:spcPts val="0"/>
-              </a:spcAft>
-              <a:buNone/>
-            </a:pPr>
-            <a:r>
-              <a:rPr lang="en"/>
-              <a:t>	Getting Started</a:t>
-            </a:r>
-            <a:endParaRPr/>
-          </a:p>
-        </p:txBody>
-      </p:sp>
-      <p:sp>
-        <p:nvSpPr>
-          <p:cNvPr id="49" name="Google Shape;49;p10"/>
-          <p:cNvSpPr txBox="1"/>
-          <p:nvPr>
-            <p:ph idx="1" type="subTitle"/>
-          </p:nvPr>
-        </p:nvSpPr>
-        <p:spPr>
-          <a:xfrm>
-            <a:off x="152400" y="1910300"/>
-            <a:ext cx="8895300" cy="661500"/>
-          </a:xfrm>
-          <a:prstGeom prst="rect">
-            <a:avLst/>
-          </a:prstGeom>
-        </p:spPr>
-        <p:txBody>
-          <a:bodyPr anchorCtr="0" anchor="t" bIns="45700" lIns="91425" spcFirstLastPara="1" rIns="91425" wrap="square" tIns="45700">
-            <a:noAutofit/>
-          </a:bodyPr>
-          <a:lstStyle/>
-          <a:p>
-            <a:pPr indent="0" lvl="0" marL="0" rtl="0" algn="l">
-              <a:spcBef>
-                <a:spcPts val="0"/>
-              </a:spcBef>
-              <a:spcAft>
-                <a:spcPts val="0"/>
-              </a:spcAft>
-              <a:buClr>
-                <a:schemeClr val="accent5"/>
-              </a:buClr>
-              <a:buSzPts val="1100"/>
-              <a:buFont typeface="Arial"/>
-              <a:buNone/>
-            </a:pPr>
-            <a:r>
-              <a:rPr lang="en" sz="3600" u="sng">
-                <a:solidFill>
-                  <a:schemeClr val="hlink"/>
-                </a:solidFill>
-                <a:hlinkClick r:id="rId3"/>
-              </a:rPr>
-              <a:t>https://github.com/jsearcy1/BI608-2020</a:t>
-            </a:r>
-            <a:endParaRPr sz="3600"/>
-          </a:p>
-        </p:txBody>
-      </p:sp>
-    </p:spTree>
-  </p:cSld>
-  <p:clrMapOvr>
-    <a:masterClrMapping/>
-  </p:clrMapOvr>
-</p:sld>
-</file>
-
-<file path=ppt/slides/slide20.xml><?xml version="1.0" encoding="utf-8"?>
-<p:sld xmlns:a="http://schemas.openxmlformats.org/drawingml/2006/main" xmlns:r="http://schemas.openxmlformats.org/officeDocument/2006/relationships" xmlns:mc="http://schemas.openxmlformats.org/markup-compatibility/2006" xmlns:mv="urn:schemas-microsoft-com:mac:vml" xmlns:p="http://schemas.openxmlformats.org/presentationml/2006/main" xmlns:c="http://schemas.openxmlformats.org/drawingml/2006/chart" xmlns:dgm="http://schemas.openxmlformats.org/drawingml/2006/diagram" xmlns:o="urn:schemas-microsoft-com:office:office" xmlns:v="urn:schemas-microsoft-com:vml" xmlns:pvml="urn:schemas-microsoft-com:office:powerpoint" xmlns:com="http://schemas.openxmlformats.org/drawingml/2006/compatibility" xmlns:p14="http://schemas.microsoft.com/office/powerpoint/2010/main" xmlns:p15="http://schemas.microsoft.com/office/powerpoint/2012/main" xmlns:ahyp="http://schemas.microsoft.com/office/drawing/2018/hyperlinkcolor">
-  <p:cSld>
-    <p:spTree>
-      <p:nvGrpSpPr>
-        <p:cNvPr id="181" name="Shape 181"/>
+        <p:cNvPr id="1" name="Shape 181"/>
         <p:cNvGrpSpPr/>
         <p:nvPr/>
       </p:nvGrpSpPr>
@@ -10261,14 +9541,16 @@
       <p:sp>
         <p:nvSpPr>
           <p:cNvPr id="182" name="Google Shape;182;p28"/>
-          <p:cNvSpPr txBox="1"/>
+          <p:cNvSpPr txBox="1">
+            <a:spLocks noGrp="1"/>
+          </p:cNvSpPr>
           <p:nvPr>
-            <p:ph idx="1" type="body"/>
+            <p:ph type="body" idx="1"/>
           </p:nvPr>
         </p:nvSpPr>
         <p:spPr>
           <a:xfrm>
-            <a:off x="457200" y="1200151"/>
+            <a:off x="393590" y="492485"/>
             <a:ext cx="8229600" cy="3219600"/>
           </a:xfrm>
           <a:prstGeom prst="rect">
@@ -10276,12 +9558,12 @@
           </a:prstGeom>
         </p:spPr>
         <p:txBody>
-          <a:bodyPr anchorCtr="0" anchor="t" bIns="45700" lIns="91425" spcFirstLastPara="1" rIns="91425" wrap="square" tIns="45700">
+          <a:bodyPr spcFirstLastPara="1" wrap="square" lIns="91425" tIns="45700" rIns="91425" bIns="45700" anchor="t" anchorCtr="0">
             <a:noAutofit/>
           </a:bodyPr>
           <a:lstStyle/>
           <a:p>
-            <a:pPr indent="0" lvl="0" marL="0" rtl="0" algn="l">
+            <a:pPr marL="0" lvl="0" indent="0" algn="l" rtl="0">
               <a:spcBef>
                 <a:spcPts val="640"/>
               </a:spcBef>
@@ -10291,10 +9573,79 @@
               <a:buNone/>
             </a:pPr>
             <a:r>
-              <a:rPr lang="en"/>
-              <a:t>Let’s Get Started!</a:t>
+              <a:rPr lang="en" dirty="0"/>
+              <a:t>How This Workshop Works</a:t>
             </a:r>
-            <a:endParaRPr/>
+          </a:p>
+          <a:p>
+            <a:pPr lvl="0" indent="-457200" algn="l" rtl="0">
+              <a:spcBef>
+                <a:spcPts val="640"/>
+              </a:spcBef>
+              <a:spcAft>
+                <a:spcPts val="0"/>
+              </a:spcAft>
+              <a:buFont typeface="Arial" panose="020B0604020202020204" pitchFamily="34" charset="0"/>
+              <a:buChar char="•"/>
+            </a:pPr>
+            <a:r>
+              <a:rPr lang="en" dirty="0"/>
+              <a:t>We’ll be working through material together with a few exercises </a:t>
+            </a:r>
+          </a:p>
+          <a:p>
+            <a:pPr lvl="0" indent="-457200" algn="l" rtl="0">
+              <a:spcBef>
+                <a:spcPts val="640"/>
+              </a:spcBef>
+              <a:spcAft>
+                <a:spcPts val="0"/>
+              </a:spcAft>
+              <a:buFont typeface="Arial" panose="020B0604020202020204" pitchFamily="34" charset="0"/>
+              <a:buChar char="•"/>
+            </a:pPr>
+            <a:r>
+              <a:rPr lang="en" dirty="0"/>
+              <a:t>Work along, and ask lots of questions</a:t>
+            </a:r>
+          </a:p>
+          <a:p>
+            <a:pPr lvl="0" indent="-457200" algn="l" rtl="0">
+              <a:spcBef>
+                <a:spcPts val="640"/>
+              </a:spcBef>
+              <a:spcAft>
+                <a:spcPts val="0"/>
+              </a:spcAft>
+              <a:buFont typeface="Arial" panose="020B0604020202020204" pitchFamily="34" charset="0"/>
+              <a:buChar char="•"/>
+            </a:pPr>
+            <a:r>
+              <a:rPr lang="en" dirty="0"/>
+              <a:t>Lets get started:</a:t>
+            </a:r>
+          </a:p>
+          <a:p>
+            <a:pPr marL="0" indent="0"/>
+            <a:r>
+              <a:rPr lang="en-US" dirty="0">
+                <a:hlinkClick r:id="rId3"/>
+              </a:rPr>
+              <a:t>https://github.com/jsearcy1/DNNWS_2022</a:t>
+            </a:r>
+            <a:endParaRPr lang="en-US" dirty="0"/>
+          </a:p>
+          <a:p>
+            <a:pPr marL="0" lvl="0" indent="0" algn="l" rtl="0">
+              <a:spcBef>
+                <a:spcPts val="640"/>
+              </a:spcBef>
+              <a:spcAft>
+                <a:spcPts val="0"/>
+              </a:spcAft>
+              <a:buNone/>
+            </a:pPr>
+            <a:endParaRPr dirty="0"/>
           </a:p>
         </p:txBody>
       </p:sp>
@@ -10306,179 +9657,12 @@
 </p:sld>
 </file>
 
-<file path=ppt/slides/slide3.xml><?xml version="1.0" encoding="utf-8"?>
-<p:sld xmlns:a="http://schemas.openxmlformats.org/drawingml/2006/main" xmlns:r="http://schemas.openxmlformats.org/officeDocument/2006/relationships" xmlns:mc="http://schemas.openxmlformats.org/markup-compatibility/2006" xmlns:mv="urn:schemas-microsoft-com:mac:vml" xmlns:p="http://schemas.openxmlformats.org/presentationml/2006/main" xmlns:c="http://schemas.openxmlformats.org/drawingml/2006/chart" xmlns:dgm="http://schemas.openxmlformats.org/drawingml/2006/diagram" xmlns:o="urn:schemas-microsoft-com:office:office" xmlns:v="urn:schemas-microsoft-com:vml" xmlns:pvml="urn:schemas-microsoft-com:office:powerpoint" xmlns:com="http://schemas.openxmlformats.org/drawingml/2006/compatibility" xmlns:p14="http://schemas.microsoft.com/office/powerpoint/2010/main" xmlns:p15="http://schemas.microsoft.com/office/powerpoint/2012/main" xmlns:ahyp="http://schemas.microsoft.com/office/drawing/2018/hyperlinkcolor">
+<file path=ppt/slides/slide2.xml><?xml version="1.0" encoding="utf-8"?>
+<p:sld xmlns:a="http://schemas.openxmlformats.org/drawingml/2006/main" xmlns:r="http://schemas.openxmlformats.org/officeDocument/2006/relationships" xmlns:p="http://schemas.openxmlformats.org/presentationml/2006/main">
   <p:cSld>
     <p:spTree>
       <p:nvGrpSpPr>
-        <p:cNvPr id="53" name="Shape 53"/>
-        <p:cNvGrpSpPr/>
-        <p:nvPr/>
-      </p:nvGrpSpPr>
-      <p:grpSpPr>
-        <a:xfrm>
-          <a:off x="0" y="0"/>
-          <a:ext cx="0" cy="0"/>
-          <a:chOff x="0" y="0"/>
-          <a:chExt cx="0" cy="0"/>
-        </a:xfrm>
-      </p:grpSpPr>
-      <p:sp>
-        <p:nvSpPr>
-          <p:cNvPr id="54" name="Google Shape;54;p11"/>
-          <p:cNvSpPr txBox="1"/>
-          <p:nvPr>
-            <p:ph type="title"/>
-          </p:nvPr>
-        </p:nvSpPr>
-        <p:spPr>
-          <a:xfrm>
-            <a:off x="457200" y="205978"/>
-            <a:ext cx="8229600" cy="857400"/>
-          </a:xfrm>
-          <a:prstGeom prst="rect">
-            <a:avLst/>
-          </a:prstGeom>
-        </p:spPr>
-        <p:txBody>
-          <a:bodyPr anchorCtr="0" anchor="ctr" bIns="45700" lIns="91425" spcFirstLastPara="1" rIns="91425" wrap="square" tIns="45700">
-            <a:noAutofit/>
-          </a:bodyPr>
-          <a:lstStyle/>
-          <a:p>
-            <a:pPr indent="0" lvl="0" marL="0" rtl="0" algn="l">
-              <a:spcBef>
-                <a:spcPts val="0"/>
-              </a:spcBef>
-              <a:spcAft>
-                <a:spcPts val="0"/>
-              </a:spcAft>
-              <a:buNone/>
-            </a:pPr>
-            <a:r>
-              <a:rPr lang="en"/>
-              <a:t>Motivations </a:t>
-            </a:r>
-            <a:endParaRPr/>
-          </a:p>
-        </p:txBody>
-      </p:sp>
-      <p:sp>
-        <p:nvSpPr>
-          <p:cNvPr id="55" name="Google Shape;55;p11"/>
-          <p:cNvSpPr txBox="1"/>
-          <p:nvPr>
-            <p:ph idx="1" type="body"/>
-          </p:nvPr>
-        </p:nvSpPr>
-        <p:spPr>
-          <a:xfrm>
-            <a:off x="457200" y="1177901"/>
-            <a:ext cx="8229600" cy="3219600"/>
-          </a:xfrm>
-          <a:prstGeom prst="rect">
-            <a:avLst/>
-          </a:prstGeom>
-        </p:spPr>
-        <p:txBody>
-          <a:bodyPr anchorCtr="0" anchor="t" bIns="45700" lIns="91425" spcFirstLastPara="1" rIns="91425" wrap="square" tIns="45700">
-            <a:noAutofit/>
-          </a:bodyPr>
-          <a:lstStyle/>
-          <a:p>
-            <a:pPr indent="0" lvl="0" marL="0" rtl="0" algn="l">
-              <a:spcBef>
-                <a:spcPts val="640"/>
-              </a:spcBef>
-              <a:spcAft>
-                <a:spcPts val="0"/>
-              </a:spcAft>
-              <a:buNone/>
-            </a:pPr>
-            <a:r>
-              <a:rPr lang="en" sz="1800"/>
-              <a:t>Johns Hopkins study suggests medical errors are third-leading cause of death in U.S. 	</a:t>
-            </a:r>
-            <a:endParaRPr sz="1800"/>
-          </a:p>
-          <a:p>
-            <a:pPr indent="0" lvl="0" marL="0" rtl="0" algn="l">
-              <a:spcBef>
-                <a:spcPts val="640"/>
-              </a:spcBef>
-              <a:spcAft>
-                <a:spcPts val="0"/>
-              </a:spcAft>
-              <a:buNone/>
-            </a:pPr>
-            <a:r>
-              <a:rPr lang="en"/>
-              <a:t>	</a:t>
-            </a:r>
-            <a:endParaRPr/>
-          </a:p>
-          <a:p>
-            <a:pPr indent="0" lvl="0" marL="0" rtl="0" algn="l">
-              <a:spcBef>
-                <a:spcPts val="640"/>
-              </a:spcBef>
-              <a:spcAft>
-                <a:spcPts val="0"/>
-              </a:spcAft>
-              <a:buNone/>
-            </a:pPr>
-            <a:r>
-              <a:rPr lang="en" sz="2000" u="sng">
-                <a:solidFill>
-                  <a:schemeClr val="hlink"/>
-                </a:solidFill>
-                <a:hlinkClick r:id="rId3"/>
-              </a:rPr>
-              <a:t>https://hub.jhu.edu/2016/05/03/medical-errors-third-leading-cause-of-death</a:t>
-            </a:r>
-            <a:r>
-              <a:rPr lang="en" sz="2800" u="sng">
-                <a:solidFill>
-                  <a:schemeClr val="hlink"/>
-                </a:solidFill>
-                <a:hlinkClick r:id="rId4"/>
-              </a:rPr>
-              <a:t>/</a:t>
-            </a:r>
-            <a:endParaRPr/>
-          </a:p>
-          <a:p>
-            <a:pPr indent="0" lvl="0" marL="0" rtl="0" algn="l">
-              <a:spcBef>
-                <a:spcPts val="640"/>
-              </a:spcBef>
-              <a:spcAft>
-                <a:spcPts val="0"/>
-              </a:spcAft>
-              <a:buNone/>
-            </a:pPr>
-            <a:r>
-              <a:rPr lang="en" sz="1800"/>
-              <a:t>Error=any action “that does not achieve its intended outcome” or any planned action that, for whatever reason, is not done “that may or may not cause harm to the patient.” </a:t>
-            </a:r>
-            <a:endParaRPr sz="1800"/>
-          </a:p>
-        </p:txBody>
-      </p:sp>
-    </p:spTree>
-  </p:cSld>
-  <p:clrMapOvr>
-    <a:masterClrMapping/>
-  </p:clrMapOvr>
-</p:sld>
-</file>
-
-<file path=ppt/slides/slide4.xml><?xml version="1.0" encoding="utf-8"?>
-<p:sld xmlns:a="http://schemas.openxmlformats.org/drawingml/2006/main" xmlns:r="http://schemas.openxmlformats.org/officeDocument/2006/relationships" xmlns:mc="http://schemas.openxmlformats.org/markup-compatibility/2006" xmlns:mv="urn:schemas-microsoft-com:mac:vml" xmlns:p="http://schemas.openxmlformats.org/presentationml/2006/main" xmlns:c="http://schemas.openxmlformats.org/drawingml/2006/chart" xmlns:dgm="http://schemas.openxmlformats.org/drawingml/2006/diagram" xmlns:o="urn:schemas-microsoft-com:office:office" xmlns:v="urn:schemas-microsoft-com:vml" xmlns:pvml="urn:schemas-microsoft-com:office:powerpoint" xmlns:com="http://schemas.openxmlformats.org/drawingml/2006/compatibility" xmlns:p14="http://schemas.microsoft.com/office/powerpoint/2010/main" xmlns:p15="http://schemas.microsoft.com/office/powerpoint/2012/main" xmlns:ahyp="http://schemas.microsoft.com/office/drawing/2018/hyperlinkcolor">
-  <p:cSld>
-    <p:spTree>
-      <p:nvGrpSpPr>
-        <p:cNvPr id="59" name="Shape 59"/>
+        <p:cNvPr id="1" name="Shape 59"/>
         <p:cNvGrpSpPr/>
         <p:nvPr/>
       </p:nvGrpSpPr>
@@ -10493,7 +9677,9 @@
       <p:sp>
         <p:nvSpPr>
           <p:cNvPr id="60" name="Google Shape;60;p12"/>
-          <p:cNvSpPr txBox="1"/>
+          <p:cNvSpPr txBox="1">
+            <a:spLocks noGrp="1"/>
+          </p:cNvSpPr>
           <p:nvPr>
             <p:ph type="title"/>
           </p:nvPr>
@@ -10508,12 +9694,12 @@
           </a:prstGeom>
         </p:spPr>
         <p:txBody>
-          <a:bodyPr anchorCtr="0" anchor="ctr" bIns="45700" lIns="91425" spcFirstLastPara="1" rIns="91425" wrap="square" tIns="45700">
+          <a:bodyPr spcFirstLastPara="1" wrap="square" lIns="91425" tIns="45700" rIns="91425" bIns="45700" anchor="ctr" anchorCtr="0">
             <a:noAutofit/>
           </a:bodyPr>
           <a:lstStyle/>
           <a:p>
-            <a:pPr indent="0" lvl="0" marL="0" rtl="0" algn="ctr">
+            <a:pPr marL="0" lvl="0" indent="0" algn="ctr" rtl="0">
               <a:spcBef>
                 <a:spcPts val="0"/>
               </a:spcBef>
@@ -10537,9 +9723,11 @@
       <p:sp>
         <p:nvSpPr>
           <p:cNvPr id="61" name="Google Shape;61;p12"/>
-          <p:cNvSpPr txBox="1"/>
+          <p:cNvSpPr txBox="1">
+            <a:spLocks noGrp="1"/>
+          </p:cNvSpPr>
           <p:nvPr>
-            <p:ph idx="1" type="body"/>
+            <p:ph type="body" idx="1"/>
           </p:nvPr>
         </p:nvSpPr>
         <p:spPr>
@@ -10552,12 +9740,12 @@
           </a:prstGeom>
         </p:spPr>
         <p:txBody>
-          <a:bodyPr anchorCtr="0" anchor="t" bIns="45700" lIns="91425" spcFirstLastPara="1" rIns="91425" wrap="square" tIns="45700">
+          <a:bodyPr spcFirstLastPara="1" wrap="square" lIns="91425" tIns="45700" rIns="91425" bIns="45700" anchor="t" anchorCtr="0">
             <a:noAutofit/>
           </a:bodyPr>
           <a:lstStyle/>
           <a:p>
-            <a:pPr indent="-342900" lvl="0" marL="457200" rtl="0" algn="l">
+            <a:pPr marL="457200" lvl="0" indent="-342900" algn="l" rtl="0">
               <a:spcBef>
                 <a:spcPts val="640"/>
               </a:spcBef>
@@ -10568,13 +9756,13 @@
               <a:buChar char="●"/>
             </a:pPr>
             <a:r>
-              <a:rPr b="1" lang="en" sz="1800"/>
+              <a:rPr lang="en" sz="1800" b="1"/>
               <a:t>Machine learning (ML) is a lot like programing</a:t>
             </a:r>
-            <a:endParaRPr b="1" sz="1800"/>
-          </a:p>
-          <a:p>
-            <a:pPr indent="-342900" lvl="1" marL="914400" rtl="0" algn="l">
+            <a:endParaRPr sz="1800" b="1"/>
+          </a:p>
+          <a:p>
+            <a:pPr marL="914400" lvl="1" indent="-342900" algn="l" rtl="0">
               <a:spcBef>
                 <a:spcPts val="0"/>
               </a:spcBef>
@@ -10586,20 +9774,12 @@
             </a:pPr>
             <a:r>
               <a:rPr lang="en" sz="1800"/>
-              <a:t>It’s a series of </a:t>
-            </a:r>
-            <a:r>
-              <a:rPr lang="en" sz="1800"/>
-              <a:t>technique</a:t>
-            </a:r>
-            <a:r>
-              <a:rPr lang="en" sz="1800"/>
-              <a:t> for telling a computer how to do something</a:t>
+              <a:t>It’s a series of technique for telling a computer how to do something</a:t>
             </a:r>
             <a:endParaRPr sz="1800"/>
           </a:p>
           <a:p>
-            <a:pPr indent="-342900" lvl="1" marL="914400" marR="0" rtl="0" algn="l">
+            <a:pPr marL="914400" marR="0" lvl="1" indent="-342900" algn="l" rtl="0">
               <a:lnSpc>
                 <a:spcPct val="100000"/>
               </a:lnSpc>
@@ -10626,7 +9806,7 @@
             <a:endParaRPr sz="1800"/>
           </a:p>
           <a:p>
-            <a:pPr indent="-342900" lvl="0" marL="457200" marR="0" rtl="0" algn="l">
+            <a:pPr marL="457200" marR="0" lvl="0" indent="-342900" algn="l" rtl="0">
               <a:lnSpc>
                 <a:spcPct val="100000"/>
               </a:lnSpc>
@@ -10640,13 +9820,13 @@
               <a:buChar char="●"/>
             </a:pPr>
             <a:r>
-              <a:rPr b="1" lang="en" sz="1800"/>
+              <a:rPr lang="en" sz="1800" b="1"/>
               <a:t>Often is not the right choice</a:t>
             </a:r>
-            <a:endParaRPr b="1" sz="1800"/>
-          </a:p>
-          <a:p>
-            <a:pPr indent="-342900" lvl="1" marL="914400" marR="0" rtl="0" algn="l">
+            <a:endParaRPr sz="1800" b="1"/>
+          </a:p>
+          <a:p>
+            <a:pPr marL="914400" marR="0" lvl="1" indent="-342900" algn="l" rtl="0">
               <a:lnSpc>
                 <a:spcPct val="100000"/>
               </a:lnSpc>
@@ -10666,7 +9846,7 @@
             <a:endParaRPr sz="1800"/>
           </a:p>
           <a:p>
-            <a:pPr indent="-342900" lvl="2" marL="1371600" marR="0" rtl="0" algn="l">
+            <a:pPr marL="1371600" marR="0" lvl="2" indent="-342900" algn="l" rtl="0">
               <a:lnSpc>
                 <a:spcPct val="100000"/>
               </a:lnSpc>
@@ -10681,20 +9861,12 @@
             </a:pPr>
             <a:r>
               <a:rPr lang="en" sz="1800"/>
-              <a:t>Would take a </a:t>
-            </a:r>
-            <a:r>
-              <a:rPr lang="en" sz="1800"/>
-              <a:t>comparatively</a:t>
-            </a:r>
-            <a:r>
-              <a:rPr lang="en" sz="1800"/>
-              <a:t>  lot of work</a:t>
+              <a:t>Would take a comparatively  lot of work</a:t>
             </a:r>
             <a:endParaRPr sz="1800"/>
           </a:p>
           <a:p>
-            <a:pPr indent="-342900" lvl="2" marL="1371600" marR="0" rtl="0" algn="l">
+            <a:pPr marL="1371600" marR="0" lvl="2" indent="-342900" algn="l" rtl="0">
               <a:lnSpc>
                 <a:spcPct val="100000"/>
               </a:lnSpc>
@@ -10717,7 +9889,7 @@
             <a:endParaRPr sz="1800"/>
           </a:p>
           <a:p>
-            <a:pPr indent="-342900" lvl="0" marL="457200" marR="0" rtl="0" algn="l">
+            <a:pPr marL="457200" marR="0" lvl="0" indent="-342900" algn="l" rtl="0">
               <a:lnSpc>
                 <a:spcPct val="100000"/>
               </a:lnSpc>
@@ -10731,13 +9903,13 @@
               <a:buChar char="●"/>
             </a:pPr>
             <a:r>
-              <a:rPr b="1" lang="en" sz="1800"/>
+              <a:rPr lang="en" sz="1800" b="1"/>
               <a:t>Perfect when you have data but no algorithm</a:t>
             </a:r>
-            <a:endParaRPr b="1" sz="1800"/>
-          </a:p>
-          <a:p>
-            <a:pPr indent="0" lvl="0" marL="914400" marR="0" rtl="0" algn="l">
+            <a:endParaRPr sz="1800" b="1"/>
+          </a:p>
+          <a:p>
+            <a:pPr marL="914400" marR="0" lvl="0" indent="0" algn="l" rtl="0">
               <a:lnSpc>
                 <a:spcPct val="100000"/>
               </a:lnSpc>
@@ -10749,9 +9921,6 @@
               </a:spcAft>
               <a:buNone/>
             </a:pPr>
-            <a:r>
-              <a:t/>
-            </a:r>
             <a:endParaRPr sz="1800"/>
           </a:p>
         </p:txBody>
@@ -10776,12 +9945,12 @@
           </a:ln>
         </p:spPr>
         <p:txBody>
-          <a:bodyPr anchorCtr="0" anchor="t" bIns="91425" lIns="91425" spcFirstLastPara="1" rIns="91425" wrap="square" tIns="91425">
+          <a:bodyPr spcFirstLastPara="1" wrap="square" lIns="91425" tIns="91425" rIns="91425" bIns="91425" anchor="t" anchorCtr="0">
             <a:noAutofit/>
           </a:bodyPr>
           <a:lstStyle/>
           <a:p>
-            <a:pPr indent="0" lvl="0" marL="0" rtl="0" algn="l">
+            <a:pPr marL="0" lvl="0" indent="0" algn="l" rtl="0">
               <a:spcBef>
                 <a:spcPts val="0"/>
               </a:spcBef>
@@ -10805,7 +9974,7 @@
             </a:endParaRPr>
           </a:p>
           <a:p>
-            <a:pPr indent="0" lvl="0" marL="0" rtl="0" algn="l">
+            <a:pPr marL="0" lvl="0" indent="0" algn="l" rtl="0">
               <a:spcBef>
                 <a:spcPts val="0"/>
               </a:spcBef>
@@ -10823,7 +9992,7 @@
               <a:t>--</a:t>
             </a:r>
             <a:r>
-              <a:rPr b="1" lang="en" sz="1100" u="sng">
+              <a:rPr lang="en" sz="1100" b="1" u="sng">
                 <a:solidFill>
                   <a:schemeClr val="hlink"/>
                 </a:solidFill>
@@ -10855,12 +10024,12 @@
 </p:sld>
 </file>
 
-<file path=ppt/slides/slide5.xml><?xml version="1.0" encoding="utf-8"?>
-<p:sld xmlns:a="http://schemas.openxmlformats.org/drawingml/2006/main" xmlns:r="http://schemas.openxmlformats.org/officeDocument/2006/relationships" xmlns:mc="http://schemas.openxmlformats.org/markup-compatibility/2006" xmlns:mv="urn:schemas-microsoft-com:mac:vml" xmlns:p="http://schemas.openxmlformats.org/presentationml/2006/main" xmlns:c="http://schemas.openxmlformats.org/drawingml/2006/chart" xmlns:dgm="http://schemas.openxmlformats.org/drawingml/2006/diagram" xmlns:o="urn:schemas-microsoft-com:office:office" xmlns:v="urn:schemas-microsoft-com:vml" xmlns:pvml="urn:schemas-microsoft-com:office:powerpoint" xmlns:com="http://schemas.openxmlformats.org/drawingml/2006/compatibility" xmlns:p14="http://schemas.microsoft.com/office/powerpoint/2010/main" xmlns:p15="http://schemas.microsoft.com/office/powerpoint/2012/main" xmlns:ahyp="http://schemas.microsoft.com/office/drawing/2018/hyperlinkcolor">
+<file path=ppt/slides/slide3.xml><?xml version="1.0" encoding="utf-8"?>
+<p:sld xmlns:a="http://schemas.openxmlformats.org/drawingml/2006/main" xmlns:r="http://schemas.openxmlformats.org/officeDocument/2006/relationships" xmlns:p="http://schemas.openxmlformats.org/presentationml/2006/main">
   <p:cSld>
     <p:spTree>
       <p:nvGrpSpPr>
-        <p:cNvPr id="66" name="Shape 66"/>
+        <p:cNvPr id="1" name="Shape 66"/>
         <p:cNvGrpSpPr/>
         <p:nvPr/>
       </p:nvGrpSpPr>
@@ -10920,12 +10089,12 @@
           </a:ln>
         </p:spPr>
         <p:txBody>
-          <a:bodyPr anchorCtr="0" anchor="t" bIns="91425" lIns="91425" spcFirstLastPara="1" rIns="91425" wrap="square" tIns="91425">
+          <a:bodyPr spcFirstLastPara="1" wrap="square" lIns="91425" tIns="91425" rIns="91425" bIns="91425" anchor="t" anchorCtr="0">
             <a:noAutofit/>
           </a:bodyPr>
           <a:lstStyle/>
           <a:p>
-            <a:pPr indent="0" lvl="0" marL="0" rtl="0" algn="l">
+            <a:pPr marL="0" lvl="0" indent="0" algn="l" rtl="0">
               <a:spcBef>
                 <a:spcPts val="0"/>
               </a:spcBef>
@@ -10967,12 +10136,12 @@
           </a:ln>
         </p:spPr>
         <p:txBody>
-          <a:bodyPr anchorCtr="0" anchor="t" bIns="91425" lIns="91425" spcFirstLastPara="1" rIns="91425" wrap="square" tIns="91425">
+          <a:bodyPr spcFirstLastPara="1" wrap="square" lIns="91425" tIns="91425" rIns="91425" bIns="91425" anchor="t" anchorCtr="0">
             <a:noAutofit/>
           </a:bodyPr>
           <a:lstStyle/>
           <a:p>
-            <a:pPr indent="0" lvl="0" marL="0" rtl="0" algn="ctr">
+            <a:pPr marL="0" lvl="0" indent="0" algn="ctr" rtl="0">
               <a:spcBef>
                 <a:spcPts val="0"/>
               </a:spcBef>
@@ -11013,12 +10182,12 @@
 </p:sld>
 </file>
 
-<file path=ppt/slides/slide6.xml><?xml version="1.0" encoding="utf-8"?>
-<p:sld xmlns:a="http://schemas.openxmlformats.org/drawingml/2006/main" xmlns:r="http://schemas.openxmlformats.org/officeDocument/2006/relationships" xmlns:mc="http://schemas.openxmlformats.org/markup-compatibility/2006" xmlns:mv="urn:schemas-microsoft-com:mac:vml" xmlns:p="http://schemas.openxmlformats.org/presentationml/2006/main" xmlns:c="http://schemas.openxmlformats.org/drawingml/2006/chart" xmlns:dgm="http://schemas.openxmlformats.org/drawingml/2006/diagram" xmlns:o="urn:schemas-microsoft-com:office:office" xmlns:v="urn:schemas-microsoft-com:vml" xmlns:pvml="urn:schemas-microsoft-com:office:powerpoint" xmlns:com="http://schemas.openxmlformats.org/drawingml/2006/compatibility" xmlns:p14="http://schemas.microsoft.com/office/powerpoint/2010/main" xmlns:p15="http://schemas.microsoft.com/office/powerpoint/2012/main" xmlns:ahyp="http://schemas.microsoft.com/office/drawing/2018/hyperlinkcolor">
+<file path=ppt/slides/slide4.xml><?xml version="1.0" encoding="utf-8"?>
+<p:sld xmlns:a="http://schemas.openxmlformats.org/drawingml/2006/main" xmlns:r="http://schemas.openxmlformats.org/officeDocument/2006/relationships" xmlns:p="http://schemas.openxmlformats.org/presentationml/2006/main">
   <p:cSld>
     <p:spTree>
       <p:nvGrpSpPr>
-        <p:cNvPr id="73" name="Shape 73"/>
+        <p:cNvPr id="1" name="Shape 73"/>
         <p:cNvGrpSpPr/>
         <p:nvPr/>
       </p:nvGrpSpPr>
@@ -11033,7 +10202,9 @@
       <p:sp>
         <p:nvSpPr>
           <p:cNvPr id="74" name="Google Shape;74;p14"/>
-          <p:cNvSpPr txBox="1"/>
+          <p:cNvSpPr txBox="1">
+            <a:spLocks noGrp="1"/>
+          </p:cNvSpPr>
           <p:nvPr>
             <p:ph type="title"/>
           </p:nvPr>
@@ -11048,12 +10219,12 @@
           </a:prstGeom>
         </p:spPr>
         <p:txBody>
-          <a:bodyPr anchorCtr="0" anchor="ctr" bIns="45700" lIns="91425" spcFirstLastPara="1" rIns="91425" wrap="square" tIns="45700">
+          <a:bodyPr spcFirstLastPara="1" wrap="square" lIns="91425" tIns="45700" rIns="91425" bIns="45700" anchor="ctr" anchorCtr="0">
             <a:noAutofit/>
           </a:bodyPr>
           <a:lstStyle/>
           <a:p>
-            <a:pPr indent="0" lvl="0" marL="0" rtl="0" algn="l">
+            <a:pPr marL="0" lvl="0" indent="0" algn="l" rtl="0">
               <a:spcBef>
                 <a:spcPts val="0"/>
               </a:spcBef>
@@ -11073,9 +10244,11 @@
       <p:sp>
         <p:nvSpPr>
           <p:cNvPr id="75" name="Google Shape;75;p14"/>
-          <p:cNvSpPr txBox="1"/>
+          <p:cNvSpPr txBox="1">
+            <a:spLocks noGrp="1"/>
+          </p:cNvSpPr>
           <p:nvPr>
-            <p:ph idx="1" type="body"/>
+            <p:ph type="body" idx="1"/>
           </p:nvPr>
         </p:nvSpPr>
         <p:spPr>
@@ -11088,12 +10261,12 @@
           </a:prstGeom>
         </p:spPr>
         <p:txBody>
-          <a:bodyPr anchorCtr="0" anchor="t" bIns="45700" lIns="91425" spcFirstLastPara="1" rIns="91425" wrap="square" tIns="45700">
+          <a:bodyPr spcFirstLastPara="1" wrap="square" lIns="91425" tIns="45700" rIns="91425" bIns="45700" anchor="t" anchorCtr="0">
             <a:noAutofit/>
           </a:bodyPr>
           <a:lstStyle/>
           <a:p>
-            <a:pPr indent="0" lvl="0" marL="457200" rtl="0" algn="ctr">
+            <a:pPr marL="457200" lvl="0" indent="0" algn="ctr" rtl="0">
               <a:spcBef>
                 <a:spcPts val="640"/>
               </a:spcBef>
@@ -11174,12 +10347,12 @@
 </p:sld>
 </file>
 
-<file path=ppt/slides/slide7.xml><?xml version="1.0" encoding="utf-8"?>
-<p:sld xmlns:a="http://schemas.openxmlformats.org/drawingml/2006/main" xmlns:r="http://schemas.openxmlformats.org/officeDocument/2006/relationships" xmlns:mc="http://schemas.openxmlformats.org/markup-compatibility/2006" xmlns:mv="urn:schemas-microsoft-com:mac:vml" xmlns:p="http://schemas.openxmlformats.org/presentationml/2006/main" xmlns:c="http://schemas.openxmlformats.org/drawingml/2006/chart" xmlns:dgm="http://schemas.openxmlformats.org/drawingml/2006/diagram" xmlns:o="urn:schemas-microsoft-com:office:office" xmlns:v="urn:schemas-microsoft-com:vml" xmlns:pvml="urn:schemas-microsoft-com:office:powerpoint" xmlns:com="http://schemas.openxmlformats.org/drawingml/2006/compatibility" xmlns:p14="http://schemas.microsoft.com/office/powerpoint/2010/main" xmlns:p15="http://schemas.microsoft.com/office/powerpoint/2012/main" xmlns:ahyp="http://schemas.microsoft.com/office/drawing/2018/hyperlinkcolor">
+<file path=ppt/slides/slide5.xml><?xml version="1.0" encoding="utf-8"?>
+<p:sld xmlns:a="http://schemas.openxmlformats.org/drawingml/2006/main" xmlns:r="http://schemas.openxmlformats.org/officeDocument/2006/relationships" xmlns:p="http://schemas.openxmlformats.org/presentationml/2006/main">
   <p:cSld>
     <p:spTree>
       <p:nvGrpSpPr>
-        <p:cNvPr id="81" name="Shape 81"/>
+        <p:cNvPr id="1" name="Shape 81"/>
         <p:cNvGrpSpPr/>
         <p:nvPr/>
       </p:nvGrpSpPr>
@@ -11194,7 +10367,9 @@
       <p:sp>
         <p:nvSpPr>
           <p:cNvPr id="82" name="Google Shape;82;p15"/>
-          <p:cNvSpPr txBox="1"/>
+          <p:cNvSpPr txBox="1">
+            <a:spLocks noGrp="1"/>
+          </p:cNvSpPr>
           <p:nvPr>
             <p:ph type="title"/>
           </p:nvPr>
@@ -11209,12 +10384,12 @@
           </a:prstGeom>
         </p:spPr>
         <p:txBody>
-          <a:bodyPr anchorCtr="0" anchor="ctr" bIns="45700" lIns="91425" spcFirstLastPara="1" rIns="91425" wrap="square" tIns="45700">
+          <a:bodyPr spcFirstLastPara="1" wrap="square" lIns="91425" tIns="45700" rIns="91425" bIns="45700" anchor="ctr" anchorCtr="0">
             <a:noAutofit/>
           </a:bodyPr>
           <a:lstStyle/>
           <a:p>
-            <a:pPr indent="0" lvl="0" marL="0" rtl="0" algn="l">
+            <a:pPr marL="0" lvl="0" indent="0" algn="l" rtl="0">
               <a:spcBef>
                 <a:spcPts val="0"/>
               </a:spcBef>
@@ -11234,9 +10409,11 @@
       <p:sp>
         <p:nvSpPr>
           <p:cNvPr id="83" name="Google Shape;83;p15"/>
-          <p:cNvSpPr txBox="1"/>
+          <p:cNvSpPr txBox="1">
+            <a:spLocks noGrp="1"/>
+          </p:cNvSpPr>
           <p:nvPr>
-            <p:ph idx="1" type="body"/>
+            <p:ph type="body" idx="1"/>
           </p:nvPr>
         </p:nvSpPr>
         <p:spPr>
@@ -11249,12 +10426,12 @@
           </a:prstGeom>
         </p:spPr>
         <p:txBody>
-          <a:bodyPr anchorCtr="0" anchor="t" bIns="45700" lIns="91425" spcFirstLastPara="1" rIns="91425" wrap="square" tIns="45700">
+          <a:bodyPr spcFirstLastPara="1" wrap="square" lIns="91425" tIns="45700" rIns="91425" bIns="45700" anchor="t" anchorCtr="0">
             <a:noAutofit/>
           </a:bodyPr>
           <a:lstStyle/>
           <a:p>
-            <a:pPr indent="0" lvl="0" marL="457200" rtl="0" algn="l">
+            <a:pPr marL="457200" lvl="0" indent="0" algn="l" rtl="0">
               <a:spcBef>
                 <a:spcPts val="640"/>
               </a:spcBef>
@@ -11270,7 +10447,7 @@
             <a:endParaRPr sz="1800"/>
           </a:p>
           <a:p>
-            <a:pPr indent="0" lvl="0" marL="457200" rtl="0" algn="l">
+            <a:pPr marL="457200" lvl="0" indent="0" algn="l" rtl="0">
               <a:spcBef>
                 <a:spcPts val="640"/>
               </a:spcBef>
@@ -11330,14 +10507,14 @@
             <a:avLst/>
           </a:prstGeom>
           <a:noFill/>
-          <a:ln cap="flat" cmpd="sng" w="76200">
+          <a:ln w="76200" cap="flat" cmpd="sng">
             <a:solidFill>
               <a:schemeClr val="dk2"/>
             </a:solidFill>
             <a:prstDash val="solid"/>
             <a:round/>
-            <a:headEnd len="med" w="med" type="none"/>
-            <a:tailEnd len="med" w="med" type="none"/>
+            <a:headEnd type="none" w="med" len="med"/>
+            <a:tailEnd type="none" w="med" len="med"/>
           </a:ln>
         </p:spPr>
       </p:cxnSp>
@@ -11361,12 +10538,12 @@
           </a:ln>
         </p:spPr>
         <p:txBody>
-          <a:bodyPr anchorCtr="0" anchor="t" bIns="91425" lIns="91425" spcFirstLastPara="1" rIns="91425" wrap="square" tIns="91425">
+          <a:bodyPr spcFirstLastPara="1" wrap="square" lIns="91425" tIns="91425" rIns="91425" bIns="91425" anchor="t" anchorCtr="0">
             <a:noAutofit/>
           </a:bodyPr>
           <a:lstStyle/>
           <a:p>
-            <a:pPr indent="0" lvl="0" marL="0" rtl="0" algn="l">
+            <a:pPr marL="0" lvl="0" indent="0" algn="l" rtl="0">
               <a:spcBef>
                 <a:spcPts val="0"/>
               </a:spcBef>
@@ -11408,14 +10585,14 @@
             <a:avLst/>
           </a:prstGeom>
           <a:noFill/>
-          <a:ln cap="flat" cmpd="sng" w="9525">
+          <a:ln w="9525" cap="flat" cmpd="sng">
             <a:solidFill>
               <a:schemeClr val="dk2"/>
             </a:solidFill>
             <a:prstDash val="solid"/>
             <a:round/>
-            <a:headEnd len="med" w="med" type="none"/>
-            <a:tailEnd len="med" w="med" type="triangle"/>
+            <a:headEnd type="none" w="med" len="med"/>
+            <a:tailEnd type="triangle" w="med" len="med"/>
           </a:ln>
         </p:spPr>
       </p:cxnSp>
@@ -11427,12 +10604,12 @@
 </p:sld>
 </file>
 
-<file path=ppt/slides/slide8.xml><?xml version="1.0" encoding="utf-8"?>
-<p:sld xmlns:a="http://schemas.openxmlformats.org/drawingml/2006/main" xmlns:r="http://schemas.openxmlformats.org/officeDocument/2006/relationships" xmlns:mc="http://schemas.openxmlformats.org/markup-compatibility/2006" xmlns:mv="urn:schemas-microsoft-com:mac:vml" xmlns:p="http://schemas.openxmlformats.org/presentationml/2006/main" xmlns:c="http://schemas.openxmlformats.org/drawingml/2006/chart" xmlns:dgm="http://schemas.openxmlformats.org/drawingml/2006/diagram" xmlns:o="urn:schemas-microsoft-com:office:office" xmlns:v="urn:schemas-microsoft-com:vml" xmlns:pvml="urn:schemas-microsoft-com:office:powerpoint" xmlns:com="http://schemas.openxmlformats.org/drawingml/2006/compatibility" xmlns:p14="http://schemas.microsoft.com/office/powerpoint/2010/main" xmlns:p15="http://schemas.microsoft.com/office/powerpoint/2012/main" xmlns:ahyp="http://schemas.microsoft.com/office/drawing/2018/hyperlinkcolor">
+<file path=ppt/slides/slide6.xml><?xml version="1.0" encoding="utf-8"?>
+<p:sld xmlns:a="http://schemas.openxmlformats.org/drawingml/2006/main" xmlns:r="http://schemas.openxmlformats.org/officeDocument/2006/relationships" xmlns:p="http://schemas.openxmlformats.org/presentationml/2006/main">
   <p:cSld>
     <p:spTree>
       <p:nvGrpSpPr>
-        <p:cNvPr id="91" name="Shape 91"/>
+        <p:cNvPr id="1" name="Shape 91"/>
         <p:cNvGrpSpPr/>
         <p:nvPr/>
       </p:nvGrpSpPr>
@@ -11447,7 +10624,9 @@
       <p:sp>
         <p:nvSpPr>
           <p:cNvPr id="92" name="Google Shape;92;p16"/>
-          <p:cNvSpPr txBox="1"/>
+          <p:cNvSpPr txBox="1">
+            <a:spLocks noGrp="1"/>
+          </p:cNvSpPr>
           <p:nvPr>
             <p:ph type="title"/>
           </p:nvPr>
@@ -11462,12 +10641,12 @@
           </a:prstGeom>
         </p:spPr>
         <p:txBody>
-          <a:bodyPr anchorCtr="0" anchor="ctr" bIns="45700" lIns="91425" spcFirstLastPara="1" rIns="91425" wrap="square" tIns="45700">
+          <a:bodyPr spcFirstLastPara="1" wrap="square" lIns="91425" tIns="45700" rIns="91425" bIns="45700" anchor="ctr" anchorCtr="0">
             <a:noAutofit/>
           </a:bodyPr>
           <a:lstStyle/>
           <a:p>
-            <a:pPr indent="0" lvl="0" marL="0" rtl="0" algn="l">
+            <a:pPr marL="0" lvl="0" indent="0" algn="l" rtl="0">
               <a:spcBef>
                 <a:spcPts val="0"/>
               </a:spcBef>
@@ -11487,9 +10666,11 @@
       <p:sp>
         <p:nvSpPr>
           <p:cNvPr id="93" name="Google Shape;93;p16"/>
-          <p:cNvSpPr txBox="1"/>
+          <p:cNvSpPr txBox="1">
+            <a:spLocks noGrp="1"/>
+          </p:cNvSpPr>
           <p:nvPr>
-            <p:ph idx="1" type="body"/>
+            <p:ph type="body" idx="1"/>
           </p:nvPr>
         </p:nvSpPr>
         <p:spPr>
@@ -11502,12 +10683,12 @@
           </a:prstGeom>
         </p:spPr>
         <p:txBody>
-          <a:bodyPr anchorCtr="0" anchor="t" bIns="45700" lIns="91425" spcFirstLastPara="1" rIns="91425" wrap="square" tIns="45700">
+          <a:bodyPr spcFirstLastPara="1" wrap="square" lIns="91425" tIns="45700" rIns="91425" bIns="45700" anchor="t" anchorCtr="0">
             <a:noAutofit/>
           </a:bodyPr>
           <a:lstStyle/>
           <a:p>
-            <a:pPr indent="-342900" lvl="0" marL="457200" rtl="0" algn="l">
+            <a:pPr marL="457200" lvl="0" indent="-342900" algn="l" rtl="0">
               <a:spcBef>
                 <a:spcPts val="640"/>
               </a:spcBef>
@@ -11524,7 +10705,7 @@
             <a:endParaRPr sz="1800"/>
           </a:p>
           <a:p>
-            <a:pPr indent="-342900" lvl="1" marL="914400" rtl="0" algn="l">
+            <a:pPr marL="914400" lvl="1" indent="-342900" algn="l" rtl="0">
               <a:spcBef>
                 <a:spcPts val="0"/>
               </a:spcBef>
@@ -11578,12 +10759,12 @@
 </p:sld>
 </file>
 
-<file path=ppt/slides/slide9.xml><?xml version="1.0" encoding="utf-8"?>
-<p:sld xmlns:a="http://schemas.openxmlformats.org/drawingml/2006/main" xmlns:r="http://schemas.openxmlformats.org/officeDocument/2006/relationships" xmlns:mc="http://schemas.openxmlformats.org/markup-compatibility/2006" xmlns:mv="urn:schemas-microsoft-com:mac:vml" xmlns:p="http://schemas.openxmlformats.org/presentationml/2006/main" xmlns:c="http://schemas.openxmlformats.org/drawingml/2006/chart" xmlns:dgm="http://schemas.openxmlformats.org/drawingml/2006/diagram" xmlns:o="urn:schemas-microsoft-com:office:office" xmlns:v="urn:schemas-microsoft-com:vml" xmlns:pvml="urn:schemas-microsoft-com:office:powerpoint" xmlns:com="http://schemas.openxmlformats.org/drawingml/2006/compatibility" xmlns:p14="http://schemas.microsoft.com/office/powerpoint/2010/main" xmlns:p15="http://schemas.microsoft.com/office/powerpoint/2012/main" xmlns:ahyp="http://schemas.microsoft.com/office/drawing/2018/hyperlinkcolor">
+<file path=ppt/slides/slide7.xml><?xml version="1.0" encoding="utf-8"?>
+<p:sld xmlns:a="http://schemas.openxmlformats.org/drawingml/2006/main" xmlns:r="http://schemas.openxmlformats.org/officeDocument/2006/relationships" xmlns:p="http://schemas.openxmlformats.org/presentationml/2006/main">
   <p:cSld>
     <p:spTree>
       <p:nvGrpSpPr>
-        <p:cNvPr id="98" name="Shape 98"/>
+        <p:cNvPr id="1" name="Shape 98"/>
         <p:cNvGrpSpPr/>
         <p:nvPr/>
       </p:nvGrpSpPr>
@@ -11598,7 +10779,9 @@
       <p:sp>
         <p:nvSpPr>
           <p:cNvPr id="99" name="Google Shape;99;p17"/>
-          <p:cNvSpPr txBox="1"/>
+          <p:cNvSpPr txBox="1">
+            <a:spLocks noGrp="1"/>
+          </p:cNvSpPr>
           <p:nvPr>
             <p:ph type="title"/>
           </p:nvPr>
@@ -11613,12 +10796,12 @@
           </a:prstGeom>
         </p:spPr>
         <p:txBody>
-          <a:bodyPr anchorCtr="0" anchor="ctr" bIns="45700" lIns="91425" spcFirstLastPara="1" rIns="91425" wrap="square" tIns="45700">
+          <a:bodyPr spcFirstLastPara="1" wrap="square" lIns="91425" tIns="45700" rIns="91425" bIns="45700" anchor="ctr" anchorCtr="0">
             <a:noAutofit/>
           </a:bodyPr>
           <a:lstStyle/>
           <a:p>
-            <a:pPr indent="0" lvl="0" marL="0" rtl="0" algn="l">
+            <a:pPr marL="0" lvl="0" indent="0" algn="l" rtl="0">
               <a:spcBef>
                 <a:spcPts val="0"/>
               </a:spcBef>
@@ -11638,9 +10821,11 @@
       <p:sp>
         <p:nvSpPr>
           <p:cNvPr id="100" name="Google Shape;100;p17"/>
-          <p:cNvSpPr txBox="1"/>
+          <p:cNvSpPr txBox="1">
+            <a:spLocks noGrp="1"/>
+          </p:cNvSpPr>
           <p:nvPr>
-            <p:ph idx="1" type="body"/>
+            <p:ph type="body" idx="1"/>
           </p:nvPr>
         </p:nvSpPr>
         <p:spPr>
@@ -11653,12 +10838,12 @@
           </a:prstGeom>
         </p:spPr>
         <p:txBody>
-          <a:bodyPr anchorCtr="0" anchor="t" bIns="45700" lIns="91425" spcFirstLastPara="1" rIns="91425" wrap="square" tIns="45700">
+          <a:bodyPr spcFirstLastPara="1" wrap="square" lIns="91425" tIns="45700" rIns="91425" bIns="45700" anchor="t" anchorCtr="0">
             <a:noAutofit/>
           </a:bodyPr>
           <a:lstStyle/>
           <a:p>
-            <a:pPr indent="-431800" lvl="0" marL="457200" rtl="0" algn="l">
+            <a:pPr marL="457200" lvl="0" indent="-431800" algn="l" rtl="0">
               <a:spcBef>
                 <a:spcPts val="640"/>
               </a:spcBef>
@@ -11670,20 +10855,12 @@
             </a:pPr>
             <a:r>
               <a:rPr lang="en"/>
-              <a:t>Artificial</a:t>
-            </a:r>
-            <a:r>
-              <a:rPr lang="en"/>
-              <a:t> </a:t>
-            </a:r>
-            <a:r>
-              <a:rPr lang="en"/>
-              <a:t>Intelligence</a:t>
+              <a:t>Artificial Intelligence</a:t>
             </a:r>
             <a:endParaRPr/>
           </a:p>
           <a:p>
-            <a:pPr indent="-342900" lvl="1" marL="914400" rtl="0" algn="l">
+            <a:pPr marL="914400" lvl="1" indent="-342900" algn="l" rtl="0">
               <a:spcBef>
                 <a:spcPts val="0"/>
               </a:spcBef>
@@ -11700,7 +10877,7 @@
             <a:endParaRPr sz="1800"/>
           </a:p>
           <a:p>
-            <a:pPr indent="-406400" lvl="1" marL="914400" rtl="0" algn="l">
+            <a:pPr marL="914400" lvl="1" indent="-406400" algn="l" rtl="0">
               <a:spcBef>
                 <a:spcPts val="0"/>
               </a:spcBef>
@@ -11717,7 +10894,7 @@
             <a:endParaRPr/>
           </a:p>
           <a:p>
-            <a:pPr indent="-342900" lvl="2" marL="1371600" rtl="0" algn="l">
+            <a:pPr marL="1371600" lvl="2" indent="-342900" algn="l" rtl="0">
               <a:spcBef>
                 <a:spcPts val="0"/>
               </a:spcBef>
@@ -11734,7 +10911,7 @@
             <a:endParaRPr sz="1800"/>
           </a:p>
           <a:p>
-            <a:pPr indent="-342900" lvl="2" marL="1371600" rtl="0" algn="l">
+            <a:pPr marL="1371600" lvl="2" indent="-342900" algn="l" rtl="0">
               <a:spcBef>
                 <a:spcPts val="0"/>
               </a:spcBef>
@@ -11746,41 +10923,29 @@
             </a:pPr>
             <a:r>
               <a:rPr lang="en" sz="1800"/>
-              <a:t>‘Traditional’ Machine Learning</a:t>
+              <a:t>‘Traditional’ Machine Learning  - Pretty much everything else</a:t>
             </a:r>
+            <a:endParaRPr sz="1800"/>
+          </a:p>
+          <a:p>
+            <a:pPr marL="1828800" lvl="3" indent="-342900" algn="l" rtl="0">
+              <a:spcBef>
+                <a:spcPts val="0"/>
+              </a:spcBef>
+              <a:spcAft>
+                <a:spcPts val="0"/>
+              </a:spcAft>
+              <a:buSzPts val="1800"/>
+              <a:buChar char="●"/>
+            </a:pPr>
             <a:r>
               <a:rPr lang="en" sz="1800"/>
-              <a:t>  - Pretty much everything else</a:t>
+              <a:t>Trees, SVMs, Linear Regression, Naive Bayes...</a:t>
             </a:r>
             <a:endParaRPr sz="1800"/>
           </a:p>
           <a:p>
-            <a:pPr indent="-342900" lvl="3" marL="1828800" rtl="0" algn="l">
-              <a:spcBef>
-                <a:spcPts val="0"/>
-              </a:spcBef>
-              <a:spcAft>
-                <a:spcPts val="0"/>
-              </a:spcAft>
-              <a:buSzPts val="1800"/>
-              <a:buChar char="●"/>
-            </a:pPr>
-            <a:r>
-              <a:rPr lang="en" sz="1800"/>
-              <a:t>Trees, SVMs, Linear Regression, </a:t>
-            </a:r>
-            <a:r>
-              <a:rPr lang="en" sz="1800"/>
-              <a:t>Naive</a:t>
-            </a:r>
-            <a:r>
-              <a:rPr lang="en" sz="1800"/>
-              <a:t> Bayes...</a:t>
-            </a:r>
-            <a:endParaRPr sz="1800"/>
-          </a:p>
-          <a:p>
-            <a:pPr indent="-406400" lvl="0" marL="457200" rtl="0" algn="l">
+            <a:pPr marL="457200" lvl="0" indent="-406400" algn="l" rtl="0">
               <a:spcBef>
                 <a:spcPts val="0"/>
               </a:spcBef>
@@ -11797,7 +10962,7 @@
             <a:endParaRPr sz="2800"/>
           </a:p>
           <a:p>
-            <a:pPr indent="-406400" lvl="0" marL="457200" rtl="0" algn="l">
+            <a:pPr marL="457200" lvl="0" indent="-406400" algn="l" rtl="0">
               <a:spcBef>
                 <a:spcPts val="0"/>
               </a:spcBef>
@@ -11814,7 +10979,7 @@
             <a:endParaRPr sz="2800"/>
           </a:p>
           <a:p>
-            <a:pPr indent="-406400" lvl="0" marL="457200" rtl="0" algn="l">
+            <a:pPr marL="457200" lvl="0" indent="-406400" algn="l" rtl="0">
               <a:spcBef>
                 <a:spcPts val="0"/>
               </a:spcBef>
@@ -11840,8 +11005,765 @@
 </p:sld>
 </file>
 
+<file path=ppt/slides/slide8.xml><?xml version="1.0" encoding="utf-8"?>
+<p:sld xmlns:a="http://schemas.openxmlformats.org/drawingml/2006/main" xmlns:r="http://schemas.openxmlformats.org/officeDocument/2006/relationships" xmlns:p="http://schemas.openxmlformats.org/presentationml/2006/main">
+  <p:cSld>
+    <p:spTree>
+      <p:nvGrpSpPr>
+        <p:cNvPr id="1" name="Shape 104"/>
+        <p:cNvGrpSpPr/>
+        <p:nvPr/>
+      </p:nvGrpSpPr>
+      <p:grpSpPr>
+        <a:xfrm>
+          <a:off x="0" y="0"/>
+          <a:ext cx="0" cy="0"/>
+          <a:chOff x="0" y="0"/>
+          <a:chExt cx="0" cy="0"/>
+        </a:xfrm>
+      </p:grpSpPr>
+      <p:sp>
+        <p:nvSpPr>
+          <p:cNvPr id="105" name="Google Shape;105;p18"/>
+          <p:cNvSpPr txBox="1">
+            <a:spLocks noGrp="1"/>
+          </p:cNvSpPr>
+          <p:nvPr>
+            <p:ph type="title"/>
+          </p:nvPr>
+        </p:nvSpPr>
+        <p:spPr>
+          <a:xfrm>
+            <a:off x="457200" y="205978"/>
+            <a:ext cx="8229600" cy="857400"/>
+          </a:xfrm>
+          <a:prstGeom prst="rect">
+            <a:avLst/>
+          </a:prstGeom>
+        </p:spPr>
+        <p:txBody>
+          <a:bodyPr spcFirstLastPara="1" wrap="square" lIns="91425" tIns="45700" rIns="91425" bIns="45700" anchor="ctr" anchorCtr="0">
+            <a:noAutofit/>
+          </a:bodyPr>
+          <a:lstStyle/>
+          <a:p>
+            <a:pPr marL="0" lvl="0" indent="0" algn="l" rtl="0">
+              <a:spcBef>
+                <a:spcPts val="0"/>
+              </a:spcBef>
+              <a:spcAft>
+                <a:spcPts val="0"/>
+              </a:spcAft>
+              <a:buNone/>
+            </a:pPr>
+            <a:r>
+              <a:rPr lang="en"/>
+              <a:t>Machine Learning</a:t>
+            </a:r>
+            <a:endParaRPr/>
+          </a:p>
+        </p:txBody>
+      </p:sp>
+      <p:sp>
+        <p:nvSpPr>
+          <p:cNvPr id="106" name="Google Shape;106;p18"/>
+          <p:cNvSpPr txBox="1">
+            <a:spLocks noGrp="1"/>
+          </p:cNvSpPr>
+          <p:nvPr>
+            <p:ph type="body" idx="1"/>
+          </p:nvPr>
+        </p:nvSpPr>
+        <p:spPr>
+          <a:xfrm>
+            <a:off x="271075" y="1123950"/>
+            <a:ext cx="8792700" cy="3817200"/>
+          </a:xfrm>
+          <a:prstGeom prst="rect">
+            <a:avLst/>
+          </a:prstGeom>
+        </p:spPr>
+        <p:txBody>
+          <a:bodyPr spcFirstLastPara="1" wrap="square" lIns="91425" tIns="45700" rIns="91425" bIns="45700" anchor="t" anchorCtr="0">
+            <a:noAutofit/>
+          </a:bodyPr>
+          <a:lstStyle/>
+          <a:p>
+            <a:pPr marL="457200" lvl="0" indent="-381000" algn="l" rtl="0">
+              <a:spcBef>
+                <a:spcPts val="640"/>
+              </a:spcBef>
+              <a:spcAft>
+                <a:spcPts val="0"/>
+              </a:spcAft>
+              <a:buSzPts val="2400"/>
+              <a:buChar char="●"/>
+            </a:pPr>
+            <a:r>
+              <a:rPr lang="en" sz="2400"/>
+              <a:t>In different works ML models try to</a:t>
+            </a:r>
+            <a:endParaRPr sz="2400"/>
+          </a:p>
+          <a:p>
+            <a:pPr marL="914400" lvl="1" indent="-381000" algn="l" rtl="0">
+              <a:spcBef>
+                <a:spcPts val="0"/>
+              </a:spcBef>
+              <a:spcAft>
+                <a:spcPts val="0"/>
+              </a:spcAft>
+              <a:buSzPts val="2400"/>
+              <a:buChar char="○"/>
+            </a:pPr>
+            <a:r>
+              <a:rPr lang="en" sz="2400"/>
+              <a:t>Find f(x) such that f(x) best approximates y</a:t>
+            </a:r>
+            <a:endParaRPr sz="2400"/>
+          </a:p>
+          <a:p>
+            <a:pPr marL="457200" lvl="0" indent="0" algn="l" rtl="0">
+              <a:spcBef>
+                <a:spcPts val="640"/>
+              </a:spcBef>
+              <a:spcAft>
+                <a:spcPts val="0"/>
+              </a:spcAft>
+              <a:buNone/>
+            </a:pPr>
+            <a:endParaRPr sz="2400"/>
+          </a:p>
+          <a:p>
+            <a:pPr marL="457200" lvl="0" indent="-381000" algn="l" rtl="0">
+              <a:spcBef>
+                <a:spcPts val="640"/>
+              </a:spcBef>
+              <a:spcAft>
+                <a:spcPts val="0"/>
+              </a:spcAft>
+              <a:buSzPts val="2400"/>
+              <a:buChar char="●"/>
+            </a:pPr>
+            <a:r>
+              <a:rPr lang="en" sz="2400"/>
+              <a:t>Examples:</a:t>
+            </a:r>
+            <a:endParaRPr sz="2400"/>
+          </a:p>
+          <a:p>
+            <a:pPr marL="914400" lvl="1" indent="-381000" algn="l" rtl="0">
+              <a:spcBef>
+                <a:spcPts val="0"/>
+              </a:spcBef>
+              <a:spcAft>
+                <a:spcPts val="0"/>
+              </a:spcAft>
+              <a:buSzPts val="2400"/>
+              <a:buChar char="○"/>
+            </a:pPr>
+            <a:r>
+              <a:rPr lang="en" sz="2400"/>
+              <a:t>Given some pixels (x) tell me the probability it’s a cat (y)</a:t>
+            </a:r>
+            <a:endParaRPr sz="2400"/>
+          </a:p>
+          <a:p>
+            <a:pPr marL="914400" lvl="1" indent="-381000" algn="l" rtl="0">
+              <a:spcBef>
+                <a:spcPts val="0"/>
+              </a:spcBef>
+              <a:spcAft>
+                <a:spcPts val="0"/>
+              </a:spcAft>
+              <a:buSzPts val="2400"/>
+              <a:buChar char="○"/>
+            </a:pPr>
+            <a:r>
+              <a:rPr lang="en" sz="2400"/>
+              <a:t>Given news articles (x) tell me a stocks value (y)</a:t>
+            </a:r>
+            <a:endParaRPr sz="2400"/>
+          </a:p>
+          <a:p>
+            <a:pPr marL="914400" lvl="0" indent="0" algn="l" rtl="0">
+              <a:spcBef>
+                <a:spcPts val="640"/>
+              </a:spcBef>
+              <a:spcAft>
+                <a:spcPts val="0"/>
+              </a:spcAft>
+              <a:buNone/>
+            </a:pPr>
+            <a:endParaRPr sz="2400"/>
+          </a:p>
+          <a:p>
+            <a:pPr marL="457200" lvl="0" indent="-381000" algn="l" rtl="0">
+              <a:spcBef>
+                <a:spcPts val="640"/>
+              </a:spcBef>
+              <a:spcAft>
+                <a:spcPts val="0"/>
+              </a:spcAft>
+              <a:buSzPts val="2400"/>
+              <a:buChar char="●"/>
+            </a:pPr>
+            <a:r>
+              <a:rPr lang="en" sz="2400"/>
+              <a:t>Important Note: No prediction of causality </a:t>
+            </a:r>
+            <a:endParaRPr sz="2400"/>
+          </a:p>
+          <a:p>
+            <a:pPr marL="457200" lvl="0" indent="-381000" algn="l" rtl="0">
+              <a:spcBef>
+                <a:spcPts val="0"/>
+              </a:spcBef>
+              <a:spcAft>
+                <a:spcPts val="0"/>
+              </a:spcAft>
+              <a:buSzPts val="2400"/>
+              <a:buChar char="●"/>
+            </a:pPr>
+            <a:r>
+              <a:rPr lang="en" sz="2400"/>
+              <a:t>Function outputs can be stochastic </a:t>
+            </a:r>
+            <a:endParaRPr sz="2400"/>
+          </a:p>
+        </p:txBody>
+      </p:sp>
+    </p:spTree>
+  </p:cSld>
+  <p:clrMapOvr>
+    <a:masterClrMapping/>
+  </p:clrMapOvr>
+</p:sld>
+</file>
+
+<file path=ppt/slides/slide9.xml><?xml version="1.0" encoding="utf-8"?>
+<p:sld xmlns:a="http://schemas.openxmlformats.org/drawingml/2006/main" xmlns:r="http://schemas.openxmlformats.org/officeDocument/2006/relationships" xmlns:p="http://schemas.openxmlformats.org/presentationml/2006/main">
+  <p:cSld>
+    <p:spTree>
+      <p:nvGrpSpPr>
+        <p:cNvPr id="1" name="Shape 110"/>
+        <p:cNvGrpSpPr/>
+        <p:nvPr/>
+      </p:nvGrpSpPr>
+      <p:grpSpPr>
+        <a:xfrm>
+          <a:off x="0" y="0"/>
+          <a:ext cx="0" cy="0"/>
+          <a:chOff x="0" y="0"/>
+          <a:chExt cx="0" cy="0"/>
+        </a:xfrm>
+      </p:grpSpPr>
+      <p:sp>
+        <p:nvSpPr>
+          <p:cNvPr id="111" name="Google Shape;111;p19"/>
+          <p:cNvSpPr txBox="1">
+            <a:spLocks noGrp="1"/>
+          </p:cNvSpPr>
+          <p:nvPr>
+            <p:ph type="title"/>
+          </p:nvPr>
+        </p:nvSpPr>
+        <p:spPr>
+          <a:xfrm>
+            <a:off x="457200" y="205978"/>
+            <a:ext cx="8229600" cy="857400"/>
+          </a:xfrm>
+          <a:prstGeom prst="rect">
+            <a:avLst/>
+          </a:prstGeom>
+        </p:spPr>
+        <p:txBody>
+          <a:bodyPr spcFirstLastPara="1" wrap="square" lIns="91425" tIns="45700" rIns="91425" bIns="45700" anchor="ctr" anchorCtr="0">
+            <a:noAutofit/>
+          </a:bodyPr>
+          <a:lstStyle/>
+          <a:p>
+            <a:pPr marL="0" lvl="0" indent="0" algn="l" rtl="0">
+              <a:spcBef>
+                <a:spcPts val="0"/>
+              </a:spcBef>
+              <a:spcAft>
+                <a:spcPts val="0"/>
+              </a:spcAft>
+              <a:buNone/>
+            </a:pPr>
+            <a:r>
+              <a:rPr lang="en"/>
+              <a:t>Deep Learning</a:t>
+            </a:r>
+            <a:endParaRPr/>
+          </a:p>
+        </p:txBody>
+      </p:sp>
+      <p:sp>
+        <p:nvSpPr>
+          <p:cNvPr id="112" name="Google Shape;112;p19"/>
+          <p:cNvSpPr txBox="1">
+            <a:spLocks noGrp="1"/>
+          </p:cNvSpPr>
+          <p:nvPr>
+            <p:ph type="body" idx="1"/>
+          </p:nvPr>
+        </p:nvSpPr>
+        <p:spPr>
+          <a:xfrm>
+            <a:off x="113250" y="1127151"/>
+            <a:ext cx="5214300" cy="2365800"/>
+          </a:xfrm>
+          <a:prstGeom prst="rect">
+            <a:avLst/>
+          </a:prstGeom>
+        </p:spPr>
+        <p:txBody>
+          <a:bodyPr spcFirstLastPara="1" wrap="square" lIns="91425" tIns="45700" rIns="91425" bIns="45700" anchor="t" anchorCtr="0">
+            <a:noAutofit/>
+          </a:bodyPr>
+          <a:lstStyle/>
+          <a:p>
+            <a:pPr marL="457200" lvl="0" indent="-381000" algn="l" rtl="0">
+              <a:spcBef>
+                <a:spcPts val="640"/>
+              </a:spcBef>
+              <a:spcAft>
+                <a:spcPts val="0"/>
+              </a:spcAft>
+              <a:buSzPts val="2400"/>
+              <a:buChar char="●"/>
+            </a:pPr>
+            <a:r>
+              <a:rPr lang="en" sz="2400"/>
+              <a:t>Very powerful method used for a host image analysis problems</a:t>
+            </a:r>
+            <a:endParaRPr sz="2400"/>
+          </a:p>
+          <a:p>
+            <a:pPr marL="457200" lvl="0" indent="-381000" algn="l" rtl="0">
+              <a:spcBef>
+                <a:spcPts val="0"/>
+              </a:spcBef>
+              <a:spcAft>
+                <a:spcPts val="0"/>
+              </a:spcAft>
+              <a:buSzPts val="2400"/>
+              <a:buChar char="●"/>
+            </a:pPr>
+            <a:r>
+              <a:rPr lang="en" sz="2400"/>
+              <a:t>Many layers often of different types</a:t>
+            </a:r>
+            <a:endParaRPr sz="2400"/>
+          </a:p>
+          <a:p>
+            <a:pPr marL="457200" lvl="0" indent="-381000" algn="l" rtl="0">
+              <a:spcBef>
+                <a:spcPts val="0"/>
+              </a:spcBef>
+              <a:spcAft>
+                <a:spcPts val="0"/>
+              </a:spcAft>
+              <a:buSzPts val="2400"/>
+              <a:buChar char="●"/>
+            </a:pPr>
+            <a:r>
+              <a:rPr lang="en" sz="2400"/>
+              <a:t>Dense, Convolutional, Dropout</a:t>
+            </a:r>
+            <a:endParaRPr sz="2400"/>
+          </a:p>
+          <a:p>
+            <a:pPr marL="0" lvl="0" indent="0" algn="l" rtl="0">
+              <a:spcBef>
+                <a:spcPts val="640"/>
+              </a:spcBef>
+              <a:spcAft>
+                <a:spcPts val="0"/>
+              </a:spcAft>
+              <a:buNone/>
+            </a:pPr>
+            <a:endParaRPr sz="2400"/>
+          </a:p>
+        </p:txBody>
+      </p:sp>
+      <p:pic>
+        <p:nvPicPr>
+          <p:cNvPr id="113" name="Google Shape;113;p19" descr="Image result for artificial neural network"/>
+          <p:cNvPicPr preferRelativeResize="0"/>
+          <p:nvPr/>
+        </p:nvPicPr>
+        <p:blipFill>
+          <a:blip r:embed="rId3">
+            <a:alphaModFix/>
+          </a:blip>
+          <a:stretch>
+            <a:fillRect/>
+          </a:stretch>
+        </p:blipFill>
+        <p:spPr>
+          <a:xfrm>
+            <a:off x="5558350" y="205975"/>
+            <a:ext cx="3585650" cy="1758825"/>
+          </a:xfrm>
+          <a:prstGeom prst="rect">
+            <a:avLst/>
+          </a:prstGeom>
+          <a:noFill/>
+          <a:ln>
+            <a:noFill/>
+          </a:ln>
+        </p:spPr>
+      </p:pic>
+      <p:pic>
+        <p:nvPicPr>
+          <p:cNvPr id="114" name="Google Shape;114;p19" descr="Image result for cnn artificial neural network"/>
+          <p:cNvPicPr preferRelativeResize="0"/>
+          <p:nvPr/>
+        </p:nvPicPr>
+        <p:blipFill>
+          <a:blip r:embed="rId4">
+            <a:alphaModFix/>
+          </a:blip>
+          <a:stretch>
+            <a:fillRect/>
+          </a:stretch>
+        </p:blipFill>
+        <p:spPr>
+          <a:xfrm>
+            <a:off x="564150" y="3194300"/>
+            <a:ext cx="5548250" cy="1913300"/>
+          </a:xfrm>
+          <a:prstGeom prst="rect">
+            <a:avLst/>
+          </a:prstGeom>
+          <a:noFill/>
+          <a:ln>
+            <a:noFill/>
+          </a:ln>
+        </p:spPr>
+      </p:pic>
+      <p:pic>
+        <p:nvPicPr>
+          <p:cNvPr id="115" name="Google Shape;115;p19"/>
+          <p:cNvPicPr preferRelativeResize="0"/>
+          <p:nvPr/>
+        </p:nvPicPr>
+        <p:blipFill>
+          <a:blip r:embed="rId5">
+            <a:alphaModFix/>
+          </a:blip>
+          <a:stretch>
+            <a:fillRect/>
+          </a:stretch>
+        </p:blipFill>
+        <p:spPr>
+          <a:xfrm>
+            <a:off x="5558338" y="1964788"/>
+            <a:ext cx="2064137" cy="666375"/>
+          </a:xfrm>
+          <a:prstGeom prst="rect">
+            <a:avLst/>
+          </a:prstGeom>
+          <a:noFill/>
+          <a:ln>
+            <a:noFill/>
+          </a:ln>
+        </p:spPr>
+      </p:pic>
+    </p:spTree>
+  </p:cSld>
+  <p:clrMapOvr>
+    <a:masterClrMapping/>
+  </p:clrMapOvr>
+</p:sld>
+</file>
+
 <file path=ppt/theme/theme1.xml><?xml version="1.0" encoding="utf-8"?>
-<a:theme xmlns:a="http://schemas.openxmlformats.org/drawingml/2006/main" xmlns:r="http://schemas.openxmlformats.org/officeDocument/2006/relationships">
+<a:theme xmlns:a="http://schemas.openxmlformats.org/drawingml/2006/main" name="Geo-green-Kievit">
+  <a:themeElements>
+    <a:clrScheme name="UO Brand">
+      <a:dk1>
+        <a:srgbClr val="007935"/>
+      </a:dk1>
+      <a:lt1>
+        <a:srgbClr val="FFFFFF"/>
+      </a:lt1>
+      <a:dk2>
+        <a:srgbClr val="54565B"/>
+      </a:dk2>
+      <a:lt2>
+        <a:srgbClr val="FEE123"/>
+      </a:lt2>
+      <a:accent1>
+        <a:srgbClr val="124734"/>
+      </a:accent1>
+      <a:accent2>
+        <a:srgbClr val="A8A8AA"/>
+      </a:accent2>
+      <a:accent3>
+        <a:srgbClr val="E1D200"/>
+      </a:accent3>
+      <a:accent4>
+        <a:srgbClr val="62A70F"/>
+      </a:accent4>
+      <a:accent5>
+        <a:srgbClr val="000000"/>
+      </a:accent5>
+      <a:accent6>
+        <a:srgbClr val="683025"/>
+      </a:accent6>
+      <a:hlink>
+        <a:srgbClr val="00AEEF"/>
+      </a:hlink>
+      <a:folHlink>
+        <a:srgbClr val="EC008C"/>
+      </a:folHlink>
+    </a:clrScheme>
+    <a:fontScheme name="Office">
+      <a:majorFont>
+        <a:latin typeface="Arial"/>
+        <a:ea typeface=""/>
+        <a:cs typeface=""/>
+        <a:font script="Jpan" typeface="ＭＳ Ｐゴシック"/>
+        <a:font script="Hang" typeface="맑은 고딕"/>
+        <a:font script="Hans" typeface="宋体"/>
+        <a:font script="Hant" typeface="新細明體"/>
+        <a:font script="Arab" typeface="Times New Roman"/>
+        <a:font script="Hebr" typeface="Times New Roman"/>
+        <a:font script="Thai" typeface="Angsana New"/>
+        <a:font script="Ethi" typeface="Nyala"/>
+        <a:font script="Beng" typeface="Vrinda"/>
+        <a:font script="Gujr" typeface="Shruti"/>
+        <a:font script="Khmr" typeface="MoolBoran"/>
+        <a:font script="Knda" typeface="Tunga"/>
+        <a:font script="Guru" typeface="Raavi"/>
+        <a:font script="Cans" typeface="Euphemia"/>
+        <a:font script="Cher" typeface="Plantagenet Cherokee"/>
+        <a:font script="Yiii" typeface="Microsoft Yi Baiti"/>
+        <a:font script="Tibt" typeface="Microsoft Himalaya"/>
+        <a:font script="Thaa" typeface="MV Boli"/>
+        <a:font script="Deva" typeface="Mangal"/>
+        <a:font script="Telu" typeface="Gautami"/>
+        <a:font script="Taml" typeface="Latha"/>
+        <a:font script="Syrc" typeface="Estrangelo Edessa"/>
+        <a:font script="Orya" typeface="Kalinga"/>
+        <a:font script="Mlym" typeface="Kartika"/>
+        <a:font script="Laoo" typeface="DokChampa"/>
+        <a:font script="Sinh" typeface="Iskoola Pota"/>
+        <a:font script="Mong" typeface="Mongolian Baiti"/>
+        <a:font script="Viet" typeface="Times New Roman"/>
+        <a:font script="Uigh" typeface="Microsoft Uighur"/>
+        <a:font script="Geor" typeface="Sylfaen"/>
+      </a:majorFont>
+      <a:minorFont>
+        <a:latin typeface="Arial"/>
+        <a:ea typeface=""/>
+        <a:cs typeface=""/>
+        <a:font script="Jpan" typeface="ＭＳ Ｐゴシック"/>
+        <a:font script="Hang" typeface="맑은 고딕"/>
+        <a:font script="Hans" typeface="宋体"/>
+        <a:font script="Hant" typeface="新細明體"/>
+        <a:font script="Arab" typeface="Arial"/>
+        <a:font script="Hebr" typeface="Arial"/>
+        <a:font script="Thai" typeface="Cordia New"/>
+        <a:font script="Ethi" typeface="Nyala"/>
+        <a:font script="Beng" typeface="Vrinda"/>
+        <a:font script="Gujr" typeface="Shruti"/>
+        <a:font script="Khmr" typeface="DaunPenh"/>
+        <a:font script="Knda" typeface="Tunga"/>
+        <a:font script="Guru" typeface="Raavi"/>
+        <a:font script="Cans" typeface="Euphemia"/>
+        <a:font script="Cher" typeface="Plantagenet Cherokee"/>
+        <a:font script="Yiii" typeface="Microsoft Yi Baiti"/>
+        <a:font script="Tibt" typeface="Microsoft Himalaya"/>
+        <a:font script="Thaa" typeface="MV Boli"/>
+        <a:font script="Deva" typeface="Mangal"/>
+        <a:font script="Telu" typeface="Gautami"/>
+        <a:font script="Taml" typeface="Latha"/>
+        <a:font script="Syrc" typeface="Estrangelo Edessa"/>
+        <a:font script="Orya" typeface="Kalinga"/>
+        <a:font script="Mlym" typeface="Kartika"/>
+        <a:font script="Laoo" typeface="DokChampa"/>
+        <a:font script="Sinh" typeface="Iskoola Pota"/>
+        <a:font script="Mong" typeface="Mongolian Baiti"/>
+        <a:font script="Viet" typeface="Arial"/>
+        <a:font script="Uigh" typeface="Microsoft Uighur"/>
+        <a:font script="Geor" typeface="Sylfaen"/>
+      </a:minorFont>
+    </a:fontScheme>
+    <a:fmtScheme name="Office">
+      <a:fillStyleLst>
+        <a:solidFill>
+          <a:schemeClr val="phClr"/>
+        </a:solidFill>
+        <a:gradFill rotWithShape="1">
+          <a:gsLst>
+            <a:gs pos="0">
+              <a:schemeClr val="phClr">
+                <a:tint val="50000"/>
+                <a:satMod val="300000"/>
+              </a:schemeClr>
+            </a:gs>
+            <a:gs pos="35000">
+              <a:schemeClr val="phClr">
+                <a:tint val="37000"/>
+                <a:satMod val="300000"/>
+              </a:schemeClr>
+            </a:gs>
+            <a:gs pos="100000">
+              <a:schemeClr val="phClr">
+                <a:tint val="15000"/>
+                <a:satMod val="350000"/>
+              </a:schemeClr>
+            </a:gs>
+          </a:gsLst>
+          <a:lin ang="16200000" scaled="1"/>
+        </a:gradFill>
+        <a:gradFill rotWithShape="1">
+          <a:gsLst>
+            <a:gs pos="0">
+              <a:schemeClr val="phClr">
+                <a:tint val="100000"/>
+                <a:shade val="100000"/>
+                <a:satMod val="130000"/>
+              </a:schemeClr>
+            </a:gs>
+            <a:gs pos="100000">
+              <a:schemeClr val="phClr">
+                <a:tint val="50000"/>
+                <a:shade val="100000"/>
+                <a:satMod val="350000"/>
+              </a:schemeClr>
+            </a:gs>
+          </a:gsLst>
+          <a:lin ang="16200000" scaled="0"/>
+        </a:gradFill>
+      </a:fillStyleLst>
+      <a:lnStyleLst>
+        <a:ln w="9525" cap="flat" cmpd="sng" algn="ctr">
+          <a:solidFill>
+            <a:schemeClr val="phClr">
+              <a:shade val="95000"/>
+              <a:satMod val="105000"/>
+            </a:schemeClr>
+          </a:solidFill>
+          <a:prstDash val="solid"/>
+        </a:ln>
+        <a:ln w="25400" cap="flat" cmpd="sng" algn="ctr">
+          <a:solidFill>
+            <a:schemeClr val="phClr"/>
+          </a:solidFill>
+          <a:prstDash val="solid"/>
+        </a:ln>
+        <a:ln w="38100" cap="flat" cmpd="sng" algn="ctr">
+          <a:solidFill>
+            <a:schemeClr val="phClr"/>
+          </a:solidFill>
+          <a:prstDash val="solid"/>
+        </a:ln>
+      </a:lnStyleLst>
+      <a:effectStyleLst>
+        <a:effectStyle>
+          <a:effectLst>
+            <a:outerShdw blurRad="40000" dist="20000" dir="5400000" rotWithShape="0">
+              <a:srgbClr val="000000">
+                <a:alpha val="38000"/>
+              </a:srgbClr>
+            </a:outerShdw>
+          </a:effectLst>
+        </a:effectStyle>
+        <a:effectStyle>
+          <a:effectLst>
+            <a:outerShdw blurRad="40000" dist="23000" dir="5400000" rotWithShape="0">
+              <a:srgbClr val="000000">
+                <a:alpha val="35000"/>
+              </a:srgbClr>
+            </a:outerShdw>
+          </a:effectLst>
+        </a:effectStyle>
+        <a:effectStyle>
+          <a:effectLst>
+            <a:outerShdw blurRad="40000" dist="23000" dir="5400000" rotWithShape="0">
+              <a:srgbClr val="000000">
+                <a:alpha val="35000"/>
+              </a:srgbClr>
+            </a:outerShdw>
+          </a:effectLst>
+          <a:scene3d>
+            <a:camera prst="orthographicFront">
+              <a:rot lat="0" lon="0" rev="0"/>
+            </a:camera>
+            <a:lightRig rig="threePt" dir="t">
+              <a:rot lat="0" lon="0" rev="1200000"/>
+            </a:lightRig>
+          </a:scene3d>
+          <a:sp3d>
+            <a:bevelT w="63500" h="25400"/>
+          </a:sp3d>
+        </a:effectStyle>
+      </a:effectStyleLst>
+      <a:bgFillStyleLst>
+        <a:solidFill>
+          <a:schemeClr val="phClr"/>
+        </a:solidFill>
+        <a:gradFill rotWithShape="1">
+          <a:gsLst>
+            <a:gs pos="0">
+              <a:schemeClr val="phClr">
+                <a:tint val="40000"/>
+                <a:satMod val="350000"/>
+              </a:schemeClr>
+            </a:gs>
+            <a:gs pos="40000">
+              <a:schemeClr val="phClr">
+                <a:tint val="45000"/>
+                <a:shade val="99000"/>
+                <a:satMod val="350000"/>
+              </a:schemeClr>
+            </a:gs>
+            <a:gs pos="100000">
+              <a:schemeClr val="phClr">
+                <a:shade val="20000"/>
+                <a:satMod val="255000"/>
+              </a:schemeClr>
+            </a:gs>
+          </a:gsLst>
+          <a:path path="circle">
+            <a:fillToRect l="50000" t="-80000" r="50000" b="180000"/>
+          </a:path>
+        </a:gradFill>
+        <a:gradFill rotWithShape="1">
+          <a:gsLst>
+            <a:gs pos="0">
+              <a:schemeClr val="phClr">
+                <a:tint val="80000"/>
+                <a:satMod val="300000"/>
+              </a:schemeClr>
+            </a:gs>
+            <a:gs pos="100000">
+              <a:schemeClr val="phClr">
+                <a:shade val="30000"/>
+                <a:satMod val="200000"/>
+              </a:schemeClr>
+            </a:gs>
+          </a:gsLst>
+          <a:path path="circle">
+            <a:fillToRect l="50000" t="50000" r="50000" b="50000"/>
+          </a:path>
+        </a:gradFill>
+      </a:bgFillStyleLst>
+    </a:fmtScheme>
+  </a:themeElements>
+  <a:objectDefaults/>
+  <a:extraClrSchemeLst/>
+</a:theme>
+</file>
+
+<file path=ppt/theme/theme2.xml><?xml version="1.0" encoding="utf-8"?>
+<a:theme xmlns:a="http://schemas.openxmlformats.org/drawingml/2006/main">
   <a:themeElements>
     <a:clrScheme name="Default">
       <a:dk1>
@@ -12116,284 +12038,7 @@
       </a:bgFillStyleLst>
     </a:fmtScheme>
   </a:themeElements>
-</a:theme>
-</file>
-
-<file path=ppt/theme/theme2.xml><?xml version="1.0" encoding="utf-8"?>
-<a:theme xmlns:a="http://schemas.openxmlformats.org/drawingml/2006/main" xmlns:r="http://schemas.openxmlformats.org/officeDocument/2006/relationships" name="Geo-green-Kievit">
-  <a:themeElements>
-    <a:clrScheme name="UO Brand">
-      <a:dk1>
-        <a:srgbClr val="007935"/>
-      </a:dk1>
-      <a:lt1>
-        <a:srgbClr val="FFFFFF"/>
-      </a:lt1>
-      <a:dk2>
-        <a:srgbClr val="54565B"/>
-      </a:dk2>
-      <a:lt2>
-        <a:srgbClr val="FEE123"/>
-      </a:lt2>
-      <a:accent1>
-        <a:srgbClr val="124734"/>
-      </a:accent1>
-      <a:accent2>
-        <a:srgbClr val="A8A8AA"/>
-      </a:accent2>
-      <a:accent3>
-        <a:srgbClr val="E1D200"/>
-      </a:accent3>
-      <a:accent4>
-        <a:srgbClr val="62A70F"/>
-      </a:accent4>
-      <a:accent5>
-        <a:srgbClr val="000000"/>
-      </a:accent5>
-      <a:accent6>
-        <a:srgbClr val="683025"/>
-      </a:accent6>
-      <a:hlink>
-        <a:srgbClr val="00AEEF"/>
-      </a:hlink>
-      <a:folHlink>
-        <a:srgbClr val="EC008C"/>
-      </a:folHlink>
-    </a:clrScheme>
-    <a:fontScheme name="Office">
-      <a:majorFont>
-        <a:latin typeface="Arial"/>
-        <a:ea typeface=""/>
-        <a:cs typeface=""/>
-        <a:font script="Jpan" typeface="ＭＳ Ｐゴシック"/>
-        <a:font script="Hang" typeface="맑은 고딕"/>
-        <a:font script="Hans" typeface="宋体"/>
-        <a:font script="Hant" typeface="新細明體"/>
-        <a:font script="Arab" typeface="Times New Roman"/>
-        <a:font script="Hebr" typeface="Times New Roman"/>
-        <a:font script="Thai" typeface="Angsana New"/>
-        <a:font script="Ethi" typeface="Nyala"/>
-        <a:font script="Beng" typeface="Vrinda"/>
-        <a:font script="Gujr" typeface="Shruti"/>
-        <a:font script="Khmr" typeface="MoolBoran"/>
-        <a:font script="Knda" typeface="Tunga"/>
-        <a:font script="Guru" typeface="Raavi"/>
-        <a:font script="Cans" typeface="Euphemia"/>
-        <a:font script="Cher" typeface="Plantagenet Cherokee"/>
-        <a:font script="Yiii" typeface="Microsoft Yi Baiti"/>
-        <a:font script="Tibt" typeface="Microsoft Himalaya"/>
-        <a:font script="Thaa" typeface="MV Boli"/>
-        <a:font script="Deva" typeface="Mangal"/>
-        <a:font script="Telu" typeface="Gautami"/>
-        <a:font script="Taml" typeface="Latha"/>
-        <a:font script="Syrc" typeface="Estrangelo Edessa"/>
-        <a:font script="Orya" typeface="Kalinga"/>
-        <a:font script="Mlym" typeface="Kartika"/>
-        <a:font script="Laoo" typeface="DokChampa"/>
-        <a:font script="Sinh" typeface="Iskoola Pota"/>
-        <a:font script="Mong" typeface="Mongolian Baiti"/>
-        <a:font script="Viet" typeface="Times New Roman"/>
-        <a:font script="Uigh" typeface="Microsoft Uighur"/>
-        <a:font script="Geor" typeface="Sylfaen"/>
-      </a:majorFont>
-      <a:minorFont>
-        <a:latin typeface="Arial"/>
-        <a:ea typeface=""/>
-        <a:cs typeface=""/>
-        <a:font script="Jpan" typeface="ＭＳ Ｐゴシック"/>
-        <a:font script="Hang" typeface="맑은 고딕"/>
-        <a:font script="Hans" typeface="宋体"/>
-        <a:font script="Hant" typeface="新細明體"/>
-        <a:font script="Arab" typeface="Arial"/>
-        <a:font script="Hebr" typeface="Arial"/>
-        <a:font script="Thai" typeface="Cordia New"/>
-        <a:font script="Ethi" typeface="Nyala"/>
-        <a:font script="Beng" typeface="Vrinda"/>
-        <a:font script="Gujr" typeface="Shruti"/>
-        <a:font script="Khmr" typeface="DaunPenh"/>
-        <a:font script="Knda" typeface="Tunga"/>
-        <a:font script="Guru" typeface="Raavi"/>
-        <a:font script="Cans" typeface="Euphemia"/>
-        <a:font script="Cher" typeface="Plantagenet Cherokee"/>
-        <a:font script="Yiii" typeface="Microsoft Yi Baiti"/>
-        <a:font script="Tibt" typeface="Microsoft Himalaya"/>
-        <a:font script="Thaa" typeface="MV Boli"/>
-        <a:font script="Deva" typeface="Mangal"/>
-        <a:font script="Telu" typeface="Gautami"/>
-        <a:font script="Taml" typeface="Latha"/>
-        <a:font script="Syrc" typeface="Estrangelo Edessa"/>
-        <a:font script="Orya" typeface="Kalinga"/>
-        <a:font script="Mlym" typeface="Kartika"/>
-        <a:font script="Laoo" typeface="DokChampa"/>
-        <a:font script="Sinh" typeface="Iskoola Pota"/>
-        <a:font script="Mong" typeface="Mongolian Baiti"/>
-        <a:font script="Viet" typeface="Arial"/>
-        <a:font script="Uigh" typeface="Microsoft Uighur"/>
-        <a:font script="Geor" typeface="Sylfaen"/>
-      </a:minorFont>
-    </a:fontScheme>
-    <a:fmtScheme name="Office">
-      <a:fillStyleLst>
-        <a:solidFill>
-          <a:schemeClr val="phClr"/>
-        </a:solidFill>
-        <a:gradFill rotWithShape="1">
-          <a:gsLst>
-            <a:gs pos="0">
-              <a:schemeClr val="phClr">
-                <a:tint val="50000"/>
-                <a:satMod val="300000"/>
-              </a:schemeClr>
-            </a:gs>
-            <a:gs pos="35000">
-              <a:schemeClr val="phClr">
-                <a:tint val="37000"/>
-                <a:satMod val="300000"/>
-              </a:schemeClr>
-            </a:gs>
-            <a:gs pos="100000">
-              <a:schemeClr val="phClr">
-                <a:tint val="15000"/>
-                <a:satMod val="350000"/>
-              </a:schemeClr>
-            </a:gs>
-          </a:gsLst>
-          <a:lin ang="16200000" scaled="1"/>
-        </a:gradFill>
-        <a:gradFill rotWithShape="1">
-          <a:gsLst>
-            <a:gs pos="0">
-              <a:schemeClr val="phClr">
-                <a:tint val="100000"/>
-                <a:shade val="100000"/>
-                <a:satMod val="130000"/>
-              </a:schemeClr>
-            </a:gs>
-            <a:gs pos="100000">
-              <a:schemeClr val="phClr">
-                <a:tint val="50000"/>
-                <a:shade val="100000"/>
-                <a:satMod val="350000"/>
-              </a:schemeClr>
-            </a:gs>
-          </a:gsLst>
-          <a:lin ang="16200000" scaled="0"/>
-        </a:gradFill>
-      </a:fillStyleLst>
-      <a:lnStyleLst>
-        <a:ln w="9525" cap="flat" cmpd="sng" algn="ctr">
-          <a:solidFill>
-            <a:schemeClr val="phClr">
-              <a:shade val="95000"/>
-              <a:satMod val="105000"/>
-            </a:schemeClr>
-          </a:solidFill>
-          <a:prstDash val="solid"/>
-        </a:ln>
-        <a:ln w="25400" cap="flat" cmpd="sng" algn="ctr">
-          <a:solidFill>
-            <a:schemeClr val="phClr"/>
-          </a:solidFill>
-          <a:prstDash val="solid"/>
-        </a:ln>
-        <a:ln w="38100" cap="flat" cmpd="sng" algn="ctr">
-          <a:solidFill>
-            <a:schemeClr val="phClr"/>
-          </a:solidFill>
-          <a:prstDash val="solid"/>
-        </a:ln>
-      </a:lnStyleLst>
-      <a:effectStyleLst>
-        <a:effectStyle>
-          <a:effectLst>
-            <a:outerShdw blurRad="40000" dist="20000" dir="5400000" rotWithShape="0">
-              <a:srgbClr val="000000">
-                <a:alpha val="38000"/>
-              </a:srgbClr>
-            </a:outerShdw>
-          </a:effectLst>
-        </a:effectStyle>
-        <a:effectStyle>
-          <a:effectLst>
-            <a:outerShdw blurRad="40000" dist="23000" dir="5400000" rotWithShape="0">
-              <a:srgbClr val="000000">
-                <a:alpha val="35000"/>
-              </a:srgbClr>
-            </a:outerShdw>
-          </a:effectLst>
-        </a:effectStyle>
-        <a:effectStyle>
-          <a:effectLst>
-            <a:outerShdw blurRad="40000" dist="23000" dir="5400000" rotWithShape="0">
-              <a:srgbClr val="000000">
-                <a:alpha val="35000"/>
-              </a:srgbClr>
-            </a:outerShdw>
-          </a:effectLst>
-          <a:scene3d>
-            <a:camera prst="orthographicFront">
-              <a:rot lat="0" lon="0" rev="0"/>
-            </a:camera>
-            <a:lightRig rig="threePt" dir="t">
-              <a:rot lat="0" lon="0" rev="1200000"/>
-            </a:lightRig>
-          </a:scene3d>
-          <a:sp3d>
-            <a:bevelT w="63500" h="25400"/>
-          </a:sp3d>
-        </a:effectStyle>
-      </a:effectStyleLst>
-      <a:bgFillStyleLst>
-        <a:solidFill>
-          <a:schemeClr val="phClr"/>
-        </a:solidFill>
-        <a:gradFill rotWithShape="1">
-          <a:gsLst>
-            <a:gs pos="0">
-              <a:schemeClr val="phClr">
-                <a:tint val="40000"/>
-                <a:satMod val="350000"/>
-              </a:schemeClr>
-            </a:gs>
-            <a:gs pos="40000">
-              <a:schemeClr val="phClr">
-                <a:tint val="45000"/>
-                <a:shade val="99000"/>
-                <a:satMod val="350000"/>
-              </a:schemeClr>
-            </a:gs>
-            <a:gs pos="100000">
-              <a:schemeClr val="phClr">
-                <a:shade val="20000"/>
-                <a:satMod val="255000"/>
-              </a:schemeClr>
-            </a:gs>
-          </a:gsLst>
-          <a:path path="circle">
-            <a:fillToRect l="50000" t="-80000" r="50000" b="180000"/>
-          </a:path>
-        </a:gradFill>
-        <a:gradFill rotWithShape="1">
-          <a:gsLst>
-            <a:gs pos="0">
-              <a:schemeClr val="phClr">
-                <a:tint val="80000"/>
-                <a:satMod val="300000"/>
-              </a:schemeClr>
-            </a:gs>
-            <a:gs pos="100000">
-              <a:schemeClr val="phClr">
-                <a:shade val="30000"/>
-                <a:satMod val="200000"/>
-              </a:schemeClr>
-            </a:gs>
-          </a:gsLst>
-          <a:path path="circle">
-            <a:fillToRect l="50000" t="50000" r="50000" b="50000"/>
-          </a:path>
-        </a:gradFill>
-      </a:bgFillStyleLst>
-    </a:fmtScheme>
-  </a:themeElements>
+  <a:objectDefaults/>
+  <a:extraClrSchemeLst/>
 </a:theme>
 </file>
--- a/slides/Introduction.pptx
+++ b/slides/Introduction.pptx
@@ -2115,7 +2115,7 @@
         </p:nvSpPr>
         <p:spPr>
           <a:xfrm>
-            <a:off x="381300" y="685800"/>
+            <a:off x="381000" y="685800"/>
             <a:ext cx="6096000" cy="3429000"/>
           </a:xfrm>
           <a:custGeom>
@@ -10441,10 +10441,10 @@
               <a:buNone/>
             </a:pPr>
             <a:r>
-              <a:rPr lang="en" sz="1800"/>
+              <a:rPr lang="en" sz="1800" dirty="0"/>
               <a:t>Rule based algorithms are difficult to design images, deep learning wins</a:t>
             </a:r>
-            <a:endParaRPr sz="1800"/>
+            <a:endParaRPr sz="1800" dirty="0"/>
           </a:p>
           <a:p>
             <a:pPr marL="457200" lvl="0" indent="0" algn="l" rtl="0">
@@ -10457,10 +10457,10 @@
               <a:buNone/>
             </a:pPr>
             <a:r>
-              <a:rPr lang="en" sz="1800"/>
+              <a:rPr lang="en" sz="1800" dirty="0"/>
               <a:t>Image-net Challenge: Identify the subject of an image out of 1000 classes </a:t>
             </a:r>
-            <a:endParaRPr sz="1800"/>
+            <a:endParaRPr sz="1800" dirty="0"/>
           </a:p>
         </p:txBody>
       </p:sp>
@@ -10526,7 +10526,7 @@
         </p:nvSpPr>
         <p:spPr>
           <a:xfrm>
-            <a:off x="2374575" y="3591225"/>
+            <a:off x="1780975" y="3354989"/>
             <a:ext cx="1325700" cy="335700"/>
           </a:xfrm>
           <a:prstGeom prst="rect">
@@ -10553,7 +10553,7 @@
               <a:buNone/>
             </a:pPr>
             <a:r>
-              <a:rPr lang="en">
+              <a:rPr lang="en" dirty="0">
                 <a:latin typeface="Helvetica Neue"/>
                 <a:ea typeface="Helvetica Neue"/>
                 <a:cs typeface="Helvetica Neue"/>
@@ -10561,7 +10561,7 @@
               </a:rPr>
               <a:t>Human Error</a:t>
             </a:r>
-            <a:endParaRPr>
+            <a:endParaRPr dirty="0">
               <a:latin typeface="Helvetica Neue"/>
               <a:ea typeface="Helvetica Neue"/>
               <a:cs typeface="Helvetica Neue"/>

--- a/slides/Introduction.pptx
+++ b/slides/Introduction.pptx
@@ -1283,7 +1283,7 @@
         </p:nvSpPr>
         <p:spPr>
           <a:xfrm>
-            <a:off x="381300" y="685800"/>
+            <a:off x="381000" y="685800"/>
             <a:ext cx="6096000" cy="3429000"/>
           </a:xfrm>
           <a:custGeom>
@@ -1803,7 +1803,7 @@
         </p:nvSpPr>
         <p:spPr>
           <a:xfrm>
-            <a:off x="381300" y="685800"/>
+            <a:off x="381000" y="685800"/>
             <a:ext cx="6096000" cy="3429000"/>
           </a:xfrm>
           <a:custGeom>
@@ -7868,7 +7868,7 @@
               <a:buChar char="●"/>
             </a:pPr>
             <a:r>
-              <a:rPr lang="en" sz="1800">
+              <a:rPr lang="en" sz="1800" dirty="0">
                 <a:solidFill>
                   <a:srgbClr val="FFFFFF"/>
                 </a:solidFill>
@@ -7879,7 +7879,7 @@
               </a:rPr>
               <a:t>Tons of implementations of basic ML tools</a:t>
             </a:r>
-            <a:endParaRPr sz="1800">
+            <a:endParaRPr sz="1800" dirty="0">
               <a:solidFill>
                 <a:srgbClr val="FFFFFF"/>
               </a:solidFill>
@@ -7905,7 +7905,7 @@
               <a:buChar char="○"/>
             </a:pPr>
             <a:r>
-              <a:rPr lang="en" sz="1800">
+              <a:rPr lang="en" sz="1800" dirty="0" err="1">
                 <a:solidFill>
                   <a:srgbClr val="FFFFFF"/>
                 </a:solidFill>
@@ -7916,7 +7916,7 @@
               </a:rPr>
               <a:t>Matlab</a:t>
             </a:r>
-            <a:endParaRPr sz="1800">
+            <a:endParaRPr sz="1800" dirty="0">
               <a:solidFill>
                 <a:srgbClr val="FFFFFF"/>
               </a:solidFill>
@@ -7942,7 +7942,7 @@
               <a:buChar char="○"/>
             </a:pPr>
             <a:r>
-              <a:rPr lang="en" sz="1800">
+              <a:rPr lang="en" sz="1800" dirty="0">
                 <a:solidFill>
                   <a:srgbClr val="FFFFFF"/>
                 </a:solidFill>
@@ -7953,7 +7953,7 @@
               </a:rPr>
               <a:t>R</a:t>
             </a:r>
-            <a:endParaRPr sz="1800">
+            <a:endParaRPr sz="1800" dirty="0">
               <a:solidFill>
                 <a:srgbClr val="FFFFFF"/>
               </a:solidFill>
@@ -7979,7 +7979,7 @@
               <a:buChar char="○"/>
             </a:pPr>
             <a:r>
-              <a:rPr lang="en" sz="1800">
+              <a:rPr lang="en" sz="1800" dirty="0">
                 <a:solidFill>
                   <a:srgbClr val="FFFFFF"/>
                 </a:solidFill>
@@ -7990,7 +7990,7 @@
               </a:rPr>
               <a:t>STAT</a:t>
             </a:r>
-            <a:endParaRPr sz="1800">
+            <a:endParaRPr sz="1800" dirty="0">
               <a:solidFill>
                 <a:srgbClr val="FFFFFF"/>
               </a:solidFill>
@@ -8016,7 +8016,7 @@
               <a:buChar char="○"/>
             </a:pPr>
             <a:r>
-              <a:rPr lang="en" sz="1800">
+              <a:rPr lang="en" sz="1800" dirty="0">
                 <a:solidFill>
                   <a:srgbClr val="FFFFFF"/>
                 </a:solidFill>
@@ -8027,7 +8027,7 @@
               </a:rPr>
               <a:t>SAS</a:t>
             </a:r>
-            <a:endParaRPr sz="1800">
+            <a:endParaRPr sz="1800" dirty="0">
               <a:solidFill>
                 <a:srgbClr val="FFFFFF"/>
               </a:solidFill>
@@ -8053,7 +8053,7 @@
               <a:buChar char="●"/>
             </a:pPr>
             <a:r>
-              <a:rPr lang="en" sz="1800">
+              <a:rPr lang="en" sz="1800" dirty="0">
                 <a:solidFill>
                   <a:srgbClr val="FFFFFF"/>
                 </a:solidFill>
@@ -8064,7 +8064,7 @@
               </a:rPr>
               <a:t>All ML research and development is happening in python </a:t>
             </a:r>
-            <a:endParaRPr sz="1800">
+            <a:endParaRPr sz="1800" dirty="0">
               <a:solidFill>
                 <a:srgbClr val="FFFFFF"/>
               </a:solidFill>
@@ -8090,7 +8090,7 @@
               <a:buChar char="○"/>
             </a:pPr>
             <a:r>
-              <a:rPr lang="en" sz="1800" b="1">
+              <a:rPr lang="en" sz="1800" b="1" dirty="0" err="1">
                 <a:solidFill>
                   <a:srgbClr val="FFFFFF"/>
                 </a:solidFill>
@@ -8101,7 +8101,7 @@
               </a:rPr>
               <a:t>Tensorflow</a:t>
             </a:r>
-            <a:endParaRPr sz="1800" b="1">
+            <a:endParaRPr sz="1800" b="1" dirty="0">
               <a:solidFill>
                 <a:srgbClr val="FFFFFF"/>
               </a:solidFill>
@@ -8127,7 +8127,7 @@
               <a:buChar char="○"/>
             </a:pPr>
             <a:r>
-              <a:rPr lang="en" sz="1800">
+              <a:rPr lang="en" sz="1800" dirty="0" err="1">
                 <a:solidFill>
                   <a:srgbClr val="FFFFFF"/>
                 </a:solidFill>
@@ -8138,7 +8138,7 @@
               </a:rPr>
               <a:t>PyTorch</a:t>
             </a:r>
-            <a:endParaRPr sz="1800">
+            <a:endParaRPr sz="1800" dirty="0">
               <a:solidFill>
                 <a:srgbClr val="FFFFFF"/>
               </a:solidFill>
@@ -8164,7 +8164,7 @@
               <a:buChar char="●"/>
             </a:pPr>
             <a:r>
-              <a:rPr lang="en" sz="1800">
+              <a:rPr lang="en" sz="1800" dirty="0">
                 <a:solidFill>
                   <a:srgbClr val="FFFFFF"/>
                 </a:solidFill>
@@ -8175,7 +8175,7 @@
               </a:rPr>
               <a:t>Deploying ML models in production a bit more diverse </a:t>
             </a:r>
-            <a:endParaRPr sz="1800">
+            <a:endParaRPr sz="1800" dirty="0">
               <a:solidFill>
                 <a:srgbClr val="FFFFFF"/>
               </a:solidFill>
@@ -8988,10 +8988,10 @@
               <a:buNone/>
             </a:pPr>
             <a:r>
-              <a:rPr lang="en"/>
+              <a:rPr lang="en" dirty="0"/>
               <a:t>What is ‘right’ </a:t>
             </a:r>
-            <a:endParaRPr/>
+            <a:endParaRPr dirty="0"/>
           </a:p>
           <a:p>
             <a:pPr marL="457200" lvl="0" indent="-431800" algn="l" rtl="0">
@@ -9005,10 +9005,10 @@
               <a:buChar char="●"/>
             </a:pPr>
             <a:r>
-              <a:rPr lang="en"/>
+              <a:rPr lang="en" dirty="0"/>
               <a:t>Some things don’t work</a:t>
             </a:r>
-            <a:endParaRPr/>
+            <a:endParaRPr dirty="0"/>
           </a:p>
           <a:p>
             <a:pPr marL="457200" lvl="0" indent="-431800" algn="l" rtl="0">
@@ -9022,10 +9022,10 @@
               <a:buChar char="●"/>
             </a:pPr>
             <a:r>
-              <a:rPr lang="en"/>
+              <a:rPr lang="en" dirty="0"/>
               <a:t>Lots of things work fine</a:t>
             </a:r>
-            <a:endParaRPr/>
+            <a:endParaRPr dirty="0"/>
           </a:p>
           <a:p>
             <a:pPr marL="457200" lvl="0" indent="-431800" algn="l" rtl="0">
@@ -9039,10 +9039,10 @@
               <a:buChar char="●"/>
             </a:pPr>
             <a:r>
-              <a:rPr lang="en"/>
+              <a:rPr lang="en" dirty="0"/>
               <a:t>What works best depends on the dataset</a:t>
             </a:r>
-            <a:endParaRPr/>
+            <a:endParaRPr dirty="0"/>
           </a:p>
           <a:p>
             <a:pPr marL="457200" lvl="0" indent="-431800" algn="l" rtl="0">
@@ -9056,10 +9056,10 @@
               <a:buChar char="●"/>
             </a:pPr>
             <a:r>
-              <a:rPr lang="en" b="1"/>
+              <a:rPr lang="en" b="1" dirty="0"/>
               <a:t>When getting started focus on what works</a:t>
             </a:r>
-            <a:endParaRPr b="1"/>
+            <a:endParaRPr b="1" dirty="0"/>
           </a:p>
           <a:p>
             <a:pPr marL="457200" lvl="0" indent="0" algn="l" rtl="0">
@@ -9071,7 +9071,7 @@
               </a:spcAft>
               <a:buNone/>
             </a:pPr>
-            <a:endParaRPr/>
+            <a:endParaRPr dirty="0"/>
           </a:p>
         </p:txBody>
       </p:sp>
@@ -9756,10 +9756,10 @@
               <a:buChar char="●"/>
             </a:pPr>
             <a:r>
-              <a:rPr lang="en" sz="1800" b="1"/>
+              <a:rPr lang="en" sz="1800" b="1" dirty="0"/>
               <a:t>Machine learning (ML) is a lot like programing</a:t>
             </a:r>
-            <a:endParaRPr sz="1800" b="1"/>
+            <a:endParaRPr sz="1800" b="1" dirty="0"/>
           </a:p>
           <a:p>
             <a:pPr marL="914400" lvl="1" indent="-342900" algn="l" rtl="0">
@@ -9773,10 +9773,10 @@
               <a:buChar char="○"/>
             </a:pPr>
             <a:r>
-              <a:rPr lang="en" sz="1800"/>
+              <a:rPr lang="en" sz="1800" dirty="0"/>
               <a:t>It’s a series of technique for telling a computer how to do something</a:t>
             </a:r>
-            <a:endParaRPr sz="1800"/>
+            <a:endParaRPr sz="1800" dirty="0"/>
           </a:p>
           <a:p>
             <a:pPr marL="914400" marR="0" lvl="1" indent="-342900" algn="l" rtl="0">
@@ -9797,13 +9797,13 @@
               <a:buChar char="○"/>
             </a:pPr>
             <a:r>
-              <a:rPr lang="en" sz="1800"/>
+              <a:rPr lang="en" sz="1800" dirty="0"/>
               <a:t>Instead of writing an algorithm with code you create a system that can learn an algorithm from data</a:t>
             </a:r>
             <a:br>
-              <a:rPr lang="en" sz="1800"/>
+              <a:rPr lang="en" sz="1800" dirty="0"/>
             </a:br>
-            <a:endParaRPr sz="1800"/>
+            <a:endParaRPr sz="1800" dirty="0"/>
           </a:p>
           <a:p>
             <a:pPr marL="457200" marR="0" lvl="0" indent="-342900" algn="l" rtl="0">
@@ -9820,10 +9820,10 @@
               <a:buChar char="●"/>
             </a:pPr>
             <a:r>
-              <a:rPr lang="en" sz="1800" b="1"/>
+              <a:rPr lang="en" sz="1800" b="1" dirty="0"/>
               <a:t>Often is not the right choice</a:t>
             </a:r>
-            <a:endParaRPr sz="1800" b="1"/>
+            <a:endParaRPr sz="1800" b="1" dirty="0"/>
           </a:p>
           <a:p>
             <a:pPr marL="914400" marR="0" lvl="1" indent="-342900" algn="l" rtl="0">
@@ -9840,10 +9840,10 @@
               <a:buChar char="○"/>
             </a:pPr>
             <a:r>
-              <a:rPr lang="en" sz="1800"/>
+              <a:rPr lang="en" sz="1800" dirty="0"/>
               <a:t>Training an ML model to add numbers</a:t>
             </a:r>
-            <a:endParaRPr sz="1800"/>
+            <a:endParaRPr sz="1800" dirty="0"/>
           </a:p>
           <a:p>
             <a:pPr marL="1371600" marR="0" lvl="2" indent="-342900" algn="l" rtl="0">
@@ -9860,10 +9860,10 @@
               <a:buChar char="■"/>
             </a:pPr>
             <a:r>
-              <a:rPr lang="en" sz="1800"/>
-              <a:t>Would take a comparatively  lot of work</a:t>
+              <a:rPr lang="en" sz="1800" dirty="0"/>
+              <a:t>Would take a lot of work</a:t>
             </a:r>
-            <a:endParaRPr sz="1800"/>
+            <a:endParaRPr sz="1800" dirty="0"/>
           </a:p>
           <a:p>
             <a:pPr marL="1371600" marR="0" lvl="2" indent="-342900" algn="l" rtl="0">
@@ -9880,13 +9880,13 @@
               <a:buChar char="■"/>
             </a:pPr>
             <a:r>
-              <a:rPr lang="en" sz="1800"/>
-              <a:t>And isn’t would be as accurate a</a:t>
+              <a:rPr lang="en" sz="1800" dirty="0"/>
+              <a:t>And would not be as accurate a</a:t>
             </a:r>
             <a:br>
-              <a:rPr lang="en" sz="1800"/>
+              <a:rPr lang="en" sz="1800" dirty="0"/>
             </a:br>
-            <a:endParaRPr sz="1800"/>
+            <a:endParaRPr sz="1800" dirty="0"/>
           </a:p>
           <a:p>
             <a:pPr marL="457200" marR="0" lvl="0" indent="-342900" algn="l" rtl="0">
@@ -9903,10 +9903,10 @@
               <a:buChar char="●"/>
             </a:pPr>
             <a:r>
-              <a:rPr lang="en" sz="1800" b="1"/>
+              <a:rPr lang="en" sz="1800" b="1" dirty="0"/>
               <a:t>Perfect when you have data but no algorithm</a:t>
             </a:r>
-            <a:endParaRPr sz="1800" b="1"/>
+            <a:endParaRPr sz="1800" b="1" dirty="0"/>
           </a:p>
           <a:p>
             <a:pPr marL="914400" marR="0" lvl="0" indent="0" algn="l" rtl="0">
@@ -9921,7 +9921,7 @@
               </a:spcAft>
               <a:buNone/>
             </a:pPr>
-            <a:endParaRPr sz="1800"/>
+            <a:endParaRPr sz="1800" dirty="0"/>
           </a:p>
         </p:txBody>
       </p:sp>
@@ -9960,14 +9960,14 @@
               <a:buNone/>
             </a:pPr>
             <a:r>
-              <a:rPr lang="en">
+              <a:rPr lang="en" dirty="0">
                 <a:solidFill>
                   <a:schemeClr val="lt1"/>
                 </a:solidFill>
               </a:rPr>
               <a:t>Besides quick coding fingers, look for a personality that can cope with failure. You almost never know what you’re doing, even if you think you do.</a:t>
             </a:r>
-            <a:endParaRPr>
+            <a:endParaRPr dirty="0">
               <a:solidFill>
                 <a:schemeClr val="lt1"/>
               </a:solidFill>
@@ -9984,7 +9984,7 @@
               <a:buNone/>
             </a:pPr>
             <a:r>
-              <a:rPr lang="en">
+              <a:rPr lang="en" dirty="0">
                 <a:solidFill>
                   <a:schemeClr val="lt1"/>
                 </a:solidFill>
@@ -9992,7 +9992,7 @@
               <a:t>--</a:t>
             </a:r>
             <a:r>
-              <a:rPr lang="en" sz="1100" b="1" u="sng">
+              <a:rPr lang="en" sz="1100" b="1" u="sng" dirty="0">
                 <a:solidFill>
                   <a:schemeClr val="hlink"/>
                 </a:solidFill>
@@ -10001,14 +10001,14 @@
               <a:t>Cassie Kozyrkov</a:t>
             </a:r>
             <a:r>
-              <a:rPr lang="en">
+              <a:rPr lang="en" dirty="0">
                 <a:solidFill>
                   <a:schemeClr val="lt1"/>
                 </a:solidFill>
               </a:rPr>
               <a:t>  Chief Decision Intelligence Engineer at Google</a:t>
             </a:r>
-            <a:endParaRPr>
+            <a:endParaRPr dirty="0">
               <a:solidFill>
                 <a:schemeClr val="lt1"/>
               </a:solidFill>
@@ -10854,10 +10854,10 @@
               <a:buChar char="●"/>
             </a:pPr>
             <a:r>
-              <a:rPr lang="en"/>
+              <a:rPr lang="en" dirty="0"/>
               <a:t>Artificial Intelligence</a:t>
             </a:r>
-            <a:endParaRPr/>
+            <a:endParaRPr dirty="0"/>
           </a:p>
           <a:p>
             <a:pPr marL="914400" lvl="1" indent="-342900" algn="l" rtl="0">
@@ -10871,10 +10871,10 @@
               <a:buChar char="○"/>
             </a:pPr>
             <a:r>
-              <a:rPr lang="en" sz="1800"/>
+              <a:rPr lang="en" sz="1800" dirty="0"/>
               <a:t>An all encompassing term for a broad field the most promising of which is currently machine learning</a:t>
             </a:r>
-            <a:endParaRPr sz="1800"/>
+            <a:endParaRPr sz="1800" dirty="0"/>
           </a:p>
           <a:p>
             <a:pPr marL="914400" lvl="1" indent="-406400" algn="l" rtl="0">
@@ -10888,10 +10888,10 @@
               <a:buChar char="○"/>
             </a:pPr>
             <a:r>
-              <a:rPr lang="en"/>
+              <a:rPr lang="en" dirty="0"/>
               <a:t>Machine Learning</a:t>
             </a:r>
-            <a:endParaRPr/>
+            <a:endParaRPr dirty="0"/>
           </a:p>
           <a:p>
             <a:pPr marL="1371600" lvl="2" indent="-342900" algn="l" rtl="0">
@@ -10905,10 +10905,10 @@
               <a:buChar char="■"/>
             </a:pPr>
             <a:r>
-              <a:rPr lang="en" sz="1800"/>
+              <a:rPr lang="en" sz="1800" dirty="0"/>
               <a:t>Deep Learning - Deep Neural Networks of all forms</a:t>
             </a:r>
-            <a:endParaRPr sz="1800"/>
+            <a:endParaRPr sz="1800" dirty="0"/>
           </a:p>
           <a:p>
             <a:pPr marL="1371600" lvl="2" indent="-342900" algn="l" rtl="0">
@@ -10922,10 +10922,10 @@
               <a:buChar char="■"/>
             </a:pPr>
             <a:r>
-              <a:rPr lang="en" sz="1800"/>
+              <a:rPr lang="en" sz="1800" dirty="0"/>
               <a:t>‘Traditional’ Machine Learning  - Pretty much everything else</a:t>
             </a:r>
-            <a:endParaRPr sz="1800"/>
+            <a:endParaRPr sz="1800" dirty="0"/>
           </a:p>
           <a:p>
             <a:pPr marL="1828800" lvl="3" indent="-342900" algn="l" rtl="0">
@@ -10939,10 +10939,10 @@
               <a:buChar char="●"/>
             </a:pPr>
             <a:r>
-              <a:rPr lang="en" sz="1800"/>
+              <a:rPr lang="en" sz="1800" dirty="0"/>
               <a:t>Trees, SVMs, Linear Regression, Naive Bayes...</a:t>
             </a:r>
-            <a:endParaRPr sz="1800"/>
+            <a:endParaRPr sz="1800" dirty="0"/>
           </a:p>
           <a:p>
             <a:pPr marL="457200" lvl="0" indent="-406400" algn="l" rtl="0">
@@ -10956,10 +10956,10 @@
               <a:buChar char="●"/>
             </a:pPr>
             <a:r>
-              <a:rPr lang="en" sz="2800"/>
+              <a:rPr lang="en" sz="2800" dirty="0"/>
               <a:t>X’s = Input variables</a:t>
             </a:r>
-            <a:endParaRPr sz="2800"/>
+            <a:endParaRPr sz="2800" dirty="0"/>
           </a:p>
           <a:p>
             <a:pPr marL="457200" lvl="0" indent="-406400" algn="l" rtl="0">
@@ -10973,10 +10973,10 @@
               <a:buChar char="●"/>
             </a:pPr>
             <a:r>
-              <a:rPr lang="en" sz="2800"/>
+              <a:rPr lang="en" sz="2800" dirty="0"/>
               <a:t>Y’s = Target Variables</a:t>
             </a:r>
-            <a:endParaRPr sz="2800"/>
+            <a:endParaRPr sz="2800" dirty="0"/>
           </a:p>
           <a:p>
             <a:pPr marL="457200" lvl="0" indent="-406400" algn="l" rtl="0">
@@ -10990,10 +10990,10 @@
               <a:buChar char="●"/>
             </a:pPr>
             <a:r>
-              <a:rPr lang="en" sz="2800"/>
+              <a:rPr lang="en" sz="2800" dirty="0"/>
               <a:t>Loss function - Numerical Goal of the Model</a:t>
             </a:r>
-            <a:endParaRPr sz="2800"/>
+            <a:endParaRPr sz="2800" dirty="0"/>
           </a:p>
         </p:txBody>
       </p:sp>
@@ -11336,10 +11336,10 @@
               <a:buChar char="●"/>
             </a:pPr>
             <a:r>
-              <a:rPr lang="en" sz="2400"/>
+              <a:rPr lang="en" sz="2400" dirty="0"/>
               <a:t>Very powerful method used for a host image analysis problems</a:t>
             </a:r>
-            <a:endParaRPr sz="2400"/>
+            <a:endParaRPr sz="2400" dirty="0"/>
           </a:p>
           <a:p>
             <a:pPr marL="457200" lvl="0" indent="-381000" algn="l" rtl="0">
@@ -11353,10 +11353,10 @@
               <a:buChar char="●"/>
             </a:pPr>
             <a:r>
-              <a:rPr lang="en" sz="2400"/>
+              <a:rPr lang="en" sz="2400" dirty="0"/>
               <a:t>Many layers often of different types</a:t>
             </a:r>
-            <a:endParaRPr sz="2400"/>
+            <a:endParaRPr sz="2400" dirty="0"/>
           </a:p>
           <a:p>
             <a:pPr marL="457200" lvl="0" indent="-381000" algn="l" rtl="0">
@@ -11370,10 +11370,10 @@
               <a:buChar char="●"/>
             </a:pPr>
             <a:r>
-              <a:rPr lang="en" sz="2400"/>
+              <a:rPr lang="en" sz="2400" dirty="0"/>
               <a:t>Dense, Convolutional, Dropout</a:t>
             </a:r>
-            <a:endParaRPr sz="2400"/>
+            <a:endParaRPr sz="2400" dirty="0"/>
           </a:p>
           <a:p>
             <a:pPr marL="0" lvl="0" indent="0" algn="l" rtl="0">
@@ -11385,7 +11385,7 @@
               </a:spcAft>
               <a:buNone/>
             </a:pPr>
-            <a:endParaRPr sz="2400"/>
+            <a:endParaRPr sz="2400" dirty="0"/>
           </a:p>
         </p:txBody>
       </p:sp>
